--- a/Presentación1.pptx
+++ b/Presentación1.pptx
@@ -10,7 +10,18 @@
     <p:sldId id="259" r:id="rId4"/>
     <p:sldId id="258" r:id="rId5"/>
     <p:sldId id="260" r:id="rId6"/>
-    <p:sldId id="261" r:id="rId7"/>
+    <p:sldId id="267" r:id="rId7"/>
+    <p:sldId id="266" r:id="rId8"/>
+    <p:sldId id="261" r:id="rId9"/>
+    <p:sldId id="262" r:id="rId10"/>
+    <p:sldId id="263" r:id="rId11"/>
+    <p:sldId id="264" r:id="rId12"/>
+    <p:sldId id="265" r:id="rId13"/>
+    <p:sldId id="268" r:id="rId14"/>
+    <p:sldId id="269" r:id="rId15"/>
+    <p:sldId id="270" r:id="rId16"/>
+    <p:sldId id="271" r:id="rId17"/>
+    <p:sldId id="272" r:id="rId18"/>
   </p:sldIdLst>
   <p:sldSz cx="12192000" cy="6858000"/>
   <p:notesSz cx="6858000" cy="9144000"/>
@@ -266,7 +277,7 @@
           <a:p>
             <a:fld id="{F42B13DB-78C3-41F4-B8AD-F2B9EFFC1885}" type="datetimeFigureOut">
               <a:rPr lang="es-AR" smtClean="0"/>
-              <a:t>3/9/2018</a:t>
+              <a:t>12/9/2018</a:t>
             </a:fld>
             <a:endParaRPr lang="es-AR"/>
           </a:p>
@@ -466,7 +477,7 @@
           <a:p>
             <a:fld id="{F42B13DB-78C3-41F4-B8AD-F2B9EFFC1885}" type="datetimeFigureOut">
               <a:rPr lang="es-AR" smtClean="0"/>
-              <a:t>3/9/2018</a:t>
+              <a:t>12/9/2018</a:t>
             </a:fld>
             <a:endParaRPr lang="es-AR"/>
           </a:p>
@@ -676,7 +687,7 @@
           <a:p>
             <a:fld id="{F42B13DB-78C3-41F4-B8AD-F2B9EFFC1885}" type="datetimeFigureOut">
               <a:rPr lang="es-AR" smtClean="0"/>
-              <a:t>3/9/2018</a:t>
+              <a:t>12/9/2018</a:t>
             </a:fld>
             <a:endParaRPr lang="es-AR"/>
           </a:p>
@@ -876,7 +887,7 @@
           <a:p>
             <a:fld id="{F42B13DB-78C3-41F4-B8AD-F2B9EFFC1885}" type="datetimeFigureOut">
               <a:rPr lang="es-AR" smtClean="0"/>
-              <a:t>3/9/2018</a:t>
+              <a:t>12/9/2018</a:t>
             </a:fld>
             <a:endParaRPr lang="es-AR"/>
           </a:p>
@@ -1152,7 +1163,7 @@
           <a:p>
             <a:fld id="{F42B13DB-78C3-41F4-B8AD-F2B9EFFC1885}" type="datetimeFigureOut">
               <a:rPr lang="es-AR" smtClean="0"/>
-              <a:t>3/9/2018</a:t>
+              <a:t>12/9/2018</a:t>
             </a:fld>
             <a:endParaRPr lang="es-AR"/>
           </a:p>
@@ -1420,7 +1431,7 @@
           <a:p>
             <a:fld id="{F42B13DB-78C3-41F4-B8AD-F2B9EFFC1885}" type="datetimeFigureOut">
               <a:rPr lang="es-AR" smtClean="0"/>
-              <a:t>3/9/2018</a:t>
+              <a:t>12/9/2018</a:t>
             </a:fld>
             <a:endParaRPr lang="es-AR"/>
           </a:p>
@@ -1835,7 +1846,7 @@
           <a:p>
             <a:fld id="{F42B13DB-78C3-41F4-B8AD-F2B9EFFC1885}" type="datetimeFigureOut">
               <a:rPr lang="es-AR" smtClean="0"/>
-              <a:t>3/9/2018</a:t>
+              <a:t>12/9/2018</a:t>
             </a:fld>
             <a:endParaRPr lang="es-AR"/>
           </a:p>
@@ -1977,7 +1988,7 @@
           <a:p>
             <a:fld id="{F42B13DB-78C3-41F4-B8AD-F2B9EFFC1885}" type="datetimeFigureOut">
               <a:rPr lang="es-AR" smtClean="0"/>
-              <a:t>3/9/2018</a:t>
+              <a:t>12/9/2018</a:t>
             </a:fld>
             <a:endParaRPr lang="es-AR"/>
           </a:p>
@@ -2090,7 +2101,7 @@
           <a:p>
             <a:fld id="{F42B13DB-78C3-41F4-B8AD-F2B9EFFC1885}" type="datetimeFigureOut">
               <a:rPr lang="es-AR" smtClean="0"/>
-              <a:t>3/9/2018</a:t>
+              <a:t>12/9/2018</a:t>
             </a:fld>
             <a:endParaRPr lang="es-AR"/>
           </a:p>
@@ -2403,7 +2414,7 @@
           <a:p>
             <a:fld id="{F42B13DB-78C3-41F4-B8AD-F2B9EFFC1885}" type="datetimeFigureOut">
               <a:rPr lang="es-AR" smtClean="0"/>
-              <a:t>3/9/2018</a:t>
+              <a:t>12/9/2018</a:t>
             </a:fld>
             <a:endParaRPr lang="es-AR"/>
           </a:p>
@@ -2692,7 +2703,7 @@
           <a:p>
             <a:fld id="{F42B13DB-78C3-41F4-B8AD-F2B9EFFC1885}" type="datetimeFigureOut">
               <a:rPr lang="es-AR" smtClean="0"/>
-              <a:t>3/9/2018</a:t>
+              <a:t>12/9/2018</a:t>
             </a:fld>
             <a:endParaRPr lang="es-AR"/>
           </a:p>
@@ -2935,7 +2946,7 @@
           <a:p>
             <a:fld id="{F42B13DB-78C3-41F4-B8AD-F2B9EFFC1885}" type="datetimeFigureOut">
               <a:rPr lang="es-AR" smtClean="0"/>
-              <a:t>3/9/2018</a:t>
+              <a:t>12/9/2018</a:t>
             </a:fld>
             <a:endParaRPr lang="es-AR"/>
           </a:p>
@@ -3580,6 +3591,2601 @@
 </p:sld>
 </file>
 
+<file path=ppt/slides/slide10.xml><?xml version="1.0" encoding="utf-8"?>
+<p:sld xmlns:a="http://schemas.openxmlformats.org/drawingml/2006/main" xmlns:r="http://schemas.openxmlformats.org/officeDocument/2006/relationships" xmlns:p="http://schemas.openxmlformats.org/presentationml/2006/main">
+  <p:cSld>
+    <p:spTree>
+      <p:nvGrpSpPr>
+        <p:cNvPr id="1" name=""/>
+        <p:cNvGrpSpPr/>
+        <p:nvPr/>
+      </p:nvGrpSpPr>
+      <p:grpSpPr>
+        <a:xfrm>
+          <a:off x="0" y="0"/>
+          <a:ext cx="0" cy="0"/>
+          <a:chOff x="0" y="0"/>
+          <a:chExt cx="0" cy="0"/>
+        </a:xfrm>
+      </p:grpSpPr>
+      <p:sp>
+        <p:nvSpPr>
+          <p:cNvPr id="2" name="CuadroTexto 1">
+            <a:extLst>
+              <a:ext uri="{FF2B5EF4-FFF2-40B4-BE49-F238E27FC236}">
+                <a16:creationId xmlns:a16="http://schemas.microsoft.com/office/drawing/2014/main" id="{E7821063-8664-46C6-9B3C-5B7064BB682D}"/>
+              </a:ext>
+            </a:extLst>
+          </p:cNvPr>
+          <p:cNvSpPr txBox="1"/>
+          <p:nvPr/>
+        </p:nvSpPr>
+        <p:spPr>
+          <a:xfrm>
+            <a:off x="159489" y="21265"/>
+            <a:ext cx="11706446" cy="6586418"/>
+          </a:xfrm>
+          <a:prstGeom prst="rect">
+            <a:avLst/>
+          </a:prstGeom>
+          <a:noFill/>
+        </p:spPr>
+        <p:txBody>
+          <a:bodyPr wrap="square" rtlCol="0">
+            <a:spAutoFit/>
+          </a:bodyPr>
+          <a:lstStyle/>
+          <a:p>
+            <a:pPr algn="ctr"/>
+            <a:r>
+              <a:rPr lang="es-AR" sz="4000" u="sng" dirty="0">
+                <a:solidFill>
+                  <a:schemeClr val="tx1">
+                    <a:lumMod val="65000"/>
+                    <a:lumOff val="35000"/>
+                  </a:schemeClr>
+                </a:solidFill>
+                <a:latin typeface="+mj-lt"/>
+                <a:ea typeface="+mj-ea"/>
+                <a:cs typeface="+mj-cs"/>
+              </a:rPr>
+              <a:t>Listas</a:t>
+            </a:r>
+          </a:p>
+          <a:p>
+            <a:endParaRPr lang="es-AR" dirty="0"/>
+          </a:p>
+          <a:p>
+            <a:r>
+              <a:rPr lang="es-AR" sz="2800" dirty="0">
+                <a:solidFill>
+                  <a:schemeClr val="tx1">
+                    <a:tint val="75000"/>
+                  </a:schemeClr>
+                </a:solidFill>
+              </a:rPr>
+              <a:t>Listas no ordenadas: En estas listas no importa el orden. Esta formada ítem de listas</a:t>
+            </a:r>
+          </a:p>
+          <a:p>
+            <a:pPr>
+              <a:lnSpc>
+                <a:spcPct val="70000"/>
+              </a:lnSpc>
+              <a:spcBef>
+                <a:spcPts val="1000"/>
+              </a:spcBef>
+            </a:pPr>
+            <a:r>
+              <a:rPr lang="es-AR" sz="2800" dirty="0">
+                <a:solidFill>
+                  <a:schemeClr val="tx1">
+                    <a:tint val="75000"/>
+                  </a:schemeClr>
+                </a:solidFill>
+              </a:rPr>
+              <a:t>Ejemplos.   </a:t>
+            </a:r>
+            <a:r>
+              <a:rPr lang="es-AR" sz="2800" dirty="0">
+                <a:solidFill>
+                  <a:schemeClr val="tx1">
+                    <a:lumMod val="75000"/>
+                    <a:lumOff val="25000"/>
+                  </a:schemeClr>
+                </a:solidFill>
+              </a:rPr>
+              <a:t>&lt;</a:t>
+            </a:r>
+            <a:r>
+              <a:rPr lang="es-AR" sz="2800" dirty="0" err="1">
+                <a:solidFill>
+                  <a:schemeClr val="tx1">
+                    <a:lumMod val="75000"/>
+                    <a:lumOff val="25000"/>
+                  </a:schemeClr>
+                </a:solidFill>
+              </a:rPr>
+              <a:t>ul</a:t>
+            </a:r>
+            <a:r>
+              <a:rPr lang="es-AR" sz="2800" dirty="0">
+                <a:solidFill>
+                  <a:schemeClr val="tx1">
+                    <a:lumMod val="75000"/>
+                    <a:lumOff val="25000"/>
+                  </a:schemeClr>
+                </a:solidFill>
+              </a:rPr>
+              <a:t>&gt;</a:t>
+            </a:r>
+          </a:p>
+          <a:p>
+            <a:pPr>
+              <a:lnSpc>
+                <a:spcPct val="70000"/>
+              </a:lnSpc>
+              <a:spcBef>
+                <a:spcPts val="1000"/>
+              </a:spcBef>
+            </a:pPr>
+            <a:r>
+              <a:rPr lang="es-AR" sz="2800" dirty="0">
+                <a:solidFill>
+                  <a:schemeClr val="tx1">
+                    <a:lumMod val="75000"/>
+                    <a:lumOff val="25000"/>
+                  </a:schemeClr>
+                </a:solidFill>
+              </a:rPr>
+              <a:t>                          &lt;li&gt;Argentina&lt;/li&gt;</a:t>
+            </a:r>
+          </a:p>
+          <a:p>
+            <a:pPr>
+              <a:lnSpc>
+                <a:spcPct val="70000"/>
+              </a:lnSpc>
+              <a:spcBef>
+                <a:spcPts val="1000"/>
+              </a:spcBef>
+            </a:pPr>
+            <a:r>
+              <a:rPr lang="es-AR" sz="2800" dirty="0">
+                <a:solidFill>
+                  <a:schemeClr val="tx1">
+                    <a:lumMod val="75000"/>
+                    <a:lumOff val="25000"/>
+                  </a:schemeClr>
+                </a:solidFill>
+              </a:rPr>
+              <a:t>                           &lt;li&gt;Perú&lt;/li&gt;</a:t>
+            </a:r>
+          </a:p>
+          <a:p>
+            <a:pPr>
+              <a:lnSpc>
+                <a:spcPct val="70000"/>
+              </a:lnSpc>
+              <a:spcBef>
+                <a:spcPts val="1000"/>
+              </a:spcBef>
+            </a:pPr>
+            <a:r>
+              <a:rPr lang="es-AR" sz="2800" dirty="0">
+                <a:solidFill>
+                  <a:schemeClr val="tx1">
+                    <a:lumMod val="75000"/>
+                    <a:lumOff val="25000"/>
+                  </a:schemeClr>
+                </a:solidFill>
+              </a:rPr>
+              <a:t>                           &lt;li&gt;Chile&lt;/li&gt;</a:t>
+            </a:r>
+          </a:p>
+          <a:p>
+            <a:pPr>
+              <a:lnSpc>
+                <a:spcPct val="70000"/>
+              </a:lnSpc>
+              <a:spcBef>
+                <a:spcPts val="1000"/>
+              </a:spcBef>
+            </a:pPr>
+            <a:r>
+              <a:rPr lang="es-AR" sz="2800" dirty="0">
+                <a:solidFill>
+                  <a:schemeClr val="tx1">
+                    <a:lumMod val="75000"/>
+                    <a:lumOff val="25000"/>
+                  </a:schemeClr>
+                </a:solidFill>
+              </a:rPr>
+              <a:t>                      &lt;/</a:t>
+            </a:r>
+            <a:r>
+              <a:rPr lang="es-AR" sz="2800" dirty="0" err="1">
+                <a:solidFill>
+                  <a:schemeClr val="tx1">
+                    <a:lumMod val="75000"/>
+                    <a:lumOff val="25000"/>
+                  </a:schemeClr>
+                </a:solidFill>
+              </a:rPr>
+              <a:t>ul</a:t>
+            </a:r>
+            <a:r>
+              <a:rPr lang="es-AR" sz="2800" dirty="0">
+                <a:solidFill>
+                  <a:schemeClr val="tx1">
+                    <a:lumMod val="75000"/>
+                    <a:lumOff val="25000"/>
+                  </a:schemeClr>
+                </a:solidFill>
+              </a:rPr>
+              <a:t>&gt;</a:t>
+            </a:r>
+          </a:p>
+          <a:p>
+            <a:r>
+              <a:rPr lang="es-AR" sz="2800" dirty="0">
+                <a:solidFill>
+                  <a:schemeClr val="tx1">
+                    <a:tint val="75000"/>
+                  </a:schemeClr>
+                </a:solidFill>
+              </a:rPr>
+              <a:t>Listas ordenadas: En estas listas importa el orden.</a:t>
+            </a:r>
+          </a:p>
+          <a:p>
+            <a:pPr>
+              <a:lnSpc>
+                <a:spcPct val="70000"/>
+              </a:lnSpc>
+              <a:spcBef>
+                <a:spcPts val="1000"/>
+              </a:spcBef>
+            </a:pPr>
+            <a:r>
+              <a:rPr lang="es-AR" sz="2800" dirty="0">
+                <a:solidFill>
+                  <a:schemeClr val="tx1">
+                    <a:tint val="75000"/>
+                  </a:schemeClr>
+                </a:solidFill>
+              </a:rPr>
+              <a:t>Ejemplo. </a:t>
+            </a:r>
+            <a:r>
+              <a:rPr lang="es-AR" sz="2800" dirty="0">
+                <a:solidFill>
+                  <a:schemeClr val="tx1">
+                    <a:lumMod val="75000"/>
+                    <a:lumOff val="25000"/>
+                  </a:schemeClr>
+                </a:solidFill>
+              </a:rPr>
+              <a:t>&lt;</a:t>
+            </a:r>
+            <a:r>
+              <a:rPr lang="es-AR" sz="2800" dirty="0" err="1">
+                <a:solidFill>
+                  <a:schemeClr val="tx1">
+                    <a:lumMod val="75000"/>
+                    <a:lumOff val="25000"/>
+                  </a:schemeClr>
+                </a:solidFill>
+              </a:rPr>
+              <a:t>ol</a:t>
+            </a:r>
+            <a:r>
+              <a:rPr lang="es-AR" sz="2800" dirty="0">
+                <a:solidFill>
+                  <a:schemeClr val="tx1">
+                    <a:lumMod val="75000"/>
+                    <a:lumOff val="25000"/>
+                  </a:schemeClr>
+                </a:solidFill>
+              </a:rPr>
+              <a:t>&gt;</a:t>
+            </a:r>
+          </a:p>
+          <a:p>
+            <a:pPr>
+              <a:lnSpc>
+                <a:spcPct val="70000"/>
+              </a:lnSpc>
+              <a:spcBef>
+                <a:spcPts val="1000"/>
+              </a:spcBef>
+            </a:pPr>
+            <a:r>
+              <a:rPr lang="es-AR" sz="2800" dirty="0">
+                <a:solidFill>
+                  <a:schemeClr val="tx1">
+                    <a:lumMod val="75000"/>
+                    <a:lumOff val="25000"/>
+                  </a:schemeClr>
+                </a:solidFill>
+              </a:rPr>
+              <a:t>    		&lt;li&gt;Primer elemento&lt;/li&gt;</a:t>
+            </a:r>
+          </a:p>
+          <a:p>
+            <a:pPr>
+              <a:lnSpc>
+                <a:spcPct val="70000"/>
+              </a:lnSpc>
+              <a:spcBef>
+                <a:spcPts val="1000"/>
+              </a:spcBef>
+            </a:pPr>
+            <a:r>
+              <a:rPr lang="es-AR" sz="2800" dirty="0">
+                <a:solidFill>
+                  <a:schemeClr val="tx1">
+                    <a:lumMod val="75000"/>
+                    <a:lumOff val="25000"/>
+                  </a:schemeClr>
+                </a:solidFill>
+              </a:rPr>
+              <a:t>   		&lt;li&gt;Segundo elemento&lt;/li&gt;</a:t>
+            </a:r>
+          </a:p>
+          <a:p>
+            <a:pPr>
+              <a:lnSpc>
+                <a:spcPct val="70000"/>
+              </a:lnSpc>
+              <a:spcBef>
+                <a:spcPts val="1000"/>
+              </a:spcBef>
+            </a:pPr>
+            <a:r>
+              <a:rPr lang="es-AR" sz="2800" dirty="0">
+                <a:solidFill>
+                  <a:schemeClr val="tx1">
+                    <a:lumMod val="75000"/>
+                    <a:lumOff val="25000"/>
+                  </a:schemeClr>
+                </a:solidFill>
+              </a:rPr>
+              <a:t>   		&lt;li&gt;Tercer elemento&lt;/li&gt;</a:t>
+            </a:r>
+          </a:p>
+          <a:p>
+            <a:pPr>
+              <a:lnSpc>
+                <a:spcPct val="70000"/>
+              </a:lnSpc>
+              <a:spcBef>
+                <a:spcPts val="1000"/>
+              </a:spcBef>
+            </a:pPr>
+            <a:r>
+              <a:rPr lang="es-AR" sz="2800" dirty="0">
+                <a:solidFill>
+                  <a:schemeClr val="tx1">
+                    <a:lumMod val="75000"/>
+                    <a:lumOff val="25000"/>
+                  </a:schemeClr>
+                </a:solidFill>
+              </a:rPr>
+              <a:t>                 &lt;/</a:t>
+            </a:r>
+            <a:r>
+              <a:rPr lang="es-AR" sz="2800" dirty="0" err="1">
+                <a:solidFill>
+                  <a:schemeClr val="tx1">
+                    <a:lumMod val="75000"/>
+                    <a:lumOff val="25000"/>
+                  </a:schemeClr>
+                </a:solidFill>
+              </a:rPr>
+              <a:t>ol</a:t>
+            </a:r>
+            <a:r>
+              <a:rPr lang="es-AR" sz="2800" dirty="0">
+                <a:solidFill>
+                  <a:schemeClr val="tx1">
+                    <a:lumMod val="75000"/>
+                    <a:lumOff val="25000"/>
+                  </a:schemeClr>
+                </a:solidFill>
+              </a:rPr>
+              <a:t>&gt;</a:t>
+            </a:r>
+          </a:p>
+        </p:txBody>
+      </p:sp>
+      <p:pic>
+        <p:nvPicPr>
+          <p:cNvPr id="3" name="Imagen 2">
+            <a:extLst>
+              <a:ext uri="{FF2B5EF4-FFF2-40B4-BE49-F238E27FC236}">
+                <a16:creationId xmlns:a16="http://schemas.microsoft.com/office/drawing/2014/main" id="{52244BC4-7791-4C5D-B193-3D45D303DFBF}"/>
+              </a:ext>
+            </a:extLst>
+          </p:cNvPr>
+          <p:cNvPicPr>
+            <a:picLocks noChangeAspect="1"/>
+          </p:cNvPicPr>
+          <p:nvPr/>
+        </p:nvPicPr>
+        <p:blipFill>
+          <a:blip r:embed="rId2"/>
+          <a:stretch>
+            <a:fillRect/>
+          </a:stretch>
+        </p:blipFill>
+        <p:spPr>
+          <a:xfrm>
+            <a:off x="6720330" y="2484253"/>
+            <a:ext cx="1661670" cy="944747"/>
+          </a:xfrm>
+          <a:prstGeom prst="rect">
+            <a:avLst/>
+          </a:prstGeom>
+        </p:spPr>
+      </p:pic>
+      <p:pic>
+        <p:nvPicPr>
+          <p:cNvPr id="5" name="Imagen 4">
+            <a:extLst>
+              <a:ext uri="{FF2B5EF4-FFF2-40B4-BE49-F238E27FC236}">
+                <a16:creationId xmlns:a16="http://schemas.microsoft.com/office/drawing/2014/main" id="{AABD0B02-C293-4825-8A58-3BF4015419BE}"/>
+              </a:ext>
+            </a:extLst>
+          </p:cNvPr>
+          <p:cNvPicPr>
+            <a:picLocks noChangeAspect="1"/>
+          </p:cNvPicPr>
+          <p:nvPr/>
+        </p:nvPicPr>
+        <p:blipFill>
+          <a:blip r:embed="rId3"/>
+          <a:stretch>
+            <a:fillRect/>
+          </a:stretch>
+        </p:blipFill>
+        <p:spPr>
+          <a:xfrm>
+            <a:off x="6858001" y="4718640"/>
+            <a:ext cx="1968500" cy="1491659"/>
+          </a:xfrm>
+          <a:prstGeom prst="rect">
+            <a:avLst/>
+          </a:prstGeom>
+        </p:spPr>
+      </p:pic>
+    </p:spTree>
+    <p:extLst>
+      <p:ext uri="{BB962C8B-B14F-4D97-AF65-F5344CB8AC3E}">
+        <p14:creationId xmlns:p14="http://schemas.microsoft.com/office/powerpoint/2010/main" val="2248106675"/>
+      </p:ext>
+    </p:extLst>
+  </p:cSld>
+  <p:clrMapOvr>
+    <a:masterClrMapping/>
+  </p:clrMapOvr>
+</p:sld>
+</file>
+
+<file path=ppt/slides/slide11.xml><?xml version="1.0" encoding="utf-8"?>
+<p:sld xmlns:a="http://schemas.openxmlformats.org/drawingml/2006/main" xmlns:r="http://schemas.openxmlformats.org/officeDocument/2006/relationships" xmlns:p="http://schemas.openxmlformats.org/presentationml/2006/main">
+  <p:cSld>
+    <p:spTree>
+      <p:nvGrpSpPr>
+        <p:cNvPr id="1" name=""/>
+        <p:cNvGrpSpPr/>
+        <p:nvPr/>
+      </p:nvGrpSpPr>
+      <p:grpSpPr>
+        <a:xfrm>
+          <a:off x="0" y="0"/>
+          <a:ext cx="0" cy="0"/>
+          <a:chOff x="0" y="0"/>
+          <a:chExt cx="0" cy="0"/>
+        </a:xfrm>
+      </p:grpSpPr>
+      <p:sp>
+        <p:nvSpPr>
+          <p:cNvPr id="4" name="CuadroTexto 3">
+            <a:extLst>
+              <a:ext uri="{FF2B5EF4-FFF2-40B4-BE49-F238E27FC236}">
+                <a16:creationId xmlns:a16="http://schemas.microsoft.com/office/drawing/2014/main" id="{602FB3E5-D534-4140-A37F-0C7AEE3FD8D2}"/>
+              </a:ext>
+            </a:extLst>
+          </p:cNvPr>
+          <p:cNvSpPr txBox="1"/>
+          <p:nvPr/>
+        </p:nvSpPr>
+        <p:spPr>
+          <a:xfrm>
+            <a:off x="0" y="292100"/>
+            <a:ext cx="12192000" cy="1815882"/>
+          </a:xfrm>
+          <a:prstGeom prst="rect">
+            <a:avLst/>
+          </a:prstGeom>
+          <a:noFill/>
+        </p:spPr>
+        <p:txBody>
+          <a:bodyPr wrap="square" rtlCol="0">
+            <a:spAutoFit/>
+          </a:bodyPr>
+          <a:lstStyle/>
+          <a:p>
+            <a:pPr algn="ctr"/>
+            <a:r>
+              <a:rPr lang="es-AR" sz="4000" u="sng" dirty="0">
+                <a:solidFill>
+                  <a:schemeClr val="tx1">
+                    <a:lumMod val="65000"/>
+                    <a:lumOff val="35000"/>
+                  </a:schemeClr>
+                </a:solidFill>
+                <a:latin typeface="+mj-lt"/>
+                <a:ea typeface="+mj-ea"/>
+                <a:cs typeface="+mj-cs"/>
+              </a:rPr>
+              <a:t>Lista de definición.</a:t>
+            </a:r>
+          </a:p>
+          <a:p>
+            <a:endParaRPr lang="es-AR" dirty="0"/>
+          </a:p>
+          <a:p>
+            <a:r>
+              <a:rPr lang="es-AR" sz="2700" dirty="0">
+                <a:solidFill>
+                  <a:schemeClr val="tx1">
+                    <a:tint val="75000"/>
+                  </a:schemeClr>
+                </a:solidFill>
+              </a:rPr>
+              <a:t>Esta compuesta por dl: lista de definición, dt: termino de definición, dd: descripción de definición.</a:t>
+            </a:r>
+          </a:p>
+        </p:txBody>
+      </p:sp>
+      <p:sp>
+        <p:nvSpPr>
+          <p:cNvPr id="5" name="Rectángulo 4">
+            <a:extLst>
+              <a:ext uri="{FF2B5EF4-FFF2-40B4-BE49-F238E27FC236}">
+                <a16:creationId xmlns:a16="http://schemas.microsoft.com/office/drawing/2014/main" id="{31E9140C-F578-4F9F-AE7B-49FA3EE46D4E}"/>
+              </a:ext>
+            </a:extLst>
+          </p:cNvPr>
+          <p:cNvSpPr/>
+          <p:nvPr/>
+        </p:nvSpPr>
+        <p:spPr>
+          <a:xfrm>
+            <a:off x="215900" y="2196664"/>
+            <a:ext cx="7150100" cy="4524315"/>
+          </a:xfrm>
+          <a:prstGeom prst="rect">
+            <a:avLst/>
+          </a:prstGeom>
+        </p:spPr>
+        <p:txBody>
+          <a:bodyPr wrap="square">
+            <a:spAutoFit/>
+          </a:bodyPr>
+          <a:lstStyle/>
+          <a:p>
+            <a:r>
+              <a:rPr lang="es-AR" dirty="0"/>
+              <a:t>&lt;dl&gt;</a:t>
+            </a:r>
+          </a:p>
+          <a:p>
+            <a:r>
+              <a:rPr lang="es-AR" dirty="0"/>
+              <a:t>  &lt;dt&gt;SGML&lt;/dt&gt;</a:t>
+            </a:r>
+          </a:p>
+          <a:p>
+            <a:r>
+              <a:rPr lang="es-AR" dirty="0"/>
+              <a:t>  &lt;dd&gt;Metalenguaje para la definición de otros lenguajes de marcado&lt;/dd&gt;  </a:t>
+            </a:r>
+          </a:p>
+          <a:p>
+            <a:r>
+              <a:rPr lang="es-AR" dirty="0"/>
+              <a:t>  </a:t>
+            </a:r>
+          </a:p>
+          <a:p>
+            <a:r>
+              <a:rPr lang="es-AR" dirty="0"/>
+              <a:t>  &lt;dt&gt;XML&lt;/dt&gt;</a:t>
+            </a:r>
+          </a:p>
+          <a:p>
+            <a:r>
+              <a:rPr lang="es-AR" dirty="0"/>
+              <a:t>  &lt;dd&gt;Lenguaje basado en SGML y que se emplea para describir datos&lt;/dd&gt;</a:t>
+            </a:r>
+          </a:p>
+          <a:p>
+            <a:endParaRPr lang="es-AR" dirty="0"/>
+          </a:p>
+          <a:p>
+            <a:r>
+              <a:rPr lang="es-AR" dirty="0"/>
+              <a:t>  &lt;dt&gt;RSS&lt;/dt&gt;</a:t>
+            </a:r>
+          </a:p>
+          <a:p>
+            <a:r>
+              <a:rPr lang="es-AR" dirty="0"/>
+              <a:t>  &lt;dt&gt;GML&lt;/dt&gt;</a:t>
+            </a:r>
+          </a:p>
+          <a:p>
+            <a:r>
+              <a:rPr lang="es-AR" dirty="0"/>
+              <a:t>  &lt;dt&gt;XHTML&lt;/dt&gt;</a:t>
+            </a:r>
+          </a:p>
+          <a:p>
+            <a:r>
+              <a:rPr lang="es-AR" dirty="0"/>
+              <a:t>  &lt;dt&gt;SVG&lt;/dt&gt;</a:t>
+            </a:r>
+          </a:p>
+          <a:p>
+            <a:r>
+              <a:rPr lang="es-AR" dirty="0"/>
+              <a:t>  &lt;dt&gt;XUL&lt;/dt&gt;</a:t>
+            </a:r>
+          </a:p>
+          <a:p>
+            <a:r>
+              <a:rPr lang="es-AR" dirty="0"/>
+              <a:t>  &lt;dd&gt;Lenguajes derivados de XML para determinadas aplicaciones&lt;/dd&gt;</a:t>
+            </a:r>
+          </a:p>
+          <a:p>
+            <a:r>
+              <a:rPr lang="es-AR" dirty="0"/>
+              <a:t>&lt;/dl&gt;</a:t>
+            </a:r>
+          </a:p>
+        </p:txBody>
+      </p:sp>
+      <p:pic>
+        <p:nvPicPr>
+          <p:cNvPr id="6" name="Imagen 5">
+            <a:extLst>
+              <a:ext uri="{FF2B5EF4-FFF2-40B4-BE49-F238E27FC236}">
+                <a16:creationId xmlns:a16="http://schemas.microsoft.com/office/drawing/2014/main" id="{6BE78F7D-3F1E-420C-A209-E3DD1FCF1A32}"/>
+              </a:ext>
+            </a:extLst>
+          </p:cNvPr>
+          <p:cNvPicPr>
+            <a:picLocks noChangeAspect="1"/>
+          </p:cNvPicPr>
+          <p:nvPr/>
+        </p:nvPicPr>
+        <p:blipFill>
+          <a:blip r:embed="rId2"/>
+          <a:stretch>
+            <a:fillRect/>
+          </a:stretch>
+        </p:blipFill>
+        <p:spPr>
+          <a:xfrm>
+            <a:off x="6540500" y="2667000"/>
+            <a:ext cx="5321300" cy="2921000"/>
+          </a:xfrm>
+          <a:prstGeom prst="rect">
+            <a:avLst/>
+          </a:prstGeom>
+        </p:spPr>
+      </p:pic>
+    </p:spTree>
+    <p:extLst>
+      <p:ext uri="{BB962C8B-B14F-4D97-AF65-F5344CB8AC3E}">
+        <p14:creationId xmlns:p14="http://schemas.microsoft.com/office/powerpoint/2010/main" val="1389903414"/>
+      </p:ext>
+    </p:extLst>
+  </p:cSld>
+  <p:clrMapOvr>
+    <a:masterClrMapping/>
+  </p:clrMapOvr>
+</p:sld>
+</file>
+
+<file path=ppt/slides/slide12.xml><?xml version="1.0" encoding="utf-8"?>
+<p:sld xmlns:a="http://schemas.openxmlformats.org/drawingml/2006/main" xmlns:r="http://schemas.openxmlformats.org/officeDocument/2006/relationships" xmlns:p="http://schemas.openxmlformats.org/presentationml/2006/main">
+  <p:cSld>
+    <p:spTree>
+      <p:nvGrpSpPr>
+        <p:cNvPr id="1" name=""/>
+        <p:cNvGrpSpPr/>
+        <p:nvPr/>
+      </p:nvGrpSpPr>
+      <p:grpSpPr>
+        <a:xfrm>
+          <a:off x="0" y="0"/>
+          <a:ext cx="0" cy="0"/>
+          <a:chOff x="0" y="0"/>
+          <a:chExt cx="0" cy="0"/>
+        </a:xfrm>
+      </p:grpSpPr>
+      <p:sp>
+        <p:nvSpPr>
+          <p:cNvPr id="2" name="CuadroTexto 1">
+            <a:extLst>
+              <a:ext uri="{FF2B5EF4-FFF2-40B4-BE49-F238E27FC236}">
+                <a16:creationId xmlns:a16="http://schemas.microsoft.com/office/drawing/2014/main" id="{48ECA980-4011-450C-8D8A-954C047FFBC0}"/>
+              </a:ext>
+            </a:extLst>
+          </p:cNvPr>
+          <p:cNvSpPr txBox="1"/>
+          <p:nvPr/>
+        </p:nvSpPr>
+        <p:spPr>
+          <a:xfrm>
+            <a:off x="127589" y="151179"/>
+            <a:ext cx="12053777" cy="6555641"/>
+          </a:xfrm>
+          <a:prstGeom prst="rect">
+            <a:avLst/>
+          </a:prstGeom>
+          <a:noFill/>
+        </p:spPr>
+        <p:txBody>
+          <a:bodyPr wrap="square" rtlCol="0">
+            <a:spAutoFit/>
+          </a:bodyPr>
+          <a:lstStyle/>
+          <a:p>
+            <a:pPr algn="ctr"/>
+            <a:r>
+              <a:rPr lang="es-AR" sz="4000" u="sng" dirty="0">
+                <a:solidFill>
+                  <a:schemeClr val="tx1">
+                    <a:lumMod val="65000"/>
+                    <a:lumOff val="35000"/>
+                  </a:schemeClr>
+                </a:solidFill>
+                <a:latin typeface="+mj-lt"/>
+                <a:ea typeface="+mj-ea"/>
+                <a:cs typeface="+mj-cs"/>
+              </a:rPr>
+              <a:t>Imágenes</a:t>
+            </a:r>
+          </a:p>
+          <a:p>
+            <a:endParaRPr lang="es-AR" dirty="0"/>
+          </a:p>
+          <a:p>
+            <a:r>
+              <a:rPr lang="es-AR" sz="2800" dirty="0">
+                <a:solidFill>
+                  <a:schemeClr val="tx1">
+                    <a:tint val="75000"/>
+                  </a:schemeClr>
+                </a:solidFill>
+              </a:rPr>
+              <a:t>Para insertar una imagen se utiliza la etiqueta &lt;</a:t>
+            </a:r>
+            <a:r>
+              <a:rPr lang="es-AR" sz="2800" dirty="0" err="1">
+                <a:solidFill>
+                  <a:schemeClr val="tx1">
+                    <a:tint val="75000"/>
+                  </a:schemeClr>
+                </a:solidFill>
+              </a:rPr>
+              <a:t>img</a:t>
+            </a:r>
+            <a:r>
+              <a:rPr lang="es-AR" sz="2800" dirty="0">
+                <a:solidFill>
+                  <a:schemeClr val="tx1">
+                    <a:tint val="75000"/>
+                  </a:schemeClr>
+                </a:solidFill>
+              </a:rPr>
+              <a:t>&gt;. Es una etiqueta </a:t>
+            </a:r>
+            <a:r>
+              <a:rPr lang="es-AR" sz="2800" dirty="0" err="1">
+                <a:solidFill>
+                  <a:schemeClr val="tx1">
+                    <a:tint val="75000"/>
+                  </a:schemeClr>
+                </a:solidFill>
+              </a:rPr>
+              <a:t>inline</a:t>
+            </a:r>
+            <a:r>
+              <a:rPr lang="es-AR" sz="2800" dirty="0">
+                <a:solidFill>
+                  <a:schemeClr val="tx1">
+                    <a:tint val="75000"/>
+                  </a:schemeClr>
+                </a:solidFill>
+              </a:rPr>
+              <a:t>, que no tiene etiqueta de cierre.</a:t>
+            </a:r>
+          </a:p>
+          <a:p>
+            <a:r>
+              <a:rPr lang="es-AR" sz="2800" dirty="0">
+                <a:solidFill>
+                  <a:schemeClr val="tx1">
+                    <a:tint val="75000"/>
+                  </a:schemeClr>
+                </a:solidFill>
+              </a:rPr>
+              <a:t>Los atributos que tiene son:</a:t>
+            </a:r>
+          </a:p>
+          <a:p>
+            <a:pPr lvl="2"/>
+            <a:r>
+              <a:rPr lang="es-AR" sz="2800" dirty="0" err="1">
+                <a:solidFill>
+                  <a:schemeClr val="tx1">
+                    <a:lumMod val="75000"/>
+                    <a:lumOff val="25000"/>
+                  </a:schemeClr>
+                </a:solidFill>
+              </a:rPr>
+              <a:t>src</a:t>
+            </a:r>
+            <a:r>
+              <a:rPr lang="es-AR" sz="2800" dirty="0">
+                <a:solidFill>
+                  <a:schemeClr val="tx1">
+                    <a:tint val="75000"/>
+                  </a:schemeClr>
+                </a:solidFill>
+              </a:rPr>
+              <a:t>: es la </a:t>
+            </a:r>
+            <a:r>
+              <a:rPr lang="es-AR" sz="2800" dirty="0" err="1">
+                <a:solidFill>
+                  <a:schemeClr val="tx1">
+                    <a:tint val="75000"/>
+                  </a:schemeClr>
+                </a:solidFill>
+              </a:rPr>
+              <a:t>url</a:t>
+            </a:r>
+            <a:r>
+              <a:rPr lang="es-AR" sz="2800" dirty="0">
+                <a:solidFill>
+                  <a:schemeClr val="tx1">
+                    <a:tint val="75000"/>
+                  </a:schemeClr>
+                </a:solidFill>
+              </a:rPr>
+              <a:t> de la imagen que se muestra.</a:t>
+            </a:r>
+          </a:p>
+          <a:p>
+            <a:pPr lvl="2"/>
+            <a:r>
+              <a:rPr lang="es-AR" sz="2800" dirty="0" err="1">
+                <a:solidFill>
+                  <a:schemeClr val="tx1">
+                    <a:lumMod val="75000"/>
+                    <a:lumOff val="25000"/>
+                  </a:schemeClr>
+                </a:solidFill>
+              </a:rPr>
+              <a:t>alt</a:t>
+            </a:r>
+            <a:r>
+              <a:rPr lang="es-AR" sz="2800" dirty="0">
+                <a:solidFill>
+                  <a:schemeClr val="tx1">
+                    <a:tint val="75000"/>
+                  </a:schemeClr>
+                </a:solidFill>
+              </a:rPr>
+              <a:t>: texto que se muestra cuando no se encuentra la imagen.</a:t>
+            </a:r>
+          </a:p>
+          <a:p>
+            <a:pPr lvl="2"/>
+            <a:r>
+              <a:rPr lang="es-AR" sz="2800" dirty="0" err="1">
+                <a:solidFill>
+                  <a:schemeClr val="tx1">
+                    <a:lumMod val="75000"/>
+                    <a:lumOff val="25000"/>
+                  </a:schemeClr>
+                </a:solidFill>
+              </a:rPr>
+              <a:t>width</a:t>
+            </a:r>
+            <a:r>
+              <a:rPr lang="es-AR" sz="2800" dirty="0">
+                <a:solidFill>
+                  <a:schemeClr val="tx1">
+                    <a:tint val="75000"/>
+                  </a:schemeClr>
+                </a:solidFill>
+              </a:rPr>
+              <a:t> y </a:t>
+            </a:r>
+            <a:r>
+              <a:rPr lang="es-AR" sz="2800" dirty="0" err="1">
+                <a:solidFill>
+                  <a:schemeClr val="tx1">
+                    <a:lumMod val="75000"/>
+                    <a:lumOff val="25000"/>
+                  </a:schemeClr>
+                </a:solidFill>
+              </a:rPr>
+              <a:t>height</a:t>
+            </a:r>
+            <a:r>
+              <a:rPr lang="es-AR" sz="2800" dirty="0">
+                <a:solidFill>
+                  <a:schemeClr val="tx1">
+                    <a:tint val="75000"/>
+                  </a:schemeClr>
+                </a:solidFill>
+              </a:rPr>
+              <a:t> ancho y alto de la imagen.</a:t>
+            </a:r>
+          </a:p>
+          <a:p>
+            <a:pPr>
+              <a:lnSpc>
+                <a:spcPct val="70000"/>
+              </a:lnSpc>
+              <a:spcBef>
+                <a:spcPts val="1000"/>
+              </a:spcBef>
+            </a:pPr>
+            <a:r>
+              <a:rPr lang="es-AR" sz="2800" dirty="0">
+                <a:solidFill>
+                  <a:schemeClr val="tx1">
+                    <a:lumMod val="75000"/>
+                    <a:lumOff val="25000"/>
+                  </a:schemeClr>
+                </a:solidFill>
+              </a:rPr>
+              <a:t>&lt;p&gt;</a:t>
+            </a:r>
+          </a:p>
+          <a:p>
+            <a:r>
+              <a:rPr lang="es-AR" sz="2800" dirty="0">
+                <a:solidFill>
+                  <a:schemeClr val="tx1">
+                    <a:tint val="75000"/>
+                  </a:schemeClr>
+                </a:solidFill>
+              </a:rPr>
+              <a:t>      </a:t>
+            </a:r>
+            <a:r>
+              <a:rPr lang="es-AR" sz="2800" dirty="0" err="1">
+                <a:solidFill>
+                  <a:schemeClr val="tx1">
+                    <a:tint val="75000"/>
+                  </a:schemeClr>
+                </a:solidFill>
+              </a:rPr>
+              <a:t>Lorem</a:t>
+            </a:r>
+            <a:r>
+              <a:rPr lang="es-AR" sz="2800" dirty="0">
+                <a:solidFill>
+                  <a:schemeClr val="tx1">
+                    <a:tint val="75000"/>
+                  </a:schemeClr>
+                </a:solidFill>
+              </a:rPr>
+              <a:t> </a:t>
+            </a:r>
+            <a:r>
+              <a:rPr lang="es-AR" sz="2800" dirty="0" err="1">
+                <a:solidFill>
+                  <a:schemeClr val="tx1">
+                    <a:tint val="75000"/>
+                  </a:schemeClr>
+                </a:solidFill>
+              </a:rPr>
+              <a:t>ipsum</a:t>
+            </a:r>
+            <a:r>
+              <a:rPr lang="es-AR" sz="2800" dirty="0">
+                <a:solidFill>
+                  <a:schemeClr val="tx1">
+                    <a:tint val="75000"/>
+                  </a:schemeClr>
+                </a:solidFill>
+              </a:rPr>
+              <a:t> dolor </a:t>
+            </a:r>
+            <a:r>
+              <a:rPr lang="es-AR" sz="2800" dirty="0" err="1">
+                <a:solidFill>
+                  <a:schemeClr val="tx1">
+                    <a:tint val="75000"/>
+                  </a:schemeClr>
+                </a:solidFill>
+              </a:rPr>
+              <a:t>sit</a:t>
+            </a:r>
+            <a:r>
+              <a:rPr lang="es-AR" sz="2800" dirty="0">
+                <a:solidFill>
+                  <a:schemeClr val="tx1">
+                    <a:tint val="75000"/>
+                  </a:schemeClr>
+                </a:solidFill>
+              </a:rPr>
+              <a:t> </a:t>
+            </a:r>
+            <a:r>
+              <a:rPr lang="es-AR" sz="2800" dirty="0" err="1">
+                <a:solidFill>
+                  <a:schemeClr val="tx1">
+                    <a:tint val="75000"/>
+                  </a:schemeClr>
+                </a:solidFill>
+              </a:rPr>
+              <a:t>amet</a:t>
+            </a:r>
+            <a:r>
+              <a:rPr lang="es-AR" sz="2800" dirty="0">
+                <a:solidFill>
+                  <a:schemeClr val="tx1">
+                    <a:tint val="75000"/>
+                  </a:schemeClr>
+                </a:solidFill>
+              </a:rPr>
+              <a:t>,</a:t>
+            </a:r>
+          </a:p>
+          <a:p>
+            <a:r>
+              <a:rPr lang="es-AR" sz="2800" dirty="0">
+                <a:solidFill>
+                  <a:schemeClr val="tx1">
+                    <a:tint val="75000"/>
+                  </a:schemeClr>
+                </a:solidFill>
+              </a:rPr>
+              <a:t>        </a:t>
+            </a:r>
+            <a:r>
+              <a:rPr lang="es-AR" sz="2800" dirty="0">
+                <a:solidFill>
+                  <a:schemeClr val="tx1">
+                    <a:lumMod val="75000"/>
+                    <a:lumOff val="25000"/>
+                  </a:schemeClr>
+                </a:solidFill>
+              </a:rPr>
+              <a:t>&lt;</a:t>
+            </a:r>
+            <a:r>
+              <a:rPr lang="es-AR" sz="2800" dirty="0" err="1">
+                <a:solidFill>
+                  <a:schemeClr val="tx1">
+                    <a:lumMod val="75000"/>
+                    <a:lumOff val="25000"/>
+                  </a:schemeClr>
+                </a:solidFill>
+              </a:rPr>
+              <a:t>img</a:t>
+            </a:r>
+            <a:r>
+              <a:rPr lang="es-AR" sz="2800" dirty="0">
+                <a:solidFill>
+                  <a:schemeClr val="tx1">
+                    <a:lumMod val="75000"/>
+                    <a:lumOff val="25000"/>
+                  </a:schemeClr>
+                </a:solidFill>
+              </a:rPr>
+              <a:t> </a:t>
+            </a:r>
+            <a:r>
+              <a:rPr lang="es-AR" sz="2800" dirty="0" err="1">
+                <a:solidFill>
+                  <a:schemeClr val="tx1">
+                    <a:lumMod val="75000"/>
+                    <a:lumOff val="25000"/>
+                  </a:schemeClr>
+                </a:solidFill>
+              </a:rPr>
+              <a:t>src</a:t>
+            </a:r>
+            <a:r>
+              <a:rPr lang="es-AR" sz="2800" dirty="0">
+                <a:solidFill>
+                  <a:schemeClr val="tx1">
+                    <a:lumMod val="75000"/>
+                    <a:lumOff val="25000"/>
+                  </a:schemeClr>
+                </a:solidFill>
+              </a:rPr>
+              <a:t>="</a:t>
+            </a:r>
+            <a:r>
+              <a:rPr lang="es-AR" sz="2800" dirty="0" err="1">
+                <a:solidFill>
+                  <a:schemeClr val="tx1">
+                    <a:lumMod val="75000"/>
+                    <a:lumOff val="25000"/>
+                  </a:schemeClr>
+                </a:solidFill>
+              </a:rPr>
+              <a:t>img</a:t>
+            </a:r>
+            <a:r>
+              <a:rPr lang="es-AR" sz="2800" dirty="0">
+                <a:solidFill>
+                  <a:schemeClr val="tx1">
+                    <a:lumMod val="75000"/>
+                    <a:lumOff val="25000"/>
+                  </a:schemeClr>
+                </a:solidFill>
+              </a:rPr>
+              <a:t>/schnauzer.jpg" </a:t>
+            </a:r>
+            <a:r>
+              <a:rPr lang="es-AR" sz="2800" dirty="0" err="1">
+                <a:solidFill>
+                  <a:schemeClr val="tx1">
+                    <a:lumMod val="75000"/>
+                    <a:lumOff val="25000"/>
+                  </a:schemeClr>
+                </a:solidFill>
+              </a:rPr>
+              <a:t>alt</a:t>
+            </a:r>
+            <a:r>
+              <a:rPr lang="es-AR" sz="2800" dirty="0">
+                <a:solidFill>
+                  <a:schemeClr val="tx1">
+                    <a:lumMod val="75000"/>
+                    <a:lumOff val="25000"/>
+                  </a:schemeClr>
+                </a:solidFill>
+              </a:rPr>
+              <a:t>="Perrito </a:t>
+            </a:r>
+            <a:r>
+              <a:rPr lang="es-AR" sz="2800" dirty="0" err="1">
+                <a:solidFill>
+                  <a:schemeClr val="tx1">
+                    <a:lumMod val="75000"/>
+                    <a:lumOff val="25000"/>
+                  </a:schemeClr>
+                </a:solidFill>
+              </a:rPr>
+              <a:t>schnauzer</a:t>
+            </a:r>
+            <a:r>
+              <a:rPr lang="es-AR" sz="2800" dirty="0">
+                <a:solidFill>
+                  <a:schemeClr val="tx1">
+                    <a:lumMod val="75000"/>
+                    <a:lumOff val="25000"/>
+                  </a:schemeClr>
+                </a:solidFill>
+              </a:rPr>
+              <a:t>"&gt;</a:t>
+            </a:r>
+          </a:p>
+          <a:p>
+            <a:r>
+              <a:rPr lang="es-AR" sz="2800" dirty="0">
+                <a:solidFill>
+                  <a:schemeClr val="tx1">
+                    <a:tint val="75000"/>
+                  </a:schemeClr>
+                </a:solidFill>
+              </a:rPr>
+              <a:t>       </a:t>
+            </a:r>
+            <a:r>
+              <a:rPr lang="es-AR" sz="2800" dirty="0" err="1">
+                <a:solidFill>
+                  <a:schemeClr val="tx1">
+                    <a:tint val="75000"/>
+                  </a:schemeClr>
+                </a:solidFill>
+              </a:rPr>
+              <a:t>consectetur</a:t>
+            </a:r>
+            <a:r>
+              <a:rPr lang="es-AR" sz="2800" dirty="0">
+                <a:solidFill>
+                  <a:schemeClr val="tx1">
+                    <a:tint val="75000"/>
+                  </a:schemeClr>
+                </a:solidFill>
+              </a:rPr>
+              <a:t> </a:t>
+            </a:r>
+            <a:r>
+              <a:rPr lang="es-AR" sz="2800" dirty="0" err="1">
+                <a:solidFill>
+                  <a:schemeClr val="tx1">
+                    <a:tint val="75000"/>
+                  </a:schemeClr>
+                </a:solidFill>
+              </a:rPr>
+              <a:t>adipisicing</a:t>
+            </a:r>
+            <a:r>
+              <a:rPr lang="es-AR" sz="2800" dirty="0">
+                <a:solidFill>
+                  <a:schemeClr val="tx1">
+                    <a:tint val="75000"/>
+                  </a:schemeClr>
+                </a:solidFill>
+              </a:rPr>
+              <a:t> </a:t>
+            </a:r>
+            <a:r>
+              <a:rPr lang="es-AR" sz="2800" dirty="0" err="1">
+                <a:solidFill>
+                  <a:schemeClr val="tx1">
+                    <a:tint val="75000"/>
+                  </a:schemeClr>
+                </a:solidFill>
+              </a:rPr>
+              <a:t>elit</a:t>
+            </a:r>
+            <a:endParaRPr lang="es-AR" sz="2800" dirty="0">
+              <a:solidFill>
+                <a:schemeClr val="tx1">
+                  <a:tint val="75000"/>
+                </a:schemeClr>
+              </a:solidFill>
+            </a:endParaRPr>
+          </a:p>
+          <a:p>
+            <a:r>
+              <a:rPr lang="es-AR" sz="2800" dirty="0">
+                <a:solidFill>
+                  <a:schemeClr val="tx1">
+                    <a:tint val="75000"/>
+                  </a:schemeClr>
+                </a:solidFill>
+              </a:rPr>
+              <a:t>    </a:t>
+            </a:r>
+            <a:r>
+              <a:rPr lang="es-AR" sz="2800" dirty="0">
+                <a:solidFill>
+                  <a:schemeClr val="tx1">
+                    <a:lumMod val="75000"/>
+                    <a:lumOff val="25000"/>
+                  </a:schemeClr>
+                </a:solidFill>
+              </a:rPr>
+              <a:t>&lt;/p&gt;</a:t>
+            </a:r>
+          </a:p>
+          <a:p>
+            <a:endParaRPr lang="es-AR" dirty="0"/>
+          </a:p>
+          <a:p>
+            <a:endParaRPr lang="es-AR" dirty="0"/>
+          </a:p>
+          <a:p>
+            <a:endParaRPr lang="es-AR" dirty="0"/>
+          </a:p>
+        </p:txBody>
+      </p:sp>
+      <p:pic>
+        <p:nvPicPr>
+          <p:cNvPr id="3" name="Imagen 2">
+            <a:extLst>
+              <a:ext uri="{FF2B5EF4-FFF2-40B4-BE49-F238E27FC236}">
+                <a16:creationId xmlns:a16="http://schemas.microsoft.com/office/drawing/2014/main" id="{47FCC270-751D-421D-8FF5-2893EB16BAB0}"/>
+              </a:ext>
+            </a:extLst>
+          </p:cNvPr>
+          <p:cNvPicPr>
+            <a:picLocks noChangeAspect="1"/>
+          </p:cNvPicPr>
+          <p:nvPr/>
+        </p:nvPicPr>
+        <p:blipFill>
+          <a:blip r:embed="rId2"/>
+          <a:stretch>
+            <a:fillRect/>
+          </a:stretch>
+        </p:blipFill>
+        <p:spPr>
+          <a:xfrm>
+            <a:off x="5752213" y="5119355"/>
+            <a:ext cx="6223811" cy="1430301"/>
+          </a:xfrm>
+          <a:prstGeom prst="rect">
+            <a:avLst/>
+          </a:prstGeom>
+        </p:spPr>
+      </p:pic>
+    </p:spTree>
+    <p:extLst>
+      <p:ext uri="{BB962C8B-B14F-4D97-AF65-F5344CB8AC3E}">
+        <p14:creationId xmlns:p14="http://schemas.microsoft.com/office/powerpoint/2010/main" val="493179824"/>
+      </p:ext>
+    </p:extLst>
+  </p:cSld>
+  <p:clrMapOvr>
+    <a:masterClrMapping/>
+  </p:clrMapOvr>
+</p:sld>
+</file>
+
+<file path=ppt/slides/slide13.xml><?xml version="1.0" encoding="utf-8"?>
+<p:sld xmlns:a="http://schemas.openxmlformats.org/drawingml/2006/main" xmlns:r="http://schemas.openxmlformats.org/officeDocument/2006/relationships" xmlns:p="http://schemas.openxmlformats.org/presentationml/2006/main">
+  <p:cSld>
+    <p:spTree>
+      <p:nvGrpSpPr>
+        <p:cNvPr id="1" name=""/>
+        <p:cNvGrpSpPr/>
+        <p:nvPr/>
+      </p:nvGrpSpPr>
+      <p:grpSpPr>
+        <a:xfrm>
+          <a:off x="0" y="0"/>
+          <a:ext cx="0" cy="0"/>
+          <a:chOff x="0" y="0"/>
+          <a:chExt cx="0" cy="0"/>
+        </a:xfrm>
+      </p:grpSpPr>
+      <p:sp>
+        <p:nvSpPr>
+          <p:cNvPr id="3" name="Marcador de contenido 2">
+            <a:extLst>
+              <a:ext uri="{FF2B5EF4-FFF2-40B4-BE49-F238E27FC236}">
+                <a16:creationId xmlns:a16="http://schemas.microsoft.com/office/drawing/2014/main" id="{E41D76BF-7E0D-44AF-899B-8066F20356EE}"/>
+              </a:ext>
+            </a:extLst>
+          </p:cNvPr>
+          <p:cNvSpPr>
+            <a:spLocks noGrp="1"/>
+          </p:cNvSpPr>
+          <p:nvPr>
+            <p:ph idx="1"/>
+          </p:nvPr>
+        </p:nvSpPr>
+        <p:spPr>
+          <a:xfrm>
+            <a:off x="127591" y="191386"/>
+            <a:ext cx="11865935" cy="6539023"/>
+          </a:xfrm>
+        </p:spPr>
+        <p:txBody>
+          <a:bodyPr/>
+          <a:lstStyle/>
+          <a:p>
+            <a:pPr marL="0" indent="0" algn="ctr">
+              <a:buNone/>
+            </a:pPr>
+            <a:r>
+              <a:rPr lang="es-AR" sz="4000" u="sng" dirty="0">
+                <a:solidFill>
+                  <a:schemeClr val="tx1">
+                    <a:lumMod val="65000"/>
+                    <a:lumOff val="35000"/>
+                  </a:schemeClr>
+                </a:solidFill>
+                <a:latin typeface="+mj-lt"/>
+                <a:ea typeface="+mj-ea"/>
+                <a:cs typeface="+mj-cs"/>
+              </a:rPr>
+              <a:t>Tablas simples</a:t>
+            </a:r>
+          </a:p>
+          <a:p>
+            <a:pPr marL="0" indent="0">
+              <a:buNone/>
+            </a:pPr>
+            <a:endParaRPr lang="es-AR" dirty="0"/>
+          </a:p>
+          <a:p>
+            <a:pPr marL="0" indent="0">
+              <a:buNone/>
+            </a:pPr>
+            <a:r>
+              <a:rPr lang="es-AR" dirty="0"/>
+              <a:t>	</a:t>
+            </a:r>
+          </a:p>
+          <a:p>
+            <a:pPr marL="0" indent="0">
+              <a:buNone/>
+            </a:pPr>
+            <a:endParaRPr lang="es-AR" dirty="0"/>
+          </a:p>
+        </p:txBody>
+      </p:sp>
+      <p:pic>
+        <p:nvPicPr>
+          <p:cNvPr id="4" name="Imagen 3">
+            <a:extLst>
+              <a:ext uri="{FF2B5EF4-FFF2-40B4-BE49-F238E27FC236}">
+                <a16:creationId xmlns:a16="http://schemas.microsoft.com/office/drawing/2014/main" id="{3CF98341-D103-417E-8E3A-556A492072BA}"/>
+              </a:ext>
+            </a:extLst>
+          </p:cNvPr>
+          <p:cNvPicPr>
+            <a:picLocks noChangeAspect="1"/>
+          </p:cNvPicPr>
+          <p:nvPr/>
+        </p:nvPicPr>
+        <p:blipFill>
+          <a:blip r:embed="rId2"/>
+          <a:stretch>
+            <a:fillRect/>
+          </a:stretch>
+        </p:blipFill>
+        <p:spPr>
+          <a:xfrm>
+            <a:off x="6347637" y="1951073"/>
+            <a:ext cx="4114800" cy="2440173"/>
+          </a:xfrm>
+          <a:prstGeom prst="rect">
+            <a:avLst/>
+          </a:prstGeom>
+        </p:spPr>
+      </p:pic>
+      <p:pic>
+        <p:nvPicPr>
+          <p:cNvPr id="5" name="Imagen 4">
+            <a:extLst>
+              <a:ext uri="{FF2B5EF4-FFF2-40B4-BE49-F238E27FC236}">
+                <a16:creationId xmlns:a16="http://schemas.microsoft.com/office/drawing/2014/main" id="{F015D5A3-E7AA-48C8-8CA8-695D5CE6F3BC}"/>
+              </a:ext>
+            </a:extLst>
+          </p:cNvPr>
+          <p:cNvPicPr>
+            <a:picLocks noChangeAspect="1"/>
+          </p:cNvPicPr>
+          <p:nvPr/>
+        </p:nvPicPr>
+        <p:blipFill>
+          <a:blip r:embed="rId3"/>
+          <a:stretch>
+            <a:fillRect/>
+          </a:stretch>
+        </p:blipFill>
+        <p:spPr>
+          <a:xfrm>
+            <a:off x="698205" y="1120959"/>
+            <a:ext cx="4437321" cy="3918874"/>
+          </a:xfrm>
+          <a:prstGeom prst="rect">
+            <a:avLst/>
+          </a:prstGeom>
+        </p:spPr>
+      </p:pic>
+      <p:sp>
+        <p:nvSpPr>
+          <p:cNvPr id="6" name="CuadroTexto 5">
+            <a:extLst>
+              <a:ext uri="{FF2B5EF4-FFF2-40B4-BE49-F238E27FC236}">
+                <a16:creationId xmlns:a16="http://schemas.microsoft.com/office/drawing/2014/main" id="{E15EFC7F-5DEA-48CB-A408-3D9CEF5761C5}"/>
+              </a:ext>
+            </a:extLst>
+          </p:cNvPr>
+          <p:cNvSpPr txBox="1"/>
+          <p:nvPr/>
+        </p:nvSpPr>
+        <p:spPr>
+          <a:xfrm>
+            <a:off x="455428" y="5319936"/>
+            <a:ext cx="9360195" cy="1384995"/>
+          </a:xfrm>
+          <a:prstGeom prst="rect">
+            <a:avLst/>
+          </a:prstGeom>
+          <a:noFill/>
+        </p:spPr>
+        <p:txBody>
+          <a:bodyPr wrap="square" rtlCol="0">
+            <a:spAutoFit/>
+          </a:bodyPr>
+          <a:lstStyle/>
+          <a:p>
+            <a:r>
+              <a:rPr lang="es-AR" sz="2800" dirty="0">
+                <a:solidFill>
+                  <a:schemeClr val="tx1">
+                    <a:lumMod val="75000"/>
+                    <a:lumOff val="25000"/>
+                  </a:schemeClr>
+                </a:solidFill>
+              </a:rPr>
+              <a:t>&lt;tr&gt; </a:t>
+            </a:r>
+            <a:r>
+              <a:rPr lang="es-AR" sz="2800" dirty="0">
+                <a:solidFill>
+                  <a:schemeClr val="tx1">
+                    <a:tint val="75000"/>
+                  </a:schemeClr>
+                </a:solidFill>
+              </a:rPr>
+              <a:t>fila de tabla</a:t>
+            </a:r>
+          </a:p>
+          <a:p>
+            <a:r>
+              <a:rPr lang="es-AR" sz="2800" dirty="0">
+                <a:solidFill>
+                  <a:schemeClr val="tx1">
+                    <a:lumMod val="75000"/>
+                    <a:lumOff val="25000"/>
+                  </a:schemeClr>
+                </a:solidFill>
+              </a:rPr>
+              <a:t>&lt;th&gt; </a:t>
+            </a:r>
+            <a:r>
+              <a:rPr lang="es-AR" sz="2800" dirty="0">
+                <a:solidFill>
+                  <a:schemeClr val="tx1">
+                    <a:tint val="75000"/>
+                  </a:schemeClr>
+                </a:solidFill>
+              </a:rPr>
+              <a:t>celda de cabecera de tabla </a:t>
+            </a:r>
+          </a:p>
+          <a:p>
+            <a:r>
+              <a:rPr lang="es-AR" sz="2800" dirty="0">
+                <a:solidFill>
+                  <a:schemeClr val="tx1">
+                    <a:lumMod val="75000"/>
+                    <a:lumOff val="25000"/>
+                  </a:schemeClr>
+                </a:solidFill>
+              </a:rPr>
+              <a:t>&lt;td&gt; </a:t>
+            </a:r>
+            <a:r>
+              <a:rPr lang="es-AR" sz="2800" dirty="0">
+                <a:solidFill>
+                  <a:schemeClr val="tx1">
+                    <a:tint val="75000"/>
+                  </a:schemeClr>
+                </a:solidFill>
+              </a:rPr>
+              <a:t>celda de tabla</a:t>
+            </a:r>
+            <a:r>
+              <a:rPr lang="es-AR" dirty="0"/>
+              <a:t> </a:t>
+            </a:r>
+          </a:p>
+        </p:txBody>
+      </p:sp>
+    </p:spTree>
+    <p:extLst>
+      <p:ext uri="{BB962C8B-B14F-4D97-AF65-F5344CB8AC3E}">
+        <p14:creationId xmlns:p14="http://schemas.microsoft.com/office/powerpoint/2010/main" val="1779229687"/>
+      </p:ext>
+    </p:extLst>
+  </p:cSld>
+  <p:clrMapOvr>
+    <a:masterClrMapping/>
+  </p:clrMapOvr>
+</p:sld>
+</file>
+
+<file path=ppt/slides/slide14.xml><?xml version="1.0" encoding="utf-8"?>
+<p:sld xmlns:a="http://schemas.openxmlformats.org/drawingml/2006/main" xmlns:r="http://schemas.openxmlformats.org/officeDocument/2006/relationships" xmlns:p="http://schemas.openxmlformats.org/presentationml/2006/main">
+  <p:cSld>
+    <p:spTree>
+      <p:nvGrpSpPr>
+        <p:cNvPr id="1" name=""/>
+        <p:cNvGrpSpPr/>
+        <p:nvPr/>
+      </p:nvGrpSpPr>
+      <p:grpSpPr>
+        <a:xfrm>
+          <a:off x="0" y="0"/>
+          <a:ext cx="0" cy="0"/>
+          <a:chOff x="0" y="0"/>
+          <a:chExt cx="0" cy="0"/>
+        </a:xfrm>
+      </p:grpSpPr>
+      <p:pic>
+        <p:nvPicPr>
+          <p:cNvPr id="4" name="Imagen 3">
+            <a:extLst>
+              <a:ext uri="{FF2B5EF4-FFF2-40B4-BE49-F238E27FC236}">
+                <a16:creationId xmlns:a16="http://schemas.microsoft.com/office/drawing/2014/main" id="{F640554D-E0CD-4B8A-8086-426A4847246F}"/>
+              </a:ext>
+            </a:extLst>
+          </p:cNvPr>
+          <p:cNvPicPr>
+            <a:picLocks noChangeAspect="1"/>
+          </p:cNvPicPr>
+          <p:nvPr/>
+        </p:nvPicPr>
+        <p:blipFill>
+          <a:blip r:embed="rId2"/>
+          <a:stretch>
+            <a:fillRect/>
+          </a:stretch>
+        </p:blipFill>
+        <p:spPr>
+          <a:xfrm>
+            <a:off x="6539024" y="1935257"/>
+            <a:ext cx="5053014" cy="2413328"/>
+          </a:xfrm>
+          <a:prstGeom prst="rect">
+            <a:avLst/>
+          </a:prstGeom>
+        </p:spPr>
+      </p:pic>
+      <p:sp>
+        <p:nvSpPr>
+          <p:cNvPr id="5" name="CuadroTexto 4">
+            <a:extLst>
+              <a:ext uri="{FF2B5EF4-FFF2-40B4-BE49-F238E27FC236}">
+                <a16:creationId xmlns:a16="http://schemas.microsoft.com/office/drawing/2014/main" id="{0BF147E7-FA02-4C31-B576-2610D83F2D48}"/>
+              </a:ext>
+            </a:extLst>
+          </p:cNvPr>
+          <p:cNvSpPr txBox="1"/>
+          <p:nvPr/>
+        </p:nvSpPr>
+        <p:spPr>
+          <a:xfrm>
+            <a:off x="318978" y="183561"/>
+            <a:ext cx="11727710" cy="707886"/>
+          </a:xfrm>
+          <a:prstGeom prst="rect">
+            <a:avLst/>
+          </a:prstGeom>
+          <a:noFill/>
+        </p:spPr>
+        <p:txBody>
+          <a:bodyPr wrap="square" rtlCol="0">
+            <a:spAutoFit/>
+          </a:bodyPr>
+          <a:lstStyle/>
+          <a:p>
+            <a:pPr algn="ctr"/>
+            <a:r>
+              <a:rPr lang="es-AR" sz="4000" u="sng" dirty="0">
+                <a:solidFill>
+                  <a:schemeClr val="tx1">
+                    <a:lumMod val="65000"/>
+                    <a:lumOff val="35000"/>
+                  </a:schemeClr>
+                </a:solidFill>
+                <a:latin typeface="+mj-lt"/>
+                <a:ea typeface="+mj-ea"/>
+                <a:cs typeface="+mj-cs"/>
+              </a:rPr>
+              <a:t>Colspan y Rowspan</a:t>
+            </a:r>
+          </a:p>
+        </p:txBody>
+      </p:sp>
+      <p:pic>
+        <p:nvPicPr>
+          <p:cNvPr id="6" name="Imagen 5">
+            <a:extLst>
+              <a:ext uri="{FF2B5EF4-FFF2-40B4-BE49-F238E27FC236}">
+                <a16:creationId xmlns:a16="http://schemas.microsoft.com/office/drawing/2014/main" id="{D2BAECCE-5664-42B9-AD84-D6290A9A5AA6}"/>
+              </a:ext>
+            </a:extLst>
+          </p:cNvPr>
+          <p:cNvPicPr>
+            <a:picLocks noChangeAspect="1"/>
+          </p:cNvPicPr>
+          <p:nvPr/>
+        </p:nvPicPr>
+        <p:blipFill>
+          <a:blip r:embed="rId3"/>
+          <a:stretch>
+            <a:fillRect/>
+          </a:stretch>
+        </p:blipFill>
+        <p:spPr>
+          <a:xfrm>
+            <a:off x="599962" y="1199792"/>
+            <a:ext cx="4301647" cy="4240472"/>
+          </a:xfrm>
+          <a:prstGeom prst="rect">
+            <a:avLst/>
+          </a:prstGeom>
+        </p:spPr>
+      </p:pic>
+      <p:sp>
+        <p:nvSpPr>
+          <p:cNvPr id="7" name="CuadroTexto 6">
+            <a:extLst>
+              <a:ext uri="{FF2B5EF4-FFF2-40B4-BE49-F238E27FC236}">
+                <a16:creationId xmlns:a16="http://schemas.microsoft.com/office/drawing/2014/main" id="{9A08A953-022A-4DD5-8B65-9C1B00636FB5}"/>
+              </a:ext>
+            </a:extLst>
+          </p:cNvPr>
+          <p:cNvSpPr txBox="1"/>
+          <p:nvPr/>
+        </p:nvSpPr>
+        <p:spPr>
+          <a:xfrm>
+            <a:off x="576427" y="5960854"/>
+            <a:ext cx="8650363" cy="523220"/>
+          </a:xfrm>
+          <a:prstGeom prst="rect">
+            <a:avLst/>
+          </a:prstGeom>
+          <a:noFill/>
+        </p:spPr>
+        <p:txBody>
+          <a:bodyPr wrap="square" rtlCol="0">
+            <a:spAutoFit/>
+          </a:bodyPr>
+          <a:lstStyle/>
+          <a:p>
+            <a:r>
+              <a:rPr lang="es-AR" sz="2800" dirty="0" err="1">
+                <a:solidFill>
+                  <a:schemeClr val="tx1">
+                    <a:lumMod val="75000"/>
+                    <a:lumOff val="25000"/>
+                  </a:schemeClr>
+                </a:solidFill>
+              </a:rPr>
+              <a:t>rowspan</a:t>
+            </a:r>
+            <a:r>
+              <a:rPr lang="es-AR" sz="2800" dirty="0">
+                <a:solidFill>
+                  <a:schemeClr val="tx1">
+                    <a:tint val="75000"/>
+                  </a:schemeClr>
+                </a:solidFill>
+              </a:rPr>
+              <a:t> indica cuantas filas ocupa la celda.</a:t>
+            </a:r>
+          </a:p>
+        </p:txBody>
+      </p:sp>
+    </p:spTree>
+    <p:extLst>
+      <p:ext uri="{BB962C8B-B14F-4D97-AF65-F5344CB8AC3E}">
+        <p14:creationId xmlns:p14="http://schemas.microsoft.com/office/powerpoint/2010/main" val="2664445443"/>
+      </p:ext>
+    </p:extLst>
+  </p:cSld>
+  <p:clrMapOvr>
+    <a:masterClrMapping/>
+  </p:clrMapOvr>
+</p:sld>
+</file>
+
+<file path=ppt/slides/slide15.xml><?xml version="1.0" encoding="utf-8"?>
+<p:sld xmlns:a="http://schemas.openxmlformats.org/drawingml/2006/main" xmlns:r="http://schemas.openxmlformats.org/officeDocument/2006/relationships" xmlns:p="http://schemas.openxmlformats.org/presentationml/2006/main">
+  <p:cSld>
+    <p:spTree>
+      <p:nvGrpSpPr>
+        <p:cNvPr id="1" name=""/>
+        <p:cNvGrpSpPr/>
+        <p:nvPr/>
+      </p:nvGrpSpPr>
+      <p:grpSpPr>
+        <a:xfrm>
+          <a:off x="0" y="0"/>
+          <a:ext cx="0" cy="0"/>
+          <a:chOff x="0" y="0"/>
+          <a:chExt cx="0" cy="0"/>
+        </a:xfrm>
+      </p:grpSpPr>
+      <p:pic>
+        <p:nvPicPr>
+          <p:cNvPr id="4" name="Imagen 3">
+            <a:extLst>
+              <a:ext uri="{FF2B5EF4-FFF2-40B4-BE49-F238E27FC236}">
+                <a16:creationId xmlns:a16="http://schemas.microsoft.com/office/drawing/2014/main" id="{F7370229-8C7E-4B90-BE68-34F5D95369F9}"/>
+              </a:ext>
+            </a:extLst>
+          </p:cNvPr>
+          <p:cNvPicPr>
+            <a:picLocks noChangeAspect="1"/>
+          </p:cNvPicPr>
+          <p:nvPr/>
+        </p:nvPicPr>
+        <p:blipFill>
+          <a:blip r:embed="rId2"/>
+          <a:stretch>
+            <a:fillRect/>
+          </a:stretch>
+        </p:blipFill>
+        <p:spPr>
+          <a:xfrm>
+            <a:off x="6325153" y="1091055"/>
+            <a:ext cx="5203310" cy="2874889"/>
+          </a:xfrm>
+          <a:prstGeom prst="rect">
+            <a:avLst/>
+          </a:prstGeom>
+        </p:spPr>
+      </p:pic>
+      <p:sp>
+        <p:nvSpPr>
+          <p:cNvPr id="6" name="CuadroTexto 5">
+            <a:extLst>
+              <a:ext uri="{FF2B5EF4-FFF2-40B4-BE49-F238E27FC236}">
+                <a16:creationId xmlns:a16="http://schemas.microsoft.com/office/drawing/2014/main" id="{8A31DBD7-853B-4BB7-8443-7D1F6CF42770}"/>
+              </a:ext>
+            </a:extLst>
+          </p:cNvPr>
+          <p:cNvSpPr txBox="1"/>
+          <p:nvPr/>
+        </p:nvSpPr>
+        <p:spPr>
+          <a:xfrm>
+            <a:off x="69889" y="5120614"/>
+            <a:ext cx="12040595" cy="1384995"/>
+          </a:xfrm>
+          <a:prstGeom prst="rect">
+            <a:avLst/>
+          </a:prstGeom>
+          <a:noFill/>
+        </p:spPr>
+        <p:txBody>
+          <a:bodyPr wrap="square" rtlCol="0">
+            <a:spAutoFit/>
+          </a:bodyPr>
+          <a:lstStyle/>
+          <a:p>
+            <a:r>
+              <a:rPr lang="es-AR" sz="2800" dirty="0" err="1">
+                <a:solidFill>
+                  <a:schemeClr val="tx1">
+                    <a:lumMod val="75000"/>
+                    <a:lumOff val="25000"/>
+                  </a:schemeClr>
+                </a:solidFill>
+              </a:rPr>
+              <a:t>colspan</a:t>
+            </a:r>
+            <a:r>
+              <a:rPr lang="es-AR" sz="2800" dirty="0">
+                <a:solidFill>
+                  <a:schemeClr val="tx1">
+                    <a:tint val="75000"/>
+                  </a:schemeClr>
+                </a:solidFill>
+              </a:rPr>
+              <a:t> cuantos columnas ocupa la celda.</a:t>
+            </a:r>
+          </a:p>
+          <a:p>
+            <a:r>
+              <a:rPr lang="es-AR" sz="2800" dirty="0">
+                <a:solidFill>
+                  <a:schemeClr val="tx1">
+                    <a:tint val="75000"/>
+                  </a:schemeClr>
+                </a:solidFill>
+              </a:rPr>
+              <a:t>Atributo </a:t>
+            </a:r>
+            <a:r>
+              <a:rPr lang="es-AR" sz="2800" dirty="0">
+                <a:solidFill>
+                  <a:schemeClr val="tx1">
+                    <a:lumMod val="75000"/>
+                    <a:lumOff val="25000"/>
+                  </a:schemeClr>
+                </a:solidFill>
+              </a:rPr>
+              <a:t>scope</a:t>
+            </a:r>
+            <a:r>
+              <a:rPr lang="es-AR" sz="2800" dirty="0">
+                <a:solidFill>
+                  <a:schemeClr val="tx1">
+                    <a:tint val="75000"/>
+                  </a:schemeClr>
+                </a:solidFill>
+              </a:rPr>
+              <a:t> indica de que es cabecera. Por ejemplo col indica que es cabera de las celdas de esa columna. </a:t>
+            </a:r>
+          </a:p>
+        </p:txBody>
+      </p:sp>
+      <p:pic>
+        <p:nvPicPr>
+          <p:cNvPr id="7" name="Imagen 6">
+            <a:extLst>
+              <a:ext uri="{FF2B5EF4-FFF2-40B4-BE49-F238E27FC236}">
+                <a16:creationId xmlns:a16="http://schemas.microsoft.com/office/drawing/2014/main" id="{85BE1C6D-A05C-4067-8A24-ACC1AFC1ED5A}"/>
+              </a:ext>
+            </a:extLst>
+          </p:cNvPr>
+          <p:cNvPicPr>
+            <a:picLocks noChangeAspect="1"/>
+          </p:cNvPicPr>
+          <p:nvPr/>
+        </p:nvPicPr>
+        <p:blipFill>
+          <a:blip r:embed="rId3"/>
+          <a:stretch>
+            <a:fillRect/>
+          </a:stretch>
+        </p:blipFill>
+        <p:spPr>
+          <a:xfrm>
+            <a:off x="69889" y="562418"/>
+            <a:ext cx="6076950" cy="4095750"/>
+          </a:xfrm>
+          <a:prstGeom prst="rect">
+            <a:avLst/>
+          </a:prstGeom>
+        </p:spPr>
+      </p:pic>
+    </p:spTree>
+    <p:extLst>
+      <p:ext uri="{BB962C8B-B14F-4D97-AF65-F5344CB8AC3E}">
+        <p14:creationId xmlns:p14="http://schemas.microsoft.com/office/powerpoint/2010/main" val="4025023956"/>
+      </p:ext>
+    </p:extLst>
+  </p:cSld>
+  <p:clrMapOvr>
+    <a:masterClrMapping/>
+  </p:clrMapOvr>
+</p:sld>
+</file>
+
+<file path=ppt/slides/slide16.xml><?xml version="1.0" encoding="utf-8"?>
+<p:sld xmlns:a="http://schemas.openxmlformats.org/drawingml/2006/main" xmlns:r="http://schemas.openxmlformats.org/officeDocument/2006/relationships" xmlns:p="http://schemas.openxmlformats.org/presentationml/2006/main">
+  <p:cSld>
+    <p:spTree>
+      <p:nvGrpSpPr>
+        <p:cNvPr id="1" name=""/>
+        <p:cNvGrpSpPr/>
+        <p:nvPr/>
+      </p:nvGrpSpPr>
+      <p:grpSpPr>
+        <a:xfrm>
+          <a:off x="0" y="0"/>
+          <a:ext cx="0" cy="0"/>
+          <a:chOff x="0" y="0"/>
+          <a:chExt cx="0" cy="0"/>
+        </a:xfrm>
+      </p:grpSpPr>
+      <p:sp>
+        <p:nvSpPr>
+          <p:cNvPr id="4" name="CuadroTexto 3">
+            <a:extLst>
+              <a:ext uri="{FF2B5EF4-FFF2-40B4-BE49-F238E27FC236}">
+                <a16:creationId xmlns:a16="http://schemas.microsoft.com/office/drawing/2014/main" id="{B0AA5A2E-CB94-401C-A36B-91EF1638B2EB}"/>
+              </a:ext>
+            </a:extLst>
+          </p:cNvPr>
+          <p:cNvSpPr txBox="1"/>
+          <p:nvPr/>
+        </p:nvSpPr>
+        <p:spPr>
+          <a:xfrm>
+            <a:off x="0" y="127589"/>
+            <a:ext cx="11940362" cy="1384995"/>
+          </a:xfrm>
+          <a:prstGeom prst="rect">
+            <a:avLst/>
+          </a:prstGeom>
+          <a:noFill/>
+        </p:spPr>
+        <p:txBody>
+          <a:bodyPr wrap="square" rtlCol="0">
+            <a:spAutoFit/>
+          </a:bodyPr>
+          <a:lstStyle/>
+          <a:p>
+            <a:r>
+              <a:rPr lang="es-AR" sz="2800" dirty="0">
+                <a:solidFill>
+                  <a:schemeClr val="tx1">
+                    <a:tint val="75000"/>
+                  </a:schemeClr>
+                </a:solidFill>
+              </a:rPr>
+              <a:t>Se puede dividir en secciones las tablas con las etiquetas con los atributos </a:t>
+            </a:r>
+            <a:r>
+              <a:rPr lang="es-AR" sz="2800" dirty="0">
+                <a:solidFill>
+                  <a:schemeClr val="tx1">
+                    <a:lumMod val="75000"/>
+                    <a:lumOff val="25000"/>
+                  </a:schemeClr>
+                </a:solidFill>
+              </a:rPr>
+              <a:t>thead</a:t>
+            </a:r>
+            <a:r>
+              <a:rPr lang="es-AR" sz="2800" dirty="0">
+                <a:solidFill>
+                  <a:schemeClr val="tx1">
+                    <a:tint val="75000"/>
+                  </a:schemeClr>
+                </a:solidFill>
+              </a:rPr>
+              <a:t>, </a:t>
+            </a:r>
+            <a:r>
+              <a:rPr lang="es-AR" sz="2800" dirty="0">
+                <a:solidFill>
+                  <a:schemeClr val="tx1">
+                    <a:lumMod val="75000"/>
+                    <a:lumOff val="25000"/>
+                  </a:schemeClr>
+                </a:solidFill>
+              </a:rPr>
+              <a:t>tfoot</a:t>
+            </a:r>
+            <a:r>
+              <a:rPr lang="es-AR" sz="2800" dirty="0">
+                <a:solidFill>
+                  <a:schemeClr val="tx1">
+                    <a:tint val="75000"/>
+                  </a:schemeClr>
+                </a:solidFill>
+              </a:rPr>
+              <a:t> y </a:t>
+            </a:r>
+            <a:r>
+              <a:rPr lang="es-AR" sz="2800" dirty="0">
+                <a:solidFill>
+                  <a:schemeClr val="tx1">
+                    <a:lumMod val="75000"/>
+                    <a:lumOff val="25000"/>
+                  </a:schemeClr>
+                </a:solidFill>
+              </a:rPr>
+              <a:t>tbody</a:t>
+            </a:r>
+            <a:r>
+              <a:rPr lang="es-AR" sz="2800" dirty="0">
+                <a:solidFill>
+                  <a:schemeClr val="tx1">
+                    <a:tint val="75000"/>
+                  </a:schemeClr>
+                </a:solidFill>
+              </a:rPr>
+              <a:t>.</a:t>
+            </a:r>
+          </a:p>
+          <a:p>
+            <a:r>
+              <a:rPr lang="es-AR" sz="2800" dirty="0">
+                <a:solidFill>
+                  <a:schemeClr val="tx1">
+                    <a:tint val="75000"/>
+                  </a:schemeClr>
+                </a:solidFill>
+              </a:rPr>
+              <a:t> Además esta etiqueta </a:t>
+            </a:r>
+            <a:r>
+              <a:rPr lang="es-AR" sz="2800" dirty="0">
+                <a:solidFill>
+                  <a:schemeClr val="tx1">
+                    <a:lumMod val="75000"/>
+                    <a:lumOff val="25000"/>
+                  </a:schemeClr>
+                </a:solidFill>
+              </a:rPr>
+              <a:t>caption</a:t>
+            </a:r>
+            <a:r>
+              <a:rPr lang="es-AR" sz="2800" dirty="0">
+                <a:solidFill>
+                  <a:schemeClr val="tx1">
+                    <a:tint val="75000"/>
+                  </a:schemeClr>
+                </a:solidFill>
+              </a:rPr>
+              <a:t> para indicar un título.</a:t>
+            </a:r>
+          </a:p>
+        </p:txBody>
+      </p:sp>
+      <p:pic>
+        <p:nvPicPr>
+          <p:cNvPr id="5" name="Imagen 4">
+            <a:extLst>
+              <a:ext uri="{FF2B5EF4-FFF2-40B4-BE49-F238E27FC236}">
+                <a16:creationId xmlns:a16="http://schemas.microsoft.com/office/drawing/2014/main" id="{CFAF0EDB-BBC3-4327-82B0-A5DA4C1CB7A8}"/>
+              </a:ext>
+            </a:extLst>
+          </p:cNvPr>
+          <p:cNvPicPr>
+            <a:picLocks noChangeAspect="1"/>
+          </p:cNvPicPr>
+          <p:nvPr/>
+        </p:nvPicPr>
+        <p:blipFill>
+          <a:blip r:embed="rId2"/>
+          <a:stretch>
+            <a:fillRect/>
+          </a:stretch>
+        </p:blipFill>
+        <p:spPr>
+          <a:xfrm>
+            <a:off x="120280" y="1512584"/>
+            <a:ext cx="7365041" cy="5915025"/>
+          </a:xfrm>
+          <a:prstGeom prst="rect">
+            <a:avLst/>
+          </a:prstGeom>
+        </p:spPr>
+      </p:pic>
+      <p:pic>
+        <p:nvPicPr>
+          <p:cNvPr id="6" name="Imagen 5">
+            <a:extLst>
+              <a:ext uri="{FF2B5EF4-FFF2-40B4-BE49-F238E27FC236}">
+                <a16:creationId xmlns:a16="http://schemas.microsoft.com/office/drawing/2014/main" id="{F4C4D0AE-7E7F-445D-8AF6-0FC5061E1B3C}"/>
+              </a:ext>
+            </a:extLst>
+          </p:cNvPr>
+          <p:cNvPicPr>
+            <a:picLocks noChangeAspect="1"/>
+          </p:cNvPicPr>
+          <p:nvPr/>
+        </p:nvPicPr>
+        <p:blipFill>
+          <a:blip r:embed="rId3"/>
+          <a:stretch>
+            <a:fillRect/>
+          </a:stretch>
+        </p:blipFill>
+        <p:spPr>
+          <a:xfrm>
+            <a:off x="7642595" y="2090183"/>
+            <a:ext cx="4429125" cy="2209800"/>
+          </a:xfrm>
+          <a:prstGeom prst="rect">
+            <a:avLst/>
+          </a:prstGeom>
+        </p:spPr>
+      </p:pic>
+    </p:spTree>
+    <p:extLst>
+      <p:ext uri="{BB962C8B-B14F-4D97-AF65-F5344CB8AC3E}">
+        <p14:creationId xmlns:p14="http://schemas.microsoft.com/office/powerpoint/2010/main" val="2922064906"/>
+      </p:ext>
+    </p:extLst>
+  </p:cSld>
+  <p:clrMapOvr>
+    <a:masterClrMapping/>
+  </p:clrMapOvr>
+</p:sld>
+</file>
+
+<file path=ppt/slides/slide17.xml><?xml version="1.0" encoding="utf-8"?>
+<p:sld xmlns:a="http://schemas.openxmlformats.org/drawingml/2006/main" xmlns:r="http://schemas.openxmlformats.org/officeDocument/2006/relationships" xmlns:p="http://schemas.openxmlformats.org/presentationml/2006/main">
+  <p:cSld>
+    <p:spTree>
+      <p:nvGrpSpPr>
+        <p:cNvPr id="1" name=""/>
+        <p:cNvGrpSpPr/>
+        <p:nvPr/>
+      </p:nvGrpSpPr>
+      <p:grpSpPr>
+        <a:xfrm>
+          <a:off x="0" y="0"/>
+          <a:ext cx="0" cy="0"/>
+          <a:chOff x="0" y="0"/>
+          <a:chExt cx="0" cy="0"/>
+        </a:xfrm>
+      </p:grpSpPr>
+      <p:sp>
+        <p:nvSpPr>
+          <p:cNvPr id="4" name="CuadroTexto 3">
+            <a:extLst>
+              <a:ext uri="{FF2B5EF4-FFF2-40B4-BE49-F238E27FC236}">
+                <a16:creationId xmlns:a16="http://schemas.microsoft.com/office/drawing/2014/main" id="{D96279AF-1449-4305-9B62-7C05593C5BF3}"/>
+              </a:ext>
+            </a:extLst>
+          </p:cNvPr>
+          <p:cNvSpPr txBox="1"/>
+          <p:nvPr/>
+        </p:nvSpPr>
+        <p:spPr>
+          <a:xfrm>
+            <a:off x="104553" y="106327"/>
+            <a:ext cx="11982893" cy="1138773"/>
+          </a:xfrm>
+          <a:prstGeom prst="rect">
+            <a:avLst/>
+          </a:prstGeom>
+          <a:noFill/>
+        </p:spPr>
+        <p:txBody>
+          <a:bodyPr wrap="square" rtlCol="0">
+            <a:spAutoFit/>
+          </a:bodyPr>
+          <a:lstStyle/>
+          <a:p>
+            <a:pPr algn="ctr"/>
+            <a:r>
+              <a:rPr lang="es-AR" sz="4000" u="sng" dirty="0">
+                <a:solidFill>
+                  <a:schemeClr val="tx1">
+                    <a:lumMod val="65000"/>
+                    <a:lumOff val="35000"/>
+                  </a:schemeClr>
+                </a:solidFill>
+                <a:latin typeface="+mj-lt"/>
+                <a:ea typeface="+mj-ea"/>
+                <a:cs typeface="+mj-cs"/>
+              </a:rPr>
+              <a:t>Divs</a:t>
+            </a:r>
+            <a:endParaRPr lang="es-AR" sz="2800" u="sng" dirty="0">
+              <a:solidFill>
+                <a:schemeClr val="tx1">
+                  <a:tint val="75000"/>
+                </a:schemeClr>
+              </a:solidFill>
+            </a:endParaRPr>
+          </a:p>
+          <a:p>
+            <a:r>
+              <a:rPr lang="es-AR" sz="2800" dirty="0">
+                <a:solidFill>
+                  <a:schemeClr val="tx1">
+                    <a:tint val="75000"/>
+                  </a:schemeClr>
+                </a:solidFill>
+              </a:rPr>
+              <a:t>Es una sección rectangular de un documento.</a:t>
+            </a:r>
+          </a:p>
+        </p:txBody>
+      </p:sp>
+      <p:pic>
+        <p:nvPicPr>
+          <p:cNvPr id="5" name="Imagen 4">
+            <a:extLst>
+              <a:ext uri="{FF2B5EF4-FFF2-40B4-BE49-F238E27FC236}">
+                <a16:creationId xmlns:a16="http://schemas.microsoft.com/office/drawing/2014/main" id="{62BCD218-016C-40D0-8273-258AD0A7F57D}"/>
+              </a:ext>
+            </a:extLst>
+          </p:cNvPr>
+          <p:cNvPicPr>
+            <a:picLocks noChangeAspect="1"/>
+          </p:cNvPicPr>
+          <p:nvPr/>
+        </p:nvPicPr>
+        <p:blipFill>
+          <a:blip r:embed="rId2"/>
+          <a:stretch>
+            <a:fillRect/>
+          </a:stretch>
+        </p:blipFill>
+        <p:spPr>
+          <a:xfrm>
+            <a:off x="355857" y="1306418"/>
+            <a:ext cx="8162925" cy="1209675"/>
+          </a:xfrm>
+          <a:prstGeom prst="rect">
+            <a:avLst/>
+          </a:prstGeom>
+        </p:spPr>
+      </p:pic>
+      <p:pic>
+        <p:nvPicPr>
+          <p:cNvPr id="6" name="Imagen 5">
+            <a:extLst>
+              <a:ext uri="{FF2B5EF4-FFF2-40B4-BE49-F238E27FC236}">
+                <a16:creationId xmlns:a16="http://schemas.microsoft.com/office/drawing/2014/main" id="{3B8655C1-75E2-4C09-8C14-DDD1EBBBC022}"/>
+              </a:ext>
+            </a:extLst>
+          </p:cNvPr>
+          <p:cNvPicPr>
+            <a:picLocks noChangeAspect="1"/>
+          </p:cNvPicPr>
+          <p:nvPr/>
+        </p:nvPicPr>
+        <p:blipFill>
+          <a:blip r:embed="rId3"/>
+          <a:stretch>
+            <a:fillRect/>
+          </a:stretch>
+        </p:blipFill>
+        <p:spPr>
+          <a:xfrm>
+            <a:off x="9830021" y="320084"/>
+            <a:ext cx="2257425" cy="2590800"/>
+          </a:xfrm>
+          <a:prstGeom prst="rect">
+            <a:avLst/>
+          </a:prstGeom>
+        </p:spPr>
+      </p:pic>
+      <p:sp>
+        <p:nvSpPr>
+          <p:cNvPr id="7" name="CuadroTexto 6">
+            <a:extLst>
+              <a:ext uri="{FF2B5EF4-FFF2-40B4-BE49-F238E27FC236}">
+                <a16:creationId xmlns:a16="http://schemas.microsoft.com/office/drawing/2014/main" id="{FFE331A3-3D55-4D50-8522-3A4757F8E9C7}"/>
+              </a:ext>
+            </a:extLst>
+          </p:cNvPr>
+          <p:cNvSpPr txBox="1"/>
+          <p:nvPr/>
+        </p:nvSpPr>
+        <p:spPr>
+          <a:xfrm>
+            <a:off x="0" y="2972202"/>
+            <a:ext cx="11899605" cy="4524315"/>
+          </a:xfrm>
+          <a:prstGeom prst="rect">
+            <a:avLst/>
+          </a:prstGeom>
+          <a:noFill/>
+        </p:spPr>
+        <p:txBody>
+          <a:bodyPr wrap="square" rtlCol="0">
+            <a:spAutoFit/>
+          </a:bodyPr>
+          <a:lstStyle/>
+          <a:p>
+            <a:r>
+              <a:rPr lang="es-AR" sz="2800" dirty="0">
+                <a:solidFill>
+                  <a:schemeClr val="tx1">
+                    <a:tint val="75000"/>
+                  </a:schemeClr>
+                </a:solidFill>
+              </a:rPr>
+              <a:t>En HTML5 hay divs con nombre propio por su sentido semántico.</a:t>
+            </a:r>
+          </a:p>
+          <a:p>
+            <a:r>
+              <a:rPr lang="es-AR" sz="2800" dirty="0">
+                <a:solidFill>
+                  <a:schemeClr val="tx1">
+                    <a:lumMod val="75000"/>
+                    <a:lumOff val="25000"/>
+                  </a:schemeClr>
+                </a:solidFill>
+              </a:rPr>
+              <a:t>&lt;header&gt; </a:t>
+            </a:r>
+            <a:r>
+              <a:rPr lang="es-AR" sz="2800" dirty="0">
+                <a:solidFill>
+                  <a:schemeClr val="tx1">
+                    <a:tint val="75000"/>
+                  </a:schemeClr>
+                </a:solidFill>
+              </a:rPr>
+              <a:t>Indica la cabecera de un documento o sección.</a:t>
+            </a:r>
+          </a:p>
+          <a:p>
+            <a:r>
+              <a:rPr lang="es-AR" sz="2800" dirty="0">
+                <a:solidFill>
+                  <a:schemeClr val="tx1">
+                    <a:lumMod val="75000"/>
+                    <a:lumOff val="25000"/>
+                  </a:schemeClr>
+                </a:solidFill>
+              </a:rPr>
+              <a:t>&lt;main&gt; </a:t>
+            </a:r>
+            <a:r>
+              <a:rPr lang="es-AR" sz="2800" dirty="0">
+                <a:solidFill>
+                  <a:schemeClr val="tx1">
+                    <a:tint val="75000"/>
+                  </a:schemeClr>
+                </a:solidFill>
+              </a:rPr>
+              <a:t>Contenido principal del documento.</a:t>
+            </a:r>
+          </a:p>
+          <a:p>
+            <a:r>
+              <a:rPr lang="es-AR" sz="2800" dirty="0">
+                <a:solidFill>
+                  <a:schemeClr val="tx1">
+                    <a:lumMod val="75000"/>
+                    <a:lumOff val="25000"/>
+                  </a:schemeClr>
+                </a:solidFill>
+              </a:rPr>
+              <a:t>&lt;nav&gt; </a:t>
+            </a:r>
+            <a:r>
+              <a:rPr lang="es-AR" sz="2800" dirty="0">
+                <a:solidFill>
+                  <a:schemeClr val="tx1">
+                    <a:tint val="75000"/>
+                  </a:schemeClr>
+                </a:solidFill>
+              </a:rPr>
+              <a:t>Define un conjunto de enlaces de navegación.</a:t>
+            </a:r>
+          </a:p>
+          <a:p>
+            <a:r>
+              <a:rPr lang="es-AR" sz="2800" dirty="0">
+                <a:solidFill>
+                  <a:schemeClr val="tx1">
+                    <a:lumMod val="75000"/>
+                    <a:lumOff val="25000"/>
+                  </a:schemeClr>
+                </a:solidFill>
+              </a:rPr>
+              <a:t>&lt;aside&gt; </a:t>
+            </a:r>
+            <a:r>
+              <a:rPr lang="es-AR" sz="2800" dirty="0">
+                <a:solidFill>
+                  <a:schemeClr val="tx1">
+                    <a:tint val="75000"/>
+                  </a:schemeClr>
+                </a:solidFill>
+              </a:rPr>
+              <a:t>Barra lateral.</a:t>
+            </a:r>
+          </a:p>
+          <a:p>
+            <a:r>
+              <a:rPr lang="es-AR" sz="2800" dirty="0">
+                <a:solidFill>
+                  <a:schemeClr val="tx1">
+                    <a:lumMod val="75000"/>
+                    <a:lumOff val="25000"/>
+                  </a:schemeClr>
+                </a:solidFill>
+              </a:rPr>
+              <a:t>&lt;article&gt;</a:t>
+            </a:r>
+            <a:r>
+              <a:rPr lang="es-AR" sz="2800" dirty="0">
+                <a:solidFill>
+                  <a:schemeClr val="tx1">
+                    <a:tint val="75000"/>
+                  </a:schemeClr>
+                </a:solidFill>
+              </a:rPr>
+              <a:t>Contenido independiente del resto del documento.</a:t>
+            </a:r>
+          </a:p>
+          <a:p>
+            <a:r>
+              <a:rPr lang="es-AR" sz="2800" dirty="0">
+                <a:solidFill>
+                  <a:schemeClr val="tx1">
+                    <a:lumMod val="75000"/>
+                    <a:lumOff val="25000"/>
+                  </a:schemeClr>
+                </a:solidFill>
+              </a:rPr>
+              <a:t>&lt;section&gt; </a:t>
+            </a:r>
+            <a:r>
+              <a:rPr lang="es-AR" sz="2800" dirty="0">
+                <a:solidFill>
+                  <a:schemeClr val="tx1">
+                    <a:tint val="75000"/>
+                  </a:schemeClr>
+                </a:solidFill>
+              </a:rPr>
+              <a:t>Sección de un documento.</a:t>
+            </a:r>
+          </a:p>
+          <a:p>
+            <a:r>
+              <a:rPr lang="es-AR" sz="2800" dirty="0">
+                <a:solidFill>
+                  <a:schemeClr val="tx1">
+                    <a:lumMod val="75000"/>
+                    <a:lumOff val="25000"/>
+                  </a:schemeClr>
+                </a:solidFill>
+              </a:rPr>
+              <a:t>&lt;footer&gt; </a:t>
+            </a:r>
+            <a:r>
+              <a:rPr lang="es-AR" sz="2800" dirty="0">
+                <a:solidFill>
+                  <a:schemeClr val="tx1">
+                    <a:tint val="75000"/>
+                  </a:schemeClr>
+                </a:solidFill>
+              </a:rPr>
+              <a:t>Pie de pagina de documento o sección.</a:t>
+            </a:r>
+          </a:p>
+          <a:p>
+            <a:endParaRPr lang="es-AR" sz="2800" dirty="0">
+              <a:solidFill>
+                <a:schemeClr val="tx1">
+                  <a:tint val="75000"/>
+                </a:schemeClr>
+              </a:solidFill>
+            </a:endParaRPr>
+          </a:p>
+          <a:p>
+            <a:endParaRPr lang="es-AR" dirty="0"/>
+          </a:p>
+          <a:p>
+            <a:endParaRPr lang="es-AR" dirty="0"/>
+          </a:p>
+        </p:txBody>
+      </p:sp>
+      <p:pic>
+        <p:nvPicPr>
+          <p:cNvPr id="8" name="Imagen 7">
+            <a:extLst>
+              <a:ext uri="{FF2B5EF4-FFF2-40B4-BE49-F238E27FC236}">
+                <a16:creationId xmlns:a16="http://schemas.microsoft.com/office/drawing/2014/main" id="{B837AD66-2C4C-4F30-BE46-C298E379A8CF}"/>
+              </a:ext>
+            </a:extLst>
+          </p:cNvPr>
+          <p:cNvPicPr>
+            <a:picLocks noChangeAspect="1"/>
+          </p:cNvPicPr>
+          <p:nvPr/>
+        </p:nvPicPr>
+        <p:blipFill>
+          <a:blip r:embed="rId4"/>
+          <a:stretch>
+            <a:fillRect/>
+          </a:stretch>
+        </p:blipFill>
+        <p:spPr>
+          <a:xfrm>
+            <a:off x="8941981" y="3428999"/>
+            <a:ext cx="3349256" cy="3322673"/>
+          </a:xfrm>
+          <a:prstGeom prst="rect">
+            <a:avLst/>
+          </a:prstGeom>
+        </p:spPr>
+      </p:pic>
+    </p:spTree>
+    <p:extLst>
+      <p:ext uri="{BB962C8B-B14F-4D97-AF65-F5344CB8AC3E}">
+        <p14:creationId xmlns:p14="http://schemas.microsoft.com/office/powerpoint/2010/main" val="1780910245"/>
+      </p:ext>
+    </p:extLst>
+  </p:cSld>
+  <p:clrMapOvr>
+    <a:masterClrMapping/>
+  </p:clrMapOvr>
+</p:sld>
+</file>
+
 <file path=ppt/slides/slide2.xml><?xml version="1.0" encoding="utf-8"?>
 <p:sld xmlns:a="http://schemas.openxmlformats.org/drawingml/2006/main" xmlns:r="http://schemas.openxmlformats.org/officeDocument/2006/relationships" xmlns:p="http://schemas.openxmlformats.org/presentationml/2006/main">
   <p:cSld>
@@ -3829,8 +6435,8 @@
         </p:nvSpPr>
         <p:spPr>
           <a:xfrm>
-            <a:off x="178476" y="2023056"/>
-            <a:ext cx="12026900" cy="5262979"/>
+            <a:off x="0" y="3244027"/>
+            <a:ext cx="12205376" cy="3323987"/>
           </a:xfrm>
           <a:prstGeom prst="rect">
             <a:avLst/>
@@ -3843,6 +6449,11 @@
           </a:bodyPr>
           <a:lstStyle/>
           <a:p>
+            <a:pPr>
+              <a:lnSpc>
+                <a:spcPct val="150000"/>
+              </a:lnSpc>
+            </a:pPr>
             <a:r>
               <a:rPr lang="es-AR" sz="2800" dirty="0">
                 <a:solidFill>
@@ -3876,30 +6487,6 @@
                 </a:solidFill>
               </a:rPr>
               <a:t>El título va ha ser el título de la página web.</a:t>
-            </a:r>
-          </a:p>
-          <a:p>
-            <a:r>
-              <a:rPr lang="es-AR" sz="2800" dirty="0">
-                <a:solidFill>
-                  <a:schemeClr val="tx1">
-                    <a:tint val="75000"/>
-                  </a:schemeClr>
-                </a:solidFill>
-              </a:rPr>
-              <a:t>Las etiquetas se clasifican en de block o inline. Las etiquetas de bloque empiezan en un renglón nuevo, ocupan todo el espacio disponible y la etiqueta siguiente pasa al siguiente renglón, por ejemplo la etiqueta de párrafo.</a:t>
-            </a:r>
-          </a:p>
-          <a:p>
-            <a:r>
-              <a:rPr lang="es-AR" sz="2800" dirty="0">
-                <a:solidFill>
-                  <a:schemeClr val="tx1">
-                    <a:tint val="75000"/>
-                  </a:schemeClr>
-                </a:solidFill>
-              </a:rPr>
-              <a:t>Las etiquetas inline se insertan donde se encuentran, ocupan el espacio necesario y el contenido siguiente se inserta a continuación.</a:t>
             </a:r>
           </a:p>
           <a:p>
@@ -3928,7 +6515,7 @@
         <p:spPr>
           <a:xfrm>
             <a:off x="178476" y="289372"/>
-            <a:ext cx="10952998" cy="2092881"/>
+            <a:ext cx="10952998" cy="2954655"/>
           </a:xfrm>
           <a:prstGeom prst="rect">
             <a:avLst/>
@@ -3941,6 +6528,11 @@
           </a:bodyPr>
           <a:lstStyle/>
           <a:p>
+            <a:pPr>
+              <a:lnSpc>
+                <a:spcPct val="150000"/>
+              </a:lnSpc>
+            </a:pPr>
             <a:r>
               <a:rPr lang="es-AR" sz="2800" dirty="0">
                 <a:solidFill>
@@ -3995,6 +6587,11 @@
             </a:r>
           </a:p>
           <a:p>
+            <a:pPr>
+              <a:lnSpc>
+                <a:spcPct val="150000"/>
+              </a:lnSpc>
+            </a:pPr>
             <a:r>
               <a:rPr lang="es-AR" sz="2800" dirty="0">
                 <a:solidFill>
@@ -4028,6 +6625,11 @@
             </a:r>
           </a:p>
           <a:p>
+            <a:pPr>
+              <a:lnSpc>
+                <a:spcPct val="150000"/>
+              </a:lnSpc>
+            </a:pPr>
             <a:r>
               <a:rPr lang="es-AR" sz="2800" dirty="0">
                 <a:solidFill>
@@ -4040,6 +6642,11 @@
             </a:r>
           </a:p>
           <a:p>
+            <a:pPr>
+              <a:lnSpc>
+                <a:spcPct val="150000"/>
+              </a:lnSpc>
+            </a:pPr>
             <a:r>
               <a:rPr lang="es-AR" sz="2800" dirty="0">
                 <a:solidFill>
@@ -5460,10 +8067,1854 @@
           <a:chExt cx="0" cy="0"/>
         </a:xfrm>
       </p:grpSpPr>
+      <p:sp>
+        <p:nvSpPr>
+          <p:cNvPr id="3" name="Marcador de contenido 2">
+            <a:extLst>
+              <a:ext uri="{FF2B5EF4-FFF2-40B4-BE49-F238E27FC236}">
+                <a16:creationId xmlns:a16="http://schemas.microsoft.com/office/drawing/2014/main" id="{EE20670C-0C35-44CA-868D-A6DCE9FC502A}"/>
+              </a:ext>
+            </a:extLst>
+          </p:cNvPr>
+          <p:cNvSpPr>
+            <a:spLocks noGrp="1"/>
+          </p:cNvSpPr>
+          <p:nvPr>
+            <p:ph idx="1"/>
+          </p:nvPr>
+        </p:nvSpPr>
+        <p:spPr>
+          <a:xfrm>
+            <a:off x="199505" y="282633"/>
+            <a:ext cx="11671070" cy="5894330"/>
+          </a:xfrm>
+        </p:spPr>
+        <p:txBody>
+          <a:bodyPr>
+            <a:normAutofit fontScale="92500" lnSpcReduction="20000"/>
+          </a:bodyPr>
+          <a:lstStyle/>
+          <a:p>
+            <a:pPr marL="0" indent="0" algn="ctr">
+              <a:buNone/>
+            </a:pPr>
+            <a:r>
+              <a:rPr lang="es-AR" sz="4300" u="sng" dirty="0">
+                <a:solidFill>
+                  <a:schemeClr val="tx1">
+                    <a:lumMod val="65000"/>
+                    <a:lumOff val="35000"/>
+                  </a:schemeClr>
+                </a:solidFill>
+                <a:latin typeface="+mj-lt"/>
+                <a:ea typeface="+mj-ea"/>
+                <a:cs typeface="+mj-cs"/>
+              </a:rPr>
+              <a:t>Espacios en Blanco y saltos de línea</a:t>
+            </a:r>
+          </a:p>
+          <a:p>
+            <a:pPr algn="ctr"/>
+            <a:endParaRPr lang="es-AR" dirty="0">
+              <a:solidFill>
+                <a:schemeClr val="tx1">
+                  <a:tint val="75000"/>
+                </a:schemeClr>
+              </a:solidFill>
+            </a:endParaRPr>
+          </a:p>
+          <a:p>
+            <a:pPr marL="0" indent="0">
+              <a:buNone/>
+            </a:pPr>
+            <a:r>
+              <a:rPr lang="es-AR" sz="3000" dirty="0">
+                <a:solidFill>
+                  <a:schemeClr val="tx1">
+                    <a:tint val="75000"/>
+                  </a:schemeClr>
+                </a:solidFill>
+              </a:rPr>
+              <a:t>Al insertar espacios en blanco, tabulaciones y salto de línea HTML los representa en la página como un solo espacio en blanco.</a:t>
+            </a:r>
+          </a:p>
+          <a:p>
+            <a:pPr marL="0" indent="0">
+              <a:buNone/>
+            </a:pPr>
+            <a:r>
+              <a:rPr lang="es-AR" sz="3000" dirty="0">
+                <a:solidFill>
+                  <a:schemeClr val="tx1">
+                    <a:tint val="75000"/>
+                  </a:schemeClr>
+                </a:solidFill>
+              </a:rPr>
+              <a:t>Para introducir más de un blanco hay que escribir </a:t>
+            </a:r>
+            <a:r>
+              <a:rPr lang="es-AR" sz="3000" dirty="0">
+                <a:solidFill>
+                  <a:schemeClr val="tx1">
+                    <a:lumMod val="75000"/>
+                    <a:lumOff val="25000"/>
+                  </a:schemeClr>
+                </a:solidFill>
+              </a:rPr>
+              <a:t>&amp;</a:t>
+            </a:r>
+            <a:r>
+              <a:rPr lang="es-AR" sz="3000" dirty="0" err="1">
+                <a:solidFill>
+                  <a:schemeClr val="tx1">
+                    <a:lumMod val="75000"/>
+                    <a:lumOff val="25000"/>
+                  </a:schemeClr>
+                </a:solidFill>
+              </a:rPr>
+              <a:t>nbsp</a:t>
+            </a:r>
+            <a:r>
+              <a:rPr lang="es-AR" sz="3000" dirty="0">
+                <a:solidFill>
+                  <a:schemeClr val="tx1">
+                    <a:lumMod val="75000"/>
+                    <a:lumOff val="25000"/>
+                  </a:schemeClr>
+                </a:solidFill>
+              </a:rPr>
+              <a:t>; </a:t>
+            </a:r>
+            <a:r>
+              <a:rPr lang="es-AR" sz="3000" dirty="0">
+                <a:solidFill>
+                  <a:schemeClr val="tx1">
+                    <a:tint val="75000"/>
+                  </a:schemeClr>
+                </a:solidFill>
+              </a:rPr>
+              <a:t>y para insertar un salto de línea </a:t>
+            </a:r>
+            <a:r>
+              <a:rPr lang="es-AR" sz="3000" dirty="0">
+                <a:solidFill>
+                  <a:schemeClr val="tx1">
+                    <a:lumMod val="75000"/>
+                    <a:lumOff val="25000"/>
+                  </a:schemeClr>
+                </a:solidFill>
+              </a:rPr>
+              <a:t>&lt;</a:t>
+            </a:r>
+            <a:r>
+              <a:rPr lang="es-AR" sz="3000" dirty="0" err="1">
+                <a:solidFill>
+                  <a:schemeClr val="tx1">
+                    <a:lumMod val="75000"/>
+                    <a:lumOff val="25000"/>
+                  </a:schemeClr>
+                </a:solidFill>
+              </a:rPr>
+              <a:t>br</a:t>
+            </a:r>
+            <a:r>
+              <a:rPr lang="es-AR" sz="3000" dirty="0">
+                <a:solidFill>
+                  <a:schemeClr val="tx1">
+                    <a:lumMod val="75000"/>
+                    <a:lumOff val="25000"/>
+                  </a:schemeClr>
+                </a:solidFill>
+              </a:rPr>
+              <a:t>&gt;</a:t>
+            </a:r>
+          </a:p>
+          <a:p>
+            <a:pPr marL="0" indent="0">
+              <a:buNone/>
+            </a:pPr>
+            <a:r>
+              <a:rPr lang="es-AR" sz="3000" dirty="0">
+                <a:solidFill>
+                  <a:schemeClr val="tx1">
+                    <a:tint val="75000"/>
+                  </a:schemeClr>
+                </a:solidFill>
+              </a:rPr>
+              <a:t>Para no tener problemas con los caracteres acentuado y la ñ hay elegir la codificación utf-8.</a:t>
+            </a:r>
+          </a:p>
+          <a:p>
+            <a:pPr marL="0" indent="0">
+              <a:buNone/>
+            </a:pPr>
+            <a:r>
+              <a:rPr lang="es-AR" sz="3000" dirty="0">
+                <a:solidFill>
+                  <a:schemeClr val="tx1">
+                    <a:tint val="75000"/>
+                  </a:schemeClr>
+                </a:solidFill>
+              </a:rPr>
+              <a:t>Los caracteres más usados son.</a:t>
+            </a:r>
+          </a:p>
+          <a:p>
+            <a:pPr marL="0" indent="0">
+              <a:buNone/>
+            </a:pPr>
+            <a:r>
+              <a:rPr lang="es-AR" sz="3000" dirty="0">
+                <a:solidFill>
+                  <a:schemeClr val="tx1">
+                    <a:tint val="75000"/>
+                  </a:schemeClr>
+                </a:solidFill>
+              </a:rPr>
+              <a:t> á </a:t>
+            </a:r>
+            <a:r>
+              <a:rPr lang="es-AR" sz="3000" dirty="0">
+                <a:solidFill>
+                  <a:schemeClr val="tx1">
+                    <a:lumMod val="75000"/>
+                    <a:lumOff val="25000"/>
+                  </a:schemeClr>
+                </a:solidFill>
+              </a:rPr>
+              <a:t>&amp;</a:t>
+            </a:r>
+            <a:r>
+              <a:rPr lang="es-AR" sz="3000" dirty="0" err="1">
+                <a:solidFill>
+                  <a:schemeClr val="tx1">
+                    <a:lumMod val="75000"/>
+                    <a:lumOff val="25000"/>
+                  </a:schemeClr>
+                </a:solidFill>
+              </a:rPr>
+              <a:t>aacute</a:t>
+            </a:r>
+            <a:r>
+              <a:rPr lang="es-AR" sz="3000" dirty="0">
+                <a:solidFill>
+                  <a:schemeClr val="tx1">
+                    <a:lumMod val="75000"/>
+                    <a:lumOff val="25000"/>
+                  </a:schemeClr>
+                </a:solidFill>
+              </a:rPr>
+              <a:t>;</a:t>
+            </a:r>
+            <a:r>
+              <a:rPr lang="es-AR" sz="3000" dirty="0">
+                <a:solidFill>
+                  <a:schemeClr val="tx1">
+                    <a:tint val="75000"/>
+                  </a:schemeClr>
+                </a:solidFill>
+              </a:rPr>
+              <a:t>	é </a:t>
+            </a:r>
+            <a:r>
+              <a:rPr lang="es-AR" sz="3000" dirty="0">
+                <a:solidFill>
+                  <a:schemeClr val="tx1">
+                    <a:lumMod val="75000"/>
+                    <a:lumOff val="25000"/>
+                  </a:schemeClr>
+                </a:solidFill>
+              </a:rPr>
+              <a:t>&amp;</a:t>
+            </a:r>
+            <a:r>
+              <a:rPr lang="es-AR" sz="3000" dirty="0" err="1">
+                <a:solidFill>
+                  <a:schemeClr val="tx1">
+                    <a:lumMod val="75000"/>
+                    <a:lumOff val="25000"/>
+                  </a:schemeClr>
+                </a:solidFill>
+              </a:rPr>
+              <a:t>eacute</a:t>
+            </a:r>
+            <a:r>
+              <a:rPr lang="es-AR" sz="3000" dirty="0">
+                <a:solidFill>
+                  <a:schemeClr val="tx1">
+                    <a:lumMod val="75000"/>
+                    <a:lumOff val="25000"/>
+                  </a:schemeClr>
+                </a:solidFill>
+              </a:rPr>
+              <a:t>; </a:t>
+            </a:r>
+            <a:r>
+              <a:rPr lang="es-AR" sz="3000" dirty="0">
+                <a:solidFill>
+                  <a:schemeClr val="tx1">
+                    <a:tint val="75000"/>
+                  </a:schemeClr>
+                </a:solidFill>
+              </a:rPr>
+              <a:t>í </a:t>
+            </a:r>
+            <a:r>
+              <a:rPr lang="es-AR" sz="3000" dirty="0">
+                <a:solidFill>
+                  <a:schemeClr val="tx1">
+                    <a:lumMod val="75000"/>
+                    <a:lumOff val="25000"/>
+                  </a:schemeClr>
+                </a:solidFill>
+              </a:rPr>
+              <a:t>&amp;</a:t>
+            </a:r>
+            <a:r>
+              <a:rPr lang="es-AR" sz="3000" dirty="0" err="1">
+                <a:solidFill>
+                  <a:schemeClr val="tx1">
+                    <a:lumMod val="75000"/>
+                    <a:lumOff val="25000"/>
+                  </a:schemeClr>
+                </a:solidFill>
+              </a:rPr>
+              <a:t>iacute</a:t>
+            </a:r>
+            <a:r>
+              <a:rPr lang="es-AR" sz="3000" dirty="0">
+                <a:solidFill>
+                  <a:schemeClr val="tx1">
+                    <a:lumMod val="75000"/>
+                    <a:lumOff val="25000"/>
+                  </a:schemeClr>
+                </a:solidFill>
+              </a:rPr>
+              <a:t>; </a:t>
+            </a:r>
+            <a:r>
+              <a:rPr lang="es-AR" sz="3000" dirty="0" err="1">
+                <a:solidFill>
+                  <a:schemeClr val="tx1">
+                    <a:tint val="75000"/>
+                  </a:schemeClr>
+                </a:solidFill>
+              </a:rPr>
+              <a:t>ó</a:t>
+            </a:r>
+            <a:r>
+              <a:rPr lang="es-AR" sz="3000" dirty="0">
+                <a:solidFill>
+                  <a:schemeClr val="tx1">
+                    <a:tint val="75000"/>
+                  </a:schemeClr>
+                </a:solidFill>
+              </a:rPr>
+              <a:t> </a:t>
+            </a:r>
+            <a:r>
+              <a:rPr lang="es-AR" sz="3000" dirty="0">
+                <a:solidFill>
+                  <a:schemeClr val="tx1">
+                    <a:lumMod val="75000"/>
+                    <a:lumOff val="25000"/>
+                  </a:schemeClr>
+                </a:solidFill>
+              </a:rPr>
+              <a:t>&amp;</a:t>
+            </a:r>
+            <a:r>
+              <a:rPr lang="es-AR" sz="3000" dirty="0" err="1">
+                <a:solidFill>
+                  <a:schemeClr val="tx1">
+                    <a:lumMod val="75000"/>
+                    <a:lumOff val="25000"/>
+                  </a:schemeClr>
+                </a:solidFill>
+              </a:rPr>
+              <a:t>oacute</a:t>
+            </a:r>
+            <a:r>
+              <a:rPr lang="es-AR" sz="3000" dirty="0">
+                <a:solidFill>
+                  <a:schemeClr val="tx1">
+                    <a:lumMod val="75000"/>
+                    <a:lumOff val="25000"/>
+                  </a:schemeClr>
+                </a:solidFill>
+              </a:rPr>
+              <a:t>; </a:t>
+            </a:r>
+            <a:r>
+              <a:rPr lang="es-AR" sz="3000" dirty="0">
+                <a:solidFill>
+                  <a:schemeClr val="tx1">
+                    <a:tint val="75000"/>
+                  </a:schemeClr>
+                </a:solidFill>
+              </a:rPr>
+              <a:t>ú </a:t>
+            </a:r>
+            <a:r>
+              <a:rPr lang="es-AR" sz="3000" dirty="0">
+                <a:solidFill>
+                  <a:schemeClr val="tx1">
+                    <a:lumMod val="75000"/>
+                    <a:lumOff val="25000"/>
+                  </a:schemeClr>
+                </a:solidFill>
+              </a:rPr>
+              <a:t>&amp;</a:t>
+            </a:r>
+            <a:r>
+              <a:rPr lang="es-AR" sz="3000" dirty="0" err="1">
+                <a:solidFill>
+                  <a:schemeClr val="tx1">
+                    <a:lumMod val="75000"/>
+                    <a:lumOff val="25000"/>
+                  </a:schemeClr>
+                </a:solidFill>
+              </a:rPr>
+              <a:t>uacute</a:t>
+            </a:r>
+            <a:r>
+              <a:rPr lang="es-AR" sz="3000" dirty="0">
+                <a:solidFill>
+                  <a:schemeClr val="tx1">
+                    <a:lumMod val="75000"/>
+                    <a:lumOff val="25000"/>
+                  </a:schemeClr>
+                </a:solidFill>
+              </a:rPr>
+              <a:t>;</a:t>
+            </a:r>
+          </a:p>
+          <a:p>
+            <a:pPr marL="0" indent="0">
+              <a:buNone/>
+            </a:pPr>
+            <a:r>
+              <a:rPr lang="es-AR" sz="3000" dirty="0">
+                <a:solidFill>
+                  <a:schemeClr val="tx1">
+                    <a:tint val="75000"/>
+                  </a:schemeClr>
+                </a:solidFill>
+              </a:rPr>
+              <a:t>Á </a:t>
+            </a:r>
+            <a:r>
+              <a:rPr lang="es-AR" sz="3000" dirty="0">
+                <a:solidFill>
+                  <a:schemeClr val="tx1">
+                    <a:lumMod val="75000"/>
+                    <a:lumOff val="25000"/>
+                  </a:schemeClr>
+                </a:solidFill>
+              </a:rPr>
+              <a:t>&amp;</a:t>
+            </a:r>
+            <a:r>
+              <a:rPr lang="es-AR" sz="3000" dirty="0" err="1">
+                <a:solidFill>
+                  <a:schemeClr val="tx1">
+                    <a:lumMod val="75000"/>
+                    <a:lumOff val="25000"/>
+                  </a:schemeClr>
+                </a:solidFill>
+              </a:rPr>
+              <a:t>Aacute</a:t>
+            </a:r>
+            <a:r>
+              <a:rPr lang="es-AR" sz="3000" dirty="0">
+                <a:solidFill>
+                  <a:schemeClr val="tx1">
+                    <a:lumMod val="75000"/>
+                    <a:lumOff val="25000"/>
+                  </a:schemeClr>
+                </a:solidFill>
+              </a:rPr>
+              <a:t>; </a:t>
+            </a:r>
+            <a:r>
+              <a:rPr lang="es-AR" sz="3000" dirty="0">
+                <a:solidFill>
+                  <a:schemeClr val="tx1">
+                    <a:tint val="75000"/>
+                  </a:schemeClr>
+                </a:solidFill>
+              </a:rPr>
+              <a:t>É </a:t>
+            </a:r>
+            <a:r>
+              <a:rPr lang="es-AR" sz="3000" dirty="0">
+                <a:solidFill>
+                  <a:schemeClr val="tx1">
+                    <a:lumMod val="75000"/>
+                    <a:lumOff val="25000"/>
+                  </a:schemeClr>
+                </a:solidFill>
+              </a:rPr>
+              <a:t>&amp;</a:t>
+            </a:r>
+            <a:r>
+              <a:rPr lang="es-AR" sz="3000" dirty="0" err="1">
+                <a:solidFill>
+                  <a:schemeClr val="tx1">
+                    <a:lumMod val="75000"/>
+                    <a:lumOff val="25000"/>
+                  </a:schemeClr>
+                </a:solidFill>
+              </a:rPr>
+              <a:t>Eacute</a:t>
+            </a:r>
+            <a:r>
+              <a:rPr lang="es-AR" sz="3000" dirty="0">
+                <a:solidFill>
+                  <a:schemeClr val="tx1">
+                    <a:lumMod val="75000"/>
+                    <a:lumOff val="25000"/>
+                  </a:schemeClr>
+                </a:solidFill>
+              </a:rPr>
+              <a:t>; </a:t>
+            </a:r>
+            <a:r>
+              <a:rPr lang="es-AR" sz="3000" dirty="0">
+                <a:solidFill>
+                  <a:schemeClr val="tx1">
+                    <a:tint val="75000"/>
+                  </a:schemeClr>
+                </a:solidFill>
+              </a:rPr>
+              <a:t>Í </a:t>
+            </a:r>
+            <a:r>
+              <a:rPr lang="es-AR" sz="3000" dirty="0">
+                <a:solidFill>
+                  <a:schemeClr val="tx1">
+                    <a:lumMod val="75000"/>
+                    <a:lumOff val="25000"/>
+                  </a:schemeClr>
+                </a:solidFill>
+              </a:rPr>
+              <a:t>&amp;</a:t>
+            </a:r>
+            <a:r>
+              <a:rPr lang="es-AR" sz="3000" dirty="0" err="1">
+                <a:solidFill>
+                  <a:schemeClr val="tx1">
+                    <a:lumMod val="75000"/>
+                    <a:lumOff val="25000"/>
+                  </a:schemeClr>
+                </a:solidFill>
+              </a:rPr>
+              <a:t>Iacute</a:t>
+            </a:r>
+            <a:r>
+              <a:rPr lang="es-AR" sz="3000" dirty="0">
+                <a:solidFill>
+                  <a:schemeClr val="tx1">
+                    <a:lumMod val="75000"/>
+                    <a:lumOff val="25000"/>
+                  </a:schemeClr>
+                </a:solidFill>
+              </a:rPr>
+              <a:t>; </a:t>
+            </a:r>
+            <a:r>
+              <a:rPr lang="es-AR" sz="3000" dirty="0" err="1">
+                <a:solidFill>
+                  <a:schemeClr val="tx1">
+                    <a:tint val="75000"/>
+                  </a:schemeClr>
+                </a:solidFill>
+              </a:rPr>
+              <a:t>Ó</a:t>
+            </a:r>
+            <a:r>
+              <a:rPr lang="es-AR" sz="3000" dirty="0">
+                <a:solidFill>
+                  <a:schemeClr val="tx1">
+                    <a:tint val="75000"/>
+                  </a:schemeClr>
+                </a:solidFill>
+              </a:rPr>
+              <a:t> </a:t>
+            </a:r>
+            <a:r>
+              <a:rPr lang="es-AR" sz="3000" dirty="0">
+                <a:solidFill>
+                  <a:schemeClr val="tx1">
+                    <a:lumMod val="75000"/>
+                    <a:lumOff val="25000"/>
+                  </a:schemeClr>
+                </a:solidFill>
+              </a:rPr>
+              <a:t>&amp;</a:t>
+            </a:r>
+            <a:r>
+              <a:rPr lang="es-AR" sz="3000" dirty="0" err="1">
+                <a:solidFill>
+                  <a:schemeClr val="tx1">
+                    <a:lumMod val="75000"/>
+                    <a:lumOff val="25000"/>
+                  </a:schemeClr>
+                </a:solidFill>
+              </a:rPr>
+              <a:t>Oacute</a:t>
+            </a:r>
+            <a:r>
+              <a:rPr lang="es-AR" sz="3000" dirty="0">
+                <a:solidFill>
+                  <a:schemeClr val="tx1">
+                    <a:lumMod val="75000"/>
+                    <a:lumOff val="25000"/>
+                  </a:schemeClr>
+                </a:solidFill>
+              </a:rPr>
+              <a:t>; </a:t>
+            </a:r>
+            <a:r>
+              <a:rPr lang="es-AR" sz="3000" dirty="0">
+                <a:solidFill>
+                  <a:schemeClr val="tx1">
+                    <a:tint val="75000"/>
+                  </a:schemeClr>
+                </a:solidFill>
+              </a:rPr>
+              <a:t>Ú </a:t>
+            </a:r>
+            <a:r>
+              <a:rPr lang="es-AR" sz="3000" dirty="0">
+                <a:solidFill>
+                  <a:schemeClr val="tx1">
+                    <a:lumMod val="75000"/>
+                    <a:lumOff val="25000"/>
+                  </a:schemeClr>
+                </a:solidFill>
+              </a:rPr>
+              <a:t>&amp;</a:t>
+            </a:r>
+            <a:r>
+              <a:rPr lang="es-AR" sz="3000" dirty="0" err="1">
+                <a:solidFill>
+                  <a:schemeClr val="tx1">
+                    <a:lumMod val="75000"/>
+                    <a:lumOff val="25000"/>
+                  </a:schemeClr>
+                </a:solidFill>
+              </a:rPr>
+              <a:t>Uacute</a:t>
+            </a:r>
+            <a:r>
+              <a:rPr lang="es-AR" sz="3000" dirty="0">
+                <a:solidFill>
+                  <a:schemeClr val="tx1">
+                    <a:lumMod val="75000"/>
+                    <a:lumOff val="25000"/>
+                  </a:schemeClr>
+                </a:solidFill>
+              </a:rPr>
+              <a:t>;</a:t>
+            </a:r>
+          </a:p>
+          <a:p>
+            <a:pPr marL="0" indent="0">
+              <a:buNone/>
+            </a:pPr>
+            <a:r>
+              <a:rPr lang="es-AR" sz="3000" dirty="0">
+                <a:solidFill>
+                  <a:schemeClr val="tx1">
+                    <a:tint val="75000"/>
+                  </a:schemeClr>
+                </a:solidFill>
+              </a:rPr>
+              <a:t> ñ </a:t>
+            </a:r>
+            <a:r>
+              <a:rPr lang="es-AR" sz="3000" dirty="0">
+                <a:solidFill>
+                  <a:schemeClr val="tx1">
+                    <a:lumMod val="75000"/>
+                    <a:lumOff val="25000"/>
+                  </a:schemeClr>
+                </a:solidFill>
+              </a:rPr>
+              <a:t>&amp;</a:t>
+            </a:r>
+            <a:r>
+              <a:rPr lang="es-AR" sz="3000" dirty="0" err="1">
+                <a:solidFill>
+                  <a:schemeClr val="tx1">
+                    <a:lumMod val="75000"/>
+                    <a:lumOff val="25000"/>
+                  </a:schemeClr>
+                </a:solidFill>
+              </a:rPr>
+              <a:t>ntilde</a:t>
+            </a:r>
+            <a:r>
+              <a:rPr lang="es-AR" sz="3000" dirty="0">
+                <a:solidFill>
+                  <a:schemeClr val="tx1">
+                    <a:lumMod val="75000"/>
+                    <a:lumOff val="25000"/>
+                  </a:schemeClr>
+                </a:solidFill>
+              </a:rPr>
+              <a:t>; </a:t>
+            </a:r>
+            <a:r>
+              <a:rPr lang="es-AR" sz="3000" dirty="0">
+                <a:solidFill>
+                  <a:schemeClr val="tx1">
+                    <a:tint val="75000"/>
+                  </a:schemeClr>
+                </a:solidFill>
+              </a:rPr>
+              <a:t>Ñ </a:t>
+            </a:r>
+            <a:r>
+              <a:rPr lang="es-AR" sz="3000" dirty="0">
+                <a:solidFill>
+                  <a:schemeClr val="tx1">
+                    <a:lumMod val="75000"/>
+                    <a:lumOff val="25000"/>
+                  </a:schemeClr>
+                </a:solidFill>
+              </a:rPr>
+              <a:t>&amp;</a:t>
+            </a:r>
+            <a:r>
+              <a:rPr lang="es-AR" sz="3000" dirty="0" err="1">
+                <a:solidFill>
+                  <a:schemeClr val="tx1">
+                    <a:lumMod val="75000"/>
+                    <a:lumOff val="25000"/>
+                  </a:schemeClr>
+                </a:solidFill>
+              </a:rPr>
+              <a:t>Ñtilde</a:t>
+            </a:r>
+            <a:r>
+              <a:rPr lang="es-AR" sz="3000" dirty="0">
+                <a:solidFill>
+                  <a:schemeClr val="tx1">
+                    <a:lumMod val="75000"/>
+                    <a:lumOff val="25000"/>
+                  </a:schemeClr>
+                </a:solidFill>
+              </a:rPr>
+              <a:t>;</a:t>
+            </a:r>
+          </a:p>
+          <a:p>
+            <a:pPr marL="0" indent="0">
+              <a:buNone/>
+            </a:pPr>
+            <a:r>
+              <a:rPr lang="es-AR" sz="3000" dirty="0">
+                <a:solidFill>
+                  <a:schemeClr val="tx1">
+                    <a:tint val="75000"/>
+                  </a:schemeClr>
+                </a:solidFill>
+              </a:rPr>
+              <a:t>La lista completa se consigue </a:t>
+            </a:r>
+            <a:r>
+              <a:rPr lang="es-AR" sz="3000" dirty="0" err="1">
+                <a:solidFill>
+                  <a:schemeClr val="tx1">
+                    <a:tint val="75000"/>
+                  </a:schemeClr>
+                </a:solidFill>
+              </a:rPr>
+              <a:t>en:https</a:t>
+            </a:r>
+            <a:r>
+              <a:rPr lang="es-AR" sz="3000" dirty="0">
+                <a:solidFill>
+                  <a:schemeClr val="tx1">
+                    <a:tint val="75000"/>
+                  </a:schemeClr>
+                </a:solidFill>
+              </a:rPr>
+              <a:t>://dev.w3.org/html5/</a:t>
+            </a:r>
+            <a:r>
+              <a:rPr lang="es-AR" sz="3000" dirty="0" err="1">
+                <a:solidFill>
+                  <a:schemeClr val="tx1">
+                    <a:tint val="75000"/>
+                  </a:schemeClr>
+                </a:solidFill>
+              </a:rPr>
+              <a:t>html-author</a:t>
+            </a:r>
+            <a:r>
+              <a:rPr lang="es-AR" sz="3000" dirty="0">
+                <a:solidFill>
+                  <a:schemeClr val="tx1">
+                    <a:tint val="75000"/>
+                  </a:schemeClr>
+                </a:solidFill>
+              </a:rPr>
+              <a:t>/</a:t>
+            </a:r>
+            <a:r>
+              <a:rPr lang="es-AR" sz="3000" dirty="0" err="1">
+                <a:solidFill>
+                  <a:schemeClr val="tx1">
+                    <a:tint val="75000"/>
+                  </a:schemeClr>
+                </a:solidFill>
+              </a:rPr>
+              <a:t>charref</a:t>
+            </a:r>
+            <a:endParaRPr lang="es-AR" sz="3000" dirty="0">
+              <a:solidFill>
+                <a:schemeClr val="tx1">
+                  <a:tint val="75000"/>
+                </a:schemeClr>
+              </a:solidFill>
+            </a:endParaRPr>
+          </a:p>
+          <a:p>
+            <a:pPr marL="0" indent="0">
+              <a:buNone/>
+            </a:pPr>
+            <a:r>
+              <a:rPr lang="es-AR" dirty="0">
+                <a:solidFill>
+                  <a:schemeClr val="tx1">
+                    <a:tint val="75000"/>
+                  </a:schemeClr>
+                </a:solidFill>
+              </a:rPr>
+              <a:t> </a:t>
+            </a:r>
+          </a:p>
+          <a:p>
+            <a:endParaRPr lang="es-AR" dirty="0"/>
+          </a:p>
+        </p:txBody>
+      </p:sp>
+    </p:spTree>
+    <p:extLst>
+      <p:ext uri="{BB962C8B-B14F-4D97-AF65-F5344CB8AC3E}">
+        <p14:creationId xmlns:p14="http://schemas.microsoft.com/office/powerpoint/2010/main" val="1415387639"/>
+      </p:ext>
+    </p:extLst>
+  </p:cSld>
+  <p:clrMapOvr>
+    <a:masterClrMapping/>
+  </p:clrMapOvr>
+</p:sld>
+</file>
+
+<file path=ppt/slides/slide7.xml><?xml version="1.0" encoding="utf-8"?>
+<p:sld xmlns:a="http://schemas.openxmlformats.org/drawingml/2006/main" xmlns:r="http://schemas.openxmlformats.org/officeDocument/2006/relationships" xmlns:p="http://schemas.openxmlformats.org/presentationml/2006/main">
+  <p:cSld>
+    <p:spTree>
+      <p:nvGrpSpPr>
+        <p:cNvPr id="1" name=""/>
+        <p:cNvGrpSpPr/>
+        <p:nvPr/>
+      </p:nvGrpSpPr>
+      <p:grpSpPr>
+        <a:xfrm>
+          <a:off x="0" y="0"/>
+          <a:ext cx="0" cy="0"/>
+          <a:chOff x="0" y="0"/>
+          <a:chExt cx="0" cy="0"/>
+        </a:xfrm>
+      </p:grpSpPr>
+      <p:sp>
+        <p:nvSpPr>
+          <p:cNvPr id="4" name="CuadroTexto 3">
+            <a:extLst>
+              <a:ext uri="{FF2B5EF4-FFF2-40B4-BE49-F238E27FC236}">
+                <a16:creationId xmlns:a16="http://schemas.microsoft.com/office/drawing/2014/main" id="{023422EE-87AE-4521-ABE6-BA7FA008B2D2}"/>
+              </a:ext>
+            </a:extLst>
+          </p:cNvPr>
+          <p:cNvSpPr txBox="1"/>
+          <p:nvPr/>
+        </p:nvSpPr>
+        <p:spPr>
+          <a:xfrm>
+            <a:off x="228601" y="135791"/>
+            <a:ext cx="11828720" cy="6586418"/>
+          </a:xfrm>
+          <a:prstGeom prst="rect">
+            <a:avLst/>
+          </a:prstGeom>
+          <a:noFill/>
+        </p:spPr>
+        <p:txBody>
+          <a:bodyPr wrap="square" rtlCol="0">
+            <a:spAutoFit/>
+          </a:bodyPr>
+          <a:lstStyle/>
+          <a:p>
+            <a:pPr algn="ctr"/>
+            <a:r>
+              <a:rPr lang="es-AR" sz="4000" u="sng" dirty="0">
+                <a:solidFill>
+                  <a:schemeClr val="tx1">
+                    <a:lumMod val="65000"/>
+                    <a:lumOff val="35000"/>
+                  </a:schemeClr>
+                </a:solidFill>
+                <a:latin typeface="+mj-lt"/>
+                <a:ea typeface="+mj-ea"/>
+                <a:cs typeface="+mj-cs"/>
+              </a:rPr>
+              <a:t>URL( </a:t>
+            </a:r>
+            <a:r>
+              <a:rPr lang="es-AR" sz="4000" u="sng" dirty="0" err="1">
+                <a:solidFill>
+                  <a:schemeClr val="tx1">
+                    <a:lumMod val="65000"/>
+                    <a:lumOff val="35000"/>
+                  </a:schemeClr>
+                </a:solidFill>
+                <a:latin typeface="+mj-lt"/>
+                <a:ea typeface="+mj-ea"/>
+                <a:cs typeface="+mj-cs"/>
+              </a:rPr>
+              <a:t>Uniform</a:t>
+            </a:r>
+            <a:r>
+              <a:rPr lang="es-AR" sz="4000" u="sng" dirty="0">
+                <a:solidFill>
+                  <a:schemeClr val="tx1">
+                    <a:lumMod val="65000"/>
+                    <a:lumOff val="35000"/>
+                  </a:schemeClr>
+                </a:solidFill>
+                <a:latin typeface="+mj-lt"/>
+                <a:ea typeface="+mj-ea"/>
+                <a:cs typeface="+mj-cs"/>
+              </a:rPr>
+              <a:t> </a:t>
+            </a:r>
+            <a:r>
+              <a:rPr lang="es-AR" sz="4000" u="sng" dirty="0" err="1">
+                <a:solidFill>
+                  <a:schemeClr val="tx1">
+                    <a:lumMod val="65000"/>
+                    <a:lumOff val="35000"/>
+                  </a:schemeClr>
+                </a:solidFill>
+                <a:latin typeface="+mj-lt"/>
+                <a:ea typeface="+mj-ea"/>
+                <a:cs typeface="+mj-cs"/>
+              </a:rPr>
+              <a:t>Resource</a:t>
+            </a:r>
+            <a:r>
+              <a:rPr lang="es-AR" sz="4000" u="sng" dirty="0">
+                <a:solidFill>
+                  <a:schemeClr val="tx1">
+                    <a:lumMod val="65000"/>
+                    <a:lumOff val="35000"/>
+                  </a:schemeClr>
+                </a:solidFill>
+                <a:latin typeface="+mj-lt"/>
+                <a:ea typeface="+mj-ea"/>
+                <a:cs typeface="+mj-cs"/>
+              </a:rPr>
+              <a:t> </a:t>
+            </a:r>
+            <a:r>
+              <a:rPr lang="es-AR" sz="4000" u="sng" dirty="0" err="1">
+                <a:solidFill>
+                  <a:schemeClr val="tx1">
+                    <a:lumMod val="65000"/>
+                    <a:lumOff val="35000"/>
+                  </a:schemeClr>
+                </a:solidFill>
+                <a:latin typeface="+mj-lt"/>
+                <a:ea typeface="+mj-ea"/>
+                <a:cs typeface="+mj-cs"/>
+              </a:rPr>
+              <a:t>Locator</a:t>
+            </a:r>
+            <a:r>
+              <a:rPr lang="es-AR" sz="4000" u="sng" dirty="0">
+                <a:solidFill>
+                  <a:schemeClr val="tx1">
+                    <a:lumMod val="65000"/>
+                    <a:lumOff val="35000"/>
+                  </a:schemeClr>
+                </a:solidFill>
+                <a:latin typeface="+mj-lt"/>
+                <a:ea typeface="+mj-ea"/>
+                <a:cs typeface="+mj-cs"/>
+              </a:rPr>
+              <a:t>)</a:t>
+            </a:r>
+          </a:p>
+          <a:p>
+            <a:pPr algn="ctr"/>
+            <a:endParaRPr lang="es-AR" dirty="0">
+              <a:solidFill>
+                <a:schemeClr val="tx1">
+                  <a:tint val="75000"/>
+                </a:schemeClr>
+              </a:solidFill>
+            </a:endParaRPr>
+          </a:p>
+          <a:p>
+            <a:r>
+              <a:rPr lang="es-AR" sz="2800" dirty="0">
+                <a:solidFill>
+                  <a:schemeClr val="tx1">
+                    <a:tint val="75000"/>
+                  </a:schemeClr>
+                </a:solidFill>
+              </a:rPr>
+              <a:t>Cumple dos funciones:</a:t>
+            </a:r>
+          </a:p>
+          <a:p>
+            <a:pPr marL="571500" indent="-571500">
+              <a:buFont typeface="Arial" panose="020B0604020202020204" pitchFamily="34" charset="0"/>
+              <a:buChar char="•"/>
+            </a:pPr>
+            <a:r>
+              <a:rPr lang="es-AR" sz="2800" dirty="0">
+                <a:solidFill>
+                  <a:schemeClr val="tx1">
+                    <a:tint val="75000"/>
+                  </a:schemeClr>
+                </a:solidFill>
+              </a:rPr>
+              <a:t>Identificar de forma única un recurso.</a:t>
+            </a:r>
+          </a:p>
+          <a:p>
+            <a:pPr marL="571500" indent="-571500">
+              <a:buFont typeface="Arial" panose="020B0604020202020204" pitchFamily="34" charset="0"/>
+              <a:buChar char="•"/>
+            </a:pPr>
+            <a:r>
+              <a:rPr lang="es-AR" sz="2800" dirty="0">
+                <a:solidFill>
+                  <a:schemeClr val="tx1">
+                    <a:tint val="75000"/>
+                  </a:schemeClr>
+                </a:solidFill>
+              </a:rPr>
+              <a:t>Permitir localizar ese recurso.</a:t>
+            </a:r>
+          </a:p>
+          <a:p>
+            <a:r>
+              <a:rPr lang="es-AR" sz="2800" dirty="0">
+                <a:solidFill>
+                  <a:schemeClr val="tx1">
+                    <a:tint val="75000"/>
+                  </a:schemeClr>
+                </a:solidFill>
+              </a:rPr>
+              <a:t>http://www.unsitio.com/carpeta/index.php?pagina=5&amp;nombre=Carlos#42</a:t>
+            </a:r>
+          </a:p>
+          <a:p>
+            <a:endParaRPr lang="es-AR" sz="2800" dirty="0">
+              <a:solidFill>
+                <a:schemeClr val="tx1">
+                  <a:tint val="75000"/>
+                </a:schemeClr>
+              </a:solidFill>
+            </a:endParaRPr>
+          </a:p>
+          <a:p>
+            <a:r>
+              <a:rPr lang="es-AR" sz="2800" dirty="0">
+                <a:solidFill>
+                  <a:schemeClr val="tx1">
+                    <a:tint val="75000"/>
+                  </a:schemeClr>
+                </a:solidFill>
+              </a:rPr>
+              <a:t>Una </a:t>
+            </a:r>
+            <a:r>
+              <a:rPr lang="es-AR" sz="2800" dirty="0" err="1">
+                <a:solidFill>
+                  <a:schemeClr val="tx1">
+                    <a:tint val="75000"/>
+                  </a:schemeClr>
+                </a:solidFill>
+              </a:rPr>
+              <a:t>url</a:t>
+            </a:r>
+            <a:r>
+              <a:rPr lang="es-AR" sz="2800" dirty="0">
+                <a:solidFill>
+                  <a:schemeClr val="tx1">
+                    <a:tint val="75000"/>
+                  </a:schemeClr>
+                </a:solidFill>
+              </a:rPr>
+              <a:t> puede tener hasta 5 componentes.</a:t>
+            </a:r>
+          </a:p>
+          <a:p>
+            <a:endParaRPr lang="es-AR" sz="2800" dirty="0">
+              <a:solidFill>
+                <a:schemeClr val="tx1">
+                  <a:tint val="75000"/>
+                </a:schemeClr>
+              </a:solidFill>
+            </a:endParaRPr>
+          </a:p>
+          <a:p>
+            <a:r>
+              <a:rPr lang="es-AR" sz="2800" dirty="0">
+                <a:solidFill>
+                  <a:schemeClr val="tx1">
+                    <a:tint val="75000"/>
+                  </a:schemeClr>
+                </a:solidFill>
+              </a:rPr>
+              <a:t>Protocolo: http:// puede ser https, </a:t>
+            </a:r>
+            <a:r>
+              <a:rPr lang="es-AR" sz="2800" dirty="0" err="1">
+                <a:solidFill>
+                  <a:schemeClr val="tx1">
+                    <a:tint val="75000"/>
+                  </a:schemeClr>
+                </a:solidFill>
+              </a:rPr>
+              <a:t>mailto</a:t>
+            </a:r>
+            <a:r>
+              <a:rPr lang="es-AR" sz="2800" dirty="0">
+                <a:solidFill>
+                  <a:schemeClr val="tx1">
+                    <a:tint val="75000"/>
+                  </a:schemeClr>
+                </a:solidFill>
+              </a:rPr>
+              <a:t>, file o ftp. </a:t>
+            </a:r>
+          </a:p>
+          <a:p>
+            <a:r>
+              <a:rPr lang="es-AR" sz="2800" dirty="0">
+                <a:solidFill>
+                  <a:schemeClr val="tx1">
+                    <a:tint val="75000"/>
+                  </a:schemeClr>
+                </a:solidFill>
+              </a:rPr>
+              <a:t>El servidor www.unsitio.com</a:t>
+            </a:r>
+          </a:p>
+          <a:p>
+            <a:r>
+              <a:rPr lang="es-AR" sz="2800" dirty="0">
+                <a:solidFill>
+                  <a:schemeClr val="tx1">
+                    <a:tint val="75000"/>
+                  </a:schemeClr>
+                </a:solidFill>
+              </a:rPr>
+              <a:t>La ruta /carpeta/</a:t>
+            </a:r>
+            <a:r>
+              <a:rPr lang="es-AR" sz="2800" dirty="0" err="1">
+                <a:solidFill>
+                  <a:schemeClr val="tx1">
+                    <a:tint val="75000"/>
+                  </a:schemeClr>
+                </a:solidFill>
+              </a:rPr>
+              <a:t>index.php</a:t>
+            </a:r>
+            <a:endParaRPr lang="es-AR" sz="2800" dirty="0">
+              <a:solidFill>
+                <a:schemeClr val="tx1">
+                  <a:tint val="75000"/>
+                </a:schemeClr>
+              </a:solidFill>
+            </a:endParaRPr>
+          </a:p>
+          <a:p>
+            <a:r>
+              <a:rPr lang="es-AR" sz="2800" dirty="0">
+                <a:solidFill>
+                  <a:schemeClr val="tx1">
+                    <a:tint val="75000"/>
+                  </a:schemeClr>
+                </a:solidFill>
+              </a:rPr>
+              <a:t>Consulta ?pagina=5&amp;nombre=Carlos Comienza con el símbolo ? Y continua con pares de atributo valor unidos por un =  </a:t>
+            </a:r>
+          </a:p>
+          <a:p>
+            <a:r>
+              <a:rPr lang="es-AR" sz="2800" dirty="0">
+                <a:solidFill>
+                  <a:schemeClr val="tx1">
+                    <a:tint val="75000"/>
+                  </a:schemeClr>
+                </a:solidFill>
+              </a:rPr>
+              <a:t>Sección lugar particular del documento.</a:t>
+            </a:r>
+          </a:p>
+        </p:txBody>
+      </p:sp>
+    </p:spTree>
+    <p:extLst>
+      <p:ext uri="{BB962C8B-B14F-4D97-AF65-F5344CB8AC3E}">
+        <p14:creationId xmlns:p14="http://schemas.microsoft.com/office/powerpoint/2010/main" val="30893028"/>
+      </p:ext>
+    </p:extLst>
+  </p:cSld>
+  <p:clrMapOvr>
+    <a:masterClrMapping/>
+  </p:clrMapOvr>
+</p:sld>
+</file>
+
+<file path=ppt/slides/slide8.xml><?xml version="1.0" encoding="utf-8"?>
+<p:sld xmlns:a="http://schemas.openxmlformats.org/drawingml/2006/main" xmlns:r="http://schemas.openxmlformats.org/officeDocument/2006/relationships" xmlns:p="http://schemas.openxmlformats.org/presentationml/2006/main">
+  <p:cSld>
+    <p:bg>
+      <p:bgRef idx="1001">
+        <a:schemeClr val="bg1"/>
+      </p:bgRef>
+    </p:bg>
+    <p:spTree>
+      <p:nvGrpSpPr>
+        <p:cNvPr id="1" name=""/>
+        <p:cNvGrpSpPr/>
+        <p:nvPr/>
+      </p:nvGrpSpPr>
+      <p:grpSpPr>
+        <a:xfrm>
+          <a:off x="0" y="0"/>
+          <a:ext cx="0" cy="0"/>
+          <a:chOff x="0" y="0"/>
+          <a:chExt cx="0" cy="0"/>
+        </a:xfrm>
+      </p:grpSpPr>
+      <p:sp>
+        <p:nvSpPr>
+          <p:cNvPr id="2" name="CuadroTexto 1">
+            <a:extLst>
+              <a:ext uri="{FF2B5EF4-FFF2-40B4-BE49-F238E27FC236}">
+                <a16:creationId xmlns:a16="http://schemas.microsoft.com/office/drawing/2014/main" id="{B6CF7403-06AC-4F91-8686-F55339114E9A}"/>
+              </a:ext>
+            </a:extLst>
+          </p:cNvPr>
+          <p:cNvSpPr txBox="1"/>
+          <p:nvPr/>
+        </p:nvSpPr>
+        <p:spPr>
+          <a:xfrm>
+            <a:off x="0" y="95693"/>
+            <a:ext cx="11961627" cy="5878532"/>
+          </a:xfrm>
+          <a:prstGeom prst="rect">
+            <a:avLst/>
+          </a:prstGeom>
+          <a:noFill/>
+        </p:spPr>
+        <p:txBody>
+          <a:bodyPr wrap="square" rtlCol="0">
+            <a:spAutoFit/>
+          </a:bodyPr>
+          <a:lstStyle/>
+          <a:p>
+            <a:pPr algn="ctr"/>
+            <a:r>
+              <a:rPr lang="es-AR" sz="4000" u="sng" dirty="0">
+                <a:solidFill>
+                  <a:schemeClr val="tx1">
+                    <a:lumMod val="65000"/>
+                    <a:lumOff val="35000"/>
+                  </a:schemeClr>
+                </a:solidFill>
+                <a:latin typeface="+mj-lt"/>
+                <a:ea typeface="+mj-ea"/>
+                <a:cs typeface="+mj-cs"/>
+              </a:rPr>
+              <a:t>Url absolutas y relativas</a:t>
+            </a:r>
+          </a:p>
+          <a:p>
+            <a:pPr algn="ctr"/>
+            <a:endParaRPr lang="es-AR" sz="2800" dirty="0">
+              <a:solidFill>
+                <a:schemeClr val="tx1">
+                  <a:tint val="75000"/>
+                </a:schemeClr>
+              </a:solidFill>
+            </a:endParaRPr>
+          </a:p>
+          <a:p>
+            <a:r>
+              <a:rPr lang="es-AR" sz="2800" dirty="0">
+                <a:solidFill>
+                  <a:schemeClr val="tx1">
+                    <a:tint val="75000"/>
+                  </a:schemeClr>
+                </a:solidFill>
+              </a:rPr>
+              <a:t>Las url absolutas son las que se escriben  completas, en las relativas se usa la información de la ubicación actual.</a:t>
+            </a:r>
+          </a:p>
+          <a:p>
+            <a:r>
+              <a:rPr lang="es-AR" sz="2800" dirty="0">
+                <a:solidFill>
+                  <a:schemeClr val="tx1">
+                    <a:tint val="75000"/>
+                  </a:schemeClr>
+                </a:solidFill>
+              </a:rPr>
+              <a:t>Siempre que se pueda, se debe usar las referencia relativa.</a:t>
+            </a:r>
+          </a:p>
+          <a:p>
+            <a:endParaRPr lang="es-AR" sz="2800" dirty="0">
+              <a:solidFill>
+                <a:schemeClr val="tx1">
+                  <a:tint val="75000"/>
+                </a:schemeClr>
+              </a:solidFill>
+            </a:endParaRPr>
+          </a:p>
+          <a:p>
+            <a:r>
+              <a:rPr lang="es-AR" sz="2800" dirty="0">
+                <a:solidFill>
+                  <a:schemeClr val="tx1">
+                    <a:tint val="75000"/>
+                  </a:schemeClr>
+                </a:solidFill>
+              </a:rPr>
+              <a:t>Ejemplo de referencia relativa.</a:t>
+            </a:r>
+          </a:p>
+          <a:p>
+            <a:endParaRPr lang="es-AR" sz="2800" dirty="0">
+              <a:solidFill>
+                <a:schemeClr val="tx1">
+                  <a:tint val="75000"/>
+                </a:schemeClr>
+              </a:solidFill>
+            </a:endParaRPr>
+          </a:p>
+          <a:p>
+            <a:r>
+              <a:rPr lang="es-AR" sz="2800" dirty="0">
+                <a:solidFill>
+                  <a:schemeClr val="tx1">
+                    <a:tint val="75000"/>
+                  </a:schemeClr>
+                </a:solidFill>
+              </a:rPr>
+              <a:t>“clases/persona.php”  ir a la carpeta clases y luego al archivo persona.php.</a:t>
+            </a:r>
+          </a:p>
+          <a:p>
+            <a:r>
+              <a:rPr lang="es-AR" sz="2800" dirty="0">
+                <a:solidFill>
+                  <a:schemeClr val="tx1">
+                    <a:tint val="75000"/>
+                  </a:schemeClr>
+                </a:solidFill>
+              </a:rPr>
+              <a:t>“../css/estilos.css” bajar un nivel a partir de ahí ir a la carpeta css y luego al archivo estilos.css.</a:t>
+            </a:r>
+          </a:p>
+          <a:p>
+            <a:r>
+              <a:rPr lang="es-AR" sz="2800" dirty="0">
+                <a:solidFill>
+                  <a:schemeClr val="tx1">
+                    <a:tint val="75000"/>
+                  </a:schemeClr>
+                </a:solidFill>
+              </a:rPr>
+              <a:t>“/index.php” ir a la raíz del sitio y luego al archivo index.php.</a:t>
+            </a:r>
+          </a:p>
+          <a:p>
+            <a:endParaRPr lang="es-AR" sz="2800" dirty="0">
+              <a:solidFill>
+                <a:schemeClr val="tx1">
+                  <a:tint val="75000"/>
+                </a:schemeClr>
+              </a:solidFill>
+            </a:endParaRPr>
+          </a:p>
+        </p:txBody>
+      </p:sp>
     </p:spTree>
     <p:extLst>
       <p:ext uri="{BB962C8B-B14F-4D97-AF65-F5344CB8AC3E}">
         <p14:creationId xmlns:p14="http://schemas.microsoft.com/office/powerpoint/2010/main" val="202375601"/>
+      </p:ext>
+    </p:extLst>
+  </p:cSld>
+  <p:clrMapOvr>
+    <a:overrideClrMapping bg1="lt1" tx1="dk1" bg2="lt2" tx2="dk2" accent1="accent1" accent2="accent2" accent3="accent3" accent4="accent4" accent5="accent5" accent6="accent6" hlink="hlink" folHlink="folHlink"/>
+  </p:clrMapOvr>
+</p:sld>
+</file>
+
+<file path=ppt/slides/slide9.xml><?xml version="1.0" encoding="utf-8"?>
+<p:sld xmlns:a="http://schemas.openxmlformats.org/drawingml/2006/main" xmlns:r="http://schemas.openxmlformats.org/officeDocument/2006/relationships" xmlns:p="http://schemas.openxmlformats.org/presentationml/2006/main">
+  <p:cSld>
+    <p:spTree>
+      <p:nvGrpSpPr>
+        <p:cNvPr id="1" name=""/>
+        <p:cNvGrpSpPr/>
+        <p:nvPr/>
+      </p:nvGrpSpPr>
+      <p:grpSpPr>
+        <a:xfrm>
+          <a:off x="0" y="0"/>
+          <a:ext cx="0" cy="0"/>
+          <a:chOff x="0" y="0"/>
+          <a:chExt cx="0" cy="0"/>
+        </a:xfrm>
+      </p:grpSpPr>
+      <p:sp>
+        <p:nvSpPr>
+          <p:cNvPr id="2" name="CuadroTexto 1">
+            <a:extLst>
+              <a:ext uri="{FF2B5EF4-FFF2-40B4-BE49-F238E27FC236}">
+                <a16:creationId xmlns:a16="http://schemas.microsoft.com/office/drawing/2014/main" id="{77722282-0C28-4B7C-9CDD-5ABAA6AB8D26}"/>
+              </a:ext>
+            </a:extLst>
+          </p:cNvPr>
+          <p:cNvSpPr txBox="1"/>
+          <p:nvPr/>
+        </p:nvSpPr>
+        <p:spPr>
+          <a:xfrm>
+            <a:off x="95693" y="170122"/>
+            <a:ext cx="12096307" cy="6001643"/>
+          </a:xfrm>
+          <a:prstGeom prst="rect">
+            <a:avLst/>
+          </a:prstGeom>
+          <a:noFill/>
+        </p:spPr>
+        <p:txBody>
+          <a:bodyPr wrap="square" rtlCol="0">
+            <a:spAutoFit/>
+          </a:bodyPr>
+          <a:lstStyle/>
+          <a:p>
+            <a:pPr algn="ctr"/>
+            <a:r>
+              <a:rPr lang="es-AR" sz="4000" u="sng" dirty="0">
+                <a:solidFill>
+                  <a:schemeClr val="tx1">
+                    <a:lumMod val="65000"/>
+                    <a:lumOff val="35000"/>
+                  </a:schemeClr>
+                </a:solidFill>
+                <a:latin typeface="+mj-lt"/>
+                <a:ea typeface="+mj-ea"/>
+                <a:cs typeface="+mj-cs"/>
+              </a:rPr>
+              <a:t>Enlaces Básicos</a:t>
+            </a:r>
+          </a:p>
+          <a:p>
+            <a:endParaRPr lang="es-AR" dirty="0"/>
+          </a:p>
+          <a:p>
+            <a:r>
+              <a:rPr lang="es-AR" sz="2800" dirty="0">
+                <a:solidFill>
+                  <a:schemeClr val="tx1">
+                    <a:tint val="75000"/>
+                  </a:schemeClr>
+                </a:solidFill>
+              </a:rPr>
+              <a:t>Para los enlaces se utiliza la etiqueta &lt;a&gt;, los atributos más importantes son href para indicar el destino y name que se utiliza para establecer el destino de un enlace.</a:t>
+            </a:r>
+          </a:p>
+          <a:p>
+            <a:r>
+              <a:rPr lang="es-AR" sz="2800" dirty="0">
+                <a:solidFill>
+                  <a:schemeClr val="tx1">
+                    <a:tint val="75000"/>
+                  </a:schemeClr>
+                </a:solidFill>
+              </a:rPr>
+              <a:t>Ejemplos de enlaces.</a:t>
+            </a:r>
+          </a:p>
+          <a:p>
+            <a:r>
+              <a:rPr lang="es-AR" sz="2800" dirty="0">
+                <a:solidFill>
+                  <a:schemeClr val="tx1">
+                    <a:lumMod val="75000"/>
+                    <a:lumOff val="25000"/>
+                  </a:schemeClr>
+                </a:solidFill>
+              </a:rPr>
+              <a:t>&lt;a href=“https://www.google.com” &gt; </a:t>
+            </a:r>
+            <a:r>
+              <a:rPr lang="es-AR" sz="2800" dirty="0">
+                <a:solidFill>
+                  <a:schemeClr val="tx1">
+                    <a:tint val="75000"/>
+                  </a:schemeClr>
+                </a:solidFill>
+              </a:rPr>
+              <a:t>google </a:t>
+            </a:r>
+            <a:r>
+              <a:rPr lang="es-AR" sz="2800" dirty="0">
+                <a:solidFill>
+                  <a:schemeClr val="tx1">
+                    <a:lumMod val="75000"/>
+                    <a:lumOff val="25000"/>
+                  </a:schemeClr>
+                </a:solidFill>
+              </a:rPr>
+              <a:t>&lt;/a&gt;</a:t>
+            </a:r>
+            <a:r>
+              <a:rPr lang="es-AR" sz="2800" dirty="0">
+                <a:solidFill>
+                  <a:schemeClr val="tx1">
+                    <a:tint val="75000"/>
+                  </a:schemeClr>
+                </a:solidFill>
+              </a:rPr>
+              <a:t> un vinculo externo.</a:t>
+            </a:r>
+          </a:p>
+          <a:p>
+            <a:pPr>
+              <a:lnSpc>
+                <a:spcPct val="70000"/>
+              </a:lnSpc>
+              <a:spcBef>
+                <a:spcPts val="1000"/>
+              </a:spcBef>
+            </a:pPr>
+            <a:r>
+              <a:rPr lang="es-AR" sz="2800" dirty="0">
+                <a:solidFill>
+                  <a:schemeClr val="tx1">
+                    <a:lumMod val="75000"/>
+                    <a:lumOff val="25000"/>
+                  </a:schemeClr>
+                </a:solidFill>
+              </a:rPr>
+              <a:t>&lt;a name=“inicio”&gt;&lt;/a&gt;</a:t>
+            </a:r>
+          </a:p>
+          <a:p>
+            <a:r>
+              <a:rPr lang="es-AR" sz="2800" dirty="0">
+                <a:solidFill>
+                  <a:schemeClr val="tx1">
+                    <a:lumMod val="75000"/>
+                    <a:lumOff val="25000"/>
+                  </a:schemeClr>
+                </a:solidFill>
+              </a:rPr>
+              <a:t>&lt;a href=“#inicio”&gt;Ir al inicio&lt;/a&gt; </a:t>
+            </a:r>
+            <a:r>
+              <a:rPr lang="es-AR" sz="2800" dirty="0">
+                <a:solidFill>
+                  <a:schemeClr val="tx1">
+                    <a:tint val="75000"/>
+                  </a:schemeClr>
+                </a:solidFill>
+              </a:rPr>
+              <a:t>Sirve para desplazarse dentro del mismo documento.</a:t>
+            </a:r>
+          </a:p>
+          <a:p>
+            <a:r>
+              <a:rPr lang="es-AR" sz="2800" dirty="0">
+                <a:solidFill>
+                  <a:schemeClr val="tx1">
+                    <a:tint val="75000"/>
+                  </a:schemeClr>
+                </a:solidFill>
+              </a:rPr>
+              <a:t>Dos enlaces muy usados.</a:t>
+            </a:r>
+          </a:p>
+          <a:p>
+            <a:pPr>
+              <a:lnSpc>
+                <a:spcPct val="70000"/>
+              </a:lnSpc>
+              <a:spcBef>
+                <a:spcPts val="1000"/>
+              </a:spcBef>
+            </a:pPr>
+            <a:r>
+              <a:rPr lang="es-AR" sz="2800" dirty="0">
+                <a:solidFill>
+                  <a:schemeClr val="tx1">
+                    <a:lumMod val="75000"/>
+                    <a:lumOff val="25000"/>
+                  </a:schemeClr>
+                </a:solidFill>
+              </a:rPr>
+              <a:t>&lt;script </a:t>
+            </a:r>
+            <a:r>
+              <a:rPr lang="es-AR" sz="2800" dirty="0" err="1">
+                <a:solidFill>
+                  <a:schemeClr val="tx1">
+                    <a:lumMod val="75000"/>
+                    <a:lumOff val="25000"/>
+                  </a:schemeClr>
+                </a:solidFill>
+              </a:rPr>
+              <a:t>type</a:t>
+            </a:r>
+            <a:r>
+              <a:rPr lang="es-AR" sz="2800" dirty="0">
+                <a:solidFill>
+                  <a:schemeClr val="tx1">
+                    <a:lumMod val="75000"/>
+                    <a:lumOff val="25000"/>
+                  </a:schemeClr>
+                </a:solidFill>
+              </a:rPr>
+              <a:t>=“</a:t>
+            </a:r>
+            <a:r>
+              <a:rPr lang="es-AR" sz="2800" dirty="0" err="1">
+                <a:solidFill>
+                  <a:schemeClr val="tx1">
+                    <a:lumMod val="75000"/>
+                    <a:lumOff val="25000"/>
+                  </a:schemeClr>
+                </a:solidFill>
+              </a:rPr>
+              <a:t>text</a:t>
+            </a:r>
+            <a:r>
+              <a:rPr lang="es-AR" sz="2800" dirty="0">
+                <a:solidFill>
+                  <a:schemeClr val="tx1">
+                    <a:lumMod val="75000"/>
+                    <a:lumOff val="25000"/>
+                  </a:schemeClr>
+                </a:solidFill>
+              </a:rPr>
+              <a:t>/</a:t>
+            </a:r>
+            <a:r>
+              <a:rPr lang="es-AR" sz="2800" dirty="0" err="1">
+                <a:solidFill>
+                  <a:schemeClr val="tx1">
+                    <a:lumMod val="75000"/>
+                    <a:lumOff val="25000"/>
+                  </a:schemeClr>
+                </a:solidFill>
+              </a:rPr>
+              <a:t>javascript</a:t>
+            </a:r>
+            <a:r>
+              <a:rPr lang="es-AR" sz="2800" dirty="0">
+                <a:solidFill>
+                  <a:schemeClr val="tx1">
+                    <a:lumMod val="75000"/>
+                    <a:lumOff val="25000"/>
+                  </a:schemeClr>
+                </a:solidFill>
+              </a:rPr>
+              <a:t>” </a:t>
+            </a:r>
+            <a:r>
+              <a:rPr lang="es-AR" sz="2800" dirty="0" err="1">
+                <a:solidFill>
+                  <a:schemeClr val="tx1">
+                    <a:lumMod val="75000"/>
+                    <a:lumOff val="25000"/>
+                  </a:schemeClr>
+                </a:solidFill>
+              </a:rPr>
+              <a:t>src</a:t>
+            </a:r>
+            <a:r>
+              <a:rPr lang="es-AR" sz="2800" dirty="0">
+                <a:solidFill>
+                  <a:schemeClr val="tx1">
+                    <a:lumMod val="75000"/>
+                    <a:lumOff val="25000"/>
+                  </a:schemeClr>
+                </a:solidFill>
+              </a:rPr>
+              <a:t>=“</a:t>
+            </a:r>
+            <a:r>
+              <a:rPr lang="es-AR" sz="2800" dirty="0" err="1">
+                <a:solidFill>
+                  <a:schemeClr val="tx1">
+                    <a:lumMod val="75000"/>
+                    <a:lumOff val="25000"/>
+                  </a:schemeClr>
+                </a:solidFill>
+              </a:rPr>
+              <a:t>js</a:t>
+            </a:r>
+            <a:r>
+              <a:rPr lang="es-AR" sz="2800" dirty="0">
+                <a:solidFill>
+                  <a:schemeClr val="tx1">
+                    <a:lumMod val="75000"/>
+                    <a:lumOff val="25000"/>
+                  </a:schemeClr>
+                </a:solidFill>
+              </a:rPr>
+              <a:t>/código.js”&gt;&lt;/script&gt;</a:t>
+            </a:r>
+          </a:p>
+          <a:p>
+            <a:pPr>
+              <a:lnSpc>
+                <a:spcPct val="70000"/>
+              </a:lnSpc>
+              <a:spcBef>
+                <a:spcPts val="1000"/>
+              </a:spcBef>
+            </a:pPr>
+            <a:r>
+              <a:rPr lang="es-AR" sz="2800" dirty="0">
+                <a:solidFill>
+                  <a:schemeClr val="tx1">
+                    <a:lumMod val="75000"/>
+                    <a:lumOff val="25000"/>
+                  </a:schemeClr>
+                </a:solidFill>
+              </a:rPr>
+              <a:t>&lt;link </a:t>
+            </a:r>
+            <a:r>
+              <a:rPr lang="es-AR" sz="2800" dirty="0" err="1">
+                <a:solidFill>
+                  <a:schemeClr val="tx1">
+                    <a:lumMod val="75000"/>
+                    <a:lumOff val="25000"/>
+                  </a:schemeClr>
+                </a:solidFill>
+              </a:rPr>
+              <a:t>rel</a:t>
+            </a:r>
+            <a:r>
+              <a:rPr lang="es-AR" sz="2800" dirty="0">
+                <a:solidFill>
+                  <a:schemeClr val="tx1">
+                    <a:lumMod val="75000"/>
+                    <a:lumOff val="25000"/>
+                  </a:schemeClr>
+                </a:solidFill>
+              </a:rPr>
+              <a:t>=“</a:t>
+            </a:r>
+            <a:r>
+              <a:rPr lang="es-AR" sz="2800" dirty="0" err="1">
+                <a:solidFill>
+                  <a:schemeClr val="tx1">
+                    <a:lumMod val="75000"/>
+                    <a:lumOff val="25000"/>
+                  </a:schemeClr>
+                </a:solidFill>
+              </a:rPr>
+              <a:t>stylesheet</a:t>
+            </a:r>
+            <a:r>
+              <a:rPr lang="es-AR" sz="2800" dirty="0">
+                <a:solidFill>
+                  <a:schemeClr val="tx1">
+                    <a:lumMod val="75000"/>
+                    <a:lumOff val="25000"/>
+                  </a:schemeClr>
+                </a:solidFill>
+              </a:rPr>
+              <a:t>” </a:t>
+            </a:r>
+            <a:r>
+              <a:rPr lang="es-AR" sz="2800" dirty="0" err="1">
+                <a:solidFill>
+                  <a:schemeClr val="tx1">
+                    <a:lumMod val="75000"/>
+                    <a:lumOff val="25000"/>
+                  </a:schemeClr>
+                </a:solidFill>
+              </a:rPr>
+              <a:t>type</a:t>
+            </a:r>
+            <a:r>
+              <a:rPr lang="es-AR" sz="2800" dirty="0">
+                <a:solidFill>
+                  <a:schemeClr val="tx1">
+                    <a:lumMod val="75000"/>
+                    <a:lumOff val="25000"/>
+                  </a:schemeClr>
+                </a:solidFill>
+              </a:rPr>
+              <a:t>=“</a:t>
+            </a:r>
+            <a:r>
+              <a:rPr lang="es-AR" sz="2800" dirty="0" err="1">
+                <a:solidFill>
+                  <a:schemeClr val="tx1">
+                    <a:lumMod val="75000"/>
+                    <a:lumOff val="25000"/>
+                  </a:schemeClr>
+                </a:solidFill>
+              </a:rPr>
+              <a:t>text</a:t>
+            </a:r>
+            <a:r>
+              <a:rPr lang="es-AR" sz="2800" dirty="0">
+                <a:solidFill>
+                  <a:schemeClr val="tx1">
+                    <a:lumMod val="75000"/>
+                    <a:lumOff val="25000"/>
+                  </a:schemeClr>
+                </a:solidFill>
+              </a:rPr>
+              <a:t>/css” href=“css/estilos.css”&gt;</a:t>
+            </a:r>
+          </a:p>
+          <a:p>
+            <a:endParaRPr lang="es-AR" dirty="0"/>
+          </a:p>
+        </p:txBody>
+      </p:sp>
+    </p:spTree>
+    <p:extLst>
+      <p:ext uri="{BB962C8B-B14F-4D97-AF65-F5344CB8AC3E}">
+        <p14:creationId xmlns:p14="http://schemas.microsoft.com/office/powerpoint/2010/main" val="1613278485"/>
       </p:ext>
     </p:extLst>
   </p:cSld>
@@ -5852,4 +10303,47 @@
     </a:folHlink>
   </a:clrScheme>
 </a:themeOverride>
+</file>
+
+<file path=ppt/theme/themeOverride3.xml><?xml version="1.0" encoding="utf-8"?>
+<a:themeOverride xmlns:a="http://schemas.openxmlformats.org/drawingml/2006/main">
+  <a:clrScheme name="Office">
+    <a:dk1>
+      <a:sysClr val="windowText" lastClr="000000"/>
+    </a:dk1>
+    <a:lt1>
+      <a:sysClr val="window" lastClr="FFFFFF"/>
+    </a:lt1>
+    <a:dk2>
+      <a:srgbClr val="44546A"/>
+    </a:dk2>
+    <a:lt2>
+      <a:srgbClr val="E7E6E6"/>
+    </a:lt2>
+    <a:accent1>
+      <a:srgbClr val="4472C4"/>
+    </a:accent1>
+    <a:accent2>
+      <a:srgbClr val="ED7D31"/>
+    </a:accent2>
+    <a:accent3>
+      <a:srgbClr val="A5A5A5"/>
+    </a:accent3>
+    <a:accent4>
+      <a:srgbClr val="FFC000"/>
+    </a:accent4>
+    <a:accent5>
+      <a:srgbClr val="5B9BD5"/>
+    </a:accent5>
+    <a:accent6>
+      <a:srgbClr val="70AD47"/>
+    </a:accent6>
+    <a:hlink>
+      <a:srgbClr val="0563C1"/>
+    </a:hlink>
+    <a:folHlink>
+      <a:srgbClr val="954F72"/>
+    </a:folHlink>
+  </a:clrScheme>
+</a:themeOverride>
 </file>
--- a/Presentación1.pptx
+++ b/Presentación1.pptx
@@ -22,6 +22,20 @@
     <p:sldId id="270" r:id="rId16"/>
     <p:sldId id="271" r:id="rId17"/>
     <p:sldId id="272" r:id="rId18"/>
+    <p:sldId id="273" r:id="rId19"/>
+    <p:sldId id="274" r:id="rId20"/>
+    <p:sldId id="275" r:id="rId21"/>
+    <p:sldId id="276" r:id="rId22"/>
+    <p:sldId id="277" r:id="rId23"/>
+    <p:sldId id="278" r:id="rId24"/>
+    <p:sldId id="279" r:id="rId25"/>
+    <p:sldId id="280" r:id="rId26"/>
+    <p:sldId id="281" r:id="rId27"/>
+    <p:sldId id="282" r:id="rId28"/>
+    <p:sldId id="283" r:id="rId29"/>
+    <p:sldId id="284" r:id="rId30"/>
+    <p:sldId id="285" r:id="rId31"/>
+    <p:sldId id="286" r:id="rId32"/>
   </p:sldIdLst>
   <p:sldSz cx="12192000" cy="6858000"/>
   <p:notesSz cx="6858000" cy="9144000"/>
@@ -277,9 +291,9 @@
           <a:p>
             <a:fld id="{F42B13DB-78C3-41F4-B8AD-F2B9EFFC1885}" type="datetimeFigureOut">
               <a:rPr lang="es-AR" smtClean="0"/>
-              <a:t>12/9/2018</a:t>
+              <a:t>19/9/2018</a:t>
             </a:fld>
-            <a:endParaRPr lang="es-AR"/>
+            <a:endParaRPr lang="es-AR" dirty="0"/>
           </a:p>
         </p:txBody>
       </p:sp>
@@ -304,7 +318,7 @@
           <a:bodyPr/>
           <a:lstStyle/>
           <a:p>
-            <a:endParaRPr lang="es-AR"/>
+            <a:endParaRPr lang="es-AR" dirty="0"/>
           </a:p>
         </p:txBody>
       </p:sp>
@@ -333,7 +347,7 @@
               <a:rPr lang="es-AR" smtClean="0"/>
               <a:t>‹Nº›</a:t>
             </a:fld>
-            <a:endParaRPr lang="es-AR"/>
+            <a:endParaRPr lang="es-AR" dirty="0"/>
           </a:p>
         </p:txBody>
       </p:sp>
@@ -477,9 +491,9 @@
           <a:p>
             <a:fld id="{F42B13DB-78C3-41F4-B8AD-F2B9EFFC1885}" type="datetimeFigureOut">
               <a:rPr lang="es-AR" smtClean="0"/>
-              <a:t>12/9/2018</a:t>
+              <a:t>19/9/2018</a:t>
             </a:fld>
-            <a:endParaRPr lang="es-AR"/>
+            <a:endParaRPr lang="es-AR" dirty="0"/>
           </a:p>
         </p:txBody>
       </p:sp>
@@ -504,7 +518,7 @@
           <a:bodyPr/>
           <a:lstStyle/>
           <a:p>
-            <a:endParaRPr lang="es-AR"/>
+            <a:endParaRPr lang="es-AR" dirty="0"/>
           </a:p>
         </p:txBody>
       </p:sp>
@@ -533,7 +547,7 @@
               <a:rPr lang="es-AR" smtClean="0"/>
               <a:t>‹Nº›</a:t>
             </a:fld>
-            <a:endParaRPr lang="es-AR"/>
+            <a:endParaRPr lang="es-AR" dirty="0"/>
           </a:p>
         </p:txBody>
       </p:sp>
@@ -687,9 +701,9 @@
           <a:p>
             <a:fld id="{F42B13DB-78C3-41F4-B8AD-F2B9EFFC1885}" type="datetimeFigureOut">
               <a:rPr lang="es-AR" smtClean="0"/>
-              <a:t>12/9/2018</a:t>
+              <a:t>19/9/2018</a:t>
             </a:fld>
-            <a:endParaRPr lang="es-AR"/>
+            <a:endParaRPr lang="es-AR" dirty="0"/>
           </a:p>
         </p:txBody>
       </p:sp>
@@ -714,7 +728,7 @@
           <a:bodyPr/>
           <a:lstStyle/>
           <a:p>
-            <a:endParaRPr lang="es-AR"/>
+            <a:endParaRPr lang="es-AR" dirty="0"/>
           </a:p>
         </p:txBody>
       </p:sp>
@@ -743,7 +757,7 @@
               <a:rPr lang="es-AR" smtClean="0"/>
               <a:t>‹Nº›</a:t>
             </a:fld>
-            <a:endParaRPr lang="es-AR"/>
+            <a:endParaRPr lang="es-AR" dirty="0"/>
           </a:p>
         </p:txBody>
       </p:sp>
@@ -887,9 +901,9 @@
           <a:p>
             <a:fld id="{F42B13DB-78C3-41F4-B8AD-F2B9EFFC1885}" type="datetimeFigureOut">
               <a:rPr lang="es-AR" smtClean="0"/>
-              <a:t>12/9/2018</a:t>
+              <a:t>19/9/2018</a:t>
             </a:fld>
-            <a:endParaRPr lang="es-AR"/>
+            <a:endParaRPr lang="es-AR" dirty="0"/>
           </a:p>
         </p:txBody>
       </p:sp>
@@ -914,7 +928,7 @@
           <a:bodyPr/>
           <a:lstStyle/>
           <a:p>
-            <a:endParaRPr lang="es-AR"/>
+            <a:endParaRPr lang="es-AR" dirty="0"/>
           </a:p>
         </p:txBody>
       </p:sp>
@@ -943,7 +957,7 @@
               <a:rPr lang="es-AR" smtClean="0"/>
               <a:t>‹Nº›</a:t>
             </a:fld>
-            <a:endParaRPr lang="es-AR"/>
+            <a:endParaRPr lang="es-AR" dirty="0"/>
           </a:p>
         </p:txBody>
       </p:sp>
@@ -1163,9 +1177,9 @@
           <a:p>
             <a:fld id="{F42B13DB-78C3-41F4-B8AD-F2B9EFFC1885}" type="datetimeFigureOut">
               <a:rPr lang="es-AR" smtClean="0"/>
-              <a:t>12/9/2018</a:t>
+              <a:t>19/9/2018</a:t>
             </a:fld>
-            <a:endParaRPr lang="es-AR"/>
+            <a:endParaRPr lang="es-AR" dirty="0"/>
           </a:p>
         </p:txBody>
       </p:sp>
@@ -1190,7 +1204,7 @@
           <a:bodyPr/>
           <a:lstStyle/>
           <a:p>
-            <a:endParaRPr lang="es-AR"/>
+            <a:endParaRPr lang="es-AR" dirty="0"/>
           </a:p>
         </p:txBody>
       </p:sp>
@@ -1219,7 +1233,7 @@
               <a:rPr lang="es-AR" smtClean="0"/>
               <a:t>‹Nº›</a:t>
             </a:fld>
-            <a:endParaRPr lang="es-AR"/>
+            <a:endParaRPr lang="es-AR" dirty="0"/>
           </a:p>
         </p:txBody>
       </p:sp>
@@ -1431,9 +1445,9 @@
           <a:p>
             <a:fld id="{F42B13DB-78C3-41F4-B8AD-F2B9EFFC1885}" type="datetimeFigureOut">
               <a:rPr lang="es-AR" smtClean="0"/>
-              <a:t>12/9/2018</a:t>
+              <a:t>19/9/2018</a:t>
             </a:fld>
-            <a:endParaRPr lang="es-AR"/>
+            <a:endParaRPr lang="es-AR" dirty="0"/>
           </a:p>
         </p:txBody>
       </p:sp>
@@ -1458,7 +1472,7 @@
           <a:bodyPr/>
           <a:lstStyle/>
           <a:p>
-            <a:endParaRPr lang="es-AR"/>
+            <a:endParaRPr lang="es-AR" dirty="0"/>
           </a:p>
         </p:txBody>
       </p:sp>
@@ -1487,7 +1501,7 @@
               <a:rPr lang="es-AR" smtClean="0"/>
               <a:t>‹Nº›</a:t>
             </a:fld>
-            <a:endParaRPr lang="es-AR"/>
+            <a:endParaRPr lang="es-AR" dirty="0"/>
           </a:p>
         </p:txBody>
       </p:sp>
@@ -1846,9 +1860,9 @@
           <a:p>
             <a:fld id="{F42B13DB-78C3-41F4-B8AD-F2B9EFFC1885}" type="datetimeFigureOut">
               <a:rPr lang="es-AR" smtClean="0"/>
-              <a:t>12/9/2018</a:t>
+              <a:t>19/9/2018</a:t>
             </a:fld>
-            <a:endParaRPr lang="es-AR"/>
+            <a:endParaRPr lang="es-AR" dirty="0"/>
           </a:p>
         </p:txBody>
       </p:sp>
@@ -1873,7 +1887,7 @@
           <a:bodyPr/>
           <a:lstStyle/>
           <a:p>
-            <a:endParaRPr lang="es-AR"/>
+            <a:endParaRPr lang="es-AR" dirty="0"/>
           </a:p>
         </p:txBody>
       </p:sp>
@@ -1902,7 +1916,7 @@
               <a:rPr lang="es-AR" smtClean="0"/>
               <a:t>‹Nº›</a:t>
             </a:fld>
-            <a:endParaRPr lang="es-AR"/>
+            <a:endParaRPr lang="es-AR" dirty="0"/>
           </a:p>
         </p:txBody>
       </p:sp>
@@ -1988,9 +2002,9 @@
           <a:p>
             <a:fld id="{F42B13DB-78C3-41F4-B8AD-F2B9EFFC1885}" type="datetimeFigureOut">
               <a:rPr lang="es-AR" smtClean="0"/>
-              <a:t>12/9/2018</a:t>
+              <a:t>19/9/2018</a:t>
             </a:fld>
-            <a:endParaRPr lang="es-AR"/>
+            <a:endParaRPr lang="es-AR" dirty="0"/>
           </a:p>
         </p:txBody>
       </p:sp>
@@ -2015,7 +2029,7 @@
           <a:bodyPr/>
           <a:lstStyle/>
           <a:p>
-            <a:endParaRPr lang="es-AR"/>
+            <a:endParaRPr lang="es-AR" dirty="0"/>
           </a:p>
         </p:txBody>
       </p:sp>
@@ -2044,7 +2058,7 @@
               <a:rPr lang="es-AR" smtClean="0"/>
               <a:t>‹Nº›</a:t>
             </a:fld>
-            <a:endParaRPr lang="es-AR"/>
+            <a:endParaRPr lang="es-AR" dirty="0"/>
           </a:p>
         </p:txBody>
       </p:sp>
@@ -2101,9 +2115,9 @@
           <a:p>
             <a:fld id="{F42B13DB-78C3-41F4-B8AD-F2B9EFFC1885}" type="datetimeFigureOut">
               <a:rPr lang="es-AR" smtClean="0"/>
-              <a:t>12/9/2018</a:t>
+              <a:t>19/9/2018</a:t>
             </a:fld>
-            <a:endParaRPr lang="es-AR"/>
+            <a:endParaRPr lang="es-AR" dirty="0"/>
           </a:p>
         </p:txBody>
       </p:sp>
@@ -2128,7 +2142,7 @@
           <a:bodyPr/>
           <a:lstStyle/>
           <a:p>
-            <a:endParaRPr lang="es-AR"/>
+            <a:endParaRPr lang="es-AR" dirty="0"/>
           </a:p>
         </p:txBody>
       </p:sp>
@@ -2157,7 +2171,7 @@
               <a:rPr lang="es-AR" smtClean="0"/>
               <a:t>‹Nº›</a:t>
             </a:fld>
-            <a:endParaRPr lang="es-AR"/>
+            <a:endParaRPr lang="es-AR" dirty="0"/>
           </a:p>
         </p:txBody>
       </p:sp>
@@ -2414,9 +2428,9 @@
           <a:p>
             <a:fld id="{F42B13DB-78C3-41F4-B8AD-F2B9EFFC1885}" type="datetimeFigureOut">
               <a:rPr lang="es-AR" smtClean="0"/>
-              <a:t>12/9/2018</a:t>
+              <a:t>19/9/2018</a:t>
             </a:fld>
-            <a:endParaRPr lang="es-AR"/>
+            <a:endParaRPr lang="es-AR" dirty="0"/>
           </a:p>
         </p:txBody>
       </p:sp>
@@ -2441,7 +2455,7 @@
           <a:bodyPr/>
           <a:lstStyle/>
           <a:p>
-            <a:endParaRPr lang="es-AR"/>
+            <a:endParaRPr lang="es-AR" dirty="0"/>
           </a:p>
         </p:txBody>
       </p:sp>
@@ -2470,7 +2484,7 @@
               <a:rPr lang="es-AR" smtClean="0"/>
               <a:t>‹Nº›</a:t>
             </a:fld>
-            <a:endParaRPr lang="es-AR"/>
+            <a:endParaRPr lang="es-AR" dirty="0"/>
           </a:p>
         </p:txBody>
       </p:sp>
@@ -2605,7 +2619,7 @@
             </a:lvl9pPr>
           </a:lstStyle>
           <a:p>
-            <a:endParaRPr lang="es-AR"/>
+            <a:endParaRPr lang="es-AR" dirty="0"/>
           </a:p>
         </p:txBody>
       </p:sp>
@@ -2703,9 +2717,9 @@
           <a:p>
             <a:fld id="{F42B13DB-78C3-41F4-B8AD-F2B9EFFC1885}" type="datetimeFigureOut">
               <a:rPr lang="es-AR" smtClean="0"/>
-              <a:t>12/9/2018</a:t>
+              <a:t>19/9/2018</a:t>
             </a:fld>
-            <a:endParaRPr lang="es-AR"/>
+            <a:endParaRPr lang="es-AR" dirty="0"/>
           </a:p>
         </p:txBody>
       </p:sp>
@@ -2730,7 +2744,7 @@
           <a:bodyPr/>
           <a:lstStyle/>
           <a:p>
-            <a:endParaRPr lang="es-AR"/>
+            <a:endParaRPr lang="es-AR" dirty="0"/>
           </a:p>
         </p:txBody>
       </p:sp>
@@ -2759,7 +2773,7 @@
               <a:rPr lang="es-AR" smtClean="0"/>
               <a:t>‹Nº›</a:t>
             </a:fld>
-            <a:endParaRPr lang="es-AR"/>
+            <a:endParaRPr lang="es-AR" dirty="0"/>
           </a:p>
         </p:txBody>
       </p:sp>
@@ -2946,9 +2960,9 @@
           <a:p>
             <a:fld id="{F42B13DB-78C3-41F4-B8AD-F2B9EFFC1885}" type="datetimeFigureOut">
               <a:rPr lang="es-AR" smtClean="0"/>
-              <a:t>12/9/2018</a:t>
+              <a:t>19/9/2018</a:t>
             </a:fld>
-            <a:endParaRPr lang="es-AR"/>
+            <a:endParaRPr lang="es-AR" dirty="0"/>
           </a:p>
         </p:txBody>
       </p:sp>
@@ -2991,7 +3005,7 @@
             </a:lvl1pPr>
           </a:lstStyle>
           <a:p>
-            <a:endParaRPr lang="es-AR"/>
+            <a:endParaRPr lang="es-AR" dirty="0"/>
           </a:p>
         </p:txBody>
       </p:sp>
@@ -3038,7 +3052,7 @@
               <a:rPr lang="es-AR" smtClean="0"/>
               <a:t>‹Nº›</a:t>
             </a:fld>
-            <a:endParaRPr lang="es-AR"/>
+            <a:endParaRPr lang="es-AR" dirty="0"/>
           </a:p>
         </p:txBody>
       </p:sp>
@@ -3695,29 +3709,7 @@
                   </a:schemeClr>
                 </a:solidFill>
               </a:rPr>
-              <a:t>&lt;</a:t>
-            </a:r>
-            <a:r>
-              <a:rPr lang="es-AR" sz="2800" dirty="0" err="1">
-                <a:solidFill>
-                  <a:schemeClr val="tx1">
-                    <a:lumMod val="75000"/>
-                    <a:lumOff val="25000"/>
-                  </a:schemeClr>
-                </a:solidFill>
-              </a:rPr>
-              <a:t>ul</a:t>
-            </a:r>
-            <a:r>
-              <a:rPr lang="es-AR" sz="2800" dirty="0">
-                <a:solidFill>
-                  <a:schemeClr val="tx1">
-                    <a:lumMod val="75000"/>
-                    <a:lumOff val="25000"/>
-                  </a:schemeClr>
-                </a:solidFill>
-              </a:rPr>
-              <a:t>&gt;</a:t>
+              <a:t>&lt;ul&gt;</a:t>
             </a:r>
           </a:p>
           <a:p>
@@ -3801,29 +3793,7 @@
                   </a:schemeClr>
                 </a:solidFill>
               </a:rPr>
-              <a:t>                      &lt;/</a:t>
-            </a:r>
-            <a:r>
-              <a:rPr lang="es-AR" sz="2800" dirty="0" err="1">
-                <a:solidFill>
-                  <a:schemeClr val="tx1">
-                    <a:lumMod val="75000"/>
-                    <a:lumOff val="25000"/>
-                  </a:schemeClr>
-                </a:solidFill>
-              </a:rPr>
-              <a:t>ul</a:t>
-            </a:r>
-            <a:r>
-              <a:rPr lang="es-AR" sz="2800" dirty="0">
-                <a:solidFill>
-                  <a:schemeClr val="tx1">
-                    <a:lumMod val="75000"/>
-                    <a:lumOff val="25000"/>
-                  </a:schemeClr>
-                </a:solidFill>
-              </a:rPr>
-              <a:t>&gt;</a:t>
+              <a:t>                      &lt;/ul&gt;</a:t>
             </a:r>
           </a:p>
           <a:p>
@@ -3866,29 +3836,7 @@
                   </a:schemeClr>
                 </a:solidFill>
               </a:rPr>
-              <a:t>&lt;</a:t>
-            </a:r>
-            <a:r>
-              <a:rPr lang="es-AR" sz="2800" dirty="0" err="1">
-                <a:solidFill>
-                  <a:schemeClr val="tx1">
-                    <a:lumMod val="75000"/>
-                    <a:lumOff val="25000"/>
-                  </a:schemeClr>
-                </a:solidFill>
-              </a:rPr>
-              <a:t>ol</a:t>
-            </a:r>
-            <a:r>
-              <a:rPr lang="es-AR" sz="2800" dirty="0">
-                <a:solidFill>
-                  <a:schemeClr val="tx1">
-                    <a:lumMod val="75000"/>
-                    <a:lumOff val="25000"/>
-                  </a:schemeClr>
-                </a:solidFill>
-              </a:rPr>
-              <a:t>&gt;</a:t>
+              <a:t>&lt;ol&gt;</a:t>
             </a:r>
           </a:p>
           <a:p>
@@ -3972,29 +3920,7 @@
                   </a:schemeClr>
                 </a:solidFill>
               </a:rPr>
-              <a:t>                 &lt;/</a:t>
-            </a:r>
-            <a:r>
-              <a:rPr lang="es-AR" sz="2800" dirty="0" err="1">
-                <a:solidFill>
-                  <a:schemeClr val="tx1">
-                    <a:lumMod val="75000"/>
-                    <a:lumOff val="25000"/>
-                  </a:schemeClr>
-                </a:solidFill>
-              </a:rPr>
-              <a:t>ol</a:t>
-            </a:r>
-            <a:r>
-              <a:rPr lang="es-AR" sz="2800" dirty="0">
-                <a:solidFill>
-                  <a:schemeClr val="tx1">
-                    <a:lumMod val="75000"/>
-                    <a:lumOff val="25000"/>
-                  </a:schemeClr>
-                </a:solidFill>
-              </a:rPr>
-              <a:t>&gt;</a:t>
+              <a:t>                 &lt;/ol&gt;</a:t>
             </a:r>
           </a:p>
         </p:txBody>
@@ -4375,47 +4301,7 @@
                   </a:schemeClr>
                 </a:solidFill>
               </a:rPr>
-              <a:t>Para insertar una imagen se utiliza la etiqueta &lt;</a:t>
-            </a:r>
-            <a:r>
-              <a:rPr lang="es-AR" sz="2800" dirty="0" err="1">
-                <a:solidFill>
-                  <a:schemeClr val="tx1">
-                    <a:tint val="75000"/>
-                  </a:schemeClr>
-                </a:solidFill>
-              </a:rPr>
-              <a:t>img</a:t>
-            </a:r>
-            <a:r>
-              <a:rPr lang="es-AR" sz="2800" dirty="0">
-                <a:solidFill>
-                  <a:schemeClr val="tx1">
-                    <a:tint val="75000"/>
-                  </a:schemeClr>
-                </a:solidFill>
-              </a:rPr>
-              <a:t>&gt;. Es una etiqueta </a:t>
-            </a:r>
-            <a:r>
-              <a:rPr lang="es-AR" sz="2800" dirty="0" err="1">
-                <a:solidFill>
-                  <a:schemeClr val="tx1">
-                    <a:tint val="75000"/>
-                  </a:schemeClr>
-                </a:solidFill>
-              </a:rPr>
-              <a:t>inline</a:t>
-            </a:r>
-            <a:r>
-              <a:rPr lang="es-AR" sz="2800" dirty="0">
-                <a:solidFill>
-                  <a:schemeClr val="tx1">
-                    <a:tint val="75000"/>
-                  </a:schemeClr>
-                </a:solidFill>
-              </a:rPr>
-              <a:t>, que no tiene etiqueta de cierre.</a:t>
+              <a:t>Para insertar una imagen se utiliza la etiqueta &lt;img&gt;. Es una etiqueta inline, que no tiene etiqueta de cierre.</a:t>
             </a:r>
           </a:p>
           <a:p>
@@ -4433,7 +4319,7 @@
           <a:p>
             <a:pPr lvl="2"/>
             <a:r>
-              <a:rPr lang="es-AR" sz="2800" dirty="0" err="1">
+              <a:rPr lang="es-AR" sz="2800" dirty="0">
                 <a:solidFill>
                   <a:schemeClr val="tx1">
                     <a:lumMod val="75000"/>
@@ -4451,33 +4337,13 @@
                   </a:schemeClr>
                 </a:solidFill>
               </a:rPr>
-              <a:t>: es la </a:t>
-            </a:r>
-            <a:r>
-              <a:rPr lang="es-AR" sz="2800" dirty="0" err="1">
-                <a:solidFill>
-                  <a:schemeClr val="tx1">
-                    <a:tint val="75000"/>
-                  </a:schemeClr>
-                </a:solidFill>
-              </a:rPr>
-              <a:t>url</a:t>
-            </a:r>
-            <a:r>
-              <a:rPr lang="es-AR" sz="2800" dirty="0">
-                <a:solidFill>
-                  <a:schemeClr val="tx1">
-                    <a:tint val="75000"/>
-                  </a:schemeClr>
-                </a:solidFill>
-              </a:rPr>
-              <a:t> de la imagen que se muestra.</a:t>
+              <a:t>: es la url de la imagen que se muestra.</a:t>
             </a:r>
           </a:p>
           <a:p>
             <a:pPr lvl="2"/>
             <a:r>
-              <a:rPr lang="es-AR" sz="2800" dirty="0" err="1">
+              <a:rPr lang="es-AR" sz="2800" dirty="0">
                 <a:solidFill>
                   <a:schemeClr val="tx1">
                     <a:lumMod val="75000"/>
@@ -4501,7 +4367,7 @@
           <a:p>
             <a:pPr lvl="2"/>
             <a:r>
-              <a:rPr lang="es-AR" sz="2800" dirty="0" err="1">
+              <a:rPr lang="es-AR" sz="2800" dirty="0">
                 <a:solidFill>
                   <a:schemeClr val="tx1">
                     <a:lumMod val="75000"/>
@@ -4522,7 +4388,7 @@
               <a:t> y </a:t>
             </a:r>
             <a:r>
-              <a:rPr lang="es-AR" sz="2800" dirty="0" err="1">
+              <a:rPr lang="es-AR" sz="2800" dirty="0">
                 <a:solidFill>
                   <a:schemeClr val="tx1">
                     <a:lumMod val="75000"/>
@@ -4573,87 +4439,7 @@
                   </a:schemeClr>
                 </a:solidFill>
               </a:rPr>
-              <a:t>      </a:t>
-            </a:r>
-            <a:r>
-              <a:rPr lang="es-AR" sz="2800" dirty="0" err="1">
-                <a:solidFill>
-                  <a:schemeClr val="tx1">
-                    <a:tint val="75000"/>
-                  </a:schemeClr>
-                </a:solidFill>
-              </a:rPr>
-              <a:t>Lorem</a:t>
-            </a:r>
-            <a:r>
-              <a:rPr lang="es-AR" sz="2800" dirty="0">
-                <a:solidFill>
-                  <a:schemeClr val="tx1">
-                    <a:tint val="75000"/>
-                  </a:schemeClr>
-                </a:solidFill>
-              </a:rPr>
-              <a:t> </a:t>
-            </a:r>
-            <a:r>
-              <a:rPr lang="es-AR" sz="2800" dirty="0" err="1">
-                <a:solidFill>
-                  <a:schemeClr val="tx1">
-                    <a:tint val="75000"/>
-                  </a:schemeClr>
-                </a:solidFill>
-              </a:rPr>
-              <a:t>ipsum</a:t>
-            </a:r>
-            <a:r>
-              <a:rPr lang="es-AR" sz="2800" dirty="0">
-                <a:solidFill>
-                  <a:schemeClr val="tx1">
-                    <a:tint val="75000"/>
-                  </a:schemeClr>
-                </a:solidFill>
-              </a:rPr>
-              <a:t> dolor </a:t>
-            </a:r>
-            <a:r>
-              <a:rPr lang="es-AR" sz="2800" dirty="0" err="1">
-                <a:solidFill>
-                  <a:schemeClr val="tx1">
-                    <a:tint val="75000"/>
-                  </a:schemeClr>
-                </a:solidFill>
-              </a:rPr>
-              <a:t>sit</a:t>
-            </a:r>
-            <a:r>
-              <a:rPr lang="es-AR" sz="2800" dirty="0">
-                <a:solidFill>
-                  <a:schemeClr val="tx1">
-                    <a:tint val="75000"/>
-                  </a:schemeClr>
-                </a:solidFill>
-              </a:rPr>
-              <a:t> </a:t>
-            </a:r>
-            <a:r>
-              <a:rPr lang="es-AR" sz="2800" dirty="0" err="1">
-                <a:solidFill>
-                  <a:schemeClr val="tx1">
-                    <a:tint val="75000"/>
-                  </a:schemeClr>
-                </a:solidFill>
-              </a:rPr>
-              <a:t>amet</a:t>
-            </a:r>
-            <a:r>
-              <a:rPr lang="es-AR" sz="2800" dirty="0">
-                <a:solidFill>
-                  <a:schemeClr val="tx1">
-                    <a:tint val="75000"/>
-                  </a:schemeClr>
-                </a:solidFill>
-              </a:rPr>
-              <a:t>,</a:t>
+              <a:t>      Lorem ipsum dolor sit amet,</a:t>
             </a:r>
           </a:p>
           <a:p>
@@ -4676,187 +4462,20 @@
                   </a:schemeClr>
                 </a:solidFill>
               </a:rPr>
-              <a:t>&lt;</a:t>
-            </a:r>
-            <a:r>
-              <a:rPr lang="es-AR" sz="2800" dirty="0" err="1">
-                <a:solidFill>
-                  <a:schemeClr val="tx1">
-                    <a:lumMod val="75000"/>
-                    <a:lumOff val="25000"/>
-                  </a:schemeClr>
-                </a:solidFill>
-              </a:rPr>
-              <a:t>img</a:t>
-            </a:r>
-            <a:r>
-              <a:rPr lang="es-AR" sz="2800" dirty="0">
-                <a:solidFill>
-                  <a:schemeClr val="tx1">
-                    <a:lumMod val="75000"/>
-                    <a:lumOff val="25000"/>
-                  </a:schemeClr>
-                </a:solidFill>
-              </a:rPr>
-              <a:t> </a:t>
-            </a:r>
-            <a:r>
-              <a:rPr lang="es-AR" sz="2800" dirty="0" err="1">
-                <a:solidFill>
-                  <a:schemeClr val="tx1">
-                    <a:lumMod val="75000"/>
-                    <a:lumOff val="25000"/>
-                  </a:schemeClr>
-                </a:solidFill>
-              </a:rPr>
-              <a:t>src</a:t>
-            </a:r>
-            <a:r>
-              <a:rPr lang="es-AR" sz="2800" dirty="0">
-                <a:solidFill>
-                  <a:schemeClr val="tx1">
-                    <a:lumMod val="75000"/>
-                    <a:lumOff val="25000"/>
-                  </a:schemeClr>
-                </a:solidFill>
-              </a:rPr>
-              <a:t>="</a:t>
-            </a:r>
-            <a:r>
-              <a:rPr lang="es-AR" sz="2800" dirty="0" err="1">
-                <a:solidFill>
-                  <a:schemeClr val="tx1">
-                    <a:lumMod val="75000"/>
-                    <a:lumOff val="25000"/>
-                  </a:schemeClr>
-                </a:solidFill>
-              </a:rPr>
-              <a:t>img</a:t>
-            </a:r>
-            <a:r>
-              <a:rPr lang="es-AR" sz="2800" dirty="0">
-                <a:solidFill>
-                  <a:schemeClr val="tx1">
-                    <a:lumMod val="75000"/>
-                    <a:lumOff val="25000"/>
-                  </a:schemeClr>
-                </a:solidFill>
-              </a:rPr>
-              <a:t>/schnauzer.jpg" </a:t>
-            </a:r>
-            <a:r>
-              <a:rPr lang="es-AR" sz="2800" dirty="0" err="1">
-                <a:solidFill>
-                  <a:schemeClr val="tx1">
-                    <a:lumMod val="75000"/>
-                    <a:lumOff val="25000"/>
-                  </a:schemeClr>
-                </a:solidFill>
-              </a:rPr>
-              <a:t>alt</a:t>
-            </a:r>
-            <a:r>
-              <a:rPr lang="es-AR" sz="2800" dirty="0">
-                <a:solidFill>
-                  <a:schemeClr val="tx1">
-                    <a:lumMod val="75000"/>
-                    <a:lumOff val="25000"/>
-                  </a:schemeClr>
-                </a:solidFill>
-              </a:rPr>
-              <a:t>="Perrito </a:t>
-            </a:r>
-            <a:r>
-              <a:rPr lang="es-AR" sz="2800" dirty="0" err="1">
-                <a:solidFill>
-                  <a:schemeClr val="tx1">
-                    <a:lumMod val="75000"/>
-                    <a:lumOff val="25000"/>
-                  </a:schemeClr>
-                </a:solidFill>
-              </a:rPr>
-              <a:t>schnauzer</a:t>
-            </a:r>
-            <a:r>
-              <a:rPr lang="es-AR" sz="2800" dirty="0">
-                <a:solidFill>
-                  <a:schemeClr val="tx1">
-                    <a:lumMod val="75000"/>
-                    <a:lumOff val="25000"/>
-                  </a:schemeClr>
-                </a:solidFill>
-              </a:rPr>
-              <a:t>"&gt;</a:t>
-            </a:r>
-          </a:p>
-          <a:p>
-            <a:r>
-              <a:rPr lang="es-AR" sz="2800" dirty="0">
-                <a:solidFill>
-                  <a:schemeClr val="tx1">
-                    <a:tint val="75000"/>
-                  </a:schemeClr>
-                </a:solidFill>
-              </a:rPr>
-              <a:t>       </a:t>
-            </a:r>
-            <a:r>
-              <a:rPr lang="es-AR" sz="2800" dirty="0" err="1">
-                <a:solidFill>
-                  <a:schemeClr val="tx1">
-                    <a:tint val="75000"/>
-                  </a:schemeClr>
-                </a:solidFill>
-              </a:rPr>
-              <a:t>consectetur</a:t>
-            </a:r>
-            <a:r>
-              <a:rPr lang="es-AR" sz="2800" dirty="0">
-                <a:solidFill>
-                  <a:schemeClr val="tx1">
-                    <a:tint val="75000"/>
-                  </a:schemeClr>
-                </a:solidFill>
-              </a:rPr>
-              <a:t> </a:t>
-            </a:r>
-            <a:r>
-              <a:rPr lang="es-AR" sz="2800" dirty="0" err="1">
-                <a:solidFill>
-                  <a:schemeClr val="tx1">
-                    <a:tint val="75000"/>
-                  </a:schemeClr>
-                </a:solidFill>
-              </a:rPr>
-              <a:t>adipisicing</a:t>
-            </a:r>
-            <a:r>
-              <a:rPr lang="es-AR" sz="2800" dirty="0">
-                <a:solidFill>
-                  <a:schemeClr val="tx1">
-                    <a:tint val="75000"/>
-                  </a:schemeClr>
-                </a:solidFill>
-              </a:rPr>
-              <a:t> </a:t>
-            </a:r>
-            <a:r>
-              <a:rPr lang="es-AR" sz="2800" dirty="0" err="1">
-                <a:solidFill>
-                  <a:schemeClr val="tx1">
-                    <a:tint val="75000"/>
-                  </a:schemeClr>
-                </a:solidFill>
-              </a:rPr>
-              <a:t>elit</a:t>
-            </a:r>
-            <a:endParaRPr lang="es-AR" sz="2800" dirty="0">
-              <a:solidFill>
-                <a:schemeClr val="tx1">
-                  <a:tint val="75000"/>
-                </a:schemeClr>
-              </a:solidFill>
-            </a:endParaRPr>
+              <a:t>&lt;img src="img/schnauzer.jpg" alt="Perrito schnauzer"&gt;</a:t>
+            </a:r>
+          </a:p>
+          <a:p>
+            <a:r>
+              <a:rPr lang="es-AR" sz="2800" dirty="0">
+                <a:solidFill>
+                  <a:schemeClr val="tx1">
+                    <a:tint val="75000"/>
+                  </a:schemeClr>
+                </a:solidFill>
+              </a:rPr>
+              <a:t>       consectetur adipisicing elit</a:t>
+            </a:r>
           </a:p>
           <a:p>
             <a:r>
@@ -5346,7 +4965,7 @@
           <a:lstStyle/>
           <a:p>
             <a:r>
-              <a:rPr lang="es-AR" sz="2800" dirty="0" err="1">
+              <a:rPr lang="es-AR" sz="2800" dirty="0">
                 <a:solidFill>
                   <a:schemeClr val="tx1">
                     <a:lumMod val="75000"/>
@@ -5458,7 +5077,7 @@
           <a:lstStyle/>
           <a:p>
             <a:r>
-              <a:rPr lang="es-AR" sz="2800" dirty="0" err="1">
+              <a:rPr lang="es-AR" sz="2800" dirty="0">
                 <a:solidFill>
                   <a:schemeClr val="tx1">
                     <a:lumMod val="75000"/>
@@ -6186,6 +5805,478 @@
 </p:sld>
 </file>
 
+<file path=ppt/slides/slide18.xml><?xml version="1.0" encoding="utf-8"?>
+<p:sld xmlns:a="http://schemas.openxmlformats.org/drawingml/2006/main" xmlns:r="http://schemas.openxmlformats.org/officeDocument/2006/relationships" xmlns:p="http://schemas.openxmlformats.org/presentationml/2006/main">
+  <p:cSld>
+    <p:spTree>
+      <p:nvGrpSpPr>
+        <p:cNvPr id="1" name=""/>
+        <p:cNvGrpSpPr/>
+        <p:nvPr/>
+      </p:nvGrpSpPr>
+      <p:grpSpPr>
+        <a:xfrm>
+          <a:off x="0" y="0"/>
+          <a:ext cx="0" cy="0"/>
+          <a:chOff x="0" y="0"/>
+          <a:chExt cx="0" cy="0"/>
+        </a:xfrm>
+      </p:grpSpPr>
+      <p:sp>
+        <p:nvSpPr>
+          <p:cNvPr id="4" name="CuadroTexto 3">
+            <a:extLst>
+              <a:ext uri="{FF2B5EF4-FFF2-40B4-BE49-F238E27FC236}">
+                <a16:creationId xmlns:a16="http://schemas.microsoft.com/office/drawing/2014/main" id="{B17A90C9-6B08-44A6-BD42-B849B798E194}"/>
+              </a:ext>
+            </a:extLst>
+          </p:cNvPr>
+          <p:cNvSpPr txBox="1"/>
+          <p:nvPr/>
+        </p:nvSpPr>
+        <p:spPr>
+          <a:xfrm>
+            <a:off x="115910" y="12879"/>
+            <a:ext cx="11938715" cy="3570208"/>
+          </a:xfrm>
+          <a:prstGeom prst="rect">
+            <a:avLst/>
+          </a:prstGeom>
+          <a:noFill/>
+        </p:spPr>
+        <p:txBody>
+          <a:bodyPr wrap="square" rtlCol="0">
+            <a:spAutoFit/>
+          </a:bodyPr>
+          <a:lstStyle/>
+          <a:p>
+            <a:pPr algn="ctr"/>
+            <a:r>
+              <a:rPr lang="es-AR" sz="4000" u="sng" dirty="0">
+                <a:solidFill>
+                  <a:schemeClr val="tx1">
+                    <a:lumMod val="65000"/>
+                    <a:lumOff val="35000"/>
+                  </a:schemeClr>
+                </a:solidFill>
+                <a:latin typeface="+mj-lt"/>
+                <a:ea typeface="+mj-ea"/>
+                <a:cs typeface="+mj-cs"/>
+              </a:rPr>
+              <a:t>Formularios</a:t>
+            </a:r>
+          </a:p>
+          <a:p>
+            <a:endParaRPr lang="es-AR" dirty="0"/>
+          </a:p>
+          <a:p>
+            <a:r>
+              <a:rPr lang="es-AR" sz="2800" dirty="0">
+                <a:solidFill>
+                  <a:schemeClr val="tx1">
+                    <a:tint val="75000"/>
+                  </a:schemeClr>
+                </a:solidFill>
+              </a:rPr>
+              <a:t>Permite el ingreso de datos para que sean procesados por una aplicación del lado del servidor.</a:t>
+            </a:r>
+          </a:p>
+          <a:p>
+            <a:r>
+              <a:rPr lang="es-AR" sz="2800" dirty="0">
+                <a:solidFill>
+                  <a:schemeClr val="tx1">
+                    <a:tint val="75000"/>
+                  </a:schemeClr>
+                </a:solidFill>
+              </a:rPr>
+              <a:t>El atributo action indica que página va a procesar la información del formulario.</a:t>
+            </a:r>
+          </a:p>
+          <a:p>
+            <a:r>
+              <a:rPr lang="es-AR" sz="2800" dirty="0">
+                <a:solidFill>
+                  <a:schemeClr val="tx1">
+                    <a:tint val="75000"/>
+                  </a:schemeClr>
+                </a:solidFill>
+              </a:rPr>
+              <a:t>method indica en que forma viaja a través del protocolo http, puede ser </a:t>
+            </a:r>
+            <a:r>
+              <a:rPr lang="es-AR" sz="2800" dirty="0">
+                <a:solidFill>
+                  <a:schemeClr val="tx1">
+                    <a:lumMod val="75000"/>
+                    <a:lumOff val="25000"/>
+                  </a:schemeClr>
+                </a:solidFill>
+              </a:rPr>
+              <a:t>get</a:t>
+            </a:r>
+            <a:r>
+              <a:rPr lang="es-AR" sz="2800" dirty="0">
+                <a:solidFill>
+                  <a:schemeClr val="tx1">
+                    <a:tint val="75000"/>
+                  </a:schemeClr>
+                </a:solidFill>
+              </a:rPr>
+              <a:t> o </a:t>
+            </a:r>
+            <a:r>
+              <a:rPr lang="es-AR" sz="2800" dirty="0">
+                <a:solidFill>
+                  <a:schemeClr val="tx1">
+                    <a:lumMod val="75000"/>
+                    <a:lumOff val="25000"/>
+                  </a:schemeClr>
+                </a:solidFill>
+              </a:rPr>
+              <a:t>post</a:t>
+            </a:r>
+            <a:r>
+              <a:rPr lang="es-AR" sz="2800" dirty="0">
+                <a:solidFill>
+                  <a:schemeClr val="tx1">
+                    <a:tint val="75000"/>
+                  </a:schemeClr>
+                </a:solidFill>
+              </a:rPr>
+              <a:t>.</a:t>
+            </a:r>
+            <a:endParaRPr lang="es-AR" dirty="0"/>
+          </a:p>
+          <a:p>
+            <a:r>
+              <a:rPr lang="es-AR" sz="2800" b="1" dirty="0">
+                <a:solidFill>
+                  <a:schemeClr val="tx1">
+                    <a:tint val="75000"/>
+                  </a:schemeClr>
+                </a:solidFill>
+              </a:rPr>
+              <a:t>Formulario Simple</a:t>
+            </a:r>
+          </a:p>
+        </p:txBody>
+      </p:sp>
+      <p:pic>
+        <p:nvPicPr>
+          <p:cNvPr id="7" name="Imagen 6">
+            <a:extLst>
+              <a:ext uri="{FF2B5EF4-FFF2-40B4-BE49-F238E27FC236}">
+                <a16:creationId xmlns:a16="http://schemas.microsoft.com/office/drawing/2014/main" id="{AACAAB9A-3409-4EAC-B1EB-F15DC2B9D80A}"/>
+              </a:ext>
+            </a:extLst>
+          </p:cNvPr>
+          <p:cNvPicPr>
+            <a:picLocks noChangeAspect="1"/>
+          </p:cNvPicPr>
+          <p:nvPr/>
+        </p:nvPicPr>
+        <p:blipFill>
+          <a:blip r:embed="rId2"/>
+          <a:stretch>
+            <a:fillRect/>
+          </a:stretch>
+        </p:blipFill>
+        <p:spPr>
+          <a:xfrm>
+            <a:off x="355526" y="3668897"/>
+            <a:ext cx="10991850" cy="3028950"/>
+          </a:xfrm>
+          <a:prstGeom prst="rect">
+            <a:avLst/>
+          </a:prstGeom>
+        </p:spPr>
+      </p:pic>
+    </p:spTree>
+    <p:extLst>
+      <p:ext uri="{BB962C8B-B14F-4D97-AF65-F5344CB8AC3E}">
+        <p14:creationId xmlns:p14="http://schemas.microsoft.com/office/powerpoint/2010/main" val="2035406340"/>
+      </p:ext>
+    </p:extLst>
+  </p:cSld>
+  <p:clrMapOvr>
+    <a:masterClrMapping/>
+  </p:clrMapOvr>
+</p:sld>
+</file>
+
+<file path=ppt/slides/slide19.xml><?xml version="1.0" encoding="utf-8"?>
+<p:sld xmlns:a="http://schemas.openxmlformats.org/drawingml/2006/main" xmlns:r="http://schemas.openxmlformats.org/officeDocument/2006/relationships" xmlns:p="http://schemas.openxmlformats.org/presentationml/2006/main">
+  <p:cSld>
+    <p:spTree>
+      <p:nvGrpSpPr>
+        <p:cNvPr id="1" name=""/>
+        <p:cNvGrpSpPr/>
+        <p:nvPr/>
+      </p:nvGrpSpPr>
+      <p:grpSpPr>
+        <a:xfrm>
+          <a:off x="0" y="0"/>
+          <a:ext cx="0" cy="0"/>
+          <a:chOff x="0" y="0"/>
+          <a:chExt cx="0" cy="0"/>
+        </a:xfrm>
+      </p:grpSpPr>
+      <p:sp>
+        <p:nvSpPr>
+          <p:cNvPr id="5" name="CuadroTexto 4">
+            <a:extLst>
+              <a:ext uri="{FF2B5EF4-FFF2-40B4-BE49-F238E27FC236}">
+                <a16:creationId xmlns:a16="http://schemas.microsoft.com/office/drawing/2014/main" id="{1DF368F2-2B84-43A0-B350-C87F49CAC54C}"/>
+              </a:ext>
+            </a:extLst>
+          </p:cNvPr>
+          <p:cNvSpPr txBox="1"/>
+          <p:nvPr/>
+        </p:nvSpPr>
+        <p:spPr>
+          <a:xfrm>
+            <a:off x="216794" y="158892"/>
+            <a:ext cx="11758411" cy="3816429"/>
+          </a:xfrm>
+          <a:prstGeom prst="rect">
+            <a:avLst/>
+          </a:prstGeom>
+          <a:noFill/>
+        </p:spPr>
+        <p:txBody>
+          <a:bodyPr wrap="square" rtlCol="0">
+            <a:spAutoFit/>
+          </a:bodyPr>
+          <a:lstStyle/>
+          <a:p>
+            <a:r>
+              <a:rPr lang="es-AR" sz="2800" dirty="0">
+                <a:solidFill>
+                  <a:schemeClr val="tx1">
+                    <a:lumMod val="75000"/>
+                    <a:lumOff val="25000"/>
+                  </a:schemeClr>
+                </a:solidFill>
+              </a:rPr>
+              <a:t>input</a:t>
+            </a:r>
+            <a:r>
+              <a:rPr lang="es-AR" sz="2800" dirty="0">
+                <a:solidFill>
+                  <a:schemeClr val="tx1">
+                    <a:tint val="75000"/>
+                  </a:schemeClr>
+                </a:solidFill>
+              </a:rPr>
+              <a:t> </a:t>
+            </a:r>
+            <a:r>
+              <a:rPr lang="es-AR" sz="2800" dirty="0">
+                <a:solidFill>
+                  <a:schemeClr val="tx1">
+                    <a:lumMod val="75000"/>
+                    <a:lumOff val="25000"/>
+                  </a:schemeClr>
+                </a:solidFill>
+              </a:rPr>
+              <a:t>type</a:t>
+            </a:r>
+            <a:r>
+              <a:rPr lang="es-AR" sz="2800" dirty="0">
+                <a:solidFill>
+                  <a:schemeClr val="tx1">
+                    <a:tint val="75000"/>
+                  </a:schemeClr>
+                </a:solidFill>
+              </a:rPr>
+              <a:t> </a:t>
+            </a:r>
+            <a:r>
+              <a:rPr lang="es-AR" sz="2800" dirty="0">
+                <a:solidFill>
+                  <a:schemeClr val="tx1">
+                    <a:lumMod val="75000"/>
+                    <a:lumOff val="25000"/>
+                  </a:schemeClr>
+                </a:solidFill>
+              </a:rPr>
+              <a:t>text</a:t>
+            </a:r>
+            <a:r>
+              <a:rPr lang="es-AR" sz="2800" dirty="0">
+                <a:solidFill>
+                  <a:schemeClr val="tx1">
+                    <a:tint val="75000"/>
+                  </a:schemeClr>
+                </a:solidFill>
+              </a:rPr>
+              <a:t> son los cuadros de texto tiene los atributos.</a:t>
+            </a:r>
+          </a:p>
+          <a:p>
+            <a:r>
+              <a:rPr lang="es-AR" sz="2800" dirty="0">
+                <a:solidFill>
+                  <a:schemeClr val="tx1">
+                    <a:lumMod val="75000"/>
+                    <a:lumOff val="25000"/>
+                  </a:schemeClr>
+                </a:solidFill>
+              </a:rPr>
+              <a:t>name</a:t>
+            </a:r>
+            <a:r>
+              <a:rPr lang="es-AR" sz="2800" dirty="0">
+                <a:solidFill>
+                  <a:schemeClr val="tx1">
+                    <a:tint val="75000"/>
+                  </a:schemeClr>
+                </a:solidFill>
+              </a:rPr>
+              <a:t>: tiene que estar para que el programa del lado del servidor pueda recuperar su contenido.</a:t>
+            </a:r>
+          </a:p>
+          <a:p>
+            <a:r>
+              <a:rPr lang="es-AR" sz="2800" dirty="0">
+                <a:solidFill>
+                  <a:schemeClr val="tx1">
+                    <a:lumMod val="75000"/>
+                    <a:lumOff val="25000"/>
+                  </a:schemeClr>
+                </a:solidFill>
+              </a:rPr>
+              <a:t>placeholder</a:t>
+            </a:r>
+            <a:r>
+              <a:rPr lang="es-AR" sz="2800" dirty="0">
+                <a:solidFill>
+                  <a:schemeClr val="tx1">
+                    <a:tint val="75000"/>
+                  </a:schemeClr>
+                </a:solidFill>
+              </a:rPr>
+              <a:t>: es el texto que aparece en el cuadro de texto, para sugerir que escribir. </a:t>
+            </a:r>
+          </a:p>
+          <a:p>
+            <a:r>
+              <a:rPr lang="es-AR" sz="2800" dirty="0">
+                <a:solidFill>
+                  <a:schemeClr val="tx1">
+                    <a:lumMod val="75000"/>
+                    <a:lumOff val="25000"/>
+                  </a:schemeClr>
+                </a:solidFill>
+              </a:rPr>
+              <a:t>size</a:t>
+            </a:r>
+            <a:r>
+              <a:rPr lang="es-AR" sz="2800" dirty="0">
+                <a:solidFill>
+                  <a:schemeClr val="tx1">
+                    <a:tint val="75000"/>
+                  </a:schemeClr>
+                </a:solidFill>
+              </a:rPr>
+              <a:t> :Indica de cuantos caracteres es el ancho del cuadro de texto.</a:t>
+            </a:r>
+          </a:p>
+          <a:p>
+            <a:r>
+              <a:rPr lang="es-AR" sz="2800" dirty="0">
+                <a:solidFill>
+                  <a:schemeClr val="tx1">
+                    <a:lumMod val="75000"/>
+                    <a:lumOff val="25000"/>
+                  </a:schemeClr>
+                </a:solidFill>
+              </a:rPr>
+              <a:t>maxlength</a:t>
+            </a:r>
+            <a:r>
+              <a:rPr lang="es-AR" sz="2800" dirty="0">
+                <a:solidFill>
+                  <a:schemeClr val="tx1">
+                    <a:tint val="75000"/>
+                  </a:schemeClr>
+                </a:solidFill>
+              </a:rPr>
+              <a:t> :Máxima cantidad de caracteres que se pueden ingresar.</a:t>
+            </a:r>
+          </a:p>
+          <a:p>
+            <a:r>
+              <a:rPr lang="es-AR" sz="2800" dirty="0">
+                <a:solidFill>
+                  <a:schemeClr val="tx1">
+                    <a:lumMod val="75000"/>
+                    <a:lumOff val="25000"/>
+                  </a:schemeClr>
+                </a:solidFill>
+              </a:rPr>
+              <a:t>disabled</a:t>
+            </a:r>
+            <a:r>
+              <a:rPr lang="es-AR" sz="2800" dirty="0">
+                <a:solidFill>
+                  <a:schemeClr val="tx1">
+                    <a:tint val="75000"/>
+                  </a:schemeClr>
+                </a:solidFill>
+              </a:rPr>
+              <a:t>: deshabilita el cuadro para edición y no envía su contenido. </a:t>
+            </a:r>
+          </a:p>
+          <a:p>
+            <a:endParaRPr lang="es-AR" dirty="0"/>
+          </a:p>
+        </p:txBody>
+      </p:sp>
+      <p:pic>
+        <p:nvPicPr>
+          <p:cNvPr id="6" name="Imagen 5">
+            <a:extLst>
+              <a:ext uri="{FF2B5EF4-FFF2-40B4-BE49-F238E27FC236}">
+                <a16:creationId xmlns:a16="http://schemas.microsoft.com/office/drawing/2014/main" id="{504DC900-3631-400F-91A2-98A7FEB2BB7A}"/>
+              </a:ext>
+            </a:extLst>
+          </p:cNvPr>
+          <p:cNvPicPr>
+            <a:picLocks noChangeAspect="1"/>
+          </p:cNvPicPr>
+          <p:nvPr/>
+        </p:nvPicPr>
+        <p:blipFill>
+          <a:blip r:embed="rId2"/>
+          <a:stretch>
+            <a:fillRect/>
+          </a:stretch>
+        </p:blipFill>
+        <p:spPr>
+          <a:xfrm>
+            <a:off x="3268980" y="3826731"/>
+            <a:ext cx="4309110" cy="2459769"/>
+          </a:xfrm>
+          <a:prstGeom prst="rect">
+            <a:avLst/>
+          </a:prstGeom>
+        </p:spPr>
+      </p:pic>
+    </p:spTree>
+    <p:extLst>
+      <p:ext uri="{BB962C8B-B14F-4D97-AF65-F5344CB8AC3E}">
+        <p14:creationId xmlns:p14="http://schemas.microsoft.com/office/powerpoint/2010/main" val="1418838861"/>
+      </p:ext>
+    </p:extLst>
+  </p:cSld>
+  <p:clrMapOvr>
+    <a:masterClrMapping/>
+  </p:clrMapOvr>
+</p:sld>
+</file>
+
 <file path=ppt/slides/slide2.xml><?xml version="1.0" encoding="utf-8"?>
 <p:sld xmlns:a="http://schemas.openxmlformats.org/drawingml/2006/main" xmlns:r="http://schemas.openxmlformats.org/officeDocument/2006/relationships" xmlns:p="http://schemas.openxmlformats.org/presentationml/2006/main">
   <p:cSld>
@@ -6318,29 +6409,7 @@
                   </a:schemeClr>
                 </a:solidFill>
               </a:rPr>
-              <a:t>&lt;/</a:t>
-            </a:r>
-            <a:r>
-              <a:rPr lang="es-AR" sz="2800" dirty="0" err="1">
-                <a:solidFill>
-                  <a:schemeClr val="tx1">
-                    <a:lumMod val="75000"/>
-                    <a:lumOff val="25000"/>
-                  </a:schemeClr>
-                </a:solidFill>
-              </a:rPr>
-              <a:t>html</a:t>
-            </a:r>
-            <a:r>
-              <a:rPr lang="es-AR" sz="2800" dirty="0">
-                <a:solidFill>
-                  <a:schemeClr val="tx1">
-                    <a:lumMod val="75000"/>
-                    <a:lumOff val="25000"/>
-                  </a:schemeClr>
-                </a:solidFill>
-              </a:rPr>
-              <a:t>&gt;</a:t>
+              <a:t>&lt;/html&gt;</a:t>
             </a:r>
           </a:p>
         </p:txBody>
@@ -6400,6 +6469,2761 @@
   </p:cSld>
   <p:clrMapOvr>
     <a:overrideClrMapping bg1="lt1" tx1="dk1" bg2="lt2" tx2="dk2" accent1="accent1" accent2="accent2" accent3="accent3" accent4="accent4" accent5="accent5" accent6="accent6" hlink="hlink" folHlink="folHlink"/>
+  </p:clrMapOvr>
+</p:sld>
+</file>
+
+<file path=ppt/slides/slide20.xml><?xml version="1.0" encoding="utf-8"?>
+<p:sld xmlns:a="http://schemas.openxmlformats.org/drawingml/2006/main" xmlns:r="http://schemas.openxmlformats.org/officeDocument/2006/relationships" xmlns:p="http://schemas.openxmlformats.org/presentationml/2006/main">
+  <p:cSld>
+    <p:spTree>
+      <p:nvGrpSpPr>
+        <p:cNvPr id="1" name=""/>
+        <p:cNvGrpSpPr/>
+        <p:nvPr/>
+      </p:nvGrpSpPr>
+      <p:grpSpPr>
+        <a:xfrm>
+          <a:off x="0" y="0"/>
+          <a:ext cx="0" cy="0"/>
+          <a:chOff x="0" y="0"/>
+          <a:chExt cx="0" cy="0"/>
+        </a:xfrm>
+      </p:grpSpPr>
+      <p:sp>
+        <p:nvSpPr>
+          <p:cNvPr id="4" name="CuadroTexto 3">
+            <a:extLst>
+              <a:ext uri="{FF2B5EF4-FFF2-40B4-BE49-F238E27FC236}">
+                <a16:creationId xmlns:a16="http://schemas.microsoft.com/office/drawing/2014/main" id="{973DA795-11C0-4AAB-8BDC-F319B1274805}"/>
+              </a:ext>
+            </a:extLst>
+          </p:cNvPr>
+          <p:cNvSpPr txBox="1"/>
+          <p:nvPr/>
+        </p:nvSpPr>
+        <p:spPr>
+          <a:xfrm>
+            <a:off x="411480" y="320040"/>
+            <a:ext cx="11780520" cy="1354217"/>
+          </a:xfrm>
+          <a:prstGeom prst="rect">
+            <a:avLst/>
+          </a:prstGeom>
+          <a:noFill/>
+        </p:spPr>
+        <p:txBody>
+          <a:bodyPr wrap="square" rtlCol="0">
+            <a:spAutoFit/>
+          </a:bodyPr>
+          <a:lstStyle/>
+          <a:p>
+            <a:pPr algn="ctr"/>
+            <a:r>
+              <a:rPr lang="es-AR" sz="4000" u="sng" dirty="0">
+                <a:solidFill>
+                  <a:schemeClr val="tx1">
+                    <a:lumMod val="65000"/>
+                    <a:lumOff val="35000"/>
+                  </a:schemeClr>
+                </a:solidFill>
+                <a:latin typeface="+mj-lt"/>
+                <a:ea typeface="+mj-ea"/>
+                <a:cs typeface="+mj-cs"/>
+              </a:rPr>
+              <a:t>Etiquetas  fieldset  y legend</a:t>
+            </a:r>
+          </a:p>
+          <a:p>
+            <a:pPr algn="ctr"/>
+            <a:endParaRPr lang="es-AR" sz="1400" u="sng" dirty="0">
+              <a:solidFill>
+                <a:schemeClr val="tx1">
+                  <a:lumMod val="65000"/>
+                  <a:lumOff val="35000"/>
+                </a:schemeClr>
+              </a:solidFill>
+              <a:latin typeface="+mj-lt"/>
+              <a:ea typeface="+mj-ea"/>
+              <a:cs typeface="+mj-cs"/>
+            </a:endParaRPr>
+          </a:p>
+          <a:p>
+            <a:r>
+              <a:rPr lang="es-AR" sz="2800" dirty="0">
+                <a:solidFill>
+                  <a:schemeClr val="tx1">
+                    <a:tint val="75000"/>
+                  </a:schemeClr>
+                </a:solidFill>
+              </a:rPr>
+              <a:t>La etiqueta fieldset agrupa tags relacionados y legend agrega una etiqueta.</a:t>
+            </a:r>
+          </a:p>
+        </p:txBody>
+      </p:sp>
+      <p:pic>
+        <p:nvPicPr>
+          <p:cNvPr id="6" name="Imagen 5">
+            <a:extLst>
+              <a:ext uri="{FF2B5EF4-FFF2-40B4-BE49-F238E27FC236}">
+                <a16:creationId xmlns:a16="http://schemas.microsoft.com/office/drawing/2014/main" id="{2AA8B48C-62B5-485D-ADA1-6E9FAE0D93DF}"/>
+              </a:ext>
+            </a:extLst>
+          </p:cNvPr>
+          <p:cNvPicPr>
+            <a:picLocks noChangeAspect="1"/>
+          </p:cNvPicPr>
+          <p:nvPr/>
+        </p:nvPicPr>
+        <p:blipFill>
+          <a:blip r:embed="rId2"/>
+          <a:stretch>
+            <a:fillRect/>
+          </a:stretch>
+        </p:blipFill>
+        <p:spPr>
+          <a:xfrm>
+            <a:off x="7065644" y="1799987"/>
+            <a:ext cx="4078605" cy="2806660"/>
+          </a:xfrm>
+          <a:prstGeom prst="rect">
+            <a:avLst/>
+          </a:prstGeom>
+        </p:spPr>
+      </p:pic>
+      <p:pic>
+        <p:nvPicPr>
+          <p:cNvPr id="7" name="Imagen 6">
+            <a:extLst>
+              <a:ext uri="{FF2B5EF4-FFF2-40B4-BE49-F238E27FC236}">
+                <a16:creationId xmlns:a16="http://schemas.microsoft.com/office/drawing/2014/main" id="{3236617C-A133-4389-AD53-6B51C2368292}"/>
+              </a:ext>
+            </a:extLst>
+          </p:cNvPr>
+          <p:cNvPicPr>
+            <a:picLocks noChangeAspect="1"/>
+          </p:cNvPicPr>
+          <p:nvPr/>
+        </p:nvPicPr>
+        <p:blipFill>
+          <a:blip r:embed="rId3"/>
+          <a:stretch>
+            <a:fillRect/>
+          </a:stretch>
+        </p:blipFill>
+        <p:spPr>
+          <a:xfrm>
+            <a:off x="577215" y="1882497"/>
+            <a:ext cx="5724525" cy="2724150"/>
+          </a:xfrm>
+          <a:prstGeom prst="rect">
+            <a:avLst/>
+          </a:prstGeom>
+        </p:spPr>
+      </p:pic>
+    </p:spTree>
+    <p:extLst>
+      <p:ext uri="{BB962C8B-B14F-4D97-AF65-F5344CB8AC3E}">
+        <p14:creationId xmlns:p14="http://schemas.microsoft.com/office/powerpoint/2010/main" val="2641692395"/>
+      </p:ext>
+    </p:extLst>
+  </p:cSld>
+  <p:clrMapOvr>
+    <a:masterClrMapping/>
+  </p:clrMapOvr>
+</p:sld>
+</file>
+
+<file path=ppt/slides/slide21.xml><?xml version="1.0" encoding="utf-8"?>
+<p:sld xmlns:a="http://schemas.openxmlformats.org/drawingml/2006/main" xmlns:r="http://schemas.openxmlformats.org/officeDocument/2006/relationships" xmlns:p="http://schemas.openxmlformats.org/presentationml/2006/main">
+  <p:cSld>
+    <p:bg>
+      <p:bgRef idx="1001">
+        <a:schemeClr val="bg1"/>
+      </p:bgRef>
+    </p:bg>
+    <p:spTree>
+      <p:nvGrpSpPr>
+        <p:cNvPr id="1" name=""/>
+        <p:cNvGrpSpPr/>
+        <p:nvPr/>
+      </p:nvGrpSpPr>
+      <p:grpSpPr>
+        <a:xfrm>
+          <a:off x="0" y="0"/>
+          <a:ext cx="0" cy="0"/>
+          <a:chOff x="0" y="0"/>
+          <a:chExt cx="0" cy="0"/>
+        </a:xfrm>
+      </p:grpSpPr>
+      <p:sp>
+        <p:nvSpPr>
+          <p:cNvPr id="4" name="CuadroTexto 3">
+            <a:extLst>
+              <a:ext uri="{FF2B5EF4-FFF2-40B4-BE49-F238E27FC236}">
+                <a16:creationId xmlns:a16="http://schemas.microsoft.com/office/drawing/2014/main" id="{0CB3B7AE-0084-4C56-8BF3-23F7FA2B93EE}"/>
+              </a:ext>
+            </a:extLst>
+          </p:cNvPr>
+          <p:cNvSpPr txBox="1"/>
+          <p:nvPr/>
+        </p:nvSpPr>
+        <p:spPr>
+          <a:xfrm>
+            <a:off x="0" y="0"/>
+            <a:ext cx="12192000" cy="1846659"/>
+          </a:xfrm>
+          <a:prstGeom prst="rect">
+            <a:avLst/>
+          </a:prstGeom>
+          <a:noFill/>
+        </p:spPr>
+        <p:txBody>
+          <a:bodyPr wrap="square" rtlCol="0">
+            <a:spAutoFit/>
+          </a:bodyPr>
+          <a:lstStyle/>
+          <a:p>
+            <a:pPr algn="ctr"/>
+            <a:r>
+              <a:rPr lang="es-AR" sz="4000" u="sng" dirty="0">
+                <a:solidFill>
+                  <a:schemeClr val="tx1">
+                    <a:lumMod val="65000"/>
+                    <a:lumOff val="35000"/>
+                  </a:schemeClr>
+                </a:solidFill>
+                <a:latin typeface="+mj-lt"/>
+                <a:ea typeface="+mj-ea"/>
+                <a:cs typeface="+mj-cs"/>
+              </a:rPr>
+              <a:t>Etiqueta type password</a:t>
+            </a:r>
+            <a:r>
+              <a:rPr lang="es-AR" dirty="0"/>
+              <a:t>.</a:t>
+            </a:r>
+          </a:p>
+          <a:p>
+            <a:endParaRPr lang="es-AR" dirty="0"/>
+          </a:p>
+          <a:p>
+            <a:r>
+              <a:rPr lang="es-AR" sz="2800" dirty="0">
+                <a:solidFill>
+                  <a:schemeClr val="tx1">
+                    <a:tint val="75000"/>
+                  </a:schemeClr>
+                </a:solidFill>
+              </a:rPr>
+              <a:t>Es igual que la etiqueta type text, pero al completar se muestran puntos en lugar de las letras.</a:t>
+            </a:r>
+          </a:p>
+        </p:txBody>
+      </p:sp>
+      <p:pic>
+        <p:nvPicPr>
+          <p:cNvPr id="5" name="Imagen 4">
+            <a:extLst>
+              <a:ext uri="{FF2B5EF4-FFF2-40B4-BE49-F238E27FC236}">
+                <a16:creationId xmlns:a16="http://schemas.microsoft.com/office/drawing/2014/main" id="{650C274B-ED93-4768-BABB-827150891AA7}"/>
+              </a:ext>
+            </a:extLst>
+          </p:cNvPr>
+          <p:cNvPicPr>
+            <a:picLocks noChangeAspect="1"/>
+          </p:cNvPicPr>
+          <p:nvPr/>
+        </p:nvPicPr>
+        <p:blipFill>
+          <a:blip r:embed="rId3"/>
+          <a:stretch>
+            <a:fillRect/>
+          </a:stretch>
+        </p:blipFill>
+        <p:spPr>
+          <a:xfrm>
+            <a:off x="294322" y="2125979"/>
+            <a:ext cx="6734175" cy="704850"/>
+          </a:xfrm>
+          <a:prstGeom prst="rect">
+            <a:avLst/>
+          </a:prstGeom>
+        </p:spPr>
+      </p:pic>
+      <p:pic>
+        <p:nvPicPr>
+          <p:cNvPr id="6" name="Imagen 5">
+            <a:extLst>
+              <a:ext uri="{FF2B5EF4-FFF2-40B4-BE49-F238E27FC236}">
+                <a16:creationId xmlns:a16="http://schemas.microsoft.com/office/drawing/2014/main" id="{6EA9C310-6F66-4864-8625-FFCCBAC96550}"/>
+              </a:ext>
+            </a:extLst>
+          </p:cNvPr>
+          <p:cNvPicPr>
+            <a:picLocks noChangeAspect="1"/>
+          </p:cNvPicPr>
+          <p:nvPr/>
+        </p:nvPicPr>
+        <p:blipFill>
+          <a:blip r:embed="rId4"/>
+          <a:stretch>
+            <a:fillRect/>
+          </a:stretch>
+        </p:blipFill>
+        <p:spPr>
+          <a:xfrm>
+            <a:off x="7950517" y="2007870"/>
+            <a:ext cx="3719513" cy="941069"/>
+          </a:xfrm>
+          <a:prstGeom prst="rect">
+            <a:avLst/>
+          </a:prstGeom>
+        </p:spPr>
+      </p:pic>
+      <p:sp>
+        <p:nvSpPr>
+          <p:cNvPr id="7" name="CuadroTexto 6">
+            <a:extLst>
+              <a:ext uri="{FF2B5EF4-FFF2-40B4-BE49-F238E27FC236}">
+                <a16:creationId xmlns:a16="http://schemas.microsoft.com/office/drawing/2014/main" id="{CDD71115-1C29-42D9-AECC-66107FCE3492}"/>
+              </a:ext>
+            </a:extLst>
+          </p:cNvPr>
+          <p:cNvSpPr txBox="1"/>
+          <p:nvPr/>
+        </p:nvSpPr>
+        <p:spPr>
+          <a:xfrm>
+            <a:off x="114300" y="3322322"/>
+            <a:ext cx="11315700" cy="2000548"/>
+          </a:xfrm>
+          <a:prstGeom prst="rect">
+            <a:avLst/>
+          </a:prstGeom>
+          <a:noFill/>
+        </p:spPr>
+        <p:txBody>
+          <a:bodyPr wrap="square" rtlCol="0">
+            <a:spAutoFit/>
+          </a:bodyPr>
+          <a:lstStyle/>
+          <a:p>
+            <a:pPr algn="ctr"/>
+            <a:r>
+              <a:rPr lang="es-AR" sz="4000" u="sng" dirty="0">
+                <a:solidFill>
+                  <a:schemeClr val="tx1">
+                    <a:lumMod val="65000"/>
+                    <a:lumOff val="35000"/>
+                  </a:schemeClr>
+                </a:solidFill>
+                <a:latin typeface="+mj-lt"/>
+                <a:ea typeface="+mj-ea"/>
+                <a:cs typeface="+mj-cs"/>
+              </a:rPr>
+              <a:t>Etiqueta checkbox o casilla de verificación</a:t>
+            </a:r>
+          </a:p>
+          <a:p>
+            <a:pPr algn="ctr"/>
+            <a:endParaRPr lang="es-AR" sz="2800" dirty="0">
+              <a:solidFill>
+                <a:schemeClr val="tx1">
+                  <a:tint val="75000"/>
+                </a:schemeClr>
+              </a:solidFill>
+            </a:endParaRPr>
+          </a:p>
+          <a:p>
+            <a:r>
+              <a:rPr lang="es-AR" sz="2800" dirty="0">
+                <a:solidFill>
+                  <a:schemeClr val="tx1">
+                    <a:tint val="75000"/>
+                  </a:schemeClr>
+                </a:solidFill>
+              </a:rPr>
+              <a:t>Se utiliza para seleccionar opciones individuales, aunque se coloquen varias juntas se tratan de opciones independientes.</a:t>
+            </a:r>
+          </a:p>
+        </p:txBody>
+      </p:sp>
+      <p:pic>
+        <p:nvPicPr>
+          <p:cNvPr id="8" name="Imagen 7">
+            <a:extLst>
+              <a:ext uri="{FF2B5EF4-FFF2-40B4-BE49-F238E27FC236}">
+                <a16:creationId xmlns:a16="http://schemas.microsoft.com/office/drawing/2014/main" id="{A9FE1866-FF77-4F3B-B516-5B9A6C9665CC}"/>
+              </a:ext>
+            </a:extLst>
+          </p:cNvPr>
+          <p:cNvPicPr>
+            <a:picLocks noChangeAspect="1"/>
+          </p:cNvPicPr>
+          <p:nvPr/>
+        </p:nvPicPr>
+        <p:blipFill>
+          <a:blip r:embed="rId5"/>
+          <a:stretch>
+            <a:fillRect/>
+          </a:stretch>
+        </p:blipFill>
+        <p:spPr>
+          <a:xfrm>
+            <a:off x="114300" y="5532120"/>
+            <a:ext cx="8035290" cy="1125855"/>
+          </a:xfrm>
+          <a:prstGeom prst="rect">
+            <a:avLst/>
+          </a:prstGeom>
+        </p:spPr>
+      </p:pic>
+      <p:pic>
+        <p:nvPicPr>
+          <p:cNvPr id="9" name="Imagen 8">
+            <a:extLst>
+              <a:ext uri="{FF2B5EF4-FFF2-40B4-BE49-F238E27FC236}">
+                <a16:creationId xmlns:a16="http://schemas.microsoft.com/office/drawing/2014/main" id="{C16208C9-2853-46DD-8774-F346D644AE5E}"/>
+              </a:ext>
+            </a:extLst>
+          </p:cNvPr>
+          <p:cNvPicPr>
+            <a:picLocks noChangeAspect="1"/>
+          </p:cNvPicPr>
+          <p:nvPr/>
+        </p:nvPicPr>
+        <p:blipFill>
+          <a:blip r:embed="rId6"/>
+          <a:stretch>
+            <a:fillRect/>
+          </a:stretch>
+        </p:blipFill>
+        <p:spPr>
+          <a:xfrm>
+            <a:off x="8526780" y="5322870"/>
+            <a:ext cx="2903220" cy="1249380"/>
+          </a:xfrm>
+          <a:prstGeom prst="rect">
+            <a:avLst/>
+          </a:prstGeom>
+        </p:spPr>
+      </p:pic>
+    </p:spTree>
+    <p:extLst>
+      <p:ext uri="{BB962C8B-B14F-4D97-AF65-F5344CB8AC3E}">
+        <p14:creationId xmlns:p14="http://schemas.microsoft.com/office/powerpoint/2010/main" val="2258703974"/>
+      </p:ext>
+    </p:extLst>
+  </p:cSld>
+  <p:clrMapOvr>
+    <a:overrideClrMapping bg1="lt1" tx1="dk1" bg2="lt2" tx2="dk2" accent1="accent1" accent2="accent2" accent3="accent3" accent4="accent4" accent5="accent5" accent6="accent6" hlink="hlink" folHlink="folHlink"/>
+  </p:clrMapOvr>
+</p:sld>
+</file>
+
+<file path=ppt/slides/slide22.xml><?xml version="1.0" encoding="utf-8"?>
+<p:sld xmlns:a="http://schemas.openxmlformats.org/drawingml/2006/main" xmlns:r="http://schemas.openxmlformats.org/officeDocument/2006/relationships" xmlns:p="http://schemas.openxmlformats.org/presentationml/2006/main">
+  <p:cSld>
+    <p:bg>
+      <p:bgRef idx="1001">
+        <a:schemeClr val="bg1"/>
+      </p:bgRef>
+    </p:bg>
+    <p:spTree>
+      <p:nvGrpSpPr>
+        <p:cNvPr id="1" name=""/>
+        <p:cNvGrpSpPr/>
+        <p:nvPr/>
+      </p:nvGrpSpPr>
+      <p:grpSpPr>
+        <a:xfrm>
+          <a:off x="0" y="0"/>
+          <a:ext cx="0" cy="0"/>
+          <a:chOff x="0" y="0"/>
+          <a:chExt cx="0" cy="0"/>
+        </a:xfrm>
+      </p:grpSpPr>
+      <p:sp>
+        <p:nvSpPr>
+          <p:cNvPr id="4" name="CuadroTexto 3">
+            <a:extLst>
+              <a:ext uri="{FF2B5EF4-FFF2-40B4-BE49-F238E27FC236}">
+                <a16:creationId xmlns:a16="http://schemas.microsoft.com/office/drawing/2014/main" id="{0745321E-E332-4952-87E4-A719CEDB8350}"/>
+              </a:ext>
+            </a:extLst>
+          </p:cNvPr>
+          <p:cNvSpPr txBox="1"/>
+          <p:nvPr/>
+        </p:nvSpPr>
+        <p:spPr>
+          <a:xfrm>
+            <a:off x="158115" y="205740"/>
+            <a:ext cx="11875770" cy="3170099"/>
+          </a:xfrm>
+          <a:prstGeom prst="rect">
+            <a:avLst/>
+          </a:prstGeom>
+          <a:noFill/>
+        </p:spPr>
+        <p:txBody>
+          <a:bodyPr wrap="square" rtlCol="0">
+            <a:spAutoFit/>
+          </a:bodyPr>
+          <a:lstStyle/>
+          <a:p>
+            <a:r>
+              <a:rPr lang="es-AR" sz="2800" dirty="0">
+                <a:solidFill>
+                  <a:schemeClr val="tx1">
+                    <a:tint val="75000"/>
+                  </a:schemeClr>
+                </a:solidFill>
+              </a:rPr>
+              <a:t>El programa que trata la información la recupera por el name y toma el valor de value. Para seleccionarlo por defecto hay que indicar checked.</a:t>
+            </a:r>
+          </a:p>
+          <a:p>
+            <a:endParaRPr lang="es-AR" sz="2800" dirty="0">
+              <a:solidFill>
+                <a:schemeClr val="tx1">
+                  <a:tint val="75000"/>
+                </a:schemeClr>
+              </a:solidFill>
+            </a:endParaRPr>
+          </a:p>
+          <a:p>
+            <a:endParaRPr lang="es-AR" sz="2800" dirty="0">
+              <a:solidFill>
+                <a:schemeClr val="tx1">
+                  <a:tint val="75000"/>
+                </a:schemeClr>
+              </a:solidFill>
+            </a:endParaRPr>
+          </a:p>
+          <a:p>
+            <a:pPr algn="ctr"/>
+            <a:r>
+              <a:rPr lang="es-AR" sz="4000" u="sng" dirty="0">
+                <a:solidFill>
+                  <a:schemeClr val="tx1">
+                    <a:lumMod val="65000"/>
+                    <a:lumOff val="35000"/>
+                  </a:schemeClr>
+                </a:solidFill>
+                <a:latin typeface="+mj-lt"/>
+                <a:ea typeface="+mj-ea"/>
+                <a:cs typeface="+mj-cs"/>
+              </a:rPr>
+              <a:t>Etiqueta radio o botón de radio</a:t>
+            </a:r>
+            <a:r>
+              <a:rPr lang="es-AR" sz="2800" dirty="0">
+                <a:solidFill>
+                  <a:schemeClr val="tx1">
+                    <a:tint val="75000"/>
+                  </a:schemeClr>
+                </a:solidFill>
+              </a:rPr>
+              <a:t>.</a:t>
+            </a:r>
+            <a:endParaRPr lang="es-AR" sz="4000" u="sng" dirty="0">
+              <a:solidFill>
+                <a:schemeClr val="tx1">
+                  <a:lumMod val="65000"/>
+                  <a:lumOff val="35000"/>
+                </a:schemeClr>
+              </a:solidFill>
+              <a:latin typeface="+mj-lt"/>
+              <a:ea typeface="+mj-ea"/>
+              <a:cs typeface="+mj-cs"/>
+            </a:endParaRPr>
+          </a:p>
+          <a:p>
+            <a:pPr algn="ctr"/>
+            <a:endParaRPr lang="es-AR" sz="2000" u="sng" dirty="0">
+              <a:solidFill>
+                <a:schemeClr val="tx1">
+                  <a:lumMod val="65000"/>
+                  <a:lumOff val="35000"/>
+                </a:schemeClr>
+              </a:solidFill>
+              <a:latin typeface="+mj-lt"/>
+              <a:ea typeface="+mj-ea"/>
+              <a:cs typeface="+mj-cs"/>
+            </a:endParaRPr>
+          </a:p>
+          <a:p>
+            <a:r>
+              <a:rPr lang="es-AR" sz="2800" dirty="0">
+                <a:solidFill>
+                  <a:schemeClr val="tx1">
+                    <a:tint val="75000"/>
+                  </a:schemeClr>
+                </a:solidFill>
+              </a:rPr>
+              <a:t>Es similar a checkbox con la diferencia de que son mutuamente excluyente.</a:t>
+            </a:r>
+          </a:p>
+        </p:txBody>
+      </p:sp>
+      <p:pic>
+        <p:nvPicPr>
+          <p:cNvPr id="5" name="Imagen 4">
+            <a:extLst>
+              <a:ext uri="{FF2B5EF4-FFF2-40B4-BE49-F238E27FC236}">
+                <a16:creationId xmlns:a16="http://schemas.microsoft.com/office/drawing/2014/main" id="{F44033BE-D55D-4E7E-862F-0C4696B0F30B}"/>
+              </a:ext>
+            </a:extLst>
+          </p:cNvPr>
+          <p:cNvPicPr>
+            <a:picLocks noChangeAspect="1"/>
+          </p:cNvPicPr>
+          <p:nvPr/>
+        </p:nvPicPr>
+        <p:blipFill>
+          <a:blip r:embed="rId3"/>
+          <a:stretch>
+            <a:fillRect/>
+          </a:stretch>
+        </p:blipFill>
+        <p:spPr>
+          <a:xfrm>
+            <a:off x="249555" y="3946476"/>
+            <a:ext cx="9054465" cy="1438275"/>
+          </a:xfrm>
+          <a:prstGeom prst="rect">
+            <a:avLst/>
+          </a:prstGeom>
+        </p:spPr>
+      </p:pic>
+      <p:pic>
+        <p:nvPicPr>
+          <p:cNvPr id="6" name="Imagen 5">
+            <a:extLst>
+              <a:ext uri="{FF2B5EF4-FFF2-40B4-BE49-F238E27FC236}">
+                <a16:creationId xmlns:a16="http://schemas.microsoft.com/office/drawing/2014/main" id="{32120D9C-58E5-4EB2-B124-ACA461E7E6D6}"/>
+              </a:ext>
+            </a:extLst>
+          </p:cNvPr>
+          <p:cNvPicPr>
+            <a:picLocks noChangeAspect="1"/>
+          </p:cNvPicPr>
+          <p:nvPr/>
+        </p:nvPicPr>
+        <p:blipFill>
+          <a:blip r:embed="rId4"/>
+          <a:stretch>
+            <a:fillRect/>
+          </a:stretch>
+        </p:blipFill>
+        <p:spPr>
+          <a:xfrm>
+            <a:off x="9748838" y="4050208"/>
+            <a:ext cx="2193607" cy="1230809"/>
+          </a:xfrm>
+          <a:prstGeom prst="rect">
+            <a:avLst/>
+          </a:prstGeom>
+        </p:spPr>
+      </p:pic>
+    </p:spTree>
+    <p:extLst>
+      <p:ext uri="{BB962C8B-B14F-4D97-AF65-F5344CB8AC3E}">
+        <p14:creationId xmlns:p14="http://schemas.microsoft.com/office/powerpoint/2010/main" val="577448851"/>
+      </p:ext>
+    </p:extLst>
+  </p:cSld>
+  <p:clrMapOvr>
+    <a:overrideClrMapping bg1="lt1" tx1="dk1" bg2="lt2" tx2="dk2" accent1="accent1" accent2="accent2" accent3="accent3" accent4="accent4" accent5="accent5" accent6="accent6" hlink="hlink" folHlink="folHlink"/>
+  </p:clrMapOvr>
+</p:sld>
+</file>
+
+<file path=ppt/slides/slide23.xml><?xml version="1.0" encoding="utf-8"?>
+<p:sld xmlns:a="http://schemas.openxmlformats.org/drawingml/2006/main" xmlns:r="http://schemas.openxmlformats.org/officeDocument/2006/relationships" xmlns:p="http://schemas.openxmlformats.org/presentationml/2006/main">
+  <p:cSld>
+    <p:bg>
+      <p:bgRef idx="1001">
+        <a:schemeClr val="bg1"/>
+      </p:bgRef>
+    </p:bg>
+    <p:spTree>
+      <p:nvGrpSpPr>
+        <p:cNvPr id="1" name=""/>
+        <p:cNvGrpSpPr/>
+        <p:nvPr/>
+      </p:nvGrpSpPr>
+      <p:grpSpPr>
+        <a:xfrm>
+          <a:off x="0" y="0"/>
+          <a:ext cx="0" cy="0"/>
+          <a:chOff x="0" y="0"/>
+          <a:chExt cx="0" cy="0"/>
+        </a:xfrm>
+      </p:grpSpPr>
+      <p:sp>
+        <p:nvSpPr>
+          <p:cNvPr id="4" name="CuadroTexto 3">
+            <a:extLst>
+              <a:ext uri="{FF2B5EF4-FFF2-40B4-BE49-F238E27FC236}">
+                <a16:creationId xmlns:a16="http://schemas.microsoft.com/office/drawing/2014/main" id="{92D8785B-D942-4926-924A-A326359DFCD9}"/>
+              </a:ext>
+            </a:extLst>
+          </p:cNvPr>
+          <p:cNvSpPr txBox="1"/>
+          <p:nvPr/>
+        </p:nvSpPr>
+        <p:spPr>
+          <a:xfrm>
+            <a:off x="316230" y="0"/>
+            <a:ext cx="11875770" cy="2215991"/>
+          </a:xfrm>
+          <a:prstGeom prst="rect">
+            <a:avLst/>
+          </a:prstGeom>
+          <a:noFill/>
+        </p:spPr>
+        <p:txBody>
+          <a:bodyPr wrap="square" rtlCol="0">
+            <a:spAutoFit/>
+          </a:bodyPr>
+          <a:lstStyle/>
+          <a:p>
+            <a:pPr algn="ctr"/>
+            <a:r>
+              <a:rPr lang="es-AR" sz="4000" u="sng" dirty="0">
+                <a:solidFill>
+                  <a:schemeClr val="tx1">
+                    <a:lumMod val="65000"/>
+                    <a:lumOff val="35000"/>
+                  </a:schemeClr>
+                </a:solidFill>
+                <a:latin typeface="+mj-lt"/>
+                <a:ea typeface="+mj-ea"/>
+                <a:cs typeface="+mj-cs"/>
+              </a:rPr>
+              <a:t>Botón de enviar </a:t>
+            </a:r>
+          </a:p>
+          <a:p>
+            <a:pPr algn="ctr"/>
+            <a:endParaRPr lang="es-AR" sz="1400" u="sng" dirty="0">
+              <a:solidFill>
+                <a:schemeClr val="tx1">
+                  <a:lumMod val="65000"/>
+                  <a:lumOff val="35000"/>
+                </a:schemeClr>
+              </a:solidFill>
+              <a:latin typeface="+mj-lt"/>
+              <a:ea typeface="+mj-ea"/>
+              <a:cs typeface="+mj-cs"/>
+            </a:endParaRPr>
+          </a:p>
+          <a:p>
+            <a:r>
+              <a:rPr lang="es-AR" sz="2800" dirty="0">
+                <a:solidFill>
+                  <a:schemeClr val="tx1">
+                    <a:tint val="75000"/>
+                  </a:schemeClr>
+                </a:solidFill>
+              </a:rPr>
+              <a:t>Cuando se completa en formulario se presiona el botón y se carga la página indicada en el atributo action del form. En el botón figura el texto de la etiqueta value.</a:t>
+            </a:r>
+            <a:endParaRPr lang="es-AR" sz="1400" u="sng" dirty="0">
+              <a:solidFill>
+                <a:schemeClr val="tx1">
+                  <a:lumMod val="65000"/>
+                  <a:lumOff val="35000"/>
+                </a:schemeClr>
+              </a:solidFill>
+              <a:latin typeface="+mj-lt"/>
+              <a:ea typeface="+mj-ea"/>
+              <a:cs typeface="+mj-cs"/>
+            </a:endParaRPr>
+          </a:p>
+        </p:txBody>
+      </p:sp>
+      <p:pic>
+        <p:nvPicPr>
+          <p:cNvPr id="5" name="Imagen 4">
+            <a:extLst>
+              <a:ext uri="{FF2B5EF4-FFF2-40B4-BE49-F238E27FC236}">
+                <a16:creationId xmlns:a16="http://schemas.microsoft.com/office/drawing/2014/main" id="{CFBE7F31-C88F-4E58-85CB-CDD69A5F3CC8}"/>
+              </a:ext>
+            </a:extLst>
+          </p:cNvPr>
+          <p:cNvPicPr>
+            <a:picLocks noChangeAspect="1"/>
+          </p:cNvPicPr>
+          <p:nvPr/>
+        </p:nvPicPr>
+        <p:blipFill>
+          <a:blip r:embed="rId3"/>
+          <a:stretch>
+            <a:fillRect/>
+          </a:stretch>
+        </p:blipFill>
+        <p:spPr>
+          <a:xfrm>
+            <a:off x="439102" y="2411726"/>
+            <a:ext cx="6010275" cy="428625"/>
+          </a:xfrm>
+          <a:prstGeom prst="rect">
+            <a:avLst/>
+          </a:prstGeom>
+        </p:spPr>
+      </p:pic>
+      <p:pic>
+        <p:nvPicPr>
+          <p:cNvPr id="6" name="Imagen 5">
+            <a:extLst>
+              <a:ext uri="{FF2B5EF4-FFF2-40B4-BE49-F238E27FC236}">
+                <a16:creationId xmlns:a16="http://schemas.microsoft.com/office/drawing/2014/main" id="{27A4141F-95D6-40AA-AD57-5242D50C0482}"/>
+              </a:ext>
+            </a:extLst>
+          </p:cNvPr>
+          <p:cNvPicPr>
+            <a:picLocks noChangeAspect="1"/>
+          </p:cNvPicPr>
+          <p:nvPr/>
+        </p:nvPicPr>
+        <p:blipFill>
+          <a:blip r:embed="rId4"/>
+          <a:stretch>
+            <a:fillRect/>
+          </a:stretch>
+        </p:blipFill>
+        <p:spPr>
+          <a:xfrm>
+            <a:off x="7646670" y="2135560"/>
+            <a:ext cx="1885949" cy="980955"/>
+          </a:xfrm>
+          <a:prstGeom prst="rect">
+            <a:avLst/>
+          </a:prstGeom>
+        </p:spPr>
+      </p:pic>
+      <p:sp>
+        <p:nvSpPr>
+          <p:cNvPr id="7" name="CuadroTexto 6">
+            <a:extLst>
+              <a:ext uri="{FF2B5EF4-FFF2-40B4-BE49-F238E27FC236}">
+                <a16:creationId xmlns:a16="http://schemas.microsoft.com/office/drawing/2014/main" id="{7C7481C6-EF4E-43F7-B476-3BCE0B4AB51F}"/>
+              </a:ext>
+            </a:extLst>
+          </p:cNvPr>
+          <p:cNvSpPr txBox="1"/>
+          <p:nvPr/>
+        </p:nvSpPr>
+        <p:spPr>
+          <a:xfrm flipH="1">
+            <a:off x="80010" y="3429000"/>
+            <a:ext cx="11525250" cy="1415772"/>
+          </a:xfrm>
+          <a:prstGeom prst="rect">
+            <a:avLst/>
+          </a:prstGeom>
+          <a:noFill/>
+        </p:spPr>
+        <p:txBody>
+          <a:bodyPr wrap="square" rtlCol="0">
+            <a:spAutoFit/>
+          </a:bodyPr>
+          <a:lstStyle/>
+          <a:p>
+            <a:pPr algn="ctr"/>
+            <a:r>
+              <a:rPr lang="es-AR" sz="4000" u="sng" dirty="0">
+                <a:solidFill>
+                  <a:schemeClr val="tx1">
+                    <a:lumMod val="65000"/>
+                    <a:lumOff val="35000"/>
+                  </a:schemeClr>
+                </a:solidFill>
+                <a:latin typeface="+mj-lt"/>
+                <a:ea typeface="+mj-ea"/>
+                <a:cs typeface="+mj-cs"/>
+              </a:rPr>
+              <a:t>Botón de Reseteo</a:t>
+            </a:r>
+          </a:p>
+          <a:p>
+            <a:pPr algn="ctr"/>
+            <a:r>
+              <a:rPr lang="es-AR" dirty="0"/>
+              <a:t>.</a:t>
+            </a:r>
+          </a:p>
+          <a:p>
+            <a:r>
+              <a:rPr lang="es-AR" sz="2800" dirty="0">
+                <a:solidFill>
+                  <a:schemeClr val="tx1">
+                    <a:tint val="75000"/>
+                  </a:schemeClr>
+                </a:solidFill>
+              </a:rPr>
+              <a:t>Al presionar este botón el formulario vuelve al estado original.</a:t>
+            </a:r>
+          </a:p>
+        </p:txBody>
+      </p:sp>
+      <p:pic>
+        <p:nvPicPr>
+          <p:cNvPr id="8" name="Imagen 7">
+            <a:extLst>
+              <a:ext uri="{FF2B5EF4-FFF2-40B4-BE49-F238E27FC236}">
+                <a16:creationId xmlns:a16="http://schemas.microsoft.com/office/drawing/2014/main" id="{C8B85D38-3E21-4B4E-AF32-4B1885956259}"/>
+              </a:ext>
+            </a:extLst>
+          </p:cNvPr>
+          <p:cNvPicPr>
+            <a:picLocks noChangeAspect="1"/>
+          </p:cNvPicPr>
+          <p:nvPr/>
+        </p:nvPicPr>
+        <p:blipFill>
+          <a:blip r:embed="rId5"/>
+          <a:stretch>
+            <a:fillRect/>
+          </a:stretch>
+        </p:blipFill>
+        <p:spPr>
+          <a:xfrm>
+            <a:off x="255269" y="5291666"/>
+            <a:ext cx="8334375" cy="428625"/>
+          </a:xfrm>
+          <a:prstGeom prst="rect">
+            <a:avLst/>
+          </a:prstGeom>
+        </p:spPr>
+      </p:pic>
+      <p:pic>
+        <p:nvPicPr>
+          <p:cNvPr id="9" name="Imagen 8">
+            <a:extLst>
+              <a:ext uri="{FF2B5EF4-FFF2-40B4-BE49-F238E27FC236}">
+                <a16:creationId xmlns:a16="http://schemas.microsoft.com/office/drawing/2014/main" id="{F90B6879-90A4-495D-98BB-7DA47A8328F9}"/>
+              </a:ext>
+            </a:extLst>
+          </p:cNvPr>
+          <p:cNvPicPr>
+            <a:picLocks noChangeAspect="1"/>
+          </p:cNvPicPr>
+          <p:nvPr/>
+        </p:nvPicPr>
+        <p:blipFill>
+          <a:blip r:embed="rId6"/>
+          <a:stretch>
+            <a:fillRect/>
+          </a:stretch>
+        </p:blipFill>
+        <p:spPr>
+          <a:xfrm>
+            <a:off x="9184935" y="5037761"/>
+            <a:ext cx="2420325" cy="936434"/>
+          </a:xfrm>
+          <a:prstGeom prst="rect">
+            <a:avLst/>
+          </a:prstGeom>
+        </p:spPr>
+      </p:pic>
+    </p:spTree>
+    <p:extLst>
+      <p:ext uri="{BB962C8B-B14F-4D97-AF65-F5344CB8AC3E}">
+        <p14:creationId xmlns:p14="http://schemas.microsoft.com/office/powerpoint/2010/main" val="4133169137"/>
+      </p:ext>
+    </p:extLst>
+  </p:cSld>
+  <p:clrMapOvr>
+    <a:overrideClrMapping bg1="lt1" tx1="dk1" bg2="lt2" tx2="dk2" accent1="accent1" accent2="accent2" accent3="accent3" accent4="accent4" accent5="accent5" accent6="accent6" hlink="hlink" folHlink="folHlink"/>
+  </p:clrMapOvr>
+</p:sld>
+</file>
+
+<file path=ppt/slides/slide24.xml><?xml version="1.0" encoding="utf-8"?>
+<p:sld xmlns:a="http://schemas.openxmlformats.org/drawingml/2006/main" xmlns:r="http://schemas.openxmlformats.org/officeDocument/2006/relationships" xmlns:p="http://schemas.openxmlformats.org/presentationml/2006/main">
+  <p:cSld>
+    <p:bg>
+      <p:bgRef idx="1001">
+        <a:schemeClr val="bg1"/>
+      </p:bgRef>
+    </p:bg>
+    <p:spTree>
+      <p:nvGrpSpPr>
+        <p:cNvPr id="1" name=""/>
+        <p:cNvGrpSpPr/>
+        <p:nvPr/>
+      </p:nvGrpSpPr>
+      <p:grpSpPr>
+        <a:xfrm>
+          <a:off x="0" y="0"/>
+          <a:ext cx="0" cy="0"/>
+          <a:chOff x="0" y="0"/>
+          <a:chExt cx="0" cy="0"/>
+        </a:xfrm>
+      </p:grpSpPr>
+      <p:sp>
+        <p:nvSpPr>
+          <p:cNvPr id="4" name="CuadroTexto 3">
+            <a:extLst>
+              <a:ext uri="{FF2B5EF4-FFF2-40B4-BE49-F238E27FC236}">
+                <a16:creationId xmlns:a16="http://schemas.microsoft.com/office/drawing/2014/main" id="{9F90B28E-84CF-419F-A62E-51938BA411D1}"/>
+              </a:ext>
+            </a:extLst>
+          </p:cNvPr>
+          <p:cNvSpPr txBox="1"/>
+          <p:nvPr/>
+        </p:nvSpPr>
+        <p:spPr>
+          <a:xfrm>
+            <a:off x="0" y="132202"/>
+            <a:ext cx="12192000" cy="2862322"/>
+          </a:xfrm>
+          <a:prstGeom prst="rect">
+            <a:avLst/>
+          </a:prstGeom>
+          <a:noFill/>
+        </p:spPr>
+        <p:txBody>
+          <a:bodyPr wrap="square" rtlCol="0">
+            <a:spAutoFit/>
+          </a:bodyPr>
+          <a:lstStyle/>
+          <a:p>
+            <a:pPr algn="ctr"/>
+            <a:r>
+              <a:rPr lang="es-AR" sz="4000" u="sng" dirty="0">
+                <a:solidFill>
+                  <a:schemeClr val="tx1">
+                    <a:lumMod val="65000"/>
+                    <a:lumOff val="35000"/>
+                  </a:schemeClr>
+                </a:solidFill>
+                <a:latin typeface="+mj-lt"/>
+                <a:ea typeface="+mj-ea"/>
+                <a:cs typeface="+mj-cs"/>
+              </a:rPr>
+              <a:t>Etiqueta textarea</a:t>
+            </a:r>
+          </a:p>
+          <a:p>
+            <a:pPr algn="ctr"/>
+            <a:endParaRPr lang="es-AR" sz="1400" u="sng" dirty="0">
+              <a:solidFill>
+                <a:schemeClr val="tx1">
+                  <a:lumMod val="65000"/>
+                  <a:lumOff val="35000"/>
+                </a:schemeClr>
+              </a:solidFill>
+              <a:latin typeface="+mj-lt"/>
+              <a:ea typeface="+mj-ea"/>
+              <a:cs typeface="+mj-cs"/>
+            </a:endParaRPr>
+          </a:p>
+          <a:p>
+            <a:pPr algn="ctr"/>
+            <a:endParaRPr lang="es-AR" sz="1400" u="sng" dirty="0">
+              <a:solidFill>
+                <a:schemeClr val="tx1">
+                  <a:lumMod val="65000"/>
+                  <a:lumOff val="35000"/>
+                </a:schemeClr>
+              </a:solidFill>
+              <a:latin typeface="+mj-lt"/>
+              <a:ea typeface="+mj-ea"/>
+              <a:cs typeface="+mj-cs"/>
+            </a:endParaRPr>
+          </a:p>
+          <a:p>
+            <a:r>
+              <a:rPr lang="es-AR" sz="2800" dirty="0">
+                <a:solidFill>
+                  <a:schemeClr val="tx1">
+                    <a:tint val="75000"/>
+                  </a:schemeClr>
+                </a:solidFill>
+              </a:rPr>
+              <a:t>El textarea es útil cuando se quiere ingresar una gran cantidad de texto. Dispone de los atributos </a:t>
+            </a:r>
+            <a:r>
+              <a:rPr lang="es-AR" sz="2800" dirty="0">
+                <a:solidFill>
+                  <a:schemeClr val="tx1">
+                    <a:lumMod val="75000"/>
+                    <a:lumOff val="25000"/>
+                  </a:schemeClr>
+                </a:solidFill>
+              </a:rPr>
+              <a:t>cols</a:t>
+            </a:r>
+            <a:r>
+              <a:rPr lang="es-AR" sz="2800" dirty="0">
+                <a:solidFill>
+                  <a:schemeClr val="tx1">
+                    <a:tint val="75000"/>
+                  </a:schemeClr>
+                </a:solidFill>
+              </a:rPr>
+              <a:t> y </a:t>
+            </a:r>
+            <a:r>
+              <a:rPr lang="es-AR" sz="2800" dirty="0">
+                <a:solidFill>
+                  <a:schemeClr val="tx1">
+                    <a:lumMod val="75000"/>
+                    <a:lumOff val="25000"/>
+                  </a:schemeClr>
+                </a:solidFill>
+              </a:rPr>
+              <a:t>rows</a:t>
+            </a:r>
+            <a:r>
+              <a:rPr lang="es-AR" sz="2800" dirty="0">
+                <a:solidFill>
+                  <a:schemeClr val="tx1">
+                    <a:tint val="75000"/>
+                  </a:schemeClr>
+                </a:solidFill>
+              </a:rPr>
+              <a:t> que establecen la cantidad de columnas y filas. </a:t>
+            </a:r>
+          </a:p>
+          <a:p>
+            <a:r>
+              <a:rPr lang="es-AR" sz="2800" dirty="0">
+                <a:solidFill>
+                  <a:schemeClr val="tx1">
+                    <a:tint val="75000"/>
+                  </a:schemeClr>
+                </a:solidFill>
+              </a:rPr>
+              <a:t>Si no puede mostrar todo el texto aparece una barra de desplazamiento vertical.</a:t>
+            </a:r>
+          </a:p>
+          <a:p>
+            <a:r>
+              <a:rPr lang="es-AR" sz="2800" dirty="0">
+                <a:solidFill>
+                  <a:schemeClr val="tx1">
+                    <a:tint val="75000"/>
+                  </a:schemeClr>
+                </a:solidFill>
+              </a:rPr>
+              <a:t>No tiene el atributo </a:t>
+            </a:r>
+            <a:r>
+              <a:rPr lang="es-AR" sz="2800" dirty="0">
+                <a:solidFill>
+                  <a:schemeClr val="tx1">
+                    <a:lumMod val="75000"/>
+                    <a:lumOff val="25000"/>
+                  </a:schemeClr>
+                </a:solidFill>
+              </a:rPr>
+              <a:t>maxlength</a:t>
+            </a:r>
+            <a:r>
+              <a:rPr lang="es-AR" sz="2800" dirty="0">
+                <a:solidFill>
+                  <a:schemeClr val="tx1">
+                    <a:tint val="75000"/>
+                  </a:schemeClr>
+                </a:solidFill>
+              </a:rPr>
+              <a:t>, </a:t>
+            </a:r>
+          </a:p>
+        </p:txBody>
+      </p:sp>
+      <p:pic>
+        <p:nvPicPr>
+          <p:cNvPr id="5" name="Imagen 4">
+            <a:extLst>
+              <a:ext uri="{FF2B5EF4-FFF2-40B4-BE49-F238E27FC236}">
+                <a16:creationId xmlns:a16="http://schemas.microsoft.com/office/drawing/2014/main" id="{80071F24-6462-467B-8F12-0E81297FF5F2}"/>
+              </a:ext>
+            </a:extLst>
+          </p:cNvPr>
+          <p:cNvPicPr>
+            <a:picLocks noChangeAspect="1"/>
+          </p:cNvPicPr>
+          <p:nvPr/>
+        </p:nvPicPr>
+        <p:blipFill>
+          <a:blip r:embed="rId3"/>
+          <a:stretch>
+            <a:fillRect/>
+          </a:stretch>
+        </p:blipFill>
+        <p:spPr>
+          <a:xfrm>
+            <a:off x="158739" y="4105355"/>
+            <a:ext cx="5321321" cy="2133600"/>
+          </a:xfrm>
+          <a:prstGeom prst="rect">
+            <a:avLst/>
+          </a:prstGeom>
+        </p:spPr>
+      </p:pic>
+      <p:pic>
+        <p:nvPicPr>
+          <p:cNvPr id="7" name="Imagen 6">
+            <a:extLst>
+              <a:ext uri="{FF2B5EF4-FFF2-40B4-BE49-F238E27FC236}">
+                <a16:creationId xmlns:a16="http://schemas.microsoft.com/office/drawing/2014/main" id="{CA947C47-CAEF-42E6-A71D-659A9105D821}"/>
+              </a:ext>
+            </a:extLst>
+          </p:cNvPr>
+          <p:cNvPicPr>
+            <a:picLocks noChangeAspect="1"/>
+          </p:cNvPicPr>
+          <p:nvPr/>
+        </p:nvPicPr>
+        <p:blipFill>
+          <a:blip r:embed="rId4"/>
+          <a:stretch>
+            <a:fillRect/>
+          </a:stretch>
+        </p:blipFill>
+        <p:spPr>
+          <a:xfrm>
+            <a:off x="6096000" y="3996528"/>
+            <a:ext cx="3276600" cy="2105025"/>
+          </a:xfrm>
+          <a:prstGeom prst="rect">
+            <a:avLst/>
+          </a:prstGeom>
+        </p:spPr>
+      </p:pic>
+      <p:pic>
+        <p:nvPicPr>
+          <p:cNvPr id="8" name="Imagen 7">
+            <a:extLst>
+              <a:ext uri="{FF2B5EF4-FFF2-40B4-BE49-F238E27FC236}">
+                <a16:creationId xmlns:a16="http://schemas.microsoft.com/office/drawing/2014/main" id="{9D368BDD-A362-4837-BA36-0E98146B8419}"/>
+              </a:ext>
+            </a:extLst>
+          </p:cNvPr>
+          <p:cNvPicPr>
+            <a:picLocks noChangeAspect="1"/>
+          </p:cNvPicPr>
+          <p:nvPr/>
+        </p:nvPicPr>
+        <p:blipFill>
+          <a:blip r:embed="rId5"/>
+          <a:stretch>
+            <a:fillRect/>
+          </a:stretch>
+        </p:blipFill>
+        <p:spPr>
+          <a:xfrm>
+            <a:off x="9694670" y="3996528"/>
+            <a:ext cx="1990725" cy="1733550"/>
+          </a:xfrm>
+          <a:prstGeom prst="rect">
+            <a:avLst/>
+          </a:prstGeom>
+        </p:spPr>
+      </p:pic>
+    </p:spTree>
+    <p:extLst>
+      <p:ext uri="{BB962C8B-B14F-4D97-AF65-F5344CB8AC3E}">
+        <p14:creationId xmlns:p14="http://schemas.microsoft.com/office/powerpoint/2010/main" val="238608878"/>
+      </p:ext>
+    </p:extLst>
+  </p:cSld>
+  <p:clrMapOvr>
+    <a:overrideClrMapping bg1="lt1" tx1="dk1" bg2="lt2" tx2="dk2" accent1="accent1" accent2="accent2" accent3="accent3" accent4="accent4" accent5="accent5" accent6="accent6" hlink="hlink" folHlink="folHlink"/>
+  </p:clrMapOvr>
+</p:sld>
+</file>
+
+<file path=ppt/slides/slide25.xml><?xml version="1.0" encoding="utf-8"?>
+<p:sld xmlns:a="http://schemas.openxmlformats.org/drawingml/2006/main" xmlns:r="http://schemas.openxmlformats.org/officeDocument/2006/relationships" xmlns:p="http://schemas.openxmlformats.org/presentationml/2006/main">
+  <p:cSld>
+    <p:spTree>
+      <p:nvGrpSpPr>
+        <p:cNvPr id="1" name=""/>
+        <p:cNvGrpSpPr/>
+        <p:nvPr/>
+      </p:nvGrpSpPr>
+      <p:grpSpPr>
+        <a:xfrm>
+          <a:off x="0" y="0"/>
+          <a:ext cx="0" cy="0"/>
+          <a:chOff x="0" y="0"/>
+          <a:chExt cx="0" cy="0"/>
+        </a:xfrm>
+      </p:grpSpPr>
+      <p:sp>
+        <p:nvSpPr>
+          <p:cNvPr id="2" name="CuadroTexto 1">
+            <a:extLst>
+              <a:ext uri="{FF2B5EF4-FFF2-40B4-BE49-F238E27FC236}">
+                <a16:creationId xmlns:a16="http://schemas.microsoft.com/office/drawing/2014/main" id="{603FCC75-3B1C-4992-B049-2BD5ABFAB313}"/>
+              </a:ext>
+            </a:extLst>
+          </p:cNvPr>
+          <p:cNvSpPr txBox="1"/>
+          <p:nvPr/>
+        </p:nvSpPr>
+        <p:spPr>
+          <a:xfrm>
+            <a:off x="242370" y="37493"/>
+            <a:ext cx="11799065" cy="1138773"/>
+          </a:xfrm>
+          <a:prstGeom prst="rect">
+            <a:avLst/>
+          </a:prstGeom>
+          <a:noFill/>
+        </p:spPr>
+        <p:txBody>
+          <a:bodyPr wrap="square" rtlCol="0">
+            <a:spAutoFit/>
+          </a:bodyPr>
+          <a:lstStyle/>
+          <a:p>
+            <a:pPr algn="ctr"/>
+            <a:r>
+              <a:rPr lang="es-AR" sz="4000" u="sng" dirty="0">
+                <a:solidFill>
+                  <a:schemeClr val="tx1">
+                    <a:lumMod val="65000"/>
+                    <a:lumOff val="35000"/>
+                  </a:schemeClr>
+                </a:solidFill>
+                <a:latin typeface="+mj-lt"/>
+                <a:ea typeface="+mj-ea"/>
+                <a:cs typeface="+mj-cs"/>
+              </a:rPr>
+              <a:t>Etiqueta select</a:t>
+            </a:r>
+            <a:endParaRPr lang="es-AR" sz="1400" dirty="0">
+              <a:solidFill>
+                <a:schemeClr val="tx1">
+                  <a:tint val="75000"/>
+                </a:schemeClr>
+              </a:solidFill>
+            </a:endParaRPr>
+          </a:p>
+          <a:p>
+            <a:r>
+              <a:rPr lang="es-AR" sz="2800" dirty="0">
+                <a:solidFill>
+                  <a:schemeClr val="tx1">
+                    <a:tint val="75000"/>
+                  </a:schemeClr>
+                </a:solidFill>
+              </a:rPr>
+              <a:t>Sirve para seleccionar de una lista una opción.</a:t>
+            </a:r>
+          </a:p>
+        </p:txBody>
+      </p:sp>
+      <p:pic>
+        <p:nvPicPr>
+          <p:cNvPr id="3" name="Imagen 2">
+            <a:extLst>
+              <a:ext uri="{FF2B5EF4-FFF2-40B4-BE49-F238E27FC236}">
+                <a16:creationId xmlns:a16="http://schemas.microsoft.com/office/drawing/2014/main" id="{D63CEFA0-606D-41D6-8DFC-A225E510641C}"/>
+              </a:ext>
+            </a:extLst>
+          </p:cNvPr>
+          <p:cNvPicPr>
+            <a:picLocks noChangeAspect="1"/>
+          </p:cNvPicPr>
+          <p:nvPr/>
+        </p:nvPicPr>
+        <p:blipFill>
+          <a:blip r:embed="rId2"/>
+          <a:stretch>
+            <a:fillRect/>
+          </a:stretch>
+        </p:blipFill>
+        <p:spPr>
+          <a:xfrm>
+            <a:off x="3275679" y="1133791"/>
+            <a:ext cx="6067425" cy="2057400"/>
+          </a:xfrm>
+          <a:prstGeom prst="rect">
+            <a:avLst/>
+          </a:prstGeom>
+        </p:spPr>
+      </p:pic>
+      <p:pic>
+        <p:nvPicPr>
+          <p:cNvPr id="4" name="Imagen 3">
+            <a:extLst>
+              <a:ext uri="{FF2B5EF4-FFF2-40B4-BE49-F238E27FC236}">
+                <a16:creationId xmlns:a16="http://schemas.microsoft.com/office/drawing/2014/main" id="{E1AB4357-1AAB-45D1-AB85-0BBEE76C3FC1}"/>
+              </a:ext>
+            </a:extLst>
+          </p:cNvPr>
+          <p:cNvPicPr>
+            <a:picLocks noChangeAspect="1"/>
+          </p:cNvPicPr>
+          <p:nvPr/>
+        </p:nvPicPr>
+        <p:blipFill>
+          <a:blip r:embed="rId3"/>
+          <a:stretch>
+            <a:fillRect/>
+          </a:stretch>
+        </p:blipFill>
+        <p:spPr>
+          <a:xfrm>
+            <a:off x="9981970" y="1176266"/>
+            <a:ext cx="1554010" cy="1744682"/>
+          </a:xfrm>
+          <a:prstGeom prst="rect">
+            <a:avLst/>
+          </a:prstGeom>
+        </p:spPr>
+      </p:pic>
+      <p:sp>
+        <p:nvSpPr>
+          <p:cNvPr id="5" name="CuadroTexto 4">
+            <a:extLst>
+              <a:ext uri="{FF2B5EF4-FFF2-40B4-BE49-F238E27FC236}">
+                <a16:creationId xmlns:a16="http://schemas.microsoft.com/office/drawing/2014/main" id="{BC30FA9D-EAB3-42E0-90BC-A17F25405833}"/>
+              </a:ext>
+            </a:extLst>
+          </p:cNvPr>
+          <p:cNvSpPr txBox="1"/>
+          <p:nvPr/>
+        </p:nvSpPr>
+        <p:spPr>
+          <a:xfrm>
+            <a:off x="0" y="3946793"/>
+            <a:ext cx="2790937" cy="1815882"/>
+          </a:xfrm>
+          <a:prstGeom prst="rect">
+            <a:avLst/>
+          </a:prstGeom>
+          <a:noFill/>
+        </p:spPr>
+        <p:txBody>
+          <a:bodyPr wrap="square" rtlCol="0">
+            <a:spAutoFit/>
+          </a:bodyPr>
+          <a:lstStyle/>
+          <a:p>
+            <a:r>
+              <a:rPr lang="es-AR" sz="2800" dirty="0">
+                <a:solidFill>
+                  <a:schemeClr val="tx1">
+                    <a:tint val="75000"/>
+                  </a:schemeClr>
+                </a:solidFill>
+              </a:rPr>
+              <a:t>Cuando la lista es muy larga se puede agrupar las opciones</a:t>
+            </a:r>
+          </a:p>
+        </p:txBody>
+      </p:sp>
+      <p:pic>
+        <p:nvPicPr>
+          <p:cNvPr id="6" name="Imagen 5">
+            <a:extLst>
+              <a:ext uri="{FF2B5EF4-FFF2-40B4-BE49-F238E27FC236}">
+                <a16:creationId xmlns:a16="http://schemas.microsoft.com/office/drawing/2014/main" id="{24C443BB-5330-4082-859E-6C4FFFE3130C}"/>
+              </a:ext>
+            </a:extLst>
+          </p:cNvPr>
+          <p:cNvPicPr>
+            <a:picLocks noChangeAspect="1"/>
+          </p:cNvPicPr>
+          <p:nvPr/>
+        </p:nvPicPr>
+        <p:blipFill>
+          <a:blip r:embed="rId4"/>
+          <a:stretch>
+            <a:fillRect/>
+          </a:stretch>
+        </p:blipFill>
+        <p:spPr>
+          <a:xfrm>
+            <a:off x="3192018" y="3466493"/>
+            <a:ext cx="6067425" cy="3391507"/>
+          </a:xfrm>
+          <a:prstGeom prst="rect">
+            <a:avLst/>
+          </a:prstGeom>
+        </p:spPr>
+      </p:pic>
+      <p:pic>
+        <p:nvPicPr>
+          <p:cNvPr id="7" name="Imagen 6">
+            <a:extLst>
+              <a:ext uri="{FF2B5EF4-FFF2-40B4-BE49-F238E27FC236}">
+                <a16:creationId xmlns:a16="http://schemas.microsoft.com/office/drawing/2014/main" id="{F992223D-8363-4C3F-9FBC-53D52797EE84}"/>
+              </a:ext>
+            </a:extLst>
+          </p:cNvPr>
+          <p:cNvPicPr>
+            <a:picLocks noChangeAspect="1"/>
+          </p:cNvPicPr>
+          <p:nvPr/>
+        </p:nvPicPr>
+        <p:blipFill>
+          <a:blip r:embed="rId5"/>
+          <a:stretch>
+            <a:fillRect/>
+          </a:stretch>
+        </p:blipFill>
+        <p:spPr>
+          <a:xfrm>
+            <a:off x="9981970" y="3802221"/>
+            <a:ext cx="1790700" cy="2105025"/>
+          </a:xfrm>
+          <a:prstGeom prst="rect">
+            <a:avLst/>
+          </a:prstGeom>
+        </p:spPr>
+      </p:pic>
+      <p:sp>
+        <p:nvSpPr>
+          <p:cNvPr id="8" name="CuadroTexto 7">
+            <a:extLst>
+              <a:ext uri="{FF2B5EF4-FFF2-40B4-BE49-F238E27FC236}">
+                <a16:creationId xmlns:a16="http://schemas.microsoft.com/office/drawing/2014/main" id="{A92EB9B5-CD0A-489A-B351-E27848D3635C}"/>
+              </a:ext>
+            </a:extLst>
+          </p:cNvPr>
+          <p:cNvSpPr txBox="1"/>
+          <p:nvPr/>
+        </p:nvSpPr>
+        <p:spPr>
+          <a:xfrm>
+            <a:off x="221657" y="1133791"/>
+            <a:ext cx="2548567" cy="2246769"/>
+          </a:xfrm>
+          <a:prstGeom prst="rect">
+            <a:avLst/>
+          </a:prstGeom>
+          <a:noFill/>
+        </p:spPr>
+        <p:txBody>
+          <a:bodyPr wrap="square" rtlCol="0">
+            <a:spAutoFit/>
+          </a:bodyPr>
+          <a:lstStyle/>
+          <a:p>
+            <a:r>
+              <a:rPr lang="es-AR" sz="2800" dirty="0">
+                <a:solidFill>
+                  <a:schemeClr val="tx1">
+                    <a:tint val="75000"/>
+                  </a:schemeClr>
+                </a:solidFill>
+              </a:rPr>
+              <a:t>Con el atributo selected se establece la opción por defecto.</a:t>
+            </a:r>
+          </a:p>
+        </p:txBody>
+      </p:sp>
+    </p:spTree>
+    <p:extLst>
+      <p:ext uri="{BB962C8B-B14F-4D97-AF65-F5344CB8AC3E}">
+        <p14:creationId xmlns:p14="http://schemas.microsoft.com/office/powerpoint/2010/main" val="1019650637"/>
+      </p:ext>
+    </p:extLst>
+  </p:cSld>
+  <p:clrMapOvr>
+    <a:masterClrMapping/>
+  </p:clrMapOvr>
+</p:sld>
+</file>
+
+<file path=ppt/slides/slide26.xml><?xml version="1.0" encoding="utf-8"?>
+<p:sld xmlns:a="http://schemas.openxmlformats.org/drawingml/2006/main" xmlns:r="http://schemas.openxmlformats.org/officeDocument/2006/relationships" xmlns:p="http://schemas.openxmlformats.org/presentationml/2006/main">
+  <p:cSld>
+    <p:spTree>
+      <p:nvGrpSpPr>
+        <p:cNvPr id="1" name=""/>
+        <p:cNvGrpSpPr/>
+        <p:nvPr/>
+      </p:nvGrpSpPr>
+      <p:grpSpPr>
+        <a:xfrm>
+          <a:off x="0" y="0"/>
+          <a:ext cx="0" cy="0"/>
+          <a:chOff x="0" y="0"/>
+          <a:chExt cx="0" cy="0"/>
+        </a:xfrm>
+      </p:grpSpPr>
+      <p:sp>
+        <p:nvSpPr>
+          <p:cNvPr id="2" name="CuadroTexto 1">
+            <a:extLst>
+              <a:ext uri="{FF2B5EF4-FFF2-40B4-BE49-F238E27FC236}">
+                <a16:creationId xmlns:a16="http://schemas.microsoft.com/office/drawing/2014/main" id="{50B73ACA-4588-480B-AB7D-F14E74756263}"/>
+              </a:ext>
+            </a:extLst>
+          </p:cNvPr>
+          <p:cNvSpPr txBox="1"/>
+          <p:nvPr/>
+        </p:nvSpPr>
+        <p:spPr>
+          <a:xfrm>
+            <a:off x="0" y="0"/>
+            <a:ext cx="12192000" cy="1415772"/>
+          </a:xfrm>
+          <a:prstGeom prst="rect">
+            <a:avLst/>
+          </a:prstGeom>
+          <a:noFill/>
+        </p:spPr>
+        <p:txBody>
+          <a:bodyPr wrap="square" rtlCol="0">
+            <a:spAutoFit/>
+          </a:bodyPr>
+          <a:lstStyle/>
+          <a:p>
+            <a:pPr algn="ctr"/>
+            <a:r>
+              <a:rPr lang="es-AR" sz="4000" u="sng" dirty="0">
+                <a:solidFill>
+                  <a:schemeClr val="tx1">
+                    <a:lumMod val="65000"/>
+                    <a:lumOff val="35000"/>
+                  </a:schemeClr>
+                </a:solidFill>
+                <a:latin typeface="+mj-lt"/>
+                <a:ea typeface="+mj-ea"/>
+                <a:cs typeface="+mj-cs"/>
+              </a:rPr>
+              <a:t>Etiqueta datalist</a:t>
+            </a:r>
+          </a:p>
+          <a:p>
+            <a:endParaRPr lang="es-AR" dirty="0"/>
+          </a:p>
+          <a:p>
+            <a:r>
+              <a:rPr lang="es-AR" sz="2800" dirty="0">
+                <a:solidFill>
+                  <a:schemeClr val="tx1">
+                    <a:tint val="75000"/>
+                  </a:schemeClr>
+                </a:solidFill>
+              </a:rPr>
+              <a:t>Datalist sugiere una lista, pero el usuario puede ingresar otra cosa</a:t>
+            </a:r>
+            <a:r>
+              <a:rPr lang="es-AR" dirty="0"/>
+              <a:t>.</a:t>
+            </a:r>
+          </a:p>
+        </p:txBody>
+      </p:sp>
+      <p:pic>
+        <p:nvPicPr>
+          <p:cNvPr id="3" name="Imagen 2">
+            <a:extLst>
+              <a:ext uri="{FF2B5EF4-FFF2-40B4-BE49-F238E27FC236}">
+                <a16:creationId xmlns:a16="http://schemas.microsoft.com/office/drawing/2014/main" id="{4D62EDCB-311F-4F33-A2D1-4C417074AF59}"/>
+              </a:ext>
+            </a:extLst>
+          </p:cNvPr>
+          <p:cNvPicPr>
+            <a:picLocks noChangeAspect="1"/>
+          </p:cNvPicPr>
+          <p:nvPr/>
+        </p:nvPicPr>
+        <p:blipFill>
+          <a:blip r:embed="rId2"/>
+          <a:stretch>
+            <a:fillRect/>
+          </a:stretch>
+        </p:blipFill>
+        <p:spPr>
+          <a:xfrm>
+            <a:off x="965200" y="1887537"/>
+            <a:ext cx="4889500" cy="2074863"/>
+          </a:xfrm>
+          <a:prstGeom prst="rect">
+            <a:avLst/>
+          </a:prstGeom>
+        </p:spPr>
+      </p:pic>
+      <p:pic>
+        <p:nvPicPr>
+          <p:cNvPr id="4" name="Imagen 3">
+            <a:extLst>
+              <a:ext uri="{FF2B5EF4-FFF2-40B4-BE49-F238E27FC236}">
+                <a16:creationId xmlns:a16="http://schemas.microsoft.com/office/drawing/2014/main" id="{E659D6FD-2581-48BA-BAE6-70ABA953D475}"/>
+              </a:ext>
+            </a:extLst>
+          </p:cNvPr>
+          <p:cNvPicPr>
+            <a:picLocks noChangeAspect="1"/>
+          </p:cNvPicPr>
+          <p:nvPr/>
+        </p:nvPicPr>
+        <p:blipFill>
+          <a:blip r:embed="rId3"/>
+          <a:stretch>
+            <a:fillRect/>
+          </a:stretch>
+        </p:blipFill>
+        <p:spPr>
+          <a:xfrm>
+            <a:off x="7429500" y="1887537"/>
+            <a:ext cx="2270125" cy="1947863"/>
+          </a:xfrm>
+          <a:prstGeom prst="rect">
+            <a:avLst/>
+          </a:prstGeom>
+        </p:spPr>
+      </p:pic>
+      <p:sp>
+        <p:nvSpPr>
+          <p:cNvPr id="5" name="CuadroTexto 4">
+            <a:extLst>
+              <a:ext uri="{FF2B5EF4-FFF2-40B4-BE49-F238E27FC236}">
+                <a16:creationId xmlns:a16="http://schemas.microsoft.com/office/drawing/2014/main" id="{D1660645-60B1-45D1-8284-80290A42C3D9}"/>
+              </a:ext>
+            </a:extLst>
+          </p:cNvPr>
+          <p:cNvSpPr txBox="1"/>
+          <p:nvPr/>
+        </p:nvSpPr>
+        <p:spPr>
+          <a:xfrm>
+            <a:off x="127000" y="4521200"/>
+            <a:ext cx="12065000" cy="1384995"/>
+          </a:xfrm>
+          <a:prstGeom prst="rect">
+            <a:avLst/>
+          </a:prstGeom>
+          <a:noFill/>
+        </p:spPr>
+        <p:txBody>
+          <a:bodyPr wrap="square" rtlCol="0">
+            <a:spAutoFit/>
+          </a:bodyPr>
+          <a:lstStyle/>
+          <a:p>
+            <a:r>
+              <a:rPr lang="es-AR" sz="2800" dirty="0">
+                <a:solidFill>
+                  <a:schemeClr val="tx1">
+                    <a:tint val="75000"/>
+                  </a:schemeClr>
+                </a:solidFill>
+              </a:rPr>
+              <a:t>Primero hay que escribir un </a:t>
+            </a:r>
+            <a:r>
+              <a:rPr lang="es-AR" sz="2800" dirty="0">
+                <a:solidFill>
+                  <a:schemeClr val="tx1">
+                    <a:lumMod val="75000"/>
+                    <a:lumOff val="25000"/>
+                  </a:schemeClr>
+                </a:solidFill>
+              </a:rPr>
+              <a:t>input</a:t>
+            </a:r>
+            <a:r>
+              <a:rPr lang="es-AR" sz="2800" dirty="0">
+                <a:solidFill>
+                  <a:schemeClr val="tx1">
+                    <a:tint val="75000"/>
+                  </a:schemeClr>
+                </a:solidFill>
+              </a:rPr>
+              <a:t> y en la propiedad </a:t>
+            </a:r>
+            <a:r>
+              <a:rPr lang="es-AR" sz="2800" dirty="0">
+                <a:solidFill>
+                  <a:schemeClr val="tx1">
+                    <a:lumMod val="75000"/>
+                    <a:lumOff val="25000"/>
+                  </a:schemeClr>
+                </a:solidFill>
+              </a:rPr>
+              <a:t>list</a:t>
+            </a:r>
+            <a:r>
+              <a:rPr lang="es-AR" sz="2800" dirty="0">
+                <a:solidFill>
+                  <a:schemeClr val="tx1">
+                    <a:tint val="75000"/>
+                  </a:schemeClr>
+                </a:solidFill>
+              </a:rPr>
+              <a:t> se escribe el </a:t>
+            </a:r>
+            <a:r>
+              <a:rPr lang="es-AR" sz="2800" dirty="0">
+                <a:solidFill>
+                  <a:schemeClr val="tx1">
+                    <a:lumMod val="75000"/>
+                    <a:lumOff val="25000"/>
+                  </a:schemeClr>
+                </a:solidFill>
+              </a:rPr>
+              <a:t>id</a:t>
+            </a:r>
+            <a:r>
+              <a:rPr lang="es-AR" sz="2800" dirty="0">
+                <a:solidFill>
+                  <a:schemeClr val="tx1">
+                    <a:tint val="75000"/>
+                  </a:schemeClr>
+                </a:solidFill>
+              </a:rPr>
+              <a:t> del </a:t>
+            </a:r>
+            <a:r>
+              <a:rPr lang="es-AR" sz="2800" dirty="0">
+                <a:solidFill>
+                  <a:schemeClr val="tx1">
+                    <a:lumMod val="75000"/>
+                    <a:lumOff val="25000"/>
+                  </a:schemeClr>
+                </a:solidFill>
+              </a:rPr>
+              <a:t>datalist</a:t>
+            </a:r>
+            <a:r>
+              <a:rPr lang="es-AR" sz="2800" dirty="0">
+                <a:solidFill>
+                  <a:schemeClr val="tx1">
+                    <a:tint val="75000"/>
+                  </a:schemeClr>
+                </a:solidFill>
+              </a:rPr>
+              <a:t>. Los </a:t>
+            </a:r>
+            <a:r>
+              <a:rPr lang="es-AR" sz="2800" dirty="0">
+                <a:solidFill>
+                  <a:schemeClr val="tx1">
+                    <a:lumMod val="75000"/>
+                    <a:lumOff val="25000"/>
+                  </a:schemeClr>
+                </a:solidFill>
+              </a:rPr>
+              <a:t>option</a:t>
+            </a:r>
+            <a:r>
+              <a:rPr lang="es-AR" sz="2800" dirty="0">
+                <a:solidFill>
+                  <a:schemeClr val="tx1">
+                    <a:tint val="75000"/>
+                  </a:schemeClr>
+                </a:solidFill>
+              </a:rPr>
+              <a:t> son diferentes que los de select, no tienen etiqueta de cierre y lo escrito en la propiedad </a:t>
+            </a:r>
+            <a:r>
+              <a:rPr lang="es-AR" sz="2800" dirty="0">
+                <a:solidFill>
+                  <a:schemeClr val="tx1">
+                    <a:lumMod val="75000"/>
+                    <a:lumOff val="25000"/>
+                  </a:schemeClr>
+                </a:solidFill>
+              </a:rPr>
+              <a:t>value</a:t>
+            </a:r>
+            <a:r>
+              <a:rPr lang="es-AR" sz="2800" dirty="0">
+                <a:solidFill>
+                  <a:schemeClr val="tx1">
+                    <a:tint val="75000"/>
+                  </a:schemeClr>
+                </a:solidFill>
+              </a:rPr>
+              <a:t> es lo que se muestra en la página.</a:t>
+            </a:r>
+          </a:p>
+        </p:txBody>
+      </p:sp>
+    </p:spTree>
+    <p:extLst>
+      <p:ext uri="{BB962C8B-B14F-4D97-AF65-F5344CB8AC3E}">
+        <p14:creationId xmlns:p14="http://schemas.microsoft.com/office/powerpoint/2010/main" val="1231188797"/>
+      </p:ext>
+    </p:extLst>
+  </p:cSld>
+  <p:clrMapOvr>
+    <a:masterClrMapping/>
+  </p:clrMapOvr>
+</p:sld>
+</file>
+
+<file path=ppt/slides/slide27.xml><?xml version="1.0" encoding="utf-8"?>
+<p:sld xmlns:a="http://schemas.openxmlformats.org/drawingml/2006/main" xmlns:r="http://schemas.openxmlformats.org/officeDocument/2006/relationships" xmlns:p="http://schemas.openxmlformats.org/presentationml/2006/main">
+  <p:cSld>
+    <p:spTree>
+      <p:nvGrpSpPr>
+        <p:cNvPr id="1" name=""/>
+        <p:cNvGrpSpPr/>
+        <p:nvPr/>
+      </p:nvGrpSpPr>
+      <p:grpSpPr>
+        <a:xfrm>
+          <a:off x="0" y="0"/>
+          <a:ext cx="0" cy="0"/>
+          <a:chOff x="0" y="0"/>
+          <a:chExt cx="0" cy="0"/>
+        </a:xfrm>
+      </p:grpSpPr>
+      <p:sp>
+        <p:nvSpPr>
+          <p:cNvPr id="2" name="CuadroTexto 1">
+            <a:extLst>
+              <a:ext uri="{FF2B5EF4-FFF2-40B4-BE49-F238E27FC236}">
+                <a16:creationId xmlns:a16="http://schemas.microsoft.com/office/drawing/2014/main" id="{FF30E642-63CC-40AA-B6A8-7640DD1BB620}"/>
+              </a:ext>
+            </a:extLst>
+          </p:cNvPr>
+          <p:cNvSpPr txBox="1"/>
+          <p:nvPr/>
+        </p:nvSpPr>
+        <p:spPr>
+          <a:xfrm>
+            <a:off x="0" y="0"/>
+            <a:ext cx="12192000" cy="1877437"/>
+          </a:xfrm>
+          <a:prstGeom prst="rect">
+            <a:avLst/>
+          </a:prstGeom>
+          <a:noFill/>
+        </p:spPr>
+        <p:txBody>
+          <a:bodyPr wrap="square" rtlCol="0">
+            <a:spAutoFit/>
+          </a:bodyPr>
+          <a:lstStyle/>
+          <a:p>
+            <a:pPr algn="ctr"/>
+            <a:r>
+              <a:rPr lang="es-AR" sz="4000" u="sng" dirty="0">
+                <a:solidFill>
+                  <a:schemeClr val="tx1">
+                    <a:lumMod val="65000"/>
+                    <a:lumOff val="35000"/>
+                  </a:schemeClr>
+                </a:solidFill>
+                <a:latin typeface="+mj-lt"/>
+                <a:ea typeface="+mj-ea"/>
+                <a:cs typeface="+mj-cs"/>
+              </a:rPr>
+              <a:t>Archivos Adjuntos</a:t>
+            </a:r>
+          </a:p>
+          <a:p>
+            <a:pPr algn="ctr"/>
+            <a:endParaRPr lang="es-AR" sz="2000" u="sng" dirty="0">
+              <a:solidFill>
+                <a:schemeClr val="tx1">
+                  <a:lumMod val="65000"/>
+                  <a:lumOff val="35000"/>
+                </a:schemeClr>
+              </a:solidFill>
+              <a:latin typeface="+mj-lt"/>
+              <a:ea typeface="+mj-ea"/>
+              <a:cs typeface="+mj-cs"/>
+            </a:endParaRPr>
+          </a:p>
+          <a:p>
+            <a:r>
+              <a:rPr lang="es-AR" sz="2800" dirty="0">
+                <a:solidFill>
+                  <a:schemeClr val="tx1">
+                    <a:tint val="75000"/>
+                  </a:schemeClr>
+                </a:solidFill>
+              </a:rPr>
+              <a:t>Para poder enviar un archivo la propiedad </a:t>
+            </a:r>
+            <a:r>
+              <a:rPr lang="es-AR" sz="2800" dirty="0">
+                <a:solidFill>
+                  <a:schemeClr val="tx1">
+                    <a:lumMod val="75000"/>
+                    <a:lumOff val="25000"/>
+                  </a:schemeClr>
+                </a:solidFill>
+              </a:rPr>
+              <a:t>method</a:t>
+            </a:r>
+            <a:r>
+              <a:rPr lang="es-AR" sz="2800" dirty="0">
+                <a:solidFill>
+                  <a:schemeClr val="tx1">
+                    <a:tint val="75000"/>
+                  </a:schemeClr>
+                </a:solidFill>
+              </a:rPr>
+              <a:t> tiene que tener el valor </a:t>
+            </a:r>
+            <a:r>
+              <a:rPr lang="es-AR" sz="2800" dirty="0">
+                <a:solidFill>
+                  <a:schemeClr val="tx1">
+                    <a:lumMod val="75000"/>
+                    <a:lumOff val="25000"/>
+                  </a:schemeClr>
+                </a:solidFill>
+              </a:rPr>
+              <a:t>post</a:t>
+            </a:r>
+            <a:r>
+              <a:rPr lang="es-AR" sz="2800" dirty="0">
+                <a:solidFill>
+                  <a:schemeClr val="tx1">
+                    <a:tint val="75000"/>
+                  </a:schemeClr>
+                </a:solidFill>
+              </a:rPr>
+              <a:t>, y tiene que estar presente el atributo </a:t>
+            </a:r>
+            <a:r>
+              <a:rPr lang="es-AR" sz="2800" dirty="0">
+                <a:solidFill>
+                  <a:schemeClr val="tx1">
+                    <a:lumMod val="75000"/>
+                    <a:lumOff val="25000"/>
+                  </a:schemeClr>
+                </a:solidFill>
+              </a:rPr>
+              <a:t>enctype</a:t>
+            </a:r>
+            <a:r>
+              <a:rPr lang="es-AR" sz="2800" dirty="0">
+                <a:solidFill>
+                  <a:schemeClr val="tx1">
+                    <a:tint val="75000"/>
+                  </a:schemeClr>
+                </a:solidFill>
+              </a:rPr>
+              <a:t>  con el valor </a:t>
+            </a:r>
+            <a:r>
+              <a:rPr lang="es-AR" sz="2800" dirty="0">
+                <a:solidFill>
+                  <a:schemeClr val="tx1">
+                    <a:lumMod val="75000"/>
+                    <a:lumOff val="25000"/>
+                  </a:schemeClr>
+                </a:solidFill>
+              </a:rPr>
+              <a:t>multipart/form-data</a:t>
+            </a:r>
+            <a:r>
+              <a:rPr lang="es-AR" sz="2800" dirty="0">
+                <a:solidFill>
+                  <a:schemeClr val="tx1">
+                    <a:tint val="75000"/>
+                  </a:schemeClr>
+                </a:solidFill>
+              </a:rPr>
+              <a:t>. </a:t>
+            </a:r>
+          </a:p>
+        </p:txBody>
+      </p:sp>
+      <p:pic>
+        <p:nvPicPr>
+          <p:cNvPr id="3" name="Imagen 2">
+            <a:extLst>
+              <a:ext uri="{FF2B5EF4-FFF2-40B4-BE49-F238E27FC236}">
+                <a16:creationId xmlns:a16="http://schemas.microsoft.com/office/drawing/2014/main" id="{E6D999B3-DBE0-4ED5-AEFA-799579D09D79}"/>
+              </a:ext>
+            </a:extLst>
+          </p:cNvPr>
+          <p:cNvPicPr>
+            <a:picLocks noChangeAspect="1"/>
+          </p:cNvPicPr>
+          <p:nvPr/>
+        </p:nvPicPr>
+        <p:blipFill>
+          <a:blip r:embed="rId2"/>
+          <a:stretch>
+            <a:fillRect/>
+          </a:stretch>
+        </p:blipFill>
+        <p:spPr>
+          <a:xfrm>
+            <a:off x="168955" y="2161040"/>
+            <a:ext cx="7436531" cy="2106160"/>
+          </a:xfrm>
+          <a:prstGeom prst="rect">
+            <a:avLst/>
+          </a:prstGeom>
+        </p:spPr>
+      </p:pic>
+      <p:pic>
+        <p:nvPicPr>
+          <p:cNvPr id="6" name="Imagen 5">
+            <a:extLst>
+              <a:ext uri="{FF2B5EF4-FFF2-40B4-BE49-F238E27FC236}">
+                <a16:creationId xmlns:a16="http://schemas.microsoft.com/office/drawing/2014/main" id="{34BC7B71-A726-4D94-A3DF-FC6D81E409CD}"/>
+              </a:ext>
+            </a:extLst>
+          </p:cNvPr>
+          <p:cNvPicPr>
+            <a:picLocks noChangeAspect="1"/>
+          </p:cNvPicPr>
+          <p:nvPr/>
+        </p:nvPicPr>
+        <p:blipFill>
+          <a:blip r:embed="rId3"/>
+          <a:stretch>
+            <a:fillRect/>
+          </a:stretch>
+        </p:blipFill>
+        <p:spPr>
+          <a:xfrm>
+            <a:off x="8015459" y="2161040"/>
+            <a:ext cx="3761572" cy="1066902"/>
+          </a:xfrm>
+          <a:prstGeom prst="rect">
+            <a:avLst/>
+          </a:prstGeom>
+        </p:spPr>
+      </p:pic>
+      <p:pic>
+        <p:nvPicPr>
+          <p:cNvPr id="7" name="Imagen 6">
+            <a:extLst>
+              <a:ext uri="{FF2B5EF4-FFF2-40B4-BE49-F238E27FC236}">
+                <a16:creationId xmlns:a16="http://schemas.microsoft.com/office/drawing/2014/main" id="{A0E89E14-9EEC-4443-8D88-BDFDE816B31E}"/>
+              </a:ext>
+            </a:extLst>
+          </p:cNvPr>
+          <p:cNvPicPr>
+            <a:picLocks noChangeAspect="1"/>
+          </p:cNvPicPr>
+          <p:nvPr/>
+        </p:nvPicPr>
+        <p:blipFill>
+          <a:blip r:embed="rId4"/>
+          <a:stretch>
+            <a:fillRect/>
+          </a:stretch>
+        </p:blipFill>
+        <p:spPr>
+          <a:xfrm>
+            <a:off x="8015459" y="2974555"/>
+            <a:ext cx="4007586" cy="1311008"/>
+          </a:xfrm>
+          <a:prstGeom prst="rect">
+            <a:avLst/>
+          </a:prstGeom>
+        </p:spPr>
+      </p:pic>
+      <p:sp>
+        <p:nvSpPr>
+          <p:cNvPr id="8" name="CuadroTexto 7">
+            <a:extLst>
+              <a:ext uri="{FF2B5EF4-FFF2-40B4-BE49-F238E27FC236}">
+                <a16:creationId xmlns:a16="http://schemas.microsoft.com/office/drawing/2014/main" id="{1D3F2A7E-7CA0-462C-BDDB-68923900C37D}"/>
+              </a:ext>
+            </a:extLst>
+          </p:cNvPr>
+          <p:cNvSpPr txBox="1"/>
+          <p:nvPr/>
+        </p:nvSpPr>
+        <p:spPr>
+          <a:xfrm>
+            <a:off x="168955" y="4804295"/>
+            <a:ext cx="12023045" cy="954107"/>
+          </a:xfrm>
+          <a:prstGeom prst="rect">
+            <a:avLst/>
+          </a:prstGeom>
+          <a:noFill/>
+        </p:spPr>
+        <p:txBody>
+          <a:bodyPr wrap="square" rtlCol="0">
+            <a:spAutoFit/>
+          </a:bodyPr>
+          <a:lstStyle/>
+          <a:p>
+            <a:r>
+              <a:rPr lang="es-AR" sz="2800" dirty="0">
+                <a:solidFill>
+                  <a:schemeClr val="tx1">
+                    <a:tint val="75000"/>
+                  </a:schemeClr>
+                </a:solidFill>
+              </a:rPr>
+              <a:t>Se presiona el botón de seleccionar archivo y se abre una ventana de selección de archivos.  Luego se muestra el nombre del archivo seleccionado.</a:t>
+            </a:r>
+          </a:p>
+        </p:txBody>
+      </p:sp>
+    </p:spTree>
+    <p:extLst>
+      <p:ext uri="{BB962C8B-B14F-4D97-AF65-F5344CB8AC3E}">
+        <p14:creationId xmlns:p14="http://schemas.microsoft.com/office/powerpoint/2010/main" val="2211983053"/>
+      </p:ext>
+    </p:extLst>
+  </p:cSld>
+  <p:clrMapOvr>
+    <a:masterClrMapping/>
+  </p:clrMapOvr>
+</p:sld>
+</file>
+
+<file path=ppt/slides/slide28.xml><?xml version="1.0" encoding="utf-8"?>
+<p:sld xmlns:a="http://schemas.openxmlformats.org/drawingml/2006/main" xmlns:r="http://schemas.openxmlformats.org/officeDocument/2006/relationships" xmlns:p="http://schemas.openxmlformats.org/presentationml/2006/main">
+  <p:cSld>
+    <p:spTree>
+      <p:nvGrpSpPr>
+        <p:cNvPr id="1" name=""/>
+        <p:cNvGrpSpPr/>
+        <p:nvPr/>
+      </p:nvGrpSpPr>
+      <p:grpSpPr>
+        <a:xfrm>
+          <a:off x="0" y="0"/>
+          <a:ext cx="0" cy="0"/>
+          <a:chOff x="0" y="0"/>
+          <a:chExt cx="0" cy="0"/>
+        </a:xfrm>
+      </p:grpSpPr>
+      <p:sp>
+        <p:nvSpPr>
+          <p:cNvPr id="2" name="CuadroTexto 1">
+            <a:extLst>
+              <a:ext uri="{FF2B5EF4-FFF2-40B4-BE49-F238E27FC236}">
+                <a16:creationId xmlns:a16="http://schemas.microsoft.com/office/drawing/2014/main" id="{A86C4252-4D64-488F-8507-AA6B4402B882}"/>
+              </a:ext>
+            </a:extLst>
+          </p:cNvPr>
+          <p:cNvSpPr txBox="1"/>
+          <p:nvPr/>
+        </p:nvSpPr>
+        <p:spPr>
+          <a:xfrm>
+            <a:off x="112734" y="162838"/>
+            <a:ext cx="11912252" cy="1754326"/>
+          </a:xfrm>
+          <a:prstGeom prst="rect">
+            <a:avLst/>
+          </a:prstGeom>
+          <a:noFill/>
+        </p:spPr>
+        <p:txBody>
+          <a:bodyPr wrap="square" rtlCol="0">
+            <a:spAutoFit/>
+          </a:bodyPr>
+          <a:lstStyle/>
+          <a:p>
+            <a:pPr algn="ctr"/>
+            <a:r>
+              <a:rPr lang="es-AR" sz="4000" u="sng" dirty="0">
+                <a:solidFill>
+                  <a:schemeClr val="tx1">
+                    <a:lumMod val="65000"/>
+                    <a:lumOff val="35000"/>
+                  </a:schemeClr>
+                </a:solidFill>
+                <a:latin typeface="+mj-lt"/>
+                <a:ea typeface="+mj-ea"/>
+                <a:cs typeface="+mj-cs"/>
+              </a:rPr>
+              <a:t>Campos Ocultos</a:t>
+            </a:r>
+          </a:p>
+          <a:p>
+            <a:endParaRPr lang="es-AR" sz="1200" dirty="0"/>
+          </a:p>
+          <a:p>
+            <a:r>
+              <a:rPr lang="es-AR" sz="2800" dirty="0">
+                <a:solidFill>
+                  <a:schemeClr val="tx1">
+                    <a:tint val="75000"/>
+                  </a:schemeClr>
+                </a:solidFill>
+              </a:rPr>
+              <a:t>Se utilizan para enviar información que al servidor, que el usuario no necesita conocer</a:t>
+            </a:r>
+            <a:r>
+              <a:rPr lang="es-AR" dirty="0"/>
+              <a:t>.</a:t>
+            </a:r>
+          </a:p>
+        </p:txBody>
+      </p:sp>
+      <p:pic>
+        <p:nvPicPr>
+          <p:cNvPr id="3" name="Imagen 2">
+            <a:extLst>
+              <a:ext uri="{FF2B5EF4-FFF2-40B4-BE49-F238E27FC236}">
+                <a16:creationId xmlns:a16="http://schemas.microsoft.com/office/drawing/2014/main" id="{E2C57DAE-1F2D-4E86-9FBF-00406638DC56}"/>
+              </a:ext>
+            </a:extLst>
+          </p:cNvPr>
+          <p:cNvPicPr>
+            <a:picLocks noChangeAspect="1"/>
+          </p:cNvPicPr>
+          <p:nvPr/>
+        </p:nvPicPr>
+        <p:blipFill>
+          <a:blip r:embed="rId2"/>
+          <a:stretch>
+            <a:fillRect/>
+          </a:stretch>
+        </p:blipFill>
+        <p:spPr>
+          <a:xfrm>
+            <a:off x="1653435" y="2017372"/>
+            <a:ext cx="7791189" cy="584519"/>
+          </a:xfrm>
+          <a:prstGeom prst="rect">
+            <a:avLst/>
+          </a:prstGeom>
+        </p:spPr>
+      </p:pic>
+      <p:sp>
+        <p:nvSpPr>
+          <p:cNvPr id="4" name="CuadroTexto 3">
+            <a:extLst>
+              <a:ext uri="{FF2B5EF4-FFF2-40B4-BE49-F238E27FC236}">
+                <a16:creationId xmlns:a16="http://schemas.microsoft.com/office/drawing/2014/main" id="{0AF0346D-B033-41FA-9BCD-D17E67D273DC}"/>
+              </a:ext>
+            </a:extLst>
+          </p:cNvPr>
+          <p:cNvSpPr txBox="1"/>
+          <p:nvPr/>
+        </p:nvSpPr>
+        <p:spPr>
+          <a:xfrm>
+            <a:off x="112734" y="3059668"/>
+            <a:ext cx="7373916" cy="1738938"/>
+          </a:xfrm>
+          <a:prstGeom prst="rect">
+            <a:avLst/>
+          </a:prstGeom>
+          <a:noFill/>
+        </p:spPr>
+        <p:txBody>
+          <a:bodyPr wrap="square" rtlCol="0">
+            <a:spAutoFit/>
+          </a:bodyPr>
+          <a:lstStyle/>
+          <a:p>
+            <a:pPr algn="ctr"/>
+            <a:r>
+              <a:rPr lang="es-AR" sz="4000" u="sng" dirty="0">
+                <a:solidFill>
+                  <a:schemeClr val="tx1">
+                    <a:lumMod val="65000"/>
+                    <a:lumOff val="35000"/>
+                  </a:schemeClr>
+                </a:solidFill>
+                <a:latin typeface="+mj-lt"/>
+                <a:ea typeface="+mj-ea"/>
+                <a:cs typeface="+mj-cs"/>
+              </a:rPr>
+              <a:t>Campo Color</a:t>
+            </a:r>
+          </a:p>
+          <a:p>
+            <a:pPr algn="ctr"/>
+            <a:endParaRPr lang="es-AR" sz="1100" u="sng" dirty="0">
+              <a:solidFill>
+                <a:schemeClr val="tx1">
+                  <a:lumMod val="65000"/>
+                  <a:lumOff val="35000"/>
+                </a:schemeClr>
+              </a:solidFill>
+              <a:latin typeface="+mj-lt"/>
+              <a:ea typeface="+mj-ea"/>
+              <a:cs typeface="+mj-cs"/>
+            </a:endParaRPr>
+          </a:p>
+          <a:p>
+            <a:r>
+              <a:rPr lang="es-AR" sz="2800" dirty="0">
+                <a:solidFill>
+                  <a:schemeClr val="tx1">
+                    <a:tint val="75000"/>
+                  </a:schemeClr>
+                </a:solidFill>
+              </a:rPr>
+              <a:t>Permite elegir el color desde un cuadro de dialogo. </a:t>
+            </a:r>
+          </a:p>
+        </p:txBody>
+      </p:sp>
+      <p:pic>
+        <p:nvPicPr>
+          <p:cNvPr id="5" name="Imagen 4">
+            <a:extLst>
+              <a:ext uri="{FF2B5EF4-FFF2-40B4-BE49-F238E27FC236}">
+                <a16:creationId xmlns:a16="http://schemas.microsoft.com/office/drawing/2014/main" id="{01554DCB-C832-494E-A7AF-57B51C203503}"/>
+              </a:ext>
+            </a:extLst>
+          </p:cNvPr>
+          <p:cNvPicPr>
+            <a:picLocks noChangeAspect="1"/>
+          </p:cNvPicPr>
+          <p:nvPr/>
+        </p:nvPicPr>
+        <p:blipFill>
+          <a:blip r:embed="rId3"/>
+          <a:stretch>
+            <a:fillRect/>
+          </a:stretch>
+        </p:blipFill>
+        <p:spPr>
+          <a:xfrm>
+            <a:off x="329786" y="5256383"/>
+            <a:ext cx="4405052" cy="751718"/>
+          </a:xfrm>
+          <a:prstGeom prst="rect">
+            <a:avLst/>
+          </a:prstGeom>
+        </p:spPr>
+      </p:pic>
+      <p:pic>
+        <p:nvPicPr>
+          <p:cNvPr id="6" name="Imagen 5">
+            <a:extLst>
+              <a:ext uri="{FF2B5EF4-FFF2-40B4-BE49-F238E27FC236}">
+                <a16:creationId xmlns:a16="http://schemas.microsoft.com/office/drawing/2014/main" id="{9A6ECF93-7DA1-4614-BBAA-0B4F74014419}"/>
+              </a:ext>
+            </a:extLst>
+          </p:cNvPr>
+          <p:cNvPicPr>
+            <a:picLocks noChangeAspect="1"/>
+          </p:cNvPicPr>
+          <p:nvPr/>
+        </p:nvPicPr>
+        <p:blipFill>
+          <a:blip r:embed="rId4"/>
+          <a:stretch>
+            <a:fillRect/>
+          </a:stretch>
+        </p:blipFill>
+        <p:spPr>
+          <a:xfrm>
+            <a:off x="5359182" y="4976259"/>
+            <a:ext cx="1503124" cy="1164921"/>
+          </a:xfrm>
+          <a:prstGeom prst="rect">
+            <a:avLst/>
+          </a:prstGeom>
+        </p:spPr>
+      </p:pic>
+      <p:pic>
+        <p:nvPicPr>
+          <p:cNvPr id="7" name="Imagen 6">
+            <a:extLst>
+              <a:ext uri="{FF2B5EF4-FFF2-40B4-BE49-F238E27FC236}">
+                <a16:creationId xmlns:a16="http://schemas.microsoft.com/office/drawing/2014/main" id="{5A7D5945-62BA-4F63-B24A-6B4D5CD95F5F}"/>
+              </a:ext>
+            </a:extLst>
+          </p:cNvPr>
+          <p:cNvPicPr>
+            <a:picLocks noChangeAspect="1"/>
+          </p:cNvPicPr>
+          <p:nvPr/>
+        </p:nvPicPr>
+        <p:blipFill>
+          <a:blip r:embed="rId5"/>
+          <a:stretch>
+            <a:fillRect/>
+          </a:stretch>
+        </p:blipFill>
+        <p:spPr>
+          <a:xfrm>
+            <a:off x="7486650" y="3237587"/>
+            <a:ext cx="4705350" cy="3457575"/>
+          </a:xfrm>
+          <a:prstGeom prst="rect">
+            <a:avLst/>
+          </a:prstGeom>
+        </p:spPr>
+      </p:pic>
+    </p:spTree>
+    <p:extLst>
+      <p:ext uri="{BB962C8B-B14F-4D97-AF65-F5344CB8AC3E}">
+        <p14:creationId xmlns:p14="http://schemas.microsoft.com/office/powerpoint/2010/main" val="1601809946"/>
+      </p:ext>
+    </p:extLst>
+  </p:cSld>
+  <p:clrMapOvr>
+    <a:masterClrMapping/>
+  </p:clrMapOvr>
+</p:sld>
+</file>
+
+<file path=ppt/slides/slide29.xml><?xml version="1.0" encoding="utf-8"?>
+<p:sld xmlns:a="http://schemas.openxmlformats.org/drawingml/2006/main" xmlns:r="http://schemas.openxmlformats.org/officeDocument/2006/relationships" xmlns:p="http://schemas.openxmlformats.org/presentationml/2006/main">
+  <p:cSld>
+    <p:spTree>
+      <p:nvGrpSpPr>
+        <p:cNvPr id="1" name=""/>
+        <p:cNvGrpSpPr/>
+        <p:nvPr/>
+      </p:nvGrpSpPr>
+      <p:grpSpPr>
+        <a:xfrm>
+          <a:off x="0" y="0"/>
+          <a:ext cx="0" cy="0"/>
+          <a:chOff x="0" y="0"/>
+          <a:chExt cx="0" cy="0"/>
+        </a:xfrm>
+      </p:grpSpPr>
+      <p:sp>
+        <p:nvSpPr>
+          <p:cNvPr id="2" name="CuadroTexto 1">
+            <a:extLst>
+              <a:ext uri="{FF2B5EF4-FFF2-40B4-BE49-F238E27FC236}">
+                <a16:creationId xmlns:a16="http://schemas.microsoft.com/office/drawing/2014/main" id="{9F0F4075-124C-4C55-B396-CA37A2F96E8B}"/>
+              </a:ext>
+            </a:extLst>
+          </p:cNvPr>
+          <p:cNvSpPr txBox="1"/>
+          <p:nvPr/>
+        </p:nvSpPr>
+        <p:spPr>
+          <a:xfrm>
+            <a:off x="0" y="131336"/>
+            <a:ext cx="12192000" cy="1354217"/>
+          </a:xfrm>
+          <a:prstGeom prst="rect">
+            <a:avLst/>
+          </a:prstGeom>
+          <a:noFill/>
+        </p:spPr>
+        <p:txBody>
+          <a:bodyPr wrap="square" rtlCol="0">
+            <a:spAutoFit/>
+          </a:bodyPr>
+          <a:lstStyle/>
+          <a:p>
+            <a:pPr algn="ctr"/>
+            <a:r>
+              <a:rPr lang="es-AR" sz="4000" u="sng" dirty="0">
+                <a:solidFill>
+                  <a:schemeClr val="tx1">
+                    <a:lumMod val="65000"/>
+                    <a:lumOff val="35000"/>
+                  </a:schemeClr>
+                </a:solidFill>
+                <a:latin typeface="+mj-lt"/>
+                <a:ea typeface="+mj-ea"/>
+                <a:cs typeface="+mj-cs"/>
+              </a:rPr>
+              <a:t>Campo Fecha</a:t>
+            </a:r>
+          </a:p>
+          <a:p>
+            <a:pPr algn="ctr"/>
+            <a:endParaRPr lang="es-AR" sz="1400" u="sng" dirty="0">
+              <a:solidFill>
+                <a:schemeClr val="tx1">
+                  <a:lumMod val="65000"/>
+                  <a:lumOff val="35000"/>
+                </a:schemeClr>
+              </a:solidFill>
+              <a:latin typeface="+mj-lt"/>
+              <a:ea typeface="+mj-ea"/>
+              <a:cs typeface="+mj-cs"/>
+            </a:endParaRPr>
+          </a:p>
+          <a:p>
+            <a:r>
+              <a:rPr lang="es-AR" sz="2800" dirty="0">
+                <a:solidFill>
+                  <a:schemeClr val="tx1">
+                    <a:tint val="75000"/>
+                  </a:schemeClr>
+                </a:solidFill>
+              </a:rPr>
+              <a:t>Sirve para ingresar fecha y hora.</a:t>
+            </a:r>
+          </a:p>
+        </p:txBody>
+      </p:sp>
+      <p:pic>
+        <p:nvPicPr>
+          <p:cNvPr id="3" name="Imagen 2">
+            <a:extLst>
+              <a:ext uri="{FF2B5EF4-FFF2-40B4-BE49-F238E27FC236}">
+                <a16:creationId xmlns:a16="http://schemas.microsoft.com/office/drawing/2014/main" id="{E9EDCC03-3090-445D-B7C1-827853399A43}"/>
+              </a:ext>
+            </a:extLst>
+          </p:cNvPr>
+          <p:cNvPicPr>
+            <a:picLocks noChangeAspect="1"/>
+          </p:cNvPicPr>
+          <p:nvPr/>
+        </p:nvPicPr>
+        <p:blipFill>
+          <a:blip r:embed="rId2"/>
+          <a:stretch>
+            <a:fillRect/>
+          </a:stretch>
+        </p:blipFill>
+        <p:spPr>
+          <a:xfrm>
+            <a:off x="408987" y="2272665"/>
+            <a:ext cx="5052361" cy="647700"/>
+          </a:xfrm>
+          <a:prstGeom prst="rect">
+            <a:avLst/>
+          </a:prstGeom>
+        </p:spPr>
+      </p:pic>
+      <p:pic>
+        <p:nvPicPr>
+          <p:cNvPr id="4" name="Imagen 3">
+            <a:extLst>
+              <a:ext uri="{FF2B5EF4-FFF2-40B4-BE49-F238E27FC236}">
+                <a16:creationId xmlns:a16="http://schemas.microsoft.com/office/drawing/2014/main" id="{ABC35804-2036-4096-8C7C-5B42F027484E}"/>
+              </a:ext>
+            </a:extLst>
+          </p:cNvPr>
+          <p:cNvPicPr>
+            <a:picLocks noChangeAspect="1"/>
+          </p:cNvPicPr>
+          <p:nvPr/>
+        </p:nvPicPr>
+        <p:blipFill>
+          <a:blip r:embed="rId3"/>
+          <a:stretch>
+            <a:fillRect/>
+          </a:stretch>
+        </p:blipFill>
+        <p:spPr>
+          <a:xfrm>
+            <a:off x="7247022" y="1381686"/>
+            <a:ext cx="2257425" cy="2628900"/>
+          </a:xfrm>
+          <a:prstGeom prst="rect">
+            <a:avLst/>
+          </a:prstGeom>
+        </p:spPr>
+      </p:pic>
+      <p:pic>
+        <p:nvPicPr>
+          <p:cNvPr id="6" name="Imagen 5">
+            <a:extLst>
+              <a:ext uri="{FF2B5EF4-FFF2-40B4-BE49-F238E27FC236}">
+                <a16:creationId xmlns:a16="http://schemas.microsoft.com/office/drawing/2014/main" id="{F6E57AD8-B26B-42C7-8662-9D7A80CDDF29}"/>
+              </a:ext>
+            </a:extLst>
+          </p:cNvPr>
+          <p:cNvPicPr>
+            <a:picLocks noChangeAspect="1"/>
+          </p:cNvPicPr>
+          <p:nvPr/>
+        </p:nvPicPr>
+        <p:blipFill>
+          <a:blip r:embed="rId4"/>
+          <a:stretch>
+            <a:fillRect/>
+          </a:stretch>
+        </p:blipFill>
+        <p:spPr>
+          <a:xfrm>
+            <a:off x="7247022" y="4439461"/>
+            <a:ext cx="2972846" cy="1159104"/>
+          </a:xfrm>
+          <a:prstGeom prst="rect">
+            <a:avLst/>
+          </a:prstGeom>
+        </p:spPr>
+      </p:pic>
+      <p:pic>
+        <p:nvPicPr>
+          <p:cNvPr id="7" name="Imagen 6">
+            <a:extLst>
+              <a:ext uri="{FF2B5EF4-FFF2-40B4-BE49-F238E27FC236}">
+                <a16:creationId xmlns:a16="http://schemas.microsoft.com/office/drawing/2014/main" id="{D5DF974A-4A35-4750-819D-E08CA09BAAAD}"/>
+              </a:ext>
+            </a:extLst>
+          </p:cNvPr>
+          <p:cNvPicPr>
+            <a:picLocks noChangeAspect="1"/>
+          </p:cNvPicPr>
+          <p:nvPr/>
+        </p:nvPicPr>
+        <p:blipFill>
+          <a:blip r:embed="rId5"/>
+          <a:stretch>
+            <a:fillRect/>
+          </a:stretch>
+        </p:blipFill>
+        <p:spPr>
+          <a:xfrm>
+            <a:off x="408987" y="4464090"/>
+            <a:ext cx="5052361" cy="723900"/>
+          </a:xfrm>
+          <a:prstGeom prst="rect">
+            <a:avLst/>
+          </a:prstGeom>
+        </p:spPr>
+      </p:pic>
+      <p:sp>
+        <p:nvSpPr>
+          <p:cNvPr id="8" name="CuadroTexto 7">
+            <a:extLst>
+              <a:ext uri="{FF2B5EF4-FFF2-40B4-BE49-F238E27FC236}">
+                <a16:creationId xmlns:a16="http://schemas.microsoft.com/office/drawing/2014/main" id="{248A7E58-8B9F-4EA1-8DF9-362C32667D17}"/>
+              </a:ext>
+            </a:extLst>
+          </p:cNvPr>
+          <p:cNvSpPr txBox="1"/>
+          <p:nvPr/>
+        </p:nvSpPr>
+        <p:spPr>
+          <a:xfrm>
+            <a:off x="275572" y="5612663"/>
+            <a:ext cx="11323529" cy="523220"/>
+          </a:xfrm>
+          <a:prstGeom prst="rect">
+            <a:avLst/>
+          </a:prstGeom>
+          <a:noFill/>
+        </p:spPr>
+        <p:txBody>
+          <a:bodyPr wrap="square" rtlCol="0">
+            <a:spAutoFit/>
+          </a:bodyPr>
+          <a:lstStyle/>
+          <a:p>
+            <a:r>
+              <a:rPr lang="es-AR" sz="2800" dirty="0">
+                <a:solidFill>
+                  <a:schemeClr val="tx1">
+                    <a:tint val="75000"/>
+                  </a:schemeClr>
+                </a:solidFill>
+              </a:rPr>
+              <a:t>Permite ingresar la fecha y la hora existen además los tipos moth y week.</a:t>
+            </a:r>
+          </a:p>
+        </p:txBody>
+      </p:sp>
+    </p:spTree>
+    <p:extLst>
+      <p:ext uri="{BB962C8B-B14F-4D97-AF65-F5344CB8AC3E}">
+        <p14:creationId xmlns:p14="http://schemas.microsoft.com/office/powerpoint/2010/main" val="3385231511"/>
+      </p:ext>
+    </p:extLst>
+  </p:cSld>
+  <p:clrMapOvr>
+    <a:masterClrMapping/>
   </p:clrMapOvr>
 </p:sld>
 </file>
@@ -6667,6 +9491,538 @@
     <p:extLst>
       <p:ext uri="{BB962C8B-B14F-4D97-AF65-F5344CB8AC3E}">
         <p14:creationId xmlns:p14="http://schemas.microsoft.com/office/powerpoint/2010/main" val="3639746378"/>
+      </p:ext>
+    </p:extLst>
+  </p:cSld>
+  <p:clrMapOvr>
+    <a:masterClrMapping/>
+  </p:clrMapOvr>
+</p:sld>
+</file>
+
+<file path=ppt/slides/slide30.xml><?xml version="1.0" encoding="utf-8"?>
+<p:sld xmlns:a="http://schemas.openxmlformats.org/drawingml/2006/main" xmlns:r="http://schemas.openxmlformats.org/officeDocument/2006/relationships" xmlns:p="http://schemas.openxmlformats.org/presentationml/2006/main">
+  <p:cSld>
+    <p:spTree>
+      <p:nvGrpSpPr>
+        <p:cNvPr id="1" name=""/>
+        <p:cNvGrpSpPr/>
+        <p:nvPr/>
+      </p:nvGrpSpPr>
+      <p:grpSpPr>
+        <a:xfrm>
+          <a:off x="0" y="0"/>
+          <a:ext cx="0" cy="0"/>
+          <a:chOff x="0" y="0"/>
+          <a:chExt cx="0" cy="0"/>
+        </a:xfrm>
+      </p:grpSpPr>
+      <p:sp>
+        <p:nvSpPr>
+          <p:cNvPr id="2" name="CuadroTexto 1">
+            <a:extLst>
+              <a:ext uri="{FF2B5EF4-FFF2-40B4-BE49-F238E27FC236}">
+                <a16:creationId xmlns:a16="http://schemas.microsoft.com/office/drawing/2014/main" id="{C42574FC-5B18-442A-9DDB-477CDDD33227}"/>
+              </a:ext>
+            </a:extLst>
+          </p:cNvPr>
+          <p:cNvSpPr txBox="1"/>
+          <p:nvPr/>
+        </p:nvSpPr>
+        <p:spPr>
+          <a:xfrm>
+            <a:off x="0" y="339421"/>
+            <a:ext cx="12192000" cy="1323439"/>
+          </a:xfrm>
+          <a:prstGeom prst="rect">
+            <a:avLst/>
+          </a:prstGeom>
+          <a:noFill/>
+        </p:spPr>
+        <p:txBody>
+          <a:bodyPr wrap="square" rtlCol="0">
+            <a:spAutoFit/>
+          </a:bodyPr>
+          <a:lstStyle/>
+          <a:p>
+            <a:pPr algn="ctr"/>
+            <a:r>
+              <a:rPr lang="es-AR" sz="4000" u="sng" dirty="0">
+                <a:solidFill>
+                  <a:schemeClr val="tx1">
+                    <a:lumMod val="65000"/>
+                    <a:lumOff val="35000"/>
+                  </a:schemeClr>
+                </a:solidFill>
+                <a:latin typeface="+mj-lt"/>
+                <a:ea typeface="+mj-ea"/>
+                <a:cs typeface="+mj-cs"/>
+              </a:rPr>
+              <a:t>Campo</a:t>
+            </a:r>
+            <a:r>
+              <a:rPr lang="es-AR" dirty="0"/>
+              <a:t> </a:t>
+            </a:r>
+            <a:r>
+              <a:rPr lang="es-AR" sz="4000" u="sng" dirty="0">
+                <a:solidFill>
+                  <a:schemeClr val="tx1">
+                    <a:lumMod val="65000"/>
+                    <a:lumOff val="35000"/>
+                  </a:schemeClr>
+                </a:solidFill>
+                <a:latin typeface="+mj-lt"/>
+                <a:ea typeface="+mj-ea"/>
+                <a:cs typeface="+mj-cs"/>
+              </a:rPr>
+              <a:t>Email</a:t>
+            </a:r>
+          </a:p>
+          <a:p>
+            <a:pPr algn="ctr"/>
+            <a:endParaRPr lang="es-AR" sz="1200" u="sng" dirty="0">
+              <a:solidFill>
+                <a:schemeClr val="tx1">
+                  <a:lumMod val="65000"/>
+                  <a:lumOff val="35000"/>
+                </a:schemeClr>
+              </a:solidFill>
+              <a:latin typeface="+mj-lt"/>
+              <a:ea typeface="+mj-ea"/>
+              <a:cs typeface="+mj-cs"/>
+            </a:endParaRPr>
+          </a:p>
+          <a:p>
+            <a:r>
+              <a:rPr lang="es-AR" sz="2800" dirty="0">
+                <a:solidFill>
+                  <a:schemeClr val="tx1">
+                    <a:tint val="75000"/>
+                  </a:schemeClr>
+                </a:solidFill>
+              </a:rPr>
+              <a:t>Al</a:t>
+            </a:r>
+            <a:r>
+              <a:rPr lang="es-AR" sz="1200" u="sng" dirty="0">
+                <a:solidFill>
+                  <a:schemeClr val="tx1">
+                    <a:lumMod val="65000"/>
+                    <a:lumOff val="35000"/>
+                  </a:schemeClr>
+                </a:solidFill>
+                <a:latin typeface="+mj-lt"/>
+                <a:ea typeface="+mj-ea"/>
+                <a:cs typeface="+mj-cs"/>
+              </a:rPr>
+              <a:t> </a:t>
+            </a:r>
+            <a:r>
+              <a:rPr lang="es-AR" sz="2800" dirty="0">
+                <a:solidFill>
+                  <a:schemeClr val="tx1">
+                    <a:tint val="75000"/>
+                  </a:schemeClr>
+                </a:solidFill>
+              </a:rPr>
+              <a:t>ingresar una dirección de correo electrónico valida si esta escrita correctamente </a:t>
+            </a:r>
+          </a:p>
+        </p:txBody>
+      </p:sp>
+      <p:pic>
+        <p:nvPicPr>
+          <p:cNvPr id="3" name="Imagen 2">
+            <a:extLst>
+              <a:ext uri="{FF2B5EF4-FFF2-40B4-BE49-F238E27FC236}">
+                <a16:creationId xmlns:a16="http://schemas.microsoft.com/office/drawing/2014/main" id="{F5685523-22F2-4FE6-85F0-C46B748130B6}"/>
+              </a:ext>
+            </a:extLst>
+          </p:cNvPr>
+          <p:cNvPicPr>
+            <a:picLocks noChangeAspect="1"/>
+          </p:cNvPicPr>
+          <p:nvPr/>
+        </p:nvPicPr>
+        <p:blipFill>
+          <a:blip r:embed="rId2"/>
+          <a:stretch>
+            <a:fillRect/>
+          </a:stretch>
+        </p:blipFill>
+        <p:spPr>
+          <a:xfrm>
+            <a:off x="242887" y="1865312"/>
+            <a:ext cx="8266113" cy="954088"/>
+          </a:xfrm>
+          <a:prstGeom prst="rect">
+            <a:avLst/>
+          </a:prstGeom>
+        </p:spPr>
+      </p:pic>
+      <p:pic>
+        <p:nvPicPr>
+          <p:cNvPr id="4" name="Imagen 3">
+            <a:extLst>
+              <a:ext uri="{FF2B5EF4-FFF2-40B4-BE49-F238E27FC236}">
+                <a16:creationId xmlns:a16="http://schemas.microsoft.com/office/drawing/2014/main" id="{365AF928-B7C6-4FCA-843C-2EA4B7199D67}"/>
+              </a:ext>
+            </a:extLst>
+          </p:cNvPr>
+          <p:cNvPicPr>
+            <a:picLocks noChangeAspect="1"/>
+          </p:cNvPicPr>
+          <p:nvPr/>
+        </p:nvPicPr>
+        <p:blipFill>
+          <a:blip r:embed="rId3"/>
+          <a:stretch>
+            <a:fillRect/>
+          </a:stretch>
+        </p:blipFill>
+        <p:spPr>
+          <a:xfrm>
+            <a:off x="242887" y="2819400"/>
+            <a:ext cx="3938588" cy="1720849"/>
+          </a:xfrm>
+          <a:prstGeom prst="rect">
+            <a:avLst/>
+          </a:prstGeom>
+        </p:spPr>
+      </p:pic>
+      <p:pic>
+        <p:nvPicPr>
+          <p:cNvPr id="5" name="Imagen 4">
+            <a:extLst>
+              <a:ext uri="{FF2B5EF4-FFF2-40B4-BE49-F238E27FC236}">
+                <a16:creationId xmlns:a16="http://schemas.microsoft.com/office/drawing/2014/main" id="{2E26B8A5-C8AF-4DB6-B784-97B735CD7708}"/>
+              </a:ext>
+            </a:extLst>
+          </p:cNvPr>
+          <p:cNvPicPr>
+            <a:picLocks noChangeAspect="1"/>
+          </p:cNvPicPr>
+          <p:nvPr/>
+        </p:nvPicPr>
+        <p:blipFill>
+          <a:blip r:embed="rId4"/>
+          <a:stretch>
+            <a:fillRect/>
+          </a:stretch>
+        </p:blipFill>
+        <p:spPr>
+          <a:xfrm>
+            <a:off x="242887" y="3773488"/>
+            <a:ext cx="9717088" cy="2489199"/>
+          </a:xfrm>
+          <a:prstGeom prst="rect">
+            <a:avLst/>
+          </a:prstGeom>
+        </p:spPr>
+      </p:pic>
+      <p:sp>
+        <p:nvSpPr>
+          <p:cNvPr id="6" name="CuadroTexto 5">
+            <a:extLst>
+              <a:ext uri="{FF2B5EF4-FFF2-40B4-BE49-F238E27FC236}">
+                <a16:creationId xmlns:a16="http://schemas.microsoft.com/office/drawing/2014/main" id="{30D809F0-B17F-488B-8E5A-525DE71B18EB}"/>
+              </a:ext>
+            </a:extLst>
+          </p:cNvPr>
+          <p:cNvSpPr txBox="1"/>
+          <p:nvPr/>
+        </p:nvSpPr>
+        <p:spPr>
+          <a:xfrm>
+            <a:off x="242887" y="5749177"/>
+            <a:ext cx="10806113" cy="523220"/>
+          </a:xfrm>
+          <a:prstGeom prst="rect">
+            <a:avLst/>
+          </a:prstGeom>
+          <a:noFill/>
+        </p:spPr>
+        <p:txBody>
+          <a:bodyPr wrap="square" rtlCol="0">
+            <a:spAutoFit/>
+          </a:bodyPr>
+          <a:lstStyle/>
+          <a:p>
+            <a:r>
+              <a:rPr lang="es-AR" sz="2800" dirty="0">
+                <a:solidFill>
+                  <a:schemeClr val="tx1">
+                    <a:tint val="75000"/>
+                  </a:schemeClr>
+                </a:solidFill>
+              </a:rPr>
+              <a:t>Hay otro equivalente para las url. </a:t>
+            </a:r>
+          </a:p>
+        </p:txBody>
+      </p:sp>
+    </p:spTree>
+    <p:extLst>
+      <p:ext uri="{BB962C8B-B14F-4D97-AF65-F5344CB8AC3E}">
+        <p14:creationId xmlns:p14="http://schemas.microsoft.com/office/powerpoint/2010/main" val="1112250959"/>
+      </p:ext>
+    </p:extLst>
+  </p:cSld>
+  <p:clrMapOvr>
+    <a:masterClrMapping/>
+  </p:clrMapOvr>
+</p:sld>
+</file>
+
+<file path=ppt/slides/slide31.xml><?xml version="1.0" encoding="utf-8"?>
+<p:sld xmlns:a="http://schemas.openxmlformats.org/drawingml/2006/main" xmlns:r="http://schemas.openxmlformats.org/officeDocument/2006/relationships" xmlns:p="http://schemas.openxmlformats.org/presentationml/2006/main">
+  <p:cSld>
+    <p:spTree>
+      <p:nvGrpSpPr>
+        <p:cNvPr id="1" name=""/>
+        <p:cNvGrpSpPr/>
+        <p:nvPr/>
+      </p:nvGrpSpPr>
+      <p:grpSpPr>
+        <a:xfrm>
+          <a:off x="0" y="0"/>
+          <a:ext cx="0" cy="0"/>
+          <a:chOff x="0" y="0"/>
+          <a:chExt cx="0" cy="0"/>
+        </a:xfrm>
+      </p:grpSpPr>
+      <p:sp>
+        <p:nvSpPr>
+          <p:cNvPr id="3" name="CuadroTexto 2">
+            <a:extLst>
+              <a:ext uri="{FF2B5EF4-FFF2-40B4-BE49-F238E27FC236}">
+                <a16:creationId xmlns:a16="http://schemas.microsoft.com/office/drawing/2014/main" id="{06DAB51A-359B-4F6D-8431-C04C3006FD14}"/>
+              </a:ext>
+            </a:extLst>
+          </p:cNvPr>
+          <p:cNvSpPr txBox="1"/>
+          <p:nvPr/>
+        </p:nvSpPr>
+        <p:spPr>
+          <a:xfrm>
+            <a:off x="0" y="0"/>
+            <a:ext cx="12192000" cy="1323439"/>
+          </a:xfrm>
+          <a:prstGeom prst="rect">
+            <a:avLst/>
+          </a:prstGeom>
+          <a:noFill/>
+        </p:spPr>
+        <p:txBody>
+          <a:bodyPr wrap="square" rtlCol="0">
+            <a:spAutoFit/>
+          </a:bodyPr>
+          <a:lstStyle/>
+          <a:p>
+            <a:pPr algn="ctr"/>
+            <a:r>
+              <a:rPr lang="es-AR" sz="4000" u="sng" dirty="0">
+                <a:solidFill>
+                  <a:schemeClr val="tx1">
+                    <a:lumMod val="65000"/>
+                    <a:lumOff val="35000"/>
+                  </a:schemeClr>
+                </a:solidFill>
+                <a:latin typeface="+mj-lt"/>
+                <a:ea typeface="+mj-ea"/>
+                <a:cs typeface="+mj-cs"/>
+              </a:rPr>
+              <a:t>Campo Rango</a:t>
+            </a:r>
+          </a:p>
+          <a:p>
+            <a:endParaRPr lang="es-AR" sz="1200" dirty="0"/>
+          </a:p>
+          <a:p>
+            <a:r>
+              <a:rPr lang="es-AR" sz="2800" dirty="0">
+                <a:solidFill>
+                  <a:schemeClr val="tx1">
+                    <a:tint val="75000"/>
+                  </a:schemeClr>
+                </a:solidFill>
+              </a:rPr>
+              <a:t>Es para introducir números dentro de ciento rango.</a:t>
+            </a:r>
+          </a:p>
+        </p:txBody>
+      </p:sp>
+      <p:pic>
+        <p:nvPicPr>
+          <p:cNvPr id="7" name="Imagen 6">
+            <a:extLst>
+              <a:ext uri="{FF2B5EF4-FFF2-40B4-BE49-F238E27FC236}">
+                <a16:creationId xmlns:a16="http://schemas.microsoft.com/office/drawing/2014/main" id="{D4483DD7-2E06-436F-8D91-81E11C4D2A06}"/>
+              </a:ext>
+            </a:extLst>
+          </p:cNvPr>
+          <p:cNvPicPr>
+            <a:picLocks noChangeAspect="1"/>
+          </p:cNvPicPr>
+          <p:nvPr/>
+        </p:nvPicPr>
+        <p:blipFill>
+          <a:blip r:embed="rId2"/>
+          <a:stretch>
+            <a:fillRect/>
+          </a:stretch>
+        </p:blipFill>
+        <p:spPr>
+          <a:xfrm>
+            <a:off x="203200" y="2701388"/>
+            <a:ext cx="4940300" cy="1235611"/>
+          </a:xfrm>
+          <a:prstGeom prst="rect">
+            <a:avLst/>
+          </a:prstGeom>
+        </p:spPr>
+      </p:pic>
+      <p:sp>
+        <p:nvSpPr>
+          <p:cNvPr id="8" name="CuadroTexto 7">
+            <a:extLst>
+              <a:ext uri="{FF2B5EF4-FFF2-40B4-BE49-F238E27FC236}">
+                <a16:creationId xmlns:a16="http://schemas.microsoft.com/office/drawing/2014/main" id="{9F28BECC-BAC4-4471-886A-A6213447ED5F}"/>
+              </a:ext>
+            </a:extLst>
+          </p:cNvPr>
+          <p:cNvSpPr txBox="1"/>
+          <p:nvPr/>
+        </p:nvSpPr>
+        <p:spPr>
+          <a:xfrm>
+            <a:off x="100012" y="3713121"/>
+            <a:ext cx="11914188" cy="707886"/>
+          </a:xfrm>
+          <a:prstGeom prst="rect">
+            <a:avLst/>
+          </a:prstGeom>
+          <a:noFill/>
+        </p:spPr>
+        <p:txBody>
+          <a:bodyPr wrap="square" rtlCol="0">
+            <a:spAutoFit/>
+          </a:bodyPr>
+          <a:lstStyle/>
+          <a:p>
+            <a:pPr algn="ctr"/>
+            <a:r>
+              <a:rPr lang="es-AR" sz="4000" u="sng" dirty="0">
+                <a:solidFill>
+                  <a:schemeClr val="tx1">
+                    <a:lumMod val="65000"/>
+                    <a:lumOff val="35000"/>
+                  </a:schemeClr>
+                </a:solidFill>
+                <a:latin typeface="+mj-lt"/>
+                <a:ea typeface="+mj-ea"/>
+                <a:cs typeface="+mj-cs"/>
+              </a:rPr>
+              <a:t>Campo numérico</a:t>
+            </a:r>
+          </a:p>
+        </p:txBody>
+      </p:sp>
+      <p:pic>
+        <p:nvPicPr>
+          <p:cNvPr id="9" name="Imagen 8">
+            <a:extLst>
+              <a:ext uri="{FF2B5EF4-FFF2-40B4-BE49-F238E27FC236}">
+                <a16:creationId xmlns:a16="http://schemas.microsoft.com/office/drawing/2014/main" id="{90049A5A-71E6-454F-BC3F-A1A639D4513C}"/>
+              </a:ext>
+            </a:extLst>
+          </p:cNvPr>
+          <p:cNvPicPr>
+            <a:picLocks noChangeAspect="1"/>
+          </p:cNvPicPr>
+          <p:nvPr/>
+        </p:nvPicPr>
+        <p:blipFill>
+          <a:blip r:embed="rId3"/>
+          <a:stretch>
+            <a:fillRect/>
+          </a:stretch>
+        </p:blipFill>
+        <p:spPr>
+          <a:xfrm>
+            <a:off x="396875" y="5870601"/>
+            <a:ext cx="3295650" cy="1000125"/>
+          </a:xfrm>
+          <a:prstGeom prst="rect">
+            <a:avLst/>
+          </a:prstGeom>
+        </p:spPr>
+      </p:pic>
+      <p:pic>
+        <p:nvPicPr>
+          <p:cNvPr id="10" name="Imagen 9">
+            <a:extLst>
+              <a:ext uri="{FF2B5EF4-FFF2-40B4-BE49-F238E27FC236}">
+                <a16:creationId xmlns:a16="http://schemas.microsoft.com/office/drawing/2014/main" id="{EF376D45-5DED-477C-9482-2E044037E0C5}"/>
+              </a:ext>
+            </a:extLst>
+          </p:cNvPr>
+          <p:cNvPicPr>
+            <a:picLocks noChangeAspect="1"/>
+          </p:cNvPicPr>
+          <p:nvPr/>
+        </p:nvPicPr>
+        <p:blipFill>
+          <a:blip r:embed="rId4"/>
+          <a:stretch>
+            <a:fillRect/>
+          </a:stretch>
+        </p:blipFill>
+        <p:spPr>
+          <a:xfrm>
+            <a:off x="203200" y="4570830"/>
+            <a:ext cx="9296400" cy="1149948"/>
+          </a:xfrm>
+          <a:prstGeom prst="rect">
+            <a:avLst/>
+          </a:prstGeom>
+        </p:spPr>
+      </p:pic>
+      <p:pic>
+        <p:nvPicPr>
+          <p:cNvPr id="11" name="Imagen 10">
+            <a:extLst>
+              <a:ext uri="{FF2B5EF4-FFF2-40B4-BE49-F238E27FC236}">
+                <a16:creationId xmlns:a16="http://schemas.microsoft.com/office/drawing/2014/main" id="{C441EC85-A5E0-4A84-AEDA-707553F24D38}"/>
+              </a:ext>
+            </a:extLst>
+          </p:cNvPr>
+          <p:cNvPicPr>
+            <a:picLocks noChangeAspect="1"/>
+          </p:cNvPicPr>
+          <p:nvPr/>
+        </p:nvPicPr>
+        <p:blipFill>
+          <a:blip r:embed="rId5"/>
+          <a:stretch>
+            <a:fillRect/>
+          </a:stretch>
+        </p:blipFill>
+        <p:spPr>
+          <a:xfrm>
+            <a:off x="203200" y="1473262"/>
+            <a:ext cx="9131300" cy="1228126"/>
+          </a:xfrm>
+          <a:prstGeom prst="rect">
+            <a:avLst/>
+          </a:prstGeom>
+        </p:spPr>
+      </p:pic>
+    </p:spTree>
+    <p:extLst>
+      <p:ext uri="{BB962C8B-B14F-4D97-AF65-F5344CB8AC3E}">
+        <p14:creationId xmlns:p14="http://schemas.microsoft.com/office/powerpoint/2010/main" val="3433387888"/>
       </p:ext>
     </p:extLst>
   </p:cSld>
@@ -6746,7 +10102,7 @@
           <a:lstStyle/>
           <a:p>
             <a:pPr algn="ctr"/>
-            <a:endParaRPr lang="es-AR">
+            <a:endParaRPr lang="es-AR" dirty="0">
               <a:solidFill>
                 <a:schemeClr val="bg1">
                   <a:lumMod val="95000"/>
@@ -6809,7 +10165,7 @@
           <a:lstStyle/>
           <a:p>
             <a:pPr algn="ctr"/>
-            <a:endParaRPr lang="es-AR">
+            <a:endParaRPr lang="es-AR" dirty="0">
               <a:solidFill>
                 <a:schemeClr val="bg1">
                   <a:lumMod val="95000"/>
@@ -6872,7 +10228,7 @@
           <a:lstStyle/>
           <a:p>
             <a:pPr algn="ctr"/>
-            <a:endParaRPr lang="es-AR">
+            <a:endParaRPr lang="es-AR" dirty="0">
               <a:solidFill>
                 <a:schemeClr val="bg1">
                   <a:lumMod val="95000"/>
@@ -6935,7 +10291,7 @@
           <a:lstStyle/>
           <a:p>
             <a:pPr algn="ctr"/>
-            <a:endParaRPr lang="es-AR">
+            <a:endParaRPr lang="es-AR" dirty="0">
               <a:solidFill>
                 <a:schemeClr val="bg1">
                   <a:lumMod val="95000"/>
@@ -7015,7 +10371,7 @@
           <a:lstStyle/>
           <a:p>
             <a:pPr algn="ctr"/>
-            <a:endParaRPr lang="es-AR"/>
+            <a:endParaRPr lang="es-AR" dirty="0"/>
           </a:p>
         </p:txBody>
       </p:sp>
@@ -7462,7 +10818,7 @@
           <a:lstStyle/>
           <a:p>
             <a:pPr algn="ctr"/>
-            <a:endParaRPr lang="es-AR">
+            <a:endParaRPr lang="es-AR" dirty="0">
               <a:solidFill>
                 <a:schemeClr val="bg1">
                   <a:lumMod val="95000"/>
@@ -7561,7 +10917,7 @@
           <a:lstStyle/>
           <a:p>
             <a:pPr algn="ctr"/>
-            <a:endParaRPr lang="es-AR">
+            <a:endParaRPr lang="es-AR" dirty="0">
               <a:solidFill>
                 <a:schemeClr val="bg1">
                   <a:lumMod val="95000"/>
@@ -7932,10 +11288,20 @@
                   </a:schemeClr>
                 </a:solidFill>
               </a:rPr>
-              <a:t>&lt;</a:t>
-            </a:r>
-            <a:r>
-              <a:rPr lang="es-AR" sz="2800" dirty="0" err="1">
+              <a:t>&lt;abbr&gt;, &lt;acronym&gt; </a:t>
+            </a:r>
+            <a:r>
+              <a:rPr lang="es-AR" sz="2800" dirty="0">
+                <a:solidFill>
+                  <a:schemeClr val="tx1">
+                    <a:tint val="75000"/>
+                  </a:schemeClr>
+                </a:solidFill>
+              </a:rPr>
+              <a:t>y </a:t>
+            </a:r>
+            <a:r>
+              <a:rPr lang="es-AR" sz="2800" dirty="0">
                 <a:solidFill>
                   <a:schemeClr val="tx1">
                     <a:lumMod val="75000"/>
@@ -7943,83 +11309,7 @@
                   </a:schemeClr>
                 </a:solidFill>
               </a:rPr>
-              <a:t>abbr</a:t>
-            </a:r>
-            <a:r>
-              <a:rPr lang="es-AR" sz="2800" dirty="0">
-                <a:solidFill>
-                  <a:schemeClr val="tx1">
-                    <a:lumMod val="75000"/>
-                    <a:lumOff val="25000"/>
-                  </a:schemeClr>
-                </a:solidFill>
-              </a:rPr>
-              <a:t>&gt;, &lt;</a:t>
-            </a:r>
-            <a:r>
-              <a:rPr lang="es-AR" sz="2800" dirty="0" err="1">
-                <a:solidFill>
-                  <a:schemeClr val="tx1">
-                    <a:lumMod val="75000"/>
-                    <a:lumOff val="25000"/>
-                  </a:schemeClr>
-                </a:solidFill>
-              </a:rPr>
-              <a:t>acronym</a:t>
-            </a:r>
-            <a:r>
-              <a:rPr lang="es-AR" sz="2800" dirty="0">
-                <a:solidFill>
-                  <a:schemeClr val="tx1">
-                    <a:lumMod val="75000"/>
-                    <a:lumOff val="25000"/>
-                  </a:schemeClr>
-                </a:solidFill>
-              </a:rPr>
-              <a:t>&gt; </a:t>
-            </a:r>
-            <a:r>
-              <a:rPr lang="es-AR" sz="2800" dirty="0">
-                <a:solidFill>
-                  <a:schemeClr val="tx1">
-                    <a:tint val="75000"/>
-                  </a:schemeClr>
-                </a:solidFill>
-              </a:rPr>
-              <a:t>y </a:t>
-            </a:r>
-            <a:r>
-              <a:rPr lang="es-AR" sz="2800" dirty="0">
-                <a:solidFill>
-                  <a:schemeClr val="tx1">
-                    <a:lumMod val="75000"/>
-                    <a:lumOff val="25000"/>
-                  </a:schemeClr>
-                </a:solidFill>
-              </a:rPr>
-              <a:t>&lt;</a:t>
-            </a:r>
-            <a:r>
-              <a:rPr lang="es-AR" sz="2800" dirty="0" err="1">
-                <a:solidFill>
-                  <a:schemeClr val="tx1">
-                    <a:lumMod val="75000"/>
-                    <a:lumOff val="25000"/>
-                  </a:schemeClr>
-                </a:solidFill>
-              </a:rPr>
-              <a:t>dfn</a:t>
-            </a:r>
-            <a:r>
-              <a:rPr lang="es-AR" sz="2800" dirty="0">
-                <a:solidFill>
-                  <a:schemeClr val="tx1">
-                    <a:lumMod val="75000"/>
-                    <a:lumOff val="25000"/>
-                  </a:schemeClr>
-                </a:solidFill>
-              </a:rPr>
-              <a:t>&gt; </a:t>
+              <a:t>&lt;dfn&gt; </a:t>
             </a:r>
             <a:r>
               <a:rPr lang="es-AR" sz="2800" dirty="0">
@@ -8161,10 +11451,20 @@
                   </a:schemeClr>
                 </a:solidFill>
               </a:rPr>
-              <a:t>&amp;</a:t>
-            </a:r>
-            <a:r>
-              <a:rPr lang="es-AR" sz="3000" dirty="0" err="1">
+              <a:t>&amp;nbsp; </a:t>
+            </a:r>
+            <a:r>
+              <a:rPr lang="es-AR" sz="3000" dirty="0">
+                <a:solidFill>
+                  <a:schemeClr val="tx1">
+                    <a:tint val="75000"/>
+                  </a:schemeClr>
+                </a:solidFill>
+              </a:rPr>
+              <a:t>y para insertar un salto de línea </a:t>
+            </a:r>
+            <a:r>
+              <a:rPr lang="es-AR" sz="3000" dirty="0">
                 <a:solidFill>
                   <a:schemeClr val="tx1">
                     <a:lumMod val="75000"/>
@@ -8172,61 +11472,7 @@
                   </a:schemeClr>
                 </a:solidFill>
               </a:rPr>
-              <a:t>nbsp</a:t>
-            </a:r>
-            <a:r>
-              <a:rPr lang="es-AR" sz="3000" dirty="0">
-                <a:solidFill>
-                  <a:schemeClr val="tx1">
-                    <a:lumMod val="75000"/>
-                    <a:lumOff val="25000"/>
-                  </a:schemeClr>
-                </a:solidFill>
-              </a:rPr>
-              <a:t>; </a:t>
-            </a:r>
-            <a:r>
-              <a:rPr lang="es-AR" sz="3000" dirty="0">
-                <a:solidFill>
-                  <a:schemeClr val="tx1">
-                    <a:tint val="75000"/>
-                  </a:schemeClr>
-                </a:solidFill>
-              </a:rPr>
-              <a:t>y para insertar un salto de línea </a:t>
-            </a:r>
-            <a:r>
-              <a:rPr lang="es-AR" sz="3000" dirty="0">
-                <a:solidFill>
-                  <a:schemeClr val="tx1">
-                    <a:lumMod val="75000"/>
-                    <a:lumOff val="25000"/>
-                  </a:schemeClr>
-                </a:solidFill>
-              </a:rPr>
-              <a:t>&lt;</a:t>
-            </a:r>
-            <a:r>
-              <a:rPr lang="es-AR" sz="3000" dirty="0" err="1">
-                <a:solidFill>
-                  <a:schemeClr val="tx1">
-                    <a:lumMod val="75000"/>
-                    <a:lumOff val="25000"/>
-                  </a:schemeClr>
-                </a:solidFill>
-              </a:rPr>
-              <a:t>br</a:t>
-            </a:r>
-            <a:r>
-              <a:rPr lang="es-AR" sz="3000" dirty="0">
-                <a:solidFill>
-                  <a:schemeClr val="tx1">
-                    <a:lumMod val="75000"/>
-                    <a:lumOff val="25000"/>
-                  </a:schemeClr>
-                </a:solidFill>
-              </a:rPr>
-              <a:t>&gt;</a:t>
+              <a:t>&lt;br&gt;</a:t>
             </a:r>
           </a:p>
           <a:p>
@@ -8282,10 +11528,20 @@
                   </a:schemeClr>
                 </a:solidFill>
               </a:rPr>
-              <a:t>&amp;</a:t>
-            </a:r>
-            <a:r>
-              <a:rPr lang="es-AR" sz="3000" dirty="0" err="1">
+              <a:t>&amp;aacute;</a:t>
+            </a:r>
+            <a:r>
+              <a:rPr lang="es-AR" sz="3000" dirty="0">
+                <a:solidFill>
+                  <a:schemeClr val="tx1">
+                    <a:tint val="75000"/>
+                  </a:schemeClr>
+                </a:solidFill>
+              </a:rPr>
+              <a:t>	é </a:t>
+            </a:r>
+            <a:r>
+              <a:rPr lang="es-AR" sz="3000" dirty="0">
                 <a:solidFill>
                   <a:schemeClr val="tx1">
                     <a:lumMod val="75000"/>
@@ -8293,7 +11549,17 @@
                   </a:schemeClr>
                 </a:solidFill>
               </a:rPr>
-              <a:t>aacute</a:t>
+              <a:t>&amp;eacute; </a:t>
+            </a:r>
+            <a:r>
+              <a:rPr lang="es-AR" sz="3000" dirty="0">
+                <a:solidFill>
+                  <a:schemeClr val="tx1">
+                    <a:tint val="75000"/>
+                  </a:schemeClr>
+                </a:solidFill>
+              </a:rPr>
+              <a:t>í </a:t>
             </a:r>
             <a:r>
               <a:rPr lang="es-AR" sz="3000" dirty="0">
@@ -8304,7 +11570,7 @@
                   </a:schemeClr>
                 </a:solidFill>
               </a:rPr>
-              <a:t>;</a:t>
+              <a:t>&amp;iacute; </a:t>
             </a:r>
             <a:r>
               <a:rPr lang="es-AR" sz="3000" dirty="0">
@@ -8314,7 +11580,7 @@
                   </a:schemeClr>
                 </a:solidFill>
               </a:rPr>
-              <a:t>	é </a:t>
+              <a:t>ó </a:t>
             </a:r>
             <a:r>
               <a:rPr lang="es-AR" sz="3000" dirty="0">
@@ -8325,10 +11591,20 @@
                   </a:schemeClr>
                 </a:solidFill>
               </a:rPr>
-              <a:t>&amp;</a:t>
-            </a:r>
-            <a:r>
-              <a:rPr lang="es-AR" sz="3000" dirty="0" err="1">
+              <a:t>&amp;oacute; </a:t>
+            </a:r>
+            <a:r>
+              <a:rPr lang="es-AR" sz="3000" dirty="0">
+                <a:solidFill>
+                  <a:schemeClr val="tx1">
+                    <a:tint val="75000"/>
+                  </a:schemeClr>
+                </a:solidFill>
+              </a:rPr>
+              <a:t>ú </a:t>
+            </a:r>
+            <a:r>
+              <a:rPr lang="es-AR" sz="3000" dirty="0">
                 <a:solidFill>
                   <a:schemeClr val="tx1">
                     <a:lumMod val="75000"/>
@@ -8336,157 +11612,7 @@
                   </a:schemeClr>
                 </a:solidFill>
               </a:rPr>
-              <a:t>eacute</a:t>
-            </a:r>
-            <a:r>
-              <a:rPr lang="es-AR" sz="3000" dirty="0">
-                <a:solidFill>
-                  <a:schemeClr val="tx1">
-                    <a:lumMod val="75000"/>
-                    <a:lumOff val="25000"/>
-                  </a:schemeClr>
-                </a:solidFill>
-              </a:rPr>
-              <a:t>; </a:t>
-            </a:r>
-            <a:r>
-              <a:rPr lang="es-AR" sz="3000" dirty="0">
-                <a:solidFill>
-                  <a:schemeClr val="tx1">
-                    <a:tint val="75000"/>
-                  </a:schemeClr>
-                </a:solidFill>
-              </a:rPr>
-              <a:t>í </a:t>
-            </a:r>
-            <a:r>
-              <a:rPr lang="es-AR" sz="3000" dirty="0">
-                <a:solidFill>
-                  <a:schemeClr val="tx1">
-                    <a:lumMod val="75000"/>
-                    <a:lumOff val="25000"/>
-                  </a:schemeClr>
-                </a:solidFill>
-              </a:rPr>
-              <a:t>&amp;</a:t>
-            </a:r>
-            <a:r>
-              <a:rPr lang="es-AR" sz="3000" dirty="0" err="1">
-                <a:solidFill>
-                  <a:schemeClr val="tx1">
-                    <a:lumMod val="75000"/>
-                    <a:lumOff val="25000"/>
-                  </a:schemeClr>
-                </a:solidFill>
-              </a:rPr>
-              <a:t>iacute</a:t>
-            </a:r>
-            <a:r>
-              <a:rPr lang="es-AR" sz="3000" dirty="0">
-                <a:solidFill>
-                  <a:schemeClr val="tx1">
-                    <a:lumMod val="75000"/>
-                    <a:lumOff val="25000"/>
-                  </a:schemeClr>
-                </a:solidFill>
-              </a:rPr>
-              <a:t>; </a:t>
-            </a:r>
-            <a:r>
-              <a:rPr lang="es-AR" sz="3000" dirty="0" err="1">
-                <a:solidFill>
-                  <a:schemeClr val="tx1">
-                    <a:tint val="75000"/>
-                  </a:schemeClr>
-                </a:solidFill>
-              </a:rPr>
-              <a:t>ó</a:t>
-            </a:r>
-            <a:r>
-              <a:rPr lang="es-AR" sz="3000" dirty="0">
-                <a:solidFill>
-                  <a:schemeClr val="tx1">
-                    <a:tint val="75000"/>
-                  </a:schemeClr>
-                </a:solidFill>
-              </a:rPr>
-              <a:t> </a:t>
-            </a:r>
-            <a:r>
-              <a:rPr lang="es-AR" sz="3000" dirty="0">
-                <a:solidFill>
-                  <a:schemeClr val="tx1">
-                    <a:lumMod val="75000"/>
-                    <a:lumOff val="25000"/>
-                  </a:schemeClr>
-                </a:solidFill>
-              </a:rPr>
-              <a:t>&amp;</a:t>
-            </a:r>
-            <a:r>
-              <a:rPr lang="es-AR" sz="3000" dirty="0" err="1">
-                <a:solidFill>
-                  <a:schemeClr val="tx1">
-                    <a:lumMod val="75000"/>
-                    <a:lumOff val="25000"/>
-                  </a:schemeClr>
-                </a:solidFill>
-              </a:rPr>
-              <a:t>oacute</a:t>
-            </a:r>
-            <a:r>
-              <a:rPr lang="es-AR" sz="3000" dirty="0">
-                <a:solidFill>
-                  <a:schemeClr val="tx1">
-                    <a:lumMod val="75000"/>
-                    <a:lumOff val="25000"/>
-                  </a:schemeClr>
-                </a:solidFill>
-              </a:rPr>
-              <a:t>; </a:t>
-            </a:r>
-            <a:r>
-              <a:rPr lang="es-AR" sz="3000" dirty="0">
-                <a:solidFill>
-                  <a:schemeClr val="tx1">
-                    <a:tint val="75000"/>
-                  </a:schemeClr>
-                </a:solidFill>
-              </a:rPr>
-              <a:t>ú </a:t>
-            </a:r>
-            <a:r>
-              <a:rPr lang="es-AR" sz="3000" dirty="0">
-                <a:solidFill>
-                  <a:schemeClr val="tx1">
-                    <a:lumMod val="75000"/>
-                    <a:lumOff val="25000"/>
-                  </a:schemeClr>
-                </a:solidFill>
-              </a:rPr>
-              <a:t>&amp;</a:t>
-            </a:r>
-            <a:r>
-              <a:rPr lang="es-AR" sz="3000" dirty="0" err="1">
-                <a:solidFill>
-                  <a:schemeClr val="tx1">
-                    <a:lumMod val="75000"/>
-                    <a:lumOff val="25000"/>
-                  </a:schemeClr>
-                </a:solidFill>
-              </a:rPr>
-              <a:t>uacute</a:t>
-            </a:r>
-            <a:r>
-              <a:rPr lang="es-AR" sz="3000" dirty="0">
-                <a:solidFill>
-                  <a:schemeClr val="tx1">
-                    <a:lumMod val="75000"/>
-                    <a:lumOff val="25000"/>
-                  </a:schemeClr>
-                </a:solidFill>
-              </a:rPr>
-              <a:t>;</a:t>
+              <a:t>&amp;uacute;</a:t>
             </a:r>
           </a:p>
           <a:p>
@@ -8512,10 +11638,20 @@
                   </a:schemeClr>
                 </a:solidFill>
               </a:rPr>
-              <a:t>&amp;</a:t>
-            </a:r>
-            <a:r>
-              <a:rPr lang="es-AR" sz="3000" dirty="0" err="1">
+              <a:t>&amp;Aacute; </a:t>
+            </a:r>
+            <a:r>
+              <a:rPr lang="es-AR" sz="3000" dirty="0">
+                <a:solidFill>
+                  <a:schemeClr val="tx1">
+                    <a:tint val="75000"/>
+                  </a:schemeClr>
+                </a:solidFill>
+              </a:rPr>
+              <a:t>É </a:t>
+            </a:r>
+            <a:r>
+              <a:rPr lang="es-AR" sz="3000" dirty="0">
                 <a:solidFill>
                   <a:schemeClr val="tx1">
                     <a:lumMod val="75000"/>
@@ -8523,7 +11659,17 @@
                   </a:schemeClr>
                 </a:solidFill>
               </a:rPr>
-              <a:t>Aacute</a:t>
+              <a:t>&amp;Eacute; </a:t>
+            </a:r>
+            <a:r>
+              <a:rPr lang="es-AR" sz="3000" dirty="0">
+                <a:solidFill>
+                  <a:schemeClr val="tx1">
+                    <a:tint val="75000"/>
+                  </a:schemeClr>
+                </a:solidFill>
+              </a:rPr>
+              <a:t>Í </a:t>
             </a:r>
             <a:r>
               <a:rPr lang="es-AR" sz="3000" dirty="0">
@@ -8534,7 +11680,7 @@
                   </a:schemeClr>
                 </a:solidFill>
               </a:rPr>
-              <a:t>; </a:t>
+              <a:t>&amp;Iacute; </a:t>
             </a:r>
             <a:r>
               <a:rPr lang="es-AR" sz="3000" dirty="0">
@@ -8544,7 +11690,7 @@
                   </a:schemeClr>
                 </a:solidFill>
               </a:rPr>
-              <a:t>É </a:t>
+              <a:t>Ó </a:t>
             </a:r>
             <a:r>
               <a:rPr lang="es-AR" sz="3000" dirty="0">
@@ -8555,10 +11701,20 @@
                   </a:schemeClr>
                 </a:solidFill>
               </a:rPr>
-              <a:t>&amp;</a:t>
-            </a:r>
-            <a:r>
-              <a:rPr lang="es-AR" sz="3000" dirty="0" err="1">
+              <a:t>&amp;Oacute; </a:t>
+            </a:r>
+            <a:r>
+              <a:rPr lang="es-AR" sz="3000" dirty="0">
+                <a:solidFill>
+                  <a:schemeClr val="tx1">
+                    <a:tint val="75000"/>
+                  </a:schemeClr>
+                </a:solidFill>
+              </a:rPr>
+              <a:t>Ú </a:t>
+            </a:r>
+            <a:r>
+              <a:rPr lang="es-AR" sz="3000" dirty="0">
                 <a:solidFill>
                   <a:schemeClr val="tx1">
                     <a:lumMod val="75000"/>
@@ -8566,157 +11722,7 @@
                   </a:schemeClr>
                 </a:solidFill>
               </a:rPr>
-              <a:t>Eacute</a:t>
-            </a:r>
-            <a:r>
-              <a:rPr lang="es-AR" sz="3000" dirty="0">
-                <a:solidFill>
-                  <a:schemeClr val="tx1">
-                    <a:lumMod val="75000"/>
-                    <a:lumOff val="25000"/>
-                  </a:schemeClr>
-                </a:solidFill>
-              </a:rPr>
-              <a:t>; </a:t>
-            </a:r>
-            <a:r>
-              <a:rPr lang="es-AR" sz="3000" dirty="0">
-                <a:solidFill>
-                  <a:schemeClr val="tx1">
-                    <a:tint val="75000"/>
-                  </a:schemeClr>
-                </a:solidFill>
-              </a:rPr>
-              <a:t>Í </a:t>
-            </a:r>
-            <a:r>
-              <a:rPr lang="es-AR" sz="3000" dirty="0">
-                <a:solidFill>
-                  <a:schemeClr val="tx1">
-                    <a:lumMod val="75000"/>
-                    <a:lumOff val="25000"/>
-                  </a:schemeClr>
-                </a:solidFill>
-              </a:rPr>
-              <a:t>&amp;</a:t>
-            </a:r>
-            <a:r>
-              <a:rPr lang="es-AR" sz="3000" dirty="0" err="1">
-                <a:solidFill>
-                  <a:schemeClr val="tx1">
-                    <a:lumMod val="75000"/>
-                    <a:lumOff val="25000"/>
-                  </a:schemeClr>
-                </a:solidFill>
-              </a:rPr>
-              <a:t>Iacute</a:t>
-            </a:r>
-            <a:r>
-              <a:rPr lang="es-AR" sz="3000" dirty="0">
-                <a:solidFill>
-                  <a:schemeClr val="tx1">
-                    <a:lumMod val="75000"/>
-                    <a:lumOff val="25000"/>
-                  </a:schemeClr>
-                </a:solidFill>
-              </a:rPr>
-              <a:t>; </a:t>
-            </a:r>
-            <a:r>
-              <a:rPr lang="es-AR" sz="3000" dirty="0" err="1">
-                <a:solidFill>
-                  <a:schemeClr val="tx1">
-                    <a:tint val="75000"/>
-                  </a:schemeClr>
-                </a:solidFill>
-              </a:rPr>
-              <a:t>Ó</a:t>
-            </a:r>
-            <a:r>
-              <a:rPr lang="es-AR" sz="3000" dirty="0">
-                <a:solidFill>
-                  <a:schemeClr val="tx1">
-                    <a:tint val="75000"/>
-                  </a:schemeClr>
-                </a:solidFill>
-              </a:rPr>
-              <a:t> </a:t>
-            </a:r>
-            <a:r>
-              <a:rPr lang="es-AR" sz="3000" dirty="0">
-                <a:solidFill>
-                  <a:schemeClr val="tx1">
-                    <a:lumMod val="75000"/>
-                    <a:lumOff val="25000"/>
-                  </a:schemeClr>
-                </a:solidFill>
-              </a:rPr>
-              <a:t>&amp;</a:t>
-            </a:r>
-            <a:r>
-              <a:rPr lang="es-AR" sz="3000" dirty="0" err="1">
-                <a:solidFill>
-                  <a:schemeClr val="tx1">
-                    <a:lumMod val="75000"/>
-                    <a:lumOff val="25000"/>
-                  </a:schemeClr>
-                </a:solidFill>
-              </a:rPr>
-              <a:t>Oacute</a:t>
-            </a:r>
-            <a:r>
-              <a:rPr lang="es-AR" sz="3000" dirty="0">
-                <a:solidFill>
-                  <a:schemeClr val="tx1">
-                    <a:lumMod val="75000"/>
-                    <a:lumOff val="25000"/>
-                  </a:schemeClr>
-                </a:solidFill>
-              </a:rPr>
-              <a:t>; </a:t>
-            </a:r>
-            <a:r>
-              <a:rPr lang="es-AR" sz="3000" dirty="0">
-                <a:solidFill>
-                  <a:schemeClr val="tx1">
-                    <a:tint val="75000"/>
-                  </a:schemeClr>
-                </a:solidFill>
-              </a:rPr>
-              <a:t>Ú </a:t>
-            </a:r>
-            <a:r>
-              <a:rPr lang="es-AR" sz="3000" dirty="0">
-                <a:solidFill>
-                  <a:schemeClr val="tx1">
-                    <a:lumMod val="75000"/>
-                    <a:lumOff val="25000"/>
-                  </a:schemeClr>
-                </a:solidFill>
-              </a:rPr>
-              <a:t>&amp;</a:t>
-            </a:r>
-            <a:r>
-              <a:rPr lang="es-AR" sz="3000" dirty="0" err="1">
-                <a:solidFill>
-                  <a:schemeClr val="tx1">
-                    <a:lumMod val="75000"/>
-                    <a:lumOff val="25000"/>
-                  </a:schemeClr>
-                </a:solidFill>
-              </a:rPr>
-              <a:t>Uacute</a:t>
-            </a:r>
-            <a:r>
-              <a:rPr lang="es-AR" sz="3000" dirty="0">
-                <a:solidFill>
-                  <a:schemeClr val="tx1">
-                    <a:lumMod val="75000"/>
-                    <a:lumOff val="25000"/>
-                  </a:schemeClr>
-                </a:solidFill>
-              </a:rPr>
-              <a:t>;</a:t>
+              <a:t>&amp;Uacute;</a:t>
             </a:r>
           </a:p>
           <a:p>
@@ -8742,10 +11748,20 @@
                   </a:schemeClr>
                 </a:solidFill>
               </a:rPr>
-              <a:t>&amp;</a:t>
-            </a:r>
-            <a:r>
-              <a:rPr lang="es-AR" sz="3000" dirty="0" err="1">
+              <a:t>&amp;ntilde; </a:t>
+            </a:r>
+            <a:r>
+              <a:rPr lang="es-AR" sz="3000" dirty="0">
+                <a:solidFill>
+                  <a:schemeClr val="tx1">
+                    <a:tint val="75000"/>
+                  </a:schemeClr>
+                </a:solidFill>
+              </a:rPr>
+              <a:t>Ñ </a:t>
+            </a:r>
+            <a:r>
+              <a:rPr lang="es-AR" sz="3000" dirty="0">
                 <a:solidFill>
                   <a:schemeClr val="tx1">
                     <a:lumMod val="75000"/>
@@ -8753,61 +11769,7 @@
                   </a:schemeClr>
                 </a:solidFill>
               </a:rPr>
-              <a:t>ntilde</a:t>
-            </a:r>
-            <a:r>
-              <a:rPr lang="es-AR" sz="3000" dirty="0">
-                <a:solidFill>
-                  <a:schemeClr val="tx1">
-                    <a:lumMod val="75000"/>
-                    <a:lumOff val="25000"/>
-                  </a:schemeClr>
-                </a:solidFill>
-              </a:rPr>
-              <a:t>; </a:t>
-            </a:r>
-            <a:r>
-              <a:rPr lang="es-AR" sz="3000" dirty="0">
-                <a:solidFill>
-                  <a:schemeClr val="tx1">
-                    <a:tint val="75000"/>
-                  </a:schemeClr>
-                </a:solidFill>
-              </a:rPr>
-              <a:t>Ñ </a:t>
-            </a:r>
-            <a:r>
-              <a:rPr lang="es-AR" sz="3000" dirty="0">
-                <a:solidFill>
-                  <a:schemeClr val="tx1">
-                    <a:lumMod val="75000"/>
-                    <a:lumOff val="25000"/>
-                  </a:schemeClr>
-                </a:solidFill>
-              </a:rPr>
-              <a:t>&amp;</a:t>
-            </a:r>
-            <a:r>
-              <a:rPr lang="es-AR" sz="3000" dirty="0" err="1">
-                <a:solidFill>
-                  <a:schemeClr val="tx1">
-                    <a:lumMod val="75000"/>
-                    <a:lumOff val="25000"/>
-                  </a:schemeClr>
-                </a:solidFill>
-              </a:rPr>
-              <a:t>Ñtilde</a:t>
-            </a:r>
-            <a:r>
-              <a:rPr lang="es-AR" sz="3000" dirty="0">
-                <a:solidFill>
-                  <a:schemeClr val="tx1">
-                    <a:lumMod val="75000"/>
-                    <a:lumOff val="25000"/>
-                  </a:schemeClr>
-                </a:solidFill>
-              </a:rPr>
-              <a:t>;</a:t>
+              <a:t>&amp;Ñtilde;</a:t>
             </a:r>
           </a:p>
           <a:p>
@@ -8822,65 +11784,8 @@
                   </a:schemeClr>
                 </a:solidFill>
               </a:rPr>
-              <a:t>La lista completa se consigue </a:t>
-            </a:r>
-            <a:r>
-              <a:rPr lang="es-AR" sz="3000" dirty="0" err="1">
-                <a:solidFill>
-                  <a:schemeClr val="tx1">
-                    <a:tint val="75000"/>
-                  </a:schemeClr>
-                </a:solidFill>
-              </a:rPr>
-              <a:t>en:https</a:t>
-            </a:r>
-            <a:r>
-              <a:rPr lang="es-AR" sz="3000" dirty="0">
-                <a:solidFill>
-                  <a:schemeClr val="tx1">
-                    <a:tint val="75000"/>
-                  </a:schemeClr>
-                </a:solidFill>
-              </a:rPr>
-              <a:t>://dev.w3.org/html5/</a:t>
-            </a:r>
-            <a:r>
-              <a:rPr lang="es-AR" sz="3000" dirty="0" err="1">
-                <a:solidFill>
-                  <a:schemeClr val="tx1">
-                    <a:tint val="75000"/>
-                  </a:schemeClr>
-                </a:solidFill>
-              </a:rPr>
-              <a:t>html-author</a:t>
-            </a:r>
-            <a:r>
-              <a:rPr lang="es-AR" sz="3000" dirty="0">
-                <a:solidFill>
-                  <a:schemeClr val="tx1">
-                    <a:tint val="75000"/>
-                  </a:schemeClr>
-                </a:solidFill>
-              </a:rPr>
-              <a:t>/</a:t>
-            </a:r>
-            <a:r>
-              <a:rPr lang="es-AR" sz="3000" dirty="0" err="1">
-                <a:solidFill>
-                  <a:schemeClr val="tx1">
-                    <a:tint val="75000"/>
-                  </a:schemeClr>
-                </a:solidFill>
-              </a:rPr>
-              <a:t>charref</a:t>
-            </a:r>
-            <a:endParaRPr lang="es-AR" sz="3000" dirty="0">
-              <a:solidFill>
-                <a:schemeClr val="tx1">
-                  <a:tint val="75000"/>
-                </a:schemeClr>
-              </a:solidFill>
-            </a:endParaRPr>
+              <a:t>La lista completa se consigue en:https://dev.w3.org/html5/html-author/charref</a:t>
+            </a:r>
           </a:p>
           <a:p>
             <a:pPr marL="0" indent="0">
@@ -8973,91 +11878,7 @@
                 <a:ea typeface="+mj-ea"/>
                 <a:cs typeface="+mj-cs"/>
               </a:rPr>
-              <a:t>URL( </a:t>
-            </a:r>
-            <a:r>
-              <a:rPr lang="es-AR" sz="4000" u="sng" dirty="0" err="1">
-                <a:solidFill>
-                  <a:schemeClr val="tx1">
-                    <a:lumMod val="65000"/>
-                    <a:lumOff val="35000"/>
-                  </a:schemeClr>
-                </a:solidFill>
-                <a:latin typeface="+mj-lt"/>
-                <a:ea typeface="+mj-ea"/>
-                <a:cs typeface="+mj-cs"/>
-              </a:rPr>
-              <a:t>Uniform</a:t>
-            </a:r>
-            <a:r>
-              <a:rPr lang="es-AR" sz="4000" u="sng" dirty="0">
-                <a:solidFill>
-                  <a:schemeClr val="tx1">
-                    <a:lumMod val="65000"/>
-                    <a:lumOff val="35000"/>
-                  </a:schemeClr>
-                </a:solidFill>
-                <a:latin typeface="+mj-lt"/>
-                <a:ea typeface="+mj-ea"/>
-                <a:cs typeface="+mj-cs"/>
-              </a:rPr>
-              <a:t> </a:t>
-            </a:r>
-            <a:r>
-              <a:rPr lang="es-AR" sz="4000" u="sng" dirty="0" err="1">
-                <a:solidFill>
-                  <a:schemeClr val="tx1">
-                    <a:lumMod val="65000"/>
-                    <a:lumOff val="35000"/>
-                  </a:schemeClr>
-                </a:solidFill>
-                <a:latin typeface="+mj-lt"/>
-                <a:ea typeface="+mj-ea"/>
-                <a:cs typeface="+mj-cs"/>
-              </a:rPr>
-              <a:t>Resource</a:t>
-            </a:r>
-            <a:r>
-              <a:rPr lang="es-AR" sz="4000" u="sng" dirty="0">
-                <a:solidFill>
-                  <a:schemeClr val="tx1">
-                    <a:lumMod val="65000"/>
-                    <a:lumOff val="35000"/>
-                  </a:schemeClr>
-                </a:solidFill>
-                <a:latin typeface="+mj-lt"/>
-                <a:ea typeface="+mj-ea"/>
-                <a:cs typeface="+mj-cs"/>
-              </a:rPr>
-              <a:t> </a:t>
-            </a:r>
-            <a:r>
-              <a:rPr lang="es-AR" sz="4000" u="sng" dirty="0" err="1">
-                <a:solidFill>
-                  <a:schemeClr val="tx1">
-                    <a:lumMod val="65000"/>
-                    <a:lumOff val="35000"/>
-                  </a:schemeClr>
-                </a:solidFill>
-                <a:latin typeface="+mj-lt"/>
-                <a:ea typeface="+mj-ea"/>
-                <a:cs typeface="+mj-cs"/>
-              </a:rPr>
-              <a:t>Locator</a:t>
-            </a:r>
-            <a:r>
-              <a:rPr lang="es-AR" sz="4000" u="sng" dirty="0">
-                <a:solidFill>
-                  <a:schemeClr val="tx1">
-                    <a:lumMod val="65000"/>
-                    <a:lumOff val="35000"/>
-                  </a:schemeClr>
-                </a:solidFill>
-                <a:latin typeface="+mj-lt"/>
-                <a:ea typeface="+mj-ea"/>
-                <a:cs typeface="+mj-cs"/>
-              </a:rPr>
-              <a:t>)</a:t>
+              <a:t>URL( Uniform Resource Locator)</a:t>
             </a:r>
           </a:p>
           <a:p>
@@ -9144,27 +11965,7 @@
                   </a:schemeClr>
                 </a:solidFill>
               </a:rPr>
-              <a:t>Una </a:t>
-            </a:r>
-            <a:r>
-              <a:rPr lang="es-AR" sz="2800" dirty="0" err="1">
-                <a:solidFill>
-                  <a:schemeClr val="tx1">
-                    <a:tint val="75000"/>
-                  </a:schemeClr>
-                </a:solidFill>
-              </a:rPr>
-              <a:t>url</a:t>
-            </a:r>
-            <a:r>
-              <a:rPr lang="es-AR" sz="2800" dirty="0">
-                <a:solidFill>
-                  <a:schemeClr val="tx1">
-                    <a:tint val="75000"/>
-                  </a:schemeClr>
-                </a:solidFill>
-              </a:rPr>
-              <a:t> puede tener hasta 5 componentes.</a:t>
+              <a:t>Una url puede tener hasta 5 componentes.</a:t>
             </a:r>
           </a:p>
           <a:p>
@@ -9185,27 +11986,7 @@
                   </a:schemeClr>
                 </a:solidFill>
               </a:rPr>
-              <a:t>Protocolo: http:// puede ser https, </a:t>
-            </a:r>
-            <a:r>
-              <a:rPr lang="es-AR" sz="2800" dirty="0" err="1">
-                <a:solidFill>
-                  <a:schemeClr val="tx1">
-                    <a:tint val="75000"/>
-                  </a:schemeClr>
-                </a:solidFill>
-              </a:rPr>
-              <a:t>mailto</a:t>
-            </a:r>
-            <a:r>
-              <a:rPr lang="es-AR" sz="2800" dirty="0">
-                <a:solidFill>
-                  <a:schemeClr val="tx1">
-                    <a:tint val="75000"/>
-                  </a:schemeClr>
-                </a:solidFill>
-              </a:rPr>
-              <a:t>, file o ftp. </a:t>
+              <a:t>Protocolo: http:// puede ser https, mailto, file o ftp. </a:t>
             </a:r>
           </a:p>
           <a:p>
@@ -9229,25 +12010,8 @@
                   </a:schemeClr>
                 </a:solidFill>
               </a:rPr>
-              <a:t>La ruta /carpeta/</a:t>
-            </a:r>
-            <a:r>
-              <a:rPr lang="es-AR" sz="2800" dirty="0" err="1">
-                <a:solidFill>
-                  <a:schemeClr val="tx1">
-                    <a:tint val="75000"/>
-                  </a:schemeClr>
-                </a:solidFill>
-              </a:rPr>
-              <a:t>index.php</a:t>
-            </a:r>
-            <a:endParaRPr lang="es-AR" sz="2800" dirty="0">
-              <a:solidFill>
-                <a:schemeClr val="tx1">
-                  <a:tint val="75000"/>
-                </a:schemeClr>
-              </a:solidFill>
-            </a:endParaRPr>
+              <a:t>La ruta /carpeta/index.php</a:t>
+            </a:r>
           </a:p>
           <a:p>
             <a:r>
@@ -9684,117 +12448,7 @@
                   </a:schemeClr>
                 </a:solidFill>
               </a:rPr>
-              <a:t>&lt;script </a:t>
-            </a:r>
-            <a:r>
-              <a:rPr lang="es-AR" sz="2800" dirty="0" err="1">
-                <a:solidFill>
-                  <a:schemeClr val="tx1">
-                    <a:lumMod val="75000"/>
-                    <a:lumOff val="25000"/>
-                  </a:schemeClr>
-                </a:solidFill>
-              </a:rPr>
-              <a:t>type</a:t>
-            </a:r>
-            <a:r>
-              <a:rPr lang="es-AR" sz="2800" dirty="0">
-                <a:solidFill>
-                  <a:schemeClr val="tx1">
-                    <a:lumMod val="75000"/>
-                    <a:lumOff val="25000"/>
-                  </a:schemeClr>
-                </a:solidFill>
-              </a:rPr>
-              <a:t>=“</a:t>
-            </a:r>
-            <a:r>
-              <a:rPr lang="es-AR" sz="2800" dirty="0" err="1">
-                <a:solidFill>
-                  <a:schemeClr val="tx1">
-                    <a:lumMod val="75000"/>
-                    <a:lumOff val="25000"/>
-                  </a:schemeClr>
-                </a:solidFill>
-              </a:rPr>
-              <a:t>text</a:t>
-            </a:r>
-            <a:r>
-              <a:rPr lang="es-AR" sz="2800" dirty="0">
-                <a:solidFill>
-                  <a:schemeClr val="tx1">
-                    <a:lumMod val="75000"/>
-                    <a:lumOff val="25000"/>
-                  </a:schemeClr>
-                </a:solidFill>
-              </a:rPr>
-              <a:t>/</a:t>
-            </a:r>
-            <a:r>
-              <a:rPr lang="es-AR" sz="2800" dirty="0" err="1">
-                <a:solidFill>
-                  <a:schemeClr val="tx1">
-                    <a:lumMod val="75000"/>
-                    <a:lumOff val="25000"/>
-                  </a:schemeClr>
-                </a:solidFill>
-              </a:rPr>
-              <a:t>javascript</a:t>
-            </a:r>
-            <a:r>
-              <a:rPr lang="es-AR" sz="2800" dirty="0">
-                <a:solidFill>
-                  <a:schemeClr val="tx1">
-                    <a:lumMod val="75000"/>
-                    <a:lumOff val="25000"/>
-                  </a:schemeClr>
-                </a:solidFill>
-              </a:rPr>
-              <a:t>” </a:t>
-            </a:r>
-            <a:r>
-              <a:rPr lang="es-AR" sz="2800" dirty="0" err="1">
-                <a:solidFill>
-                  <a:schemeClr val="tx1">
-                    <a:lumMod val="75000"/>
-                    <a:lumOff val="25000"/>
-                  </a:schemeClr>
-                </a:solidFill>
-              </a:rPr>
-              <a:t>src</a:t>
-            </a:r>
-            <a:r>
-              <a:rPr lang="es-AR" sz="2800" dirty="0">
-                <a:solidFill>
-                  <a:schemeClr val="tx1">
-                    <a:lumMod val="75000"/>
-                    <a:lumOff val="25000"/>
-                  </a:schemeClr>
-                </a:solidFill>
-              </a:rPr>
-              <a:t>=“</a:t>
-            </a:r>
-            <a:r>
-              <a:rPr lang="es-AR" sz="2800" dirty="0" err="1">
-                <a:solidFill>
-                  <a:schemeClr val="tx1">
-                    <a:lumMod val="75000"/>
-                    <a:lumOff val="25000"/>
-                  </a:schemeClr>
-                </a:solidFill>
-              </a:rPr>
-              <a:t>js</a:t>
-            </a:r>
-            <a:r>
-              <a:rPr lang="es-AR" sz="2800" dirty="0">
-                <a:solidFill>
-                  <a:schemeClr val="tx1">
-                    <a:lumMod val="75000"/>
-                    <a:lumOff val="25000"/>
-                  </a:schemeClr>
-                </a:solidFill>
-              </a:rPr>
-              <a:t>/código.js”&gt;&lt;/script&gt;</a:t>
+              <a:t>&lt;script type=“text/javascript” src=“js/código.js”&gt;&lt;/script&gt;</a:t>
             </a:r>
           </a:p>
           <a:p>
@@ -9815,95 +12469,7 @@
                   </a:schemeClr>
                 </a:solidFill>
               </a:rPr>
-              <a:t>&lt;link </a:t>
-            </a:r>
-            <a:r>
-              <a:rPr lang="es-AR" sz="2800" dirty="0" err="1">
-                <a:solidFill>
-                  <a:schemeClr val="tx1">
-                    <a:lumMod val="75000"/>
-                    <a:lumOff val="25000"/>
-                  </a:schemeClr>
-                </a:solidFill>
-              </a:rPr>
-              <a:t>rel</a:t>
-            </a:r>
-            <a:r>
-              <a:rPr lang="es-AR" sz="2800" dirty="0">
-                <a:solidFill>
-                  <a:schemeClr val="tx1">
-                    <a:lumMod val="75000"/>
-                    <a:lumOff val="25000"/>
-                  </a:schemeClr>
-                </a:solidFill>
-              </a:rPr>
-              <a:t>=“</a:t>
-            </a:r>
-            <a:r>
-              <a:rPr lang="es-AR" sz="2800" dirty="0" err="1">
-                <a:solidFill>
-                  <a:schemeClr val="tx1">
-                    <a:lumMod val="75000"/>
-                    <a:lumOff val="25000"/>
-                  </a:schemeClr>
-                </a:solidFill>
-              </a:rPr>
-              <a:t>stylesheet</a:t>
-            </a:r>
-            <a:r>
-              <a:rPr lang="es-AR" sz="2800" dirty="0">
-                <a:solidFill>
-                  <a:schemeClr val="tx1">
-                    <a:lumMod val="75000"/>
-                    <a:lumOff val="25000"/>
-                  </a:schemeClr>
-                </a:solidFill>
-              </a:rPr>
-              <a:t>” </a:t>
-            </a:r>
-            <a:r>
-              <a:rPr lang="es-AR" sz="2800" dirty="0" err="1">
-                <a:solidFill>
-                  <a:schemeClr val="tx1">
-                    <a:lumMod val="75000"/>
-                    <a:lumOff val="25000"/>
-                  </a:schemeClr>
-                </a:solidFill>
-              </a:rPr>
-              <a:t>type</a:t>
-            </a:r>
-            <a:r>
-              <a:rPr lang="es-AR" sz="2800" dirty="0">
-                <a:solidFill>
-                  <a:schemeClr val="tx1">
-                    <a:lumMod val="75000"/>
-                    <a:lumOff val="25000"/>
-                  </a:schemeClr>
-                </a:solidFill>
-              </a:rPr>
-              <a:t>=“</a:t>
-            </a:r>
-            <a:r>
-              <a:rPr lang="es-AR" sz="2800" dirty="0" err="1">
-                <a:solidFill>
-                  <a:schemeClr val="tx1">
-                    <a:lumMod val="75000"/>
-                    <a:lumOff val="25000"/>
-                  </a:schemeClr>
-                </a:solidFill>
-              </a:rPr>
-              <a:t>text</a:t>
-            </a:r>
-            <a:r>
-              <a:rPr lang="es-AR" sz="2800" dirty="0">
-                <a:solidFill>
-                  <a:schemeClr val="tx1">
-                    <a:lumMod val="75000"/>
-                    <a:lumOff val="25000"/>
-                  </a:schemeClr>
-                </a:solidFill>
-              </a:rPr>
-              <a:t>/css” href=“css/estilos.css”&gt;</a:t>
+              <a:t>&lt;link rel=“stylesheet” type=“text/css” href=“css/estilos.css”&gt;</a:t>
             </a:r>
           </a:p>
           <a:p>
@@ -10346,4 +12912,176 @@
     </a:folHlink>
   </a:clrScheme>
 </a:themeOverride>
+</file>
+
+<file path=ppt/theme/themeOverride4.xml><?xml version="1.0" encoding="utf-8"?>
+<a:themeOverride xmlns:a="http://schemas.openxmlformats.org/drawingml/2006/main">
+  <a:clrScheme name="Office">
+    <a:dk1>
+      <a:sysClr val="windowText" lastClr="000000"/>
+    </a:dk1>
+    <a:lt1>
+      <a:sysClr val="window" lastClr="FFFFFF"/>
+    </a:lt1>
+    <a:dk2>
+      <a:srgbClr val="44546A"/>
+    </a:dk2>
+    <a:lt2>
+      <a:srgbClr val="E7E6E6"/>
+    </a:lt2>
+    <a:accent1>
+      <a:srgbClr val="4472C4"/>
+    </a:accent1>
+    <a:accent2>
+      <a:srgbClr val="ED7D31"/>
+    </a:accent2>
+    <a:accent3>
+      <a:srgbClr val="A5A5A5"/>
+    </a:accent3>
+    <a:accent4>
+      <a:srgbClr val="FFC000"/>
+    </a:accent4>
+    <a:accent5>
+      <a:srgbClr val="5B9BD5"/>
+    </a:accent5>
+    <a:accent6>
+      <a:srgbClr val="70AD47"/>
+    </a:accent6>
+    <a:hlink>
+      <a:srgbClr val="0563C1"/>
+    </a:hlink>
+    <a:folHlink>
+      <a:srgbClr val="954F72"/>
+    </a:folHlink>
+  </a:clrScheme>
+</a:themeOverride>
+</file>
+
+<file path=ppt/theme/themeOverride5.xml><?xml version="1.0" encoding="utf-8"?>
+<a:themeOverride xmlns:a="http://schemas.openxmlformats.org/drawingml/2006/main">
+  <a:clrScheme name="Office">
+    <a:dk1>
+      <a:sysClr val="windowText" lastClr="000000"/>
+    </a:dk1>
+    <a:lt1>
+      <a:sysClr val="window" lastClr="FFFFFF"/>
+    </a:lt1>
+    <a:dk2>
+      <a:srgbClr val="44546A"/>
+    </a:dk2>
+    <a:lt2>
+      <a:srgbClr val="E7E6E6"/>
+    </a:lt2>
+    <a:accent1>
+      <a:srgbClr val="4472C4"/>
+    </a:accent1>
+    <a:accent2>
+      <a:srgbClr val="ED7D31"/>
+    </a:accent2>
+    <a:accent3>
+      <a:srgbClr val="A5A5A5"/>
+    </a:accent3>
+    <a:accent4>
+      <a:srgbClr val="FFC000"/>
+    </a:accent4>
+    <a:accent5>
+      <a:srgbClr val="5B9BD5"/>
+    </a:accent5>
+    <a:accent6>
+      <a:srgbClr val="70AD47"/>
+    </a:accent6>
+    <a:hlink>
+      <a:srgbClr val="0563C1"/>
+    </a:hlink>
+    <a:folHlink>
+      <a:srgbClr val="954F72"/>
+    </a:folHlink>
+  </a:clrScheme>
+</a:themeOverride>
+</file>
+
+<file path=ppt/theme/themeOverride6.xml><?xml version="1.0" encoding="utf-8"?>
+<a:themeOverride xmlns:a="http://schemas.openxmlformats.org/drawingml/2006/main">
+  <a:clrScheme name="Office">
+    <a:dk1>
+      <a:sysClr val="windowText" lastClr="000000"/>
+    </a:dk1>
+    <a:lt1>
+      <a:sysClr val="window" lastClr="FFFFFF"/>
+    </a:lt1>
+    <a:dk2>
+      <a:srgbClr val="44546A"/>
+    </a:dk2>
+    <a:lt2>
+      <a:srgbClr val="E7E6E6"/>
+    </a:lt2>
+    <a:accent1>
+      <a:srgbClr val="4472C4"/>
+    </a:accent1>
+    <a:accent2>
+      <a:srgbClr val="ED7D31"/>
+    </a:accent2>
+    <a:accent3>
+      <a:srgbClr val="A5A5A5"/>
+    </a:accent3>
+    <a:accent4>
+      <a:srgbClr val="FFC000"/>
+    </a:accent4>
+    <a:accent5>
+      <a:srgbClr val="5B9BD5"/>
+    </a:accent5>
+    <a:accent6>
+      <a:srgbClr val="70AD47"/>
+    </a:accent6>
+    <a:hlink>
+      <a:srgbClr val="0563C1"/>
+    </a:hlink>
+    <a:folHlink>
+      <a:srgbClr val="954F72"/>
+    </a:folHlink>
+  </a:clrScheme>
+</a:themeOverride>
+</file>
+
+<file path=ppt/theme/themeOverride7.xml><?xml version="1.0" encoding="utf-8"?>
+<a:themeOverride xmlns:a="http://schemas.openxmlformats.org/drawingml/2006/main">
+  <a:clrScheme name="Office">
+    <a:dk1>
+      <a:sysClr val="windowText" lastClr="000000"/>
+    </a:dk1>
+    <a:lt1>
+      <a:sysClr val="window" lastClr="FFFFFF"/>
+    </a:lt1>
+    <a:dk2>
+      <a:srgbClr val="44546A"/>
+    </a:dk2>
+    <a:lt2>
+      <a:srgbClr val="E7E6E6"/>
+    </a:lt2>
+    <a:accent1>
+      <a:srgbClr val="4472C4"/>
+    </a:accent1>
+    <a:accent2>
+      <a:srgbClr val="ED7D31"/>
+    </a:accent2>
+    <a:accent3>
+      <a:srgbClr val="A5A5A5"/>
+    </a:accent3>
+    <a:accent4>
+      <a:srgbClr val="FFC000"/>
+    </a:accent4>
+    <a:accent5>
+      <a:srgbClr val="5B9BD5"/>
+    </a:accent5>
+    <a:accent6>
+      <a:srgbClr val="70AD47"/>
+    </a:accent6>
+    <a:hlink>
+      <a:srgbClr val="0563C1"/>
+    </a:hlink>
+    <a:folHlink>
+      <a:srgbClr val="954F72"/>
+    </a:folHlink>
+  </a:clrScheme>
+</a:themeOverride>
 </file>